--- a/RF6_Team_Interface/RocksDB_Festival_RF6_3rdWeeks.pptx
+++ b/RF6_Team_Interface/RocksDB_Festival_RF6_3rdWeeks.pptx
@@ -6895,8 +6895,8 @@
         </p:nvSpPr>
         <p:spPr>
           <a:xfrm>
-            <a:off x="608150" y="4949350"/>
-            <a:ext cx="3068700" cy="400200"/>
+            <a:off x="963600" y="4939475"/>
+            <a:ext cx="7216800" cy="1046700"/>
           </a:xfrm>
           <a:prstGeom prst="rect">
             <a:avLst/>
@@ -6923,7 +6923,55 @@
             </a:pPr>
             <a:r>
               <a:rPr lang="en-US"/>
-              <a:t>Through put: latency / operations</a:t>
+              <a:t>Latency 		: 99thPercentile Latency</a:t>
+            </a:r>
+            <a:endParaRPr/>
+          </a:p>
+          <a:p>
+            <a:pPr indent="0" lvl="0" marL="0" rtl="0" algn="l">
+              <a:spcBef>
+                <a:spcPts val="0"/>
+              </a:spcBef>
+              <a:spcAft>
+                <a:spcPts val="0"/>
+              </a:spcAft>
+              <a:buNone/>
+            </a:pPr>
+            <a:r>
+              <a:rPr lang="en-US"/>
+              <a:t>Throughput		: Operation/sec (YCSB의 target 옵션을 통해 제한하면서 실험 진행)</a:t>
+            </a:r>
+            <a:endParaRPr/>
+          </a:p>
+          <a:p>
+            <a:pPr indent="0" lvl="0" marL="0" rtl="0" algn="l">
+              <a:spcBef>
+                <a:spcPts val="0"/>
+              </a:spcBef>
+              <a:spcAft>
+                <a:spcPts val="0"/>
+              </a:spcAft>
+              <a:buNone/>
+            </a:pPr>
+            <a:r>
+              <a:rPr lang="en-US"/>
+              <a:t>Record 		: 100,000</a:t>
+            </a:r>
+            <a:endParaRPr/>
+          </a:p>
+          <a:p>
+            <a:pPr indent="0" lvl="0" marL="0" rtl="0" algn="l">
+              <a:spcBef>
+                <a:spcPts val="0"/>
+              </a:spcBef>
+              <a:spcAft>
+                <a:spcPts val="0"/>
+              </a:spcAft>
+              <a:buNone/>
+            </a:pPr>
+            <a:r>
+              <a:rPr lang="en-US"/>
+              <a:t>Workload		: Read(50%), Write(50%)</a:t>
             </a:r>
             <a:endParaRPr/>
           </a:p>
@@ -10795,6 +10843,285 @@
 </file>
 
 <file path=ppt/theme/theme1.xml><?xml version="1.0" encoding="utf-8"?>
+<a:theme xmlns:a="http://schemas.openxmlformats.org/drawingml/2006/main" xmlns:r="http://schemas.openxmlformats.org/officeDocument/2006/relationships" name="파일캐쉬서식">
+  <a:themeElements>
+    <a:clrScheme name="파일캐쉬서식 2">
+      <a:dk1>
+        <a:srgbClr val="000000"/>
+      </a:dk1>
+      <a:lt1>
+        <a:srgbClr val="FFFFFF"/>
+      </a:lt1>
+      <a:dk2>
+        <a:srgbClr val="333399"/>
+      </a:dk2>
+      <a:lt2>
+        <a:srgbClr val="1C1C1C"/>
+      </a:lt2>
+      <a:accent1>
+        <a:srgbClr val="00E4A8"/>
+      </a:accent1>
+      <a:accent2>
+        <a:srgbClr val="FFCF01"/>
+      </a:accent2>
+      <a:accent3>
+        <a:srgbClr val="FFFFFF"/>
+      </a:accent3>
+      <a:accent4>
+        <a:srgbClr val="000000"/>
+      </a:accent4>
+      <a:accent5>
+        <a:srgbClr val="AAEFD1"/>
+      </a:accent5>
+      <a:accent6>
+        <a:srgbClr val="E7BB01"/>
+      </a:accent6>
+      <a:hlink>
+        <a:srgbClr val="FF0000"/>
+      </a:hlink>
+      <a:folHlink>
+        <a:srgbClr val="3333CC"/>
+      </a:folHlink>
+    </a:clrScheme>
+    <a:fontScheme name="Office">
+      <a:majorFont>
+        <a:latin typeface="Arial"/>
+        <a:ea typeface=""/>
+        <a:cs typeface=""/>
+        <a:font script="Jpan" typeface="ＭＳ Ｐゴシック"/>
+        <a:font script="Hang" typeface="맑은 고딕"/>
+        <a:font script="Hans" typeface="宋体"/>
+        <a:font script="Hant" typeface="新細明體"/>
+        <a:font script="Arab" typeface="Times New Roman"/>
+        <a:font script="Hebr" typeface="Times New Roman"/>
+        <a:font script="Thai" typeface="Angsana New"/>
+        <a:font script="Ethi" typeface="Nyala"/>
+        <a:font script="Beng" typeface="Vrinda"/>
+        <a:font script="Gujr" typeface="Shruti"/>
+        <a:font script="Khmr" typeface="MoolBoran"/>
+        <a:font script="Knda" typeface="Tunga"/>
+        <a:font script="Guru" typeface="Raavi"/>
+        <a:font script="Cans" typeface="Euphemia"/>
+        <a:font script="Cher" typeface="Plantagenet Cherokee"/>
+        <a:font script="Yiii" typeface="Microsoft Yi Baiti"/>
+        <a:font script="Tibt" typeface="Microsoft Himalaya"/>
+        <a:font script="Thaa" typeface="MV Boli"/>
+        <a:font script="Deva" typeface="Mangal"/>
+        <a:font script="Telu" typeface="Gautami"/>
+        <a:font script="Taml" typeface="Latha"/>
+        <a:font script="Syrc" typeface="Estrangelo Edessa"/>
+        <a:font script="Orya" typeface="Kalinga"/>
+        <a:font script="Mlym" typeface="Kartika"/>
+        <a:font script="Laoo" typeface="DokChampa"/>
+        <a:font script="Sinh" typeface="Iskoola Pota"/>
+        <a:font script="Mong" typeface="Mongolian Baiti"/>
+        <a:font script="Viet" typeface="Times New Roman"/>
+        <a:font script="Uigh" typeface="Microsoft Uighur"/>
+        <a:font script="Geor" typeface="Sylfaen"/>
+      </a:majorFont>
+      <a:minorFont>
+        <a:latin typeface="Arial"/>
+        <a:ea typeface=""/>
+        <a:cs typeface=""/>
+        <a:font script="Jpan" typeface="ＭＳ Ｐゴシック"/>
+        <a:font script="Hang" typeface="맑은 고딕"/>
+        <a:font script="Hans" typeface="宋体"/>
+        <a:font script="Hant" typeface="新細明體"/>
+        <a:font script="Arab" typeface="Arial"/>
+        <a:font script="Hebr" typeface="Arial"/>
+        <a:font script="Thai" typeface="Cordia New"/>
+        <a:font script="Ethi" typeface="Nyala"/>
+        <a:font script="Beng" typeface="Vrinda"/>
+        <a:font script="Gujr" typeface="Shruti"/>
+        <a:font script="Khmr" typeface="DaunPenh"/>
+        <a:font script="Knda" typeface="Tunga"/>
+        <a:font script="Guru" typeface="Raavi"/>
+        <a:font script="Cans" typeface="Euphemia"/>
+        <a:font script="Cher" typeface="Plantagenet Cherokee"/>
+        <a:font script="Yiii" typeface="Microsoft Yi Baiti"/>
+        <a:font script="Tibt" typeface="Microsoft Himalaya"/>
+        <a:font script="Thaa" typeface="MV Boli"/>
+        <a:font script="Deva" typeface="Mangal"/>
+        <a:font script="Telu" typeface="Gautami"/>
+        <a:font script="Taml" typeface="Latha"/>
+        <a:font script="Syrc" typeface="Estrangelo Edessa"/>
+        <a:font script="Orya" typeface="Kalinga"/>
+        <a:font script="Mlym" typeface="Kartika"/>
+        <a:font script="Laoo" typeface="DokChampa"/>
+        <a:font script="Sinh" typeface="Iskoola Pota"/>
+        <a:font script="Mong" typeface="Mongolian Baiti"/>
+        <a:font script="Viet" typeface="Arial"/>
+        <a:font script="Uigh" typeface="Microsoft Uighur"/>
+        <a:font script="Geor" typeface="Sylfaen"/>
+      </a:minorFont>
+    </a:fontScheme>
+    <a:fmtScheme name="Office">
+      <a:fillStyleLst>
+        <a:solidFill>
+          <a:schemeClr val="phClr"/>
+        </a:solidFill>
+        <a:gradFill rotWithShape="1">
+          <a:gsLst>
+            <a:gs pos="0">
+              <a:schemeClr val="phClr">
+                <a:tint val="50000"/>
+                <a:satMod val="300000"/>
+              </a:schemeClr>
+            </a:gs>
+            <a:gs pos="35000">
+              <a:schemeClr val="phClr">
+                <a:tint val="37000"/>
+                <a:satMod val="300000"/>
+              </a:schemeClr>
+            </a:gs>
+            <a:gs pos="100000">
+              <a:schemeClr val="phClr">
+                <a:tint val="15000"/>
+                <a:satMod val="350000"/>
+              </a:schemeClr>
+            </a:gs>
+          </a:gsLst>
+          <a:lin ang="16200000" scaled="1"/>
+        </a:gradFill>
+        <a:gradFill rotWithShape="1">
+          <a:gsLst>
+            <a:gs pos="0">
+              <a:schemeClr val="phClr">
+                <a:tint val="100000"/>
+                <a:shade val="100000"/>
+                <a:satMod val="130000"/>
+              </a:schemeClr>
+            </a:gs>
+            <a:gs pos="100000">
+              <a:schemeClr val="phClr">
+                <a:tint val="50000"/>
+                <a:shade val="100000"/>
+                <a:satMod val="350000"/>
+              </a:schemeClr>
+            </a:gs>
+          </a:gsLst>
+          <a:lin ang="16200000" scaled="0"/>
+        </a:gradFill>
+      </a:fillStyleLst>
+      <a:lnStyleLst>
+        <a:ln w="9525" cap="flat" cmpd="sng" algn="ctr">
+          <a:solidFill>
+            <a:schemeClr val="phClr">
+              <a:shade val="95000"/>
+              <a:satMod val="105000"/>
+            </a:schemeClr>
+          </a:solidFill>
+          <a:prstDash val="solid"/>
+        </a:ln>
+        <a:ln w="25400" cap="flat" cmpd="sng" algn="ctr">
+          <a:solidFill>
+            <a:schemeClr val="phClr"/>
+          </a:solidFill>
+          <a:prstDash val="solid"/>
+        </a:ln>
+        <a:ln w="38100" cap="flat" cmpd="sng" algn="ctr">
+          <a:solidFill>
+            <a:schemeClr val="phClr"/>
+          </a:solidFill>
+          <a:prstDash val="solid"/>
+        </a:ln>
+      </a:lnStyleLst>
+      <a:effectStyleLst>
+        <a:effectStyle>
+          <a:effectLst>
+            <a:outerShdw blurRad="40000" dist="20000" dir="5400000" rotWithShape="0">
+              <a:srgbClr val="000000">
+                <a:alpha val="38000"/>
+              </a:srgbClr>
+            </a:outerShdw>
+          </a:effectLst>
+        </a:effectStyle>
+        <a:effectStyle>
+          <a:effectLst>
+            <a:outerShdw blurRad="40000" dist="23000" dir="5400000" rotWithShape="0">
+              <a:srgbClr val="000000">
+                <a:alpha val="35000"/>
+              </a:srgbClr>
+            </a:outerShdw>
+          </a:effectLst>
+        </a:effectStyle>
+        <a:effectStyle>
+          <a:effectLst>
+            <a:outerShdw blurRad="40000" dist="23000" dir="5400000" rotWithShape="0">
+              <a:srgbClr val="000000">
+                <a:alpha val="35000"/>
+              </a:srgbClr>
+            </a:outerShdw>
+          </a:effectLst>
+          <a:scene3d>
+            <a:camera prst="orthographicFront">
+              <a:rot lat="0" lon="0" rev="0"/>
+            </a:camera>
+            <a:lightRig rig="threePt" dir="t">
+              <a:rot lat="0" lon="0" rev="1200000"/>
+            </a:lightRig>
+          </a:scene3d>
+          <a:sp3d>
+            <a:bevelT w="63500" h="25400"/>
+          </a:sp3d>
+        </a:effectStyle>
+      </a:effectStyleLst>
+      <a:bgFillStyleLst>
+        <a:solidFill>
+          <a:schemeClr val="phClr"/>
+        </a:solidFill>
+        <a:gradFill rotWithShape="1">
+          <a:gsLst>
+            <a:gs pos="0">
+              <a:schemeClr val="phClr">
+                <a:tint val="40000"/>
+                <a:satMod val="350000"/>
+              </a:schemeClr>
+            </a:gs>
+            <a:gs pos="40000">
+              <a:schemeClr val="phClr">
+                <a:tint val="45000"/>
+                <a:shade val="99000"/>
+                <a:satMod val="350000"/>
+              </a:schemeClr>
+            </a:gs>
+            <a:gs pos="100000">
+              <a:schemeClr val="phClr">
+                <a:shade val="20000"/>
+                <a:satMod val="255000"/>
+              </a:schemeClr>
+            </a:gs>
+          </a:gsLst>
+          <a:path path="circle">
+            <a:fillToRect l="50000" t="-80000" r="50000" b="180000"/>
+          </a:path>
+        </a:gradFill>
+        <a:gradFill rotWithShape="1">
+          <a:gsLst>
+            <a:gs pos="0">
+              <a:schemeClr val="phClr">
+                <a:tint val="80000"/>
+                <a:satMod val="300000"/>
+              </a:schemeClr>
+            </a:gs>
+            <a:gs pos="100000">
+              <a:schemeClr val="phClr">
+                <a:shade val="30000"/>
+                <a:satMod val="200000"/>
+              </a:schemeClr>
+            </a:gs>
+          </a:gsLst>
+          <a:path path="circle">
+            <a:fillToRect l="50000" t="50000" r="50000" b="50000"/>
+          </a:path>
+        </a:gradFill>
+      </a:bgFillStyleLst>
+    </a:fmtScheme>
+  </a:themeElements>
+</a:theme>
+</file>
+
+<file path=ppt/theme/theme2.xml><?xml version="1.0" encoding="utf-8"?>
 <a:theme xmlns:a="http://schemas.openxmlformats.org/drawingml/2006/main" xmlns:r="http://schemas.openxmlformats.org/officeDocument/2006/relationships" name="Office 테마">
   <a:themeElements>
     <a:clrScheme name="">
@@ -11071,283 +11398,4 @@
     </a:fmtScheme>
   </a:themeElements>
 </a:theme>
-</file>
-
-<file path=ppt/theme/theme2.xml><?xml version="1.0" encoding="utf-8"?>
-<a:theme xmlns:a="http://schemas.openxmlformats.org/drawingml/2006/main" xmlns:r="http://schemas.openxmlformats.org/officeDocument/2006/relationships" name="파일캐쉬서식">
-  <a:themeElements>
-    <a:clrScheme name="파일캐쉬서식 2">
-      <a:dk1>
-        <a:srgbClr val="000000"/>
-      </a:dk1>
-      <a:lt1>
-        <a:srgbClr val="FFFFFF"/>
-      </a:lt1>
-      <a:dk2>
-        <a:srgbClr val="333399"/>
-      </a:dk2>
-      <a:lt2>
-        <a:srgbClr val="1C1C1C"/>
-      </a:lt2>
-      <a:accent1>
-        <a:srgbClr val="00E4A8"/>
-      </a:accent1>
-      <a:accent2>
-        <a:srgbClr val="FFCF01"/>
-      </a:accent2>
-      <a:accent3>
-        <a:srgbClr val="FFFFFF"/>
-      </a:accent3>
-      <a:accent4>
-        <a:srgbClr val="000000"/>
-      </a:accent4>
-      <a:accent5>
-        <a:srgbClr val="AAEFD1"/>
-      </a:accent5>
-      <a:accent6>
-        <a:srgbClr val="E7BB01"/>
-      </a:accent6>
-      <a:hlink>
-        <a:srgbClr val="FF0000"/>
-      </a:hlink>
-      <a:folHlink>
-        <a:srgbClr val="3333CC"/>
-      </a:folHlink>
-    </a:clrScheme>
-    <a:fontScheme name="Office">
-      <a:majorFont>
-        <a:latin typeface="Arial"/>
-        <a:ea typeface=""/>
-        <a:cs typeface=""/>
-        <a:font script="Jpan" typeface="ＭＳ Ｐゴシック"/>
-        <a:font script="Hang" typeface="맑은 고딕"/>
-        <a:font script="Hans" typeface="宋体"/>
-        <a:font script="Hant" typeface="新細明體"/>
-        <a:font script="Arab" typeface="Times New Roman"/>
-        <a:font script="Hebr" typeface="Times New Roman"/>
-        <a:font script="Thai" typeface="Angsana New"/>
-        <a:font script="Ethi" typeface="Nyala"/>
-        <a:font script="Beng" typeface="Vrinda"/>
-        <a:font script="Gujr" typeface="Shruti"/>
-        <a:font script="Khmr" typeface="MoolBoran"/>
-        <a:font script="Knda" typeface="Tunga"/>
-        <a:font script="Guru" typeface="Raavi"/>
-        <a:font script="Cans" typeface="Euphemia"/>
-        <a:font script="Cher" typeface="Plantagenet Cherokee"/>
-        <a:font script="Yiii" typeface="Microsoft Yi Baiti"/>
-        <a:font script="Tibt" typeface="Microsoft Himalaya"/>
-        <a:font script="Thaa" typeface="MV Boli"/>
-        <a:font script="Deva" typeface="Mangal"/>
-        <a:font script="Telu" typeface="Gautami"/>
-        <a:font script="Taml" typeface="Latha"/>
-        <a:font script="Syrc" typeface="Estrangelo Edessa"/>
-        <a:font script="Orya" typeface="Kalinga"/>
-        <a:font script="Mlym" typeface="Kartika"/>
-        <a:font script="Laoo" typeface="DokChampa"/>
-        <a:font script="Sinh" typeface="Iskoola Pota"/>
-        <a:font script="Mong" typeface="Mongolian Baiti"/>
-        <a:font script="Viet" typeface="Times New Roman"/>
-        <a:font script="Uigh" typeface="Microsoft Uighur"/>
-        <a:font script="Geor" typeface="Sylfaen"/>
-      </a:majorFont>
-      <a:minorFont>
-        <a:latin typeface="Arial"/>
-        <a:ea typeface=""/>
-        <a:cs typeface=""/>
-        <a:font script="Jpan" typeface="ＭＳ Ｐゴシック"/>
-        <a:font script="Hang" typeface="맑은 고딕"/>
-        <a:font script="Hans" typeface="宋体"/>
-        <a:font script="Hant" typeface="新細明體"/>
-        <a:font script="Arab" typeface="Arial"/>
-        <a:font script="Hebr" typeface="Arial"/>
-        <a:font script="Thai" typeface="Cordia New"/>
-        <a:font script="Ethi" typeface="Nyala"/>
-        <a:font script="Beng" typeface="Vrinda"/>
-        <a:font script="Gujr" typeface="Shruti"/>
-        <a:font script="Khmr" typeface="DaunPenh"/>
-        <a:font script="Knda" typeface="Tunga"/>
-        <a:font script="Guru" typeface="Raavi"/>
-        <a:font script="Cans" typeface="Euphemia"/>
-        <a:font script="Cher" typeface="Plantagenet Cherokee"/>
-        <a:font script="Yiii" typeface="Microsoft Yi Baiti"/>
-        <a:font script="Tibt" typeface="Microsoft Himalaya"/>
-        <a:font script="Thaa" typeface="MV Boli"/>
-        <a:font script="Deva" typeface="Mangal"/>
-        <a:font script="Telu" typeface="Gautami"/>
-        <a:font script="Taml" typeface="Latha"/>
-        <a:font script="Syrc" typeface="Estrangelo Edessa"/>
-        <a:font script="Orya" typeface="Kalinga"/>
-        <a:font script="Mlym" typeface="Kartika"/>
-        <a:font script="Laoo" typeface="DokChampa"/>
-        <a:font script="Sinh" typeface="Iskoola Pota"/>
-        <a:font script="Mong" typeface="Mongolian Baiti"/>
-        <a:font script="Viet" typeface="Arial"/>
-        <a:font script="Uigh" typeface="Microsoft Uighur"/>
-        <a:font script="Geor" typeface="Sylfaen"/>
-      </a:minorFont>
-    </a:fontScheme>
-    <a:fmtScheme name="Office">
-      <a:fillStyleLst>
-        <a:solidFill>
-          <a:schemeClr val="phClr"/>
-        </a:solidFill>
-        <a:gradFill rotWithShape="1">
-          <a:gsLst>
-            <a:gs pos="0">
-              <a:schemeClr val="phClr">
-                <a:tint val="50000"/>
-                <a:satMod val="300000"/>
-              </a:schemeClr>
-            </a:gs>
-            <a:gs pos="35000">
-              <a:schemeClr val="phClr">
-                <a:tint val="37000"/>
-                <a:satMod val="300000"/>
-              </a:schemeClr>
-            </a:gs>
-            <a:gs pos="100000">
-              <a:schemeClr val="phClr">
-                <a:tint val="15000"/>
-                <a:satMod val="350000"/>
-              </a:schemeClr>
-            </a:gs>
-          </a:gsLst>
-          <a:lin ang="16200000" scaled="1"/>
-        </a:gradFill>
-        <a:gradFill rotWithShape="1">
-          <a:gsLst>
-            <a:gs pos="0">
-              <a:schemeClr val="phClr">
-                <a:tint val="100000"/>
-                <a:shade val="100000"/>
-                <a:satMod val="130000"/>
-              </a:schemeClr>
-            </a:gs>
-            <a:gs pos="100000">
-              <a:schemeClr val="phClr">
-                <a:tint val="50000"/>
-                <a:shade val="100000"/>
-                <a:satMod val="350000"/>
-              </a:schemeClr>
-            </a:gs>
-          </a:gsLst>
-          <a:lin ang="16200000" scaled="0"/>
-        </a:gradFill>
-      </a:fillStyleLst>
-      <a:lnStyleLst>
-        <a:ln w="9525" cap="flat" cmpd="sng" algn="ctr">
-          <a:solidFill>
-            <a:schemeClr val="phClr">
-              <a:shade val="95000"/>
-              <a:satMod val="105000"/>
-            </a:schemeClr>
-          </a:solidFill>
-          <a:prstDash val="solid"/>
-        </a:ln>
-        <a:ln w="25400" cap="flat" cmpd="sng" algn="ctr">
-          <a:solidFill>
-            <a:schemeClr val="phClr"/>
-          </a:solidFill>
-          <a:prstDash val="solid"/>
-        </a:ln>
-        <a:ln w="38100" cap="flat" cmpd="sng" algn="ctr">
-          <a:solidFill>
-            <a:schemeClr val="phClr"/>
-          </a:solidFill>
-          <a:prstDash val="solid"/>
-        </a:ln>
-      </a:lnStyleLst>
-      <a:effectStyleLst>
-        <a:effectStyle>
-          <a:effectLst>
-            <a:outerShdw blurRad="40000" dist="20000" dir="5400000" rotWithShape="0">
-              <a:srgbClr val="000000">
-                <a:alpha val="38000"/>
-              </a:srgbClr>
-            </a:outerShdw>
-          </a:effectLst>
-        </a:effectStyle>
-        <a:effectStyle>
-          <a:effectLst>
-            <a:outerShdw blurRad="40000" dist="23000" dir="5400000" rotWithShape="0">
-              <a:srgbClr val="000000">
-                <a:alpha val="35000"/>
-              </a:srgbClr>
-            </a:outerShdw>
-          </a:effectLst>
-        </a:effectStyle>
-        <a:effectStyle>
-          <a:effectLst>
-            <a:outerShdw blurRad="40000" dist="23000" dir="5400000" rotWithShape="0">
-              <a:srgbClr val="000000">
-                <a:alpha val="35000"/>
-              </a:srgbClr>
-            </a:outerShdw>
-          </a:effectLst>
-          <a:scene3d>
-            <a:camera prst="orthographicFront">
-              <a:rot lat="0" lon="0" rev="0"/>
-            </a:camera>
-            <a:lightRig rig="threePt" dir="t">
-              <a:rot lat="0" lon="0" rev="1200000"/>
-            </a:lightRig>
-          </a:scene3d>
-          <a:sp3d>
-            <a:bevelT w="63500" h="25400"/>
-          </a:sp3d>
-        </a:effectStyle>
-      </a:effectStyleLst>
-      <a:bgFillStyleLst>
-        <a:solidFill>
-          <a:schemeClr val="phClr"/>
-        </a:solidFill>
-        <a:gradFill rotWithShape="1">
-          <a:gsLst>
-            <a:gs pos="0">
-              <a:schemeClr val="phClr">
-                <a:tint val="40000"/>
-                <a:satMod val="350000"/>
-              </a:schemeClr>
-            </a:gs>
-            <a:gs pos="40000">
-              <a:schemeClr val="phClr">
-                <a:tint val="45000"/>
-                <a:shade val="99000"/>
-                <a:satMod val="350000"/>
-              </a:schemeClr>
-            </a:gs>
-            <a:gs pos="100000">
-              <a:schemeClr val="phClr">
-                <a:shade val="20000"/>
-                <a:satMod val="255000"/>
-              </a:schemeClr>
-            </a:gs>
-          </a:gsLst>
-          <a:path path="circle">
-            <a:fillToRect l="50000" t="-80000" r="50000" b="180000"/>
-          </a:path>
-        </a:gradFill>
-        <a:gradFill rotWithShape="1">
-          <a:gsLst>
-            <a:gs pos="0">
-              <a:schemeClr val="phClr">
-                <a:tint val="80000"/>
-                <a:satMod val="300000"/>
-              </a:schemeClr>
-            </a:gs>
-            <a:gs pos="100000">
-              <a:schemeClr val="phClr">
-                <a:shade val="30000"/>
-                <a:satMod val="200000"/>
-              </a:schemeClr>
-            </a:gs>
-          </a:gsLst>
-          <a:path path="circle">
-            <a:fillToRect l="50000" t="50000" r="50000" b="50000"/>
-          </a:path>
-        </a:gradFill>
-      </a:bgFillStyleLst>
-    </a:fmtScheme>
-  </a:themeElements>
-</a:theme>
 </file>
--- a/RF6_Team_Interface/RocksDB_Festival_RF6_3rdWeeks.pptx
+++ b/RF6_Team_Interface/RocksDB_Festival_RF6_3rdWeeks.pptx
@@ -1621,7 +1621,7 @@
   <p:cSld>
     <p:spTree>
       <p:nvGrpSpPr>
-        <p:cNvPr id="170" name="Shape 170"/>
+        <p:cNvPr id="171" name="Shape 171"/>
         <p:cNvGrpSpPr/>
         <p:nvPr/>
       </p:nvGrpSpPr>
@@ -1635,7 +1635,7 @@
       </p:grpSpPr>
       <p:sp>
         <p:nvSpPr>
-          <p:cNvPr id="171" name="Google Shape;171;p3:notes"/>
+          <p:cNvPr id="172" name="Google Shape;172;p3:notes"/>
           <p:cNvSpPr txBox="1"/>
           <p:nvPr>
             <p:ph idx="1" type="body"/>
@@ -1674,7 +1674,7 @@
       </p:sp>
       <p:sp>
         <p:nvSpPr>
-          <p:cNvPr id="172" name="Google Shape;172;p3:notes"/>
+          <p:cNvPr id="173" name="Google Shape;173;p3:notes"/>
           <p:cNvSpPr/>
           <p:nvPr>
             <p:ph idx="2" type="sldImg"/>
@@ -2546,7 +2546,7 @@
   <p:cSld>
     <p:spTree>
       <p:nvGrpSpPr>
-        <p:cNvPr id="159" name="Shape 159"/>
+        <p:cNvPr id="160" name="Shape 160"/>
         <p:cNvGrpSpPr/>
         <p:nvPr/>
       </p:nvGrpSpPr>
@@ -2560,7 +2560,7 @@
       </p:grpSpPr>
       <p:sp>
         <p:nvSpPr>
-          <p:cNvPr id="160" name="Google Shape;160;gb829dd4310_5_79:notes"/>
+          <p:cNvPr id="161" name="Google Shape;161;gb829dd4310_5_79:notes"/>
           <p:cNvSpPr txBox="1"/>
           <p:nvPr>
             <p:ph idx="1" type="body"/>
@@ -2599,7 +2599,7 @@
       </p:sp>
       <p:sp>
         <p:nvSpPr>
-          <p:cNvPr id="161" name="Google Shape;161;gb829dd4310_5_79:notes"/>
+          <p:cNvPr id="162" name="Google Shape;162;gb829dd4310_5_79:notes"/>
           <p:cNvSpPr/>
           <p:nvPr>
             <p:ph idx="2" type="sldImg"/>
@@ -5779,7 +5779,7 @@
   <p:cSld>
     <p:spTree>
       <p:nvGrpSpPr>
-        <p:cNvPr id="173" name="Shape 173"/>
+        <p:cNvPr id="174" name="Shape 174"/>
         <p:cNvGrpSpPr/>
         <p:nvPr/>
       </p:nvGrpSpPr>
@@ -5793,7 +5793,7 @@
       </p:grpSpPr>
       <p:sp>
         <p:nvSpPr>
-          <p:cNvPr id="174" name="Google Shape;174;p14"/>
+          <p:cNvPr id="175" name="Google Shape;175;p14"/>
           <p:cNvSpPr txBox="1"/>
           <p:nvPr>
             <p:ph type="title"/>
@@ -5837,7 +5837,7 @@
       </p:sp>
       <p:sp>
         <p:nvSpPr>
-          <p:cNvPr id="175" name="Google Shape;175;p14"/>
+          <p:cNvPr id="176" name="Google Shape;176;p14"/>
           <p:cNvSpPr txBox="1"/>
           <p:nvPr>
             <p:ph idx="1" type="body"/>
@@ -5881,7 +5881,7 @@
       </p:sp>
       <p:pic>
         <p:nvPicPr>
-          <p:cNvPr id="176" name="Google Shape;176;p14"/>
+          <p:cNvPr id="177" name="Google Shape;177;p14"/>
           <p:cNvPicPr preferRelativeResize="0"/>
           <p:nvPr/>
         </p:nvPicPr>
@@ -6895,8 +6895,8 @@
         </p:nvSpPr>
         <p:spPr>
           <a:xfrm>
-            <a:off x="608150" y="4949350"/>
-            <a:ext cx="3068700" cy="400200"/>
+            <a:off x="963600" y="4939475"/>
+            <a:ext cx="7216800" cy="1046700"/>
           </a:xfrm>
           <a:prstGeom prst="rect">
             <a:avLst/>
@@ -6923,7 +6923,55 @@
             </a:pPr>
             <a:r>
               <a:rPr lang="en-US"/>
-              <a:t>Through put: latency / operations</a:t>
+              <a:t>Latency 		: 99thPercentile Latency</a:t>
+            </a:r>
+            <a:endParaRPr/>
+          </a:p>
+          <a:p>
+            <a:pPr indent="0" lvl="0" marL="0" rtl="0" algn="l">
+              <a:spcBef>
+                <a:spcPts val="0"/>
+              </a:spcBef>
+              <a:spcAft>
+                <a:spcPts val="0"/>
+              </a:spcAft>
+              <a:buNone/>
+            </a:pPr>
+            <a:r>
+              <a:rPr lang="en-US"/>
+              <a:t>Throughput		: Operation/sec (YCSB의 target 옵션을 통해 제한하면서 실험 진행)</a:t>
+            </a:r>
+            <a:endParaRPr/>
+          </a:p>
+          <a:p>
+            <a:pPr indent="0" lvl="0" marL="0" rtl="0" algn="l">
+              <a:spcBef>
+                <a:spcPts val="0"/>
+              </a:spcBef>
+              <a:spcAft>
+                <a:spcPts val="0"/>
+              </a:spcAft>
+              <a:buNone/>
+            </a:pPr>
+            <a:r>
+              <a:rPr lang="en-US"/>
+              <a:t>Record 		: 100,000</a:t>
+            </a:r>
+            <a:endParaRPr/>
+          </a:p>
+          <a:p>
+            <a:pPr indent="0" lvl="0" marL="0" rtl="0" algn="l">
+              <a:spcBef>
+                <a:spcPts val="0"/>
+              </a:spcBef>
+              <a:spcAft>
+                <a:spcPts val="0"/>
+              </a:spcAft>
+              <a:buNone/>
+            </a:pPr>
+            <a:r>
+              <a:rPr lang="en-US"/>
+              <a:t>Workload		: Read(50%), Write(50%)</a:t>
             </a:r>
             <a:endParaRPr/>
           </a:p>
@@ -10411,6 +10459,34 @@
           </a:ln>
         </p:spPr>
       </p:cxnSp>
+      <p:pic>
+        <p:nvPicPr>
+          <p:cNvPr id="159" name="Google Shape;159;p12"/>
+          <p:cNvPicPr preferRelativeResize="0"/>
+          <p:nvPr/>
+        </p:nvPicPr>
+        <p:blipFill>
+          <a:blip r:embed="rId8">
+            <a:alphaModFix/>
+          </a:blip>
+          <a:stretch>
+            <a:fillRect/>
+          </a:stretch>
+        </p:blipFill>
+        <p:spPr>
+          <a:xfrm>
+            <a:off x="6341700" y="2217575"/>
+            <a:ext cx="1236700" cy="819325"/>
+          </a:xfrm>
+          <a:prstGeom prst="rect">
+            <a:avLst/>
+          </a:prstGeom>
+          <a:noFill/>
+          <a:ln>
+            <a:noFill/>
+          </a:ln>
+        </p:spPr>
+      </p:pic>
     </p:spTree>
   </p:cSld>
   <p:clrMapOvr>
@@ -10424,7 +10500,7 @@
   <p:cSld>
     <p:spTree>
       <p:nvGrpSpPr>
-        <p:cNvPr id="162" name="Shape 162"/>
+        <p:cNvPr id="163" name="Shape 163"/>
         <p:cNvGrpSpPr/>
         <p:nvPr/>
       </p:nvGrpSpPr>
@@ -10438,7 +10514,7 @@
       </p:grpSpPr>
       <p:sp>
         <p:nvSpPr>
-          <p:cNvPr id="163" name="Google Shape;163;p13"/>
+          <p:cNvPr id="164" name="Google Shape;164;p13"/>
           <p:cNvSpPr txBox="1"/>
           <p:nvPr>
             <p:ph idx="1" type="body"/>
@@ -10557,7 +10633,7 @@
       </p:sp>
       <p:sp>
         <p:nvSpPr>
-          <p:cNvPr id="164" name="Google Shape;164;p13"/>
+          <p:cNvPr id="165" name="Google Shape;165;p13"/>
           <p:cNvSpPr txBox="1"/>
           <p:nvPr>
             <p:ph type="title"/>
@@ -10601,7 +10677,7 @@
       </p:sp>
       <p:sp>
         <p:nvSpPr>
-          <p:cNvPr id="165" name="Google Shape;165;p13"/>
+          <p:cNvPr id="166" name="Google Shape;166;p13"/>
           <p:cNvSpPr txBox="1"/>
           <p:nvPr/>
         </p:nvSpPr>
@@ -10664,7 +10740,7 @@
       </p:sp>
       <p:pic>
         <p:nvPicPr>
-          <p:cNvPr id="166" name="Google Shape;166;p13"/>
+          <p:cNvPr id="167" name="Google Shape;167;p13"/>
           <p:cNvPicPr preferRelativeResize="0"/>
           <p:nvPr/>
         </p:nvPicPr>
@@ -10692,7 +10768,7 @@
       </p:pic>
       <p:pic>
         <p:nvPicPr>
-          <p:cNvPr id="167" name="Google Shape;167;p13"/>
+          <p:cNvPr id="168" name="Google Shape;168;p13"/>
           <p:cNvPicPr preferRelativeResize="0"/>
           <p:nvPr/>
         </p:nvPicPr>
@@ -10720,7 +10796,7 @@
       </p:pic>
       <p:cxnSp>
         <p:nvCxnSpPr>
-          <p:cNvPr id="168" name="Google Shape;168;p13"/>
+          <p:cNvPr id="169" name="Google Shape;169;p13"/>
           <p:cNvCxnSpPr/>
           <p:nvPr/>
         </p:nvCxnSpPr>
@@ -10746,7 +10822,7 @@
       </p:cxnSp>
       <p:sp>
         <p:nvSpPr>
-          <p:cNvPr id="169" name="Google Shape;169;p13"/>
+          <p:cNvPr id="170" name="Google Shape;170;p13"/>
           <p:cNvSpPr txBox="1"/>
           <p:nvPr/>
         </p:nvSpPr>
@@ -10795,6 +10871,285 @@
 </file>
 
 <file path=ppt/theme/theme1.xml><?xml version="1.0" encoding="utf-8"?>
+<a:theme xmlns:a="http://schemas.openxmlformats.org/drawingml/2006/main" xmlns:r="http://schemas.openxmlformats.org/officeDocument/2006/relationships" name="파일캐쉬서식">
+  <a:themeElements>
+    <a:clrScheme name="파일캐쉬서식 2">
+      <a:dk1>
+        <a:srgbClr val="000000"/>
+      </a:dk1>
+      <a:lt1>
+        <a:srgbClr val="FFFFFF"/>
+      </a:lt1>
+      <a:dk2>
+        <a:srgbClr val="333399"/>
+      </a:dk2>
+      <a:lt2>
+        <a:srgbClr val="1C1C1C"/>
+      </a:lt2>
+      <a:accent1>
+        <a:srgbClr val="00E4A8"/>
+      </a:accent1>
+      <a:accent2>
+        <a:srgbClr val="FFCF01"/>
+      </a:accent2>
+      <a:accent3>
+        <a:srgbClr val="FFFFFF"/>
+      </a:accent3>
+      <a:accent4>
+        <a:srgbClr val="000000"/>
+      </a:accent4>
+      <a:accent5>
+        <a:srgbClr val="AAEFD1"/>
+      </a:accent5>
+      <a:accent6>
+        <a:srgbClr val="E7BB01"/>
+      </a:accent6>
+      <a:hlink>
+        <a:srgbClr val="FF0000"/>
+      </a:hlink>
+      <a:folHlink>
+        <a:srgbClr val="3333CC"/>
+      </a:folHlink>
+    </a:clrScheme>
+    <a:fontScheme name="Office">
+      <a:majorFont>
+        <a:latin typeface="Arial"/>
+        <a:ea typeface=""/>
+        <a:cs typeface=""/>
+        <a:font script="Jpan" typeface="ＭＳ Ｐゴシック"/>
+        <a:font script="Hang" typeface="맑은 고딕"/>
+        <a:font script="Hans" typeface="宋体"/>
+        <a:font script="Hant" typeface="新細明體"/>
+        <a:font script="Arab" typeface="Times New Roman"/>
+        <a:font script="Hebr" typeface="Times New Roman"/>
+        <a:font script="Thai" typeface="Angsana New"/>
+        <a:font script="Ethi" typeface="Nyala"/>
+        <a:font script="Beng" typeface="Vrinda"/>
+        <a:font script="Gujr" typeface="Shruti"/>
+        <a:font script="Khmr" typeface="MoolBoran"/>
+        <a:font script="Knda" typeface="Tunga"/>
+        <a:font script="Guru" typeface="Raavi"/>
+        <a:font script="Cans" typeface="Euphemia"/>
+        <a:font script="Cher" typeface="Plantagenet Cherokee"/>
+        <a:font script="Yiii" typeface="Microsoft Yi Baiti"/>
+        <a:font script="Tibt" typeface="Microsoft Himalaya"/>
+        <a:font script="Thaa" typeface="MV Boli"/>
+        <a:font script="Deva" typeface="Mangal"/>
+        <a:font script="Telu" typeface="Gautami"/>
+        <a:font script="Taml" typeface="Latha"/>
+        <a:font script="Syrc" typeface="Estrangelo Edessa"/>
+        <a:font script="Orya" typeface="Kalinga"/>
+        <a:font script="Mlym" typeface="Kartika"/>
+        <a:font script="Laoo" typeface="DokChampa"/>
+        <a:font script="Sinh" typeface="Iskoola Pota"/>
+        <a:font script="Mong" typeface="Mongolian Baiti"/>
+        <a:font script="Viet" typeface="Times New Roman"/>
+        <a:font script="Uigh" typeface="Microsoft Uighur"/>
+        <a:font script="Geor" typeface="Sylfaen"/>
+      </a:majorFont>
+      <a:minorFont>
+        <a:latin typeface="Arial"/>
+        <a:ea typeface=""/>
+        <a:cs typeface=""/>
+        <a:font script="Jpan" typeface="ＭＳ Ｐゴシック"/>
+        <a:font script="Hang" typeface="맑은 고딕"/>
+        <a:font script="Hans" typeface="宋体"/>
+        <a:font script="Hant" typeface="新細明體"/>
+        <a:font script="Arab" typeface="Arial"/>
+        <a:font script="Hebr" typeface="Arial"/>
+        <a:font script="Thai" typeface="Cordia New"/>
+        <a:font script="Ethi" typeface="Nyala"/>
+        <a:font script="Beng" typeface="Vrinda"/>
+        <a:font script="Gujr" typeface="Shruti"/>
+        <a:font script="Khmr" typeface="DaunPenh"/>
+        <a:font script="Knda" typeface="Tunga"/>
+        <a:font script="Guru" typeface="Raavi"/>
+        <a:font script="Cans" typeface="Euphemia"/>
+        <a:font script="Cher" typeface="Plantagenet Cherokee"/>
+        <a:font script="Yiii" typeface="Microsoft Yi Baiti"/>
+        <a:font script="Tibt" typeface="Microsoft Himalaya"/>
+        <a:font script="Thaa" typeface="MV Boli"/>
+        <a:font script="Deva" typeface="Mangal"/>
+        <a:font script="Telu" typeface="Gautami"/>
+        <a:font script="Taml" typeface="Latha"/>
+        <a:font script="Syrc" typeface="Estrangelo Edessa"/>
+        <a:font script="Orya" typeface="Kalinga"/>
+        <a:font script="Mlym" typeface="Kartika"/>
+        <a:font script="Laoo" typeface="DokChampa"/>
+        <a:font script="Sinh" typeface="Iskoola Pota"/>
+        <a:font script="Mong" typeface="Mongolian Baiti"/>
+        <a:font script="Viet" typeface="Arial"/>
+        <a:font script="Uigh" typeface="Microsoft Uighur"/>
+        <a:font script="Geor" typeface="Sylfaen"/>
+      </a:minorFont>
+    </a:fontScheme>
+    <a:fmtScheme name="Office">
+      <a:fillStyleLst>
+        <a:solidFill>
+          <a:schemeClr val="phClr"/>
+        </a:solidFill>
+        <a:gradFill rotWithShape="1">
+          <a:gsLst>
+            <a:gs pos="0">
+              <a:schemeClr val="phClr">
+                <a:tint val="50000"/>
+                <a:satMod val="300000"/>
+              </a:schemeClr>
+            </a:gs>
+            <a:gs pos="35000">
+              <a:schemeClr val="phClr">
+                <a:tint val="37000"/>
+                <a:satMod val="300000"/>
+              </a:schemeClr>
+            </a:gs>
+            <a:gs pos="100000">
+              <a:schemeClr val="phClr">
+                <a:tint val="15000"/>
+                <a:satMod val="350000"/>
+              </a:schemeClr>
+            </a:gs>
+          </a:gsLst>
+          <a:lin ang="16200000" scaled="1"/>
+        </a:gradFill>
+        <a:gradFill rotWithShape="1">
+          <a:gsLst>
+            <a:gs pos="0">
+              <a:schemeClr val="phClr">
+                <a:tint val="100000"/>
+                <a:shade val="100000"/>
+                <a:satMod val="130000"/>
+              </a:schemeClr>
+            </a:gs>
+            <a:gs pos="100000">
+              <a:schemeClr val="phClr">
+                <a:tint val="50000"/>
+                <a:shade val="100000"/>
+                <a:satMod val="350000"/>
+              </a:schemeClr>
+            </a:gs>
+          </a:gsLst>
+          <a:lin ang="16200000" scaled="0"/>
+        </a:gradFill>
+      </a:fillStyleLst>
+      <a:lnStyleLst>
+        <a:ln w="9525" cap="flat" cmpd="sng" algn="ctr">
+          <a:solidFill>
+            <a:schemeClr val="phClr">
+              <a:shade val="95000"/>
+              <a:satMod val="105000"/>
+            </a:schemeClr>
+          </a:solidFill>
+          <a:prstDash val="solid"/>
+        </a:ln>
+        <a:ln w="25400" cap="flat" cmpd="sng" algn="ctr">
+          <a:solidFill>
+            <a:schemeClr val="phClr"/>
+          </a:solidFill>
+          <a:prstDash val="solid"/>
+        </a:ln>
+        <a:ln w="38100" cap="flat" cmpd="sng" algn="ctr">
+          <a:solidFill>
+            <a:schemeClr val="phClr"/>
+          </a:solidFill>
+          <a:prstDash val="solid"/>
+        </a:ln>
+      </a:lnStyleLst>
+      <a:effectStyleLst>
+        <a:effectStyle>
+          <a:effectLst>
+            <a:outerShdw blurRad="40000" dist="20000" dir="5400000" rotWithShape="0">
+              <a:srgbClr val="000000">
+                <a:alpha val="38000"/>
+              </a:srgbClr>
+            </a:outerShdw>
+          </a:effectLst>
+        </a:effectStyle>
+        <a:effectStyle>
+          <a:effectLst>
+            <a:outerShdw blurRad="40000" dist="23000" dir="5400000" rotWithShape="0">
+              <a:srgbClr val="000000">
+                <a:alpha val="35000"/>
+              </a:srgbClr>
+            </a:outerShdw>
+          </a:effectLst>
+        </a:effectStyle>
+        <a:effectStyle>
+          <a:effectLst>
+            <a:outerShdw blurRad="40000" dist="23000" dir="5400000" rotWithShape="0">
+              <a:srgbClr val="000000">
+                <a:alpha val="35000"/>
+              </a:srgbClr>
+            </a:outerShdw>
+          </a:effectLst>
+          <a:scene3d>
+            <a:camera prst="orthographicFront">
+              <a:rot lat="0" lon="0" rev="0"/>
+            </a:camera>
+            <a:lightRig rig="threePt" dir="t">
+              <a:rot lat="0" lon="0" rev="1200000"/>
+            </a:lightRig>
+          </a:scene3d>
+          <a:sp3d>
+            <a:bevelT w="63500" h="25400"/>
+          </a:sp3d>
+        </a:effectStyle>
+      </a:effectStyleLst>
+      <a:bgFillStyleLst>
+        <a:solidFill>
+          <a:schemeClr val="phClr"/>
+        </a:solidFill>
+        <a:gradFill rotWithShape="1">
+          <a:gsLst>
+            <a:gs pos="0">
+              <a:schemeClr val="phClr">
+                <a:tint val="40000"/>
+                <a:satMod val="350000"/>
+              </a:schemeClr>
+            </a:gs>
+            <a:gs pos="40000">
+              <a:schemeClr val="phClr">
+                <a:tint val="45000"/>
+                <a:shade val="99000"/>
+                <a:satMod val="350000"/>
+              </a:schemeClr>
+            </a:gs>
+            <a:gs pos="100000">
+              <a:schemeClr val="phClr">
+                <a:shade val="20000"/>
+                <a:satMod val="255000"/>
+              </a:schemeClr>
+            </a:gs>
+          </a:gsLst>
+          <a:path path="circle">
+            <a:fillToRect l="50000" t="-80000" r="50000" b="180000"/>
+          </a:path>
+        </a:gradFill>
+        <a:gradFill rotWithShape="1">
+          <a:gsLst>
+            <a:gs pos="0">
+              <a:schemeClr val="phClr">
+                <a:tint val="80000"/>
+                <a:satMod val="300000"/>
+              </a:schemeClr>
+            </a:gs>
+            <a:gs pos="100000">
+              <a:schemeClr val="phClr">
+                <a:shade val="30000"/>
+                <a:satMod val="200000"/>
+              </a:schemeClr>
+            </a:gs>
+          </a:gsLst>
+          <a:path path="circle">
+            <a:fillToRect l="50000" t="50000" r="50000" b="50000"/>
+          </a:path>
+        </a:gradFill>
+      </a:bgFillStyleLst>
+    </a:fmtScheme>
+  </a:themeElements>
+</a:theme>
+</file>
+
+<file path=ppt/theme/theme2.xml><?xml version="1.0" encoding="utf-8"?>
 <a:theme xmlns:a="http://schemas.openxmlformats.org/drawingml/2006/main" xmlns:r="http://schemas.openxmlformats.org/officeDocument/2006/relationships" name="Office 테마">
   <a:themeElements>
     <a:clrScheme name="">
@@ -11071,283 +11426,4 @@
     </a:fmtScheme>
   </a:themeElements>
 </a:theme>
-</file>
-
-<file path=ppt/theme/theme2.xml><?xml version="1.0" encoding="utf-8"?>
-<a:theme xmlns:a="http://schemas.openxmlformats.org/drawingml/2006/main" xmlns:r="http://schemas.openxmlformats.org/officeDocument/2006/relationships" name="파일캐쉬서식">
-  <a:themeElements>
-    <a:clrScheme name="파일캐쉬서식 2">
-      <a:dk1>
-        <a:srgbClr val="000000"/>
-      </a:dk1>
-      <a:lt1>
-        <a:srgbClr val="FFFFFF"/>
-      </a:lt1>
-      <a:dk2>
-        <a:srgbClr val="333399"/>
-      </a:dk2>
-      <a:lt2>
-        <a:srgbClr val="1C1C1C"/>
-      </a:lt2>
-      <a:accent1>
-        <a:srgbClr val="00E4A8"/>
-      </a:accent1>
-      <a:accent2>
-        <a:srgbClr val="FFCF01"/>
-      </a:accent2>
-      <a:accent3>
-        <a:srgbClr val="FFFFFF"/>
-      </a:accent3>
-      <a:accent4>
-        <a:srgbClr val="000000"/>
-      </a:accent4>
-      <a:accent5>
-        <a:srgbClr val="AAEFD1"/>
-      </a:accent5>
-      <a:accent6>
-        <a:srgbClr val="E7BB01"/>
-      </a:accent6>
-      <a:hlink>
-        <a:srgbClr val="FF0000"/>
-      </a:hlink>
-      <a:folHlink>
-        <a:srgbClr val="3333CC"/>
-      </a:folHlink>
-    </a:clrScheme>
-    <a:fontScheme name="Office">
-      <a:majorFont>
-        <a:latin typeface="Arial"/>
-        <a:ea typeface=""/>
-        <a:cs typeface=""/>
-        <a:font script="Jpan" typeface="ＭＳ Ｐゴシック"/>
-        <a:font script="Hang" typeface="맑은 고딕"/>
-        <a:font script="Hans" typeface="宋体"/>
-        <a:font script="Hant" typeface="新細明體"/>
-        <a:font script="Arab" typeface="Times New Roman"/>
-        <a:font script="Hebr" typeface="Times New Roman"/>
-        <a:font script="Thai" typeface="Angsana New"/>
-        <a:font script="Ethi" typeface="Nyala"/>
-        <a:font script="Beng" typeface="Vrinda"/>
-        <a:font script="Gujr" typeface="Shruti"/>
-        <a:font script="Khmr" typeface="MoolBoran"/>
-        <a:font script="Knda" typeface="Tunga"/>
-        <a:font script="Guru" typeface="Raavi"/>
-        <a:font script="Cans" typeface="Euphemia"/>
-        <a:font script="Cher" typeface="Plantagenet Cherokee"/>
-        <a:font script="Yiii" typeface="Microsoft Yi Baiti"/>
-        <a:font script="Tibt" typeface="Microsoft Himalaya"/>
-        <a:font script="Thaa" typeface="MV Boli"/>
-        <a:font script="Deva" typeface="Mangal"/>
-        <a:font script="Telu" typeface="Gautami"/>
-        <a:font script="Taml" typeface="Latha"/>
-        <a:font script="Syrc" typeface="Estrangelo Edessa"/>
-        <a:font script="Orya" typeface="Kalinga"/>
-        <a:font script="Mlym" typeface="Kartika"/>
-        <a:font script="Laoo" typeface="DokChampa"/>
-        <a:font script="Sinh" typeface="Iskoola Pota"/>
-        <a:font script="Mong" typeface="Mongolian Baiti"/>
-        <a:font script="Viet" typeface="Times New Roman"/>
-        <a:font script="Uigh" typeface="Microsoft Uighur"/>
-        <a:font script="Geor" typeface="Sylfaen"/>
-      </a:majorFont>
-      <a:minorFont>
-        <a:latin typeface="Arial"/>
-        <a:ea typeface=""/>
-        <a:cs typeface=""/>
-        <a:font script="Jpan" typeface="ＭＳ Ｐゴシック"/>
-        <a:font script="Hang" typeface="맑은 고딕"/>
-        <a:font script="Hans" typeface="宋体"/>
-        <a:font script="Hant" typeface="新細明體"/>
-        <a:font script="Arab" typeface="Arial"/>
-        <a:font script="Hebr" typeface="Arial"/>
-        <a:font script="Thai" typeface="Cordia New"/>
-        <a:font script="Ethi" typeface="Nyala"/>
-        <a:font script="Beng" typeface="Vrinda"/>
-        <a:font script="Gujr" typeface="Shruti"/>
-        <a:font script="Khmr" typeface="DaunPenh"/>
-        <a:font script="Knda" typeface="Tunga"/>
-        <a:font script="Guru" typeface="Raavi"/>
-        <a:font script="Cans" typeface="Euphemia"/>
-        <a:font script="Cher" typeface="Plantagenet Cherokee"/>
-        <a:font script="Yiii" typeface="Microsoft Yi Baiti"/>
-        <a:font script="Tibt" typeface="Microsoft Himalaya"/>
-        <a:font script="Thaa" typeface="MV Boli"/>
-        <a:font script="Deva" typeface="Mangal"/>
-        <a:font script="Telu" typeface="Gautami"/>
-        <a:font script="Taml" typeface="Latha"/>
-        <a:font script="Syrc" typeface="Estrangelo Edessa"/>
-        <a:font script="Orya" typeface="Kalinga"/>
-        <a:font script="Mlym" typeface="Kartika"/>
-        <a:font script="Laoo" typeface="DokChampa"/>
-        <a:font script="Sinh" typeface="Iskoola Pota"/>
-        <a:font script="Mong" typeface="Mongolian Baiti"/>
-        <a:font script="Viet" typeface="Arial"/>
-        <a:font script="Uigh" typeface="Microsoft Uighur"/>
-        <a:font script="Geor" typeface="Sylfaen"/>
-      </a:minorFont>
-    </a:fontScheme>
-    <a:fmtScheme name="Office">
-      <a:fillStyleLst>
-        <a:solidFill>
-          <a:schemeClr val="phClr"/>
-        </a:solidFill>
-        <a:gradFill rotWithShape="1">
-          <a:gsLst>
-            <a:gs pos="0">
-              <a:schemeClr val="phClr">
-                <a:tint val="50000"/>
-                <a:satMod val="300000"/>
-              </a:schemeClr>
-            </a:gs>
-            <a:gs pos="35000">
-              <a:schemeClr val="phClr">
-                <a:tint val="37000"/>
-                <a:satMod val="300000"/>
-              </a:schemeClr>
-            </a:gs>
-            <a:gs pos="100000">
-              <a:schemeClr val="phClr">
-                <a:tint val="15000"/>
-                <a:satMod val="350000"/>
-              </a:schemeClr>
-            </a:gs>
-          </a:gsLst>
-          <a:lin ang="16200000" scaled="1"/>
-        </a:gradFill>
-        <a:gradFill rotWithShape="1">
-          <a:gsLst>
-            <a:gs pos="0">
-              <a:schemeClr val="phClr">
-                <a:tint val="100000"/>
-                <a:shade val="100000"/>
-                <a:satMod val="130000"/>
-              </a:schemeClr>
-            </a:gs>
-            <a:gs pos="100000">
-              <a:schemeClr val="phClr">
-                <a:tint val="50000"/>
-                <a:shade val="100000"/>
-                <a:satMod val="350000"/>
-              </a:schemeClr>
-            </a:gs>
-          </a:gsLst>
-          <a:lin ang="16200000" scaled="0"/>
-        </a:gradFill>
-      </a:fillStyleLst>
-      <a:lnStyleLst>
-        <a:ln w="9525" cap="flat" cmpd="sng" algn="ctr">
-          <a:solidFill>
-            <a:schemeClr val="phClr">
-              <a:shade val="95000"/>
-              <a:satMod val="105000"/>
-            </a:schemeClr>
-          </a:solidFill>
-          <a:prstDash val="solid"/>
-        </a:ln>
-        <a:ln w="25400" cap="flat" cmpd="sng" algn="ctr">
-          <a:solidFill>
-            <a:schemeClr val="phClr"/>
-          </a:solidFill>
-          <a:prstDash val="solid"/>
-        </a:ln>
-        <a:ln w="38100" cap="flat" cmpd="sng" algn="ctr">
-          <a:solidFill>
-            <a:schemeClr val="phClr"/>
-          </a:solidFill>
-          <a:prstDash val="solid"/>
-        </a:ln>
-      </a:lnStyleLst>
-      <a:effectStyleLst>
-        <a:effectStyle>
-          <a:effectLst>
-            <a:outerShdw blurRad="40000" dist="20000" dir="5400000" rotWithShape="0">
-              <a:srgbClr val="000000">
-                <a:alpha val="38000"/>
-              </a:srgbClr>
-            </a:outerShdw>
-          </a:effectLst>
-        </a:effectStyle>
-        <a:effectStyle>
-          <a:effectLst>
-            <a:outerShdw blurRad="40000" dist="23000" dir="5400000" rotWithShape="0">
-              <a:srgbClr val="000000">
-                <a:alpha val="35000"/>
-              </a:srgbClr>
-            </a:outerShdw>
-          </a:effectLst>
-        </a:effectStyle>
-        <a:effectStyle>
-          <a:effectLst>
-            <a:outerShdw blurRad="40000" dist="23000" dir="5400000" rotWithShape="0">
-              <a:srgbClr val="000000">
-                <a:alpha val="35000"/>
-              </a:srgbClr>
-            </a:outerShdw>
-          </a:effectLst>
-          <a:scene3d>
-            <a:camera prst="orthographicFront">
-              <a:rot lat="0" lon="0" rev="0"/>
-            </a:camera>
-            <a:lightRig rig="threePt" dir="t">
-              <a:rot lat="0" lon="0" rev="1200000"/>
-            </a:lightRig>
-          </a:scene3d>
-          <a:sp3d>
-            <a:bevelT w="63500" h="25400"/>
-          </a:sp3d>
-        </a:effectStyle>
-      </a:effectStyleLst>
-      <a:bgFillStyleLst>
-        <a:solidFill>
-          <a:schemeClr val="phClr"/>
-        </a:solidFill>
-        <a:gradFill rotWithShape="1">
-          <a:gsLst>
-            <a:gs pos="0">
-              <a:schemeClr val="phClr">
-                <a:tint val="40000"/>
-                <a:satMod val="350000"/>
-              </a:schemeClr>
-            </a:gs>
-            <a:gs pos="40000">
-              <a:schemeClr val="phClr">
-                <a:tint val="45000"/>
-                <a:shade val="99000"/>
-                <a:satMod val="350000"/>
-              </a:schemeClr>
-            </a:gs>
-            <a:gs pos="100000">
-              <a:schemeClr val="phClr">
-                <a:shade val="20000"/>
-                <a:satMod val="255000"/>
-              </a:schemeClr>
-            </a:gs>
-          </a:gsLst>
-          <a:path path="circle">
-            <a:fillToRect l="50000" t="-80000" r="50000" b="180000"/>
-          </a:path>
-        </a:gradFill>
-        <a:gradFill rotWithShape="1">
-          <a:gsLst>
-            <a:gs pos="0">
-              <a:schemeClr val="phClr">
-                <a:tint val="80000"/>
-                <a:satMod val="300000"/>
-              </a:schemeClr>
-            </a:gs>
-            <a:gs pos="100000">
-              <a:schemeClr val="phClr">
-                <a:shade val="30000"/>
-                <a:satMod val="200000"/>
-              </a:schemeClr>
-            </a:gs>
-          </a:gsLst>
-          <a:path path="circle">
-            <a:fillToRect l="50000" t="50000" r="50000" b="50000"/>
-          </a:path>
-        </a:gradFill>
-      </a:bgFillStyleLst>
-    </a:fmtScheme>
-  </a:themeElements>
-</a:theme>
 </file>
--- a/RF6_Team_Interface/RocksDB_Festival_RF6_3rdWeeks.pptx
+++ b/RF6_Team_Interface/RocksDB_Festival_RF6_3rdWeeks.pptx
@@ -1,35 +1,35 @@
 
 <file path=ppt/presentation.xml><?xml version="1.0" encoding="utf-8"?>
-<p:presentation xmlns:a="http://schemas.openxmlformats.org/drawingml/2006/main" xmlns:r="http://schemas.openxmlformats.org/officeDocument/2006/relationships" xmlns:mc="http://schemas.openxmlformats.org/markup-compatibility/2006" xmlns:mv="urn:schemas-microsoft-com:mac:vml" xmlns:p="http://schemas.openxmlformats.org/presentationml/2006/main" xmlns:c="http://schemas.openxmlformats.org/drawingml/2006/chart" xmlns:dgm="http://schemas.openxmlformats.org/drawingml/2006/diagram" xmlns:o="urn:schemas-microsoft-com:office:office" xmlns:v="urn:schemas-microsoft-com:vml" xmlns:pvml="urn:schemas-microsoft-com:office:powerpoint" xmlns:com="http://schemas.openxmlformats.org/drawingml/2006/compatibility" xmlns:p14="http://schemas.microsoft.com/office/powerpoint/2010/main" xmlns:p15="http://schemas.microsoft.com/office/powerpoint/2012/main" xmlns:ahyp="http://schemas.microsoft.com/office/drawing/2018/hyperlinkcolor" autoCompressPictures="0" embedTrueTypeFonts="1" strictFirstAndLastChars="0" saveSubsetFonts="1">
+<p:presentation xmlns:a="http://schemas.openxmlformats.org/drawingml/2006/main" xmlns:r="http://schemas.openxmlformats.org/officeDocument/2006/relationships" xmlns:p="http://schemas.openxmlformats.org/presentationml/2006/main" strictFirstAndLastChars="0" embedTrueTypeFonts="1" saveSubsetFonts="1" autoCompressPictures="0">
   <p:sldMasterIdLst>
-    <p:sldMasterId id="2147483651" r:id="rId4"/>
+    <p:sldMasterId id="2147483651" r:id="rId1"/>
   </p:sldMasterIdLst>
   <p:notesMasterIdLst>
-    <p:notesMasterId r:id="rId5"/>
+    <p:notesMasterId r:id="rId12"/>
   </p:notesMasterIdLst>
   <p:sldIdLst>
-    <p:sldId id="256" r:id="rId6"/>
-    <p:sldId id="257" r:id="rId7"/>
-    <p:sldId id="258" r:id="rId8"/>
-    <p:sldId id="259" r:id="rId9"/>
-    <p:sldId id="260" r:id="rId10"/>
-    <p:sldId id="261" r:id="rId11"/>
-    <p:sldId id="262" r:id="rId12"/>
-    <p:sldId id="263" r:id="rId13"/>
-    <p:sldId id="264" r:id="rId14"/>
-    <p:sldId id="265" r:id="rId15"/>
+    <p:sldId id="256" r:id="rId2"/>
+    <p:sldId id="257" r:id="rId3"/>
+    <p:sldId id="258" r:id="rId4"/>
+    <p:sldId id="259" r:id="rId5"/>
+    <p:sldId id="260" r:id="rId6"/>
+    <p:sldId id="261" r:id="rId7"/>
+    <p:sldId id="262" r:id="rId8"/>
+    <p:sldId id="263" r:id="rId9"/>
+    <p:sldId id="264" r:id="rId10"/>
+    <p:sldId id="265" r:id="rId11"/>
   </p:sldIdLst>
-  <p:sldSz cy="6858000" cx="9144000"/>
+  <p:sldSz cx="9144000" cy="6858000" type="screen4x3"/>
   <p:notesSz cx="6858000" cy="9144000"/>
   <p:embeddedFontLst>
     <p:embeddedFont>
-      <p:font typeface="Tahoma"/>
-      <p:regular r:id="rId16"/>
-      <p:bold r:id="rId17"/>
+      <p:font typeface="Tahoma" panose="020B0604030504040204" pitchFamily="34" charset="0"/>
+      <p:regular r:id="rId13"/>
+      <p:bold r:id="rId14"/>
     </p:embeddedFont>
   </p:embeddedFontLst>
   <p:defaultTextStyle>
-    <a:defPPr lvl="0" marR="0" rtl="0" algn="l">
+    <a:defPPr marR="0" lvl="0" algn="l" rtl="0">
       <a:lnSpc>
         <a:spcPct val="100000"/>
       </a:lnSpc>
@@ -40,7 +40,7 @@
         <a:spcPts val="0"/>
       </a:spcAft>
     </a:defPPr>
-    <a:lvl1pPr lvl="0" marR="0" rtl="0" algn="l">
+    <a:lvl1pPr marR="0" lvl="0" algn="l" rtl="0">
       <a:lnSpc>
         <a:spcPct val="100000"/>
       </a:lnSpc>
@@ -54,7 +54,7 @@
         <a:srgbClr val="000000"/>
       </a:buClr>
       <a:buFont typeface="Arial"/>
-      <a:defRPr b="0" i="0" sz="1400" u="none" cap="none" strike="noStrike">
+      <a:defRPr sz="1400" b="0" i="0" u="none" strike="noStrike" cap="none">
         <a:solidFill>
           <a:srgbClr val="000000"/>
         </a:solidFill>
@@ -64,7 +64,7 @@
         <a:sym typeface="Arial"/>
       </a:defRPr>
     </a:lvl1pPr>
-    <a:lvl2pPr lvl="1" marR="0" rtl="0" algn="l">
+    <a:lvl2pPr marR="0" lvl="1" algn="l" rtl="0">
       <a:lnSpc>
         <a:spcPct val="100000"/>
       </a:lnSpc>
@@ -78,7 +78,7 @@
         <a:srgbClr val="000000"/>
       </a:buClr>
       <a:buFont typeface="Arial"/>
-      <a:defRPr b="0" i="0" sz="1400" u="none" cap="none" strike="noStrike">
+      <a:defRPr sz="1400" b="0" i="0" u="none" strike="noStrike" cap="none">
         <a:solidFill>
           <a:srgbClr val="000000"/>
         </a:solidFill>
@@ -88,7 +88,7 @@
         <a:sym typeface="Arial"/>
       </a:defRPr>
     </a:lvl2pPr>
-    <a:lvl3pPr lvl="2" marR="0" rtl="0" algn="l">
+    <a:lvl3pPr marR="0" lvl="2" algn="l" rtl="0">
       <a:lnSpc>
         <a:spcPct val="100000"/>
       </a:lnSpc>
@@ -102,7 +102,7 @@
         <a:srgbClr val="000000"/>
       </a:buClr>
       <a:buFont typeface="Arial"/>
-      <a:defRPr b="0" i="0" sz="1400" u="none" cap="none" strike="noStrike">
+      <a:defRPr sz="1400" b="0" i="0" u="none" strike="noStrike" cap="none">
         <a:solidFill>
           <a:srgbClr val="000000"/>
         </a:solidFill>
@@ -112,7 +112,7 @@
         <a:sym typeface="Arial"/>
       </a:defRPr>
     </a:lvl3pPr>
-    <a:lvl4pPr lvl="3" marR="0" rtl="0" algn="l">
+    <a:lvl4pPr marR="0" lvl="3" algn="l" rtl="0">
       <a:lnSpc>
         <a:spcPct val="100000"/>
       </a:lnSpc>
@@ -126,7 +126,7 @@
         <a:srgbClr val="000000"/>
       </a:buClr>
       <a:buFont typeface="Arial"/>
-      <a:defRPr b="0" i="0" sz="1400" u="none" cap="none" strike="noStrike">
+      <a:defRPr sz="1400" b="0" i="0" u="none" strike="noStrike" cap="none">
         <a:solidFill>
           <a:srgbClr val="000000"/>
         </a:solidFill>
@@ -136,7 +136,7 @@
         <a:sym typeface="Arial"/>
       </a:defRPr>
     </a:lvl4pPr>
-    <a:lvl5pPr lvl="4" marR="0" rtl="0" algn="l">
+    <a:lvl5pPr marR="0" lvl="4" algn="l" rtl="0">
       <a:lnSpc>
         <a:spcPct val="100000"/>
       </a:lnSpc>
@@ -150,7 +150,7 @@
         <a:srgbClr val="000000"/>
       </a:buClr>
       <a:buFont typeface="Arial"/>
-      <a:defRPr b="0" i="0" sz="1400" u="none" cap="none" strike="noStrike">
+      <a:defRPr sz="1400" b="0" i="0" u="none" strike="noStrike" cap="none">
         <a:solidFill>
           <a:srgbClr val="000000"/>
         </a:solidFill>
@@ -160,7 +160,7 @@
         <a:sym typeface="Arial"/>
       </a:defRPr>
     </a:lvl5pPr>
-    <a:lvl6pPr lvl="5" marR="0" rtl="0" algn="l">
+    <a:lvl6pPr marR="0" lvl="5" algn="l" rtl="0">
       <a:lnSpc>
         <a:spcPct val="100000"/>
       </a:lnSpc>
@@ -174,7 +174,7 @@
         <a:srgbClr val="000000"/>
       </a:buClr>
       <a:buFont typeface="Arial"/>
-      <a:defRPr b="0" i="0" sz="1400" u="none" cap="none" strike="noStrike">
+      <a:defRPr sz="1400" b="0" i="0" u="none" strike="noStrike" cap="none">
         <a:solidFill>
           <a:srgbClr val="000000"/>
         </a:solidFill>
@@ -184,7 +184,7 @@
         <a:sym typeface="Arial"/>
       </a:defRPr>
     </a:lvl6pPr>
-    <a:lvl7pPr lvl="6" marR="0" rtl="0" algn="l">
+    <a:lvl7pPr marR="0" lvl="6" algn="l" rtl="0">
       <a:lnSpc>
         <a:spcPct val="100000"/>
       </a:lnSpc>
@@ -198,7 +198,7 @@
         <a:srgbClr val="000000"/>
       </a:buClr>
       <a:buFont typeface="Arial"/>
-      <a:defRPr b="0" i="0" sz="1400" u="none" cap="none" strike="noStrike">
+      <a:defRPr sz="1400" b="0" i="0" u="none" strike="noStrike" cap="none">
         <a:solidFill>
           <a:srgbClr val="000000"/>
         </a:solidFill>
@@ -208,7 +208,7 @@
         <a:sym typeface="Arial"/>
       </a:defRPr>
     </a:lvl7pPr>
-    <a:lvl8pPr lvl="7" marR="0" rtl="0" algn="l">
+    <a:lvl8pPr marR="0" lvl="7" algn="l" rtl="0">
       <a:lnSpc>
         <a:spcPct val="100000"/>
       </a:lnSpc>
@@ -222,7 +222,7 @@
         <a:srgbClr val="000000"/>
       </a:buClr>
       <a:buFont typeface="Arial"/>
-      <a:defRPr b="0" i="0" sz="1400" u="none" cap="none" strike="noStrike">
+      <a:defRPr sz="1400" b="0" i="0" u="none" strike="noStrike" cap="none">
         <a:solidFill>
           <a:srgbClr val="000000"/>
         </a:solidFill>
@@ -232,7 +232,7 @@
         <a:sym typeface="Arial"/>
       </a:defRPr>
     </a:lvl8pPr>
-    <a:lvl9pPr lvl="8" marR="0" rtl="0" algn="l">
+    <a:lvl9pPr marR="0" lvl="8" algn="l" rtl="0">
       <a:lnSpc>
         <a:spcPct val="100000"/>
       </a:lnSpc>
@@ -246,7 +246,7 @@
         <a:srgbClr val="000000"/>
       </a:buClr>
       <a:buFont typeface="Arial"/>
-      <a:defRPr b="0" i="0" sz="1400" u="none" cap="none" strike="noStrike">
+      <a:defRPr sz="1400" b="0" i="0" u="none" strike="noStrike" cap="none">
         <a:solidFill>
           <a:srgbClr val="000000"/>
         </a:solidFill>
@@ -259,7 +259,7 @@
   </p:defaultTextStyle>
   <p:extLst>
     <p:ext uri="{EFAFB233-063F-42B5-8137-9DF3F51BA10A}">
-      <p15:sldGuideLst>
+      <p15:sldGuideLst xmlns:p15="http://schemas.microsoft.com/office/powerpoint/2012/main">
         <p15:guide id="1" orient="horz" pos="816">
           <p15:clr>
             <a:srgbClr val="A4A3A4"/>
@@ -276,19 +276,41 @@
 </p:presentation>
 </file>
 
+<file path=ppt/changesInfos/changesInfo1.xml><?xml version="1.0" encoding="utf-8"?>
+<pc:chgInfo xmlns:a="http://schemas.openxmlformats.org/drawingml/2006/main" xmlns:r="http://schemas.openxmlformats.org/officeDocument/2006/relationships" xmlns:ac="http://schemas.microsoft.com/office/drawing/2013/main/command" xmlns:pc="http://schemas.microsoft.com/office/powerpoint/2013/main/command">
+  <pc:docChgLst>
+    <pc:chgData name="강정현" userId="d16039db-c859-4918-b494-aae2fa4b3ca7" providerId="ADAL" clId="{E5D42222-E24F-404A-98C1-BBDE0516B689}"/>
+    <pc:docChg chg="modSld">
+      <pc:chgData name="강정현" userId="d16039db-c859-4918-b494-aae2fa4b3ca7" providerId="ADAL" clId="{E5D42222-E24F-404A-98C1-BBDE0516B689}" dt="2021-07-19T04:36:50.391" v="0"/>
+      <pc:docMkLst>
+        <pc:docMk/>
+      </pc:docMkLst>
+      <pc:sldChg chg="modNotesTx">
+        <pc:chgData name="강정현" userId="d16039db-c859-4918-b494-aae2fa4b3ca7" providerId="ADAL" clId="{E5D42222-E24F-404A-98C1-BBDE0516B689}" dt="2021-07-19T04:36:50.391" v="0"/>
+        <pc:sldMkLst>
+          <pc:docMk/>
+          <pc:sldMk cId="0" sldId="258"/>
+        </pc:sldMkLst>
+      </pc:sldChg>
+    </pc:docChg>
+  </pc:docChgLst>
+</pc:chgInfo>
+</file>
+
 <file path=ppt/notesMasters/notesMaster1.xml><?xml version="1.0" encoding="utf-8"?>
-<p:notesMaster xmlns:a="http://schemas.openxmlformats.org/drawingml/2006/main" xmlns:r="http://schemas.openxmlformats.org/officeDocument/2006/relationships" xmlns:mc="http://schemas.openxmlformats.org/markup-compatibility/2006" xmlns:mv="urn:schemas-microsoft-com:mac:vml" xmlns:p="http://schemas.openxmlformats.org/presentationml/2006/main" xmlns:c="http://schemas.openxmlformats.org/drawingml/2006/chart" xmlns:dgm="http://schemas.openxmlformats.org/drawingml/2006/diagram" xmlns:o="urn:schemas-microsoft-com:office:office" xmlns:v="urn:schemas-microsoft-com:vml" xmlns:pvml="urn:schemas-microsoft-com:office:powerpoint" xmlns:com="http://schemas.openxmlformats.org/drawingml/2006/compatibility" xmlns:p14="http://schemas.microsoft.com/office/powerpoint/2010/main" xmlns:p15="http://schemas.microsoft.com/office/powerpoint/2012/main" xmlns:ahyp="http://schemas.microsoft.com/office/drawing/2018/hyperlinkcolor">
+<p:notesMaster xmlns:a="http://schemas.openxmlformats.org/drawingml/2006/main" xmlns:r="http://schemas.openxmlformats.org/officeDocument/2006/relationships" xmlns:p="http://schemas.openxmlformats.org/presentationml/2006/main">
   <p:cSld>
     <p:bg>
       <p:bgPr>
         <a:solidFill>
           <a:schemeClr val="lt1"/>
         </a:solidFill>
+        <a:effectLst/>
       </p:bgPr>
     </p:bg>
     <p:spTree>
       <p:nvGrpSpPr>
-        <p:cNvPr id="2" name="Shape 2"/>
+        <p:cNvPr id="1" name="Shape 2"/>
         <p:cNvGrpSpPr/>
         <p:nvPr/>
       </p:nvGrpSpPr>
@@ -303,9 +325,11 @@
       <p:sp>
         <p:nvSpPr>
           <p:cNvPr id="3" name="Google Shape;3;n"/>
-          <p:cNvSpPr txBox="1"/>
+          <p:cNvSpPr txBox="1">
+            <a:spLocks noGrp="1"/>
+          </p:cNvSpPr>
           <p:nvPr>
-            <p:ph idx="2" type="hdr"/>
+            <p:ph type="hdr" idx="2"/>
           </p:nvPr>
         </p:nvSpPr>
         <p:spPr>
@@ -322,11 +346,11 @@
           </a:ln>
         </p:spPr>
         <p:txBody>
-          <a:bodyPr anchorCtr="0" anchor="t" bIns="46725" lIns="93475" spcFirstLastPara="1" rIns="93475" wrap="square" tIns="46725">
+          <a:bodyPr spcFirstLastPara="1" wrap="square" lIns="93475" tIns="46725" rIns="93475" bIns="46725" anchor="t" anchorCtr="0">
             <a:noAutofit/>
           </a:bodyPr>
           <a:lstStyle>
-            <a:lvl1pPr lvl="0" marR="0" rtl="0" algn="l">
+            <a:lvl1pPr marR="0" lvl="0" algn="l" rtl="0">
               <a:spcBef>
                 <a:spcPts val="0"/>
               </a:spcBef>
@@ -335,7 +359,7 @@
               </a:spcAft>
               <a:buSzPts val="1400"/>
               <a:buNone/>
-              <a:defRPr b="0" i="0" sz="1200" u="none" cap="none" strike="noStrike">
+              <a:defRPr sz="1200" b="0" i="0" u="none" strike="noStrike" cap="none">
                 <a:solidFill>
                   <a:schemeClr val="dk1"/>
                 </a:solidFill>
@@ -345,7 +369,7 @@
                 <a:sym typeface="Tahoma"/>
               </a:defRPr>
             </a:lvl1pPr>
-            <a:lvl2pPr lvl="1" marR="0" rtl="0" algn="l">
+            <a:lvl2pPr marR="0" lvl="1" algn="l" rtl="0">
               <a:spcBef>
                 <a:spcPts val="0"/>
               </a:spcBef>
@@ -354,7 +378,7 @@
               </a:spcAft>
               <a:buSzPts val="1400"/>
               <a:buNone/>
-              <a:defRPr b="1" i="0" sz="1800" u="none" cap="none" strike="noStrike">
+              <a:defRPr sz="1800" b="1" i="0" u="none" strike="noStrike" cap="none">
                 <a:solidFill>
                   <a:schemeClr val="dk1"/>
                 </a:solidFill>
@@ -364,7 +388,7 @@
                 <a:sym typeface="Tahoma"/>
               </a:defRPr>
             </a:lvl2pPr>
-            <a:lvl3pPr lvl="2" marR="0" rtl="0" algn="l">
+            <a:lvl3pPr marR="0" lvl="2" algn="l" rtl="0">
               <a:spcBef>
                 <a:spcPts val="0"/>
               </a:spcBef>
@@ -373,7 +397,7 @@
               </a:spcAft>
               <a:buSzPts val="1400"/>
               <a:buNone/>
-              <a:defRPr b="1" i="0" sz="1800" u="none" cap="none" strike="noStrike">
+              <a:defRPr sz="1800" b="1" i="0" u="none" strike="noStrike" cap="none">
                 <a:solidFill>
                   <a:schemeClr val="dk1"/>
                 </a:solidFill>
@@ -383,7 +407,7 @@
                 <a:sym typeface="Tahoma"/>
               </a:defRPr>
             </a:lvl3pPr>
-            <a:lvl4pPr lvl="3" marR="0" rtl="0" algn="l">
+            <a:lvl4pPr marR="0" lvl="3" algn="l" rtl="0">
               <a:spcBef>
                 <a:spcPts val="0"/>
               </a:spcBef>
@@ -392,7 +416,7 @@
               </a:spcAft>
               <a:buSzPts val="1400"/>
               <a:buNone/>
-              <a:defRPr b="1" i="0" sz="1800" u="none" cap="none" strike="noStrike">
+              <a:defRPr sz="1800" b="1" i="0" u="none" strike="noStrike" cap="none">
                 <a:solidFill>
                   <a:schemeClr val="dk1"/>
                 </a:solidFill>
@@ -402,7 +426,7 @@
                 <a:sym typeface="Tahoma"/>
               </a:defRPr>
             </a:lvl4pPr>
-            <a:lvl5pPr lvl="4" marR="0" rtl="0" algn="l">
+            <a:lvl5pPr marR="0" lvl="4" algn="l" rtl="0">
               <a:spcBef>
                 <a:spcPts val="0"/>
               </a:spcBef>
@@ -411,7 +435,7 @@
               </a:spcAft>
               <a:buSzPts val="1400"/>
               <a:buNone/>
-              <a:defRPr b="1" i="0" sz="1800" u="none" cap="none" strike="noStrike">
+              <a:defRPr sz="1800" b="1" i="0" u="none" strike="noStrike" cap="none">
                 <a:solidFill>
                   <a:schemeClr val="dk1"/>
                 </a:solidFill>
@@ -421,7 +445,7 @@
                 <a:sym typeface="Tahoma"/>
               </a:defRPr>
             </a:lvl5pPr>
-            <a:lvl6pPr lvl="5" marR="0" rtl="0" algn="l">
+            <a:lvl6pPr marR="0" lvl="5" algn="l" rtl="0">
               <a:spcBef>
                 <a:spcPts val="0"/>
               </a:spcBef>
@@ -430,7 +454,7 @@
               </a:spcAft>
               <a:buSzPts val="1400"/>
               <a:buNone/>
-              <a:defRPr b="1" i="0" sz="1800" u="none" cap="none" strike="noStrike">
+              <a:defRPr sz="1800" b="1" i="0" u="none" strike="noStrike" cap="none">
                 <a:solidFill>
                   <a:schemeClr val="dk1"/>
                 </a:solidFill>
@@ -440,7 +464,7 @@
                 <a:sym typeface="Tahoma"/>
               </a:defRPr>
             </a:lvl6pPr>
-            <a:lvl7pPr lvl="6" marR="0" rtl="0" algn="l">
+            <a:lvl7pPr marR="0" lvl="6" algn="l" rtl="0">
               <a:spcBef>
                 <a:spcPts val="0"/>
               </a:spcBef>
@@ -449,7 +473,7 @@
               </a:spcAft>
               <a:buSzPts val="1400"/>
               <a:buNone/>
-              <a:defRPr b="1" i="0" sz="1800" u="none" cap="none" strike="noStrike">
+              <a:defRPr sz="1800" b="1" i="0" u="none" strike="noStrike" cap="none">
                 <a:solidFill>
                   <a:schemeClr val="dk1"/>
                 </a:solidFill>
@@ -459,7 +483,7 @@
                 <a:sym typeface="Tahoma"/>
               </a:defRPr>
             </a:lvl7pPr>
-            <a:lvl8pPr lvl="7" marR="0" rtl="0" algn="l">
+            <a:lvl8pPr marR="0" lvl="7" algn="l" rtl="0">
               <a:spcBef>
                 <a:spcPts val="0"/>
               </a:spcBef>
@@ -468,7 +492,7 @@
               </a:spcAft>
               <a:buSzPts val="1400"/>
               <a:buNone/>
-              <a:defRPr b="1" i="0" sz="1800" u="none" cap="none" strike="noStrike">
+              <a:defRPr sz="1800" b="1" i="0" u="none" strike="noStrike" cap="none">
                 <a:solidFill>
                   <a:schemeClr val="dk1"/>
                 </a:solidFill>
@@ -478,7 +502,7 @@
                 <a:sym typeface="Tahoma"/>
               </a:defRPr>
             </a:lvl8pPr>
-            <a:lvl9pPr lvl="8" marR="0" rtl="0" algn="l">
+            <a:lvl9pPr marR="0" lvl="8" algn="l" rtl="0">
               <a:spcBef>
                 <a:spcPts val="0"/>
               </a:spcBef>
@@ -487,7 +511,7 @@
               </a:spcAft>
               <a:buSzPts val="1400"/>
               <a:buNone/>
-              <a:defRPr b="1" i="0" sz="1800" u="none" cap="none" strike="noStrike">
+              <a:defRPr sz="1800" b="1" i="0" u="none" strike="noStrike" cap="none">
                 <a:solidFill>
                   <a:schemeClr val="dk1"/>
                 </a:solidFill>
@@ -498,15 +522,19 @@
               </a:defRPr>
             </a:lvl9pPr>
           </a:lstStyle>
-          <a:p/>
+          <a:p>
+            <a:endParaRPr/>
+          </a:p>
         </p:txBody>
       </p:sp>
       <p:sp>
         <p:nvSpPr>
           <p:cNvPr id="4" name="Google Shape;4;n"/>
-          <p:cNvSpPr txBox="1"/>
+          <p:cNvSpPr txBox="1">
+            <a:spLocks noGrp="1"/>
+          </p:cNvSpPr>
           <p:nvPr>
-            <p:ph idx="10" type="dt"/>
+            <p:ph type="dt" idx="10"/>
           </p:nvPr>
         </p:nvSpPr>
         <p:spPr>
@@ -523,11 +551,11 @@
           </a:ln>
         </p:spPr>
         <p:txBody>
-          <a:bodyPr anchorCtr="0" anchor="t" bIns="46725" lIns="93475" spcFirstLastPara="1" rIns="93475" wrap="square" tIns="46725">
+          <a:bodyPr spcFirstLastPara="1" wrap="square" lIns="93475" tIns="46725" rIns="93475" bIns="46725" anchor="t" anchorCtr="0">
             <a:noAutofit/>
           </a:bodyPr>
           <a:lstStyle>
-            <a:lvl1pPr lvl="0" marR="0" rtl="0" algn="r">
+            <a:lvl1pPr marR="0" lvl="0" algn="r" rtl="0">
               <a:spcBef>
                 <a:spcPts val="0"/>
               </a:spcBef>
@@ -536,7 +564,7 @@
               </a:spcAft>
               <a:buSzPts val="1400"/>
               <a:buNone/>
-              <a:defRPr b="0" i="0" sz="1200" u="none" cap="none" strike="noStrike">
+              <a:defRPr sz="1200" b="0" i="0" u="none" strike="noStrike" cap="none">
                 <a:solidFill>
                   <a:schemeClr val="dk1"/>
                 </a:solidFill>
@@ -546,7 +574,7 @@
                 <a:sym typeface="Tahoma"/>
               </a:defRPr>
             </a:lvl1pPr>
-            <a:lvl2pPr lvl="1" marR="0" rtl="0" algn="l">
+            <a:lvl2pPr marR="0" lvl="1" algn="l" rtl="0">
               <a:spcBef>
                 <a:spcPts val="0"/>
               </a:spcBef>
@@ -555,7 +583,7 @@
               </a:spcAft>
               <a:buSzPts val="1400"/>
               <a:buNone/>
-              <a:defRPr b="1" i="0" sz="1800" u="none" cap="none" strike="noStrike">
+              <a:defRPr sz="1800" b="1" i="0" u="none" strike="noStrike" cap="none">
                 <a:solidFill>
                   <a:schemeClr val="dk1"/>
                 </a:solidFill>
@@ -565,7 +593,7 @@
                 <a:sym typeface="Tahoma"/>
               </a:defRPr>
             </a:lvl2pPr>
-            <a:lvl3pPr lvl="2" marR="0" rtl="0" algn="l">
+            <a:lvl3pPr marR="0" lvl="2" algn="l" rtl="0">
               <a:spcBef>
                 <a:spcPts val="0"/>
               </a:spcBef>
@@ -574,7 +602,7 @@
               </a:spcAft>
               <a:buSzPts val="1400"/>
               <a:buNone/>
-              <a:defRPr b="1" i="0" sz="1800" u="none" cap="none" strike="noStrike">
+              <a:defRPr sz="1800" b="1" i="0" u="none" strike="noStrike" cap="none">
                 <a:solidFill>
                   <a:schemeClr val="dk1"/>
                 </a:solidFill>
@@ -584,7 +612,7 @@
                 <a:sym typeface="Tahoma"/>
               </a:defRPr>
             </a:lvl3pPr>
-            <a:lvl4pPr lvl="3" marR="0" rtl="0" algn="l">
+            <a:lvl4pPr marR="0" lvl="3" algn="l" rtl="0">
               <a:spcBef>
                 <a:spcPts val="0"/>
               </a:spcBef>
@@ -593,7 +621,7 @@
               </a:spcAft>
               <a:buSzPts val="1400"/>
               <a:buNone/>
-              <a:defRPr b="1" i="0" sz="1800" u="none" cap="none" strike="noStrike">
+              <a:defRPr sz="1800" b="1" i="0" u="none" strike="noStrike" cap="none">
                 <a:solidFill>
                   <a:schemeClr val="dk1"/>
                 </a:solidFill>
@@ -603,7 +631,7 @@
                 <a:sym typeface="Tahoma"/>
               </a:defRPr>
             </a:lvl4pPr>
-            <a:lvl5pPr lvl="4" marR="0" rtl="0" algn="l">
+            <a:lvl5pPr marR="0" lvl="4" algn="l" rtl="0">
               <a:spcBef>
                 <a:spcPts val="0"/>
               </a:spcBef>
@@ -612,7 +640,7 @@
               </a:spcAft>
               <a:buSzPts val="1400"/>
               <a:buNone/>
-              <a:defRPr b="1" i="0" sz="1800" u="none" cap="none" strike="noStrike">
+              <a:defRPr sz="1800" b="1" i="0" u="none" strike="noStrike" cap="none">
                 <a:solidFill>
                   <a:schemeClr val="dk1"/>
                 </a:solidFill>
@@ -622,7 +650,7 @@
                 <a:sym typeface="Tahoma"/>
               </a:defRPr>
             </a:lvl5pPr>
-            <a:lvl6pPr lvl="5" marR="0" rtl="0" algn="l">
+            <a:lvl6pPr marR="0" lvl="5" algn="l" rtl="0">
               <a:spcBef>
                 <a:spcPts val="0"/>
               </a:spcBef>
@@ -631,7 +659,7 @@
               </a:spcAft>
               <a:buSzPts val="1400"/>
               <a:buNone/>
-              <a:defRPr b="1" i="0" sz="1800" u="none" cap="none" strike="noStrike">
+              <a:defRPr sz="1800" b="1" i="0" u="none" strike="noStrike" cap="none">
                 <a:solidFill>
                   <a:schemeClr val="dk1"/>
                 </a:solidFill>
@@ -641,7 +669,7 @@
                 <a:sym typeface="Tahoma"/>
               </a:defRPr>
             </a:lvl6pPr>
-            <a:lvl7pPr lvl="6" marR="0" rtl="0" algn="l">
+            <a:lvl7pPr marR="0" lvl="6" algn="l" rtl="0">
               <a:spcBef>
                 <a:spcPts val="0"/>
               </a:spcBef>
@@ -650,7 +678,7 @@
               </a:spcAft>
               <a:buSzPts val="1400"/>
               <a:buNone/>
-              <a:defRPr b="1" i="0" sz="1800" u="none" cap="none" strike="noStrike">
+              <a:defRPr sz="1800" b="1" i="0" u="none" strike="noStrike" cap="none">
                 <a:solidFill>
                   <a:schemeClr val="dk1"/>
                 </a:solidFill>
@@ -660,7 +688,7 @@
                 <a:sym typeface="Tahoma"/>
               </a:defRPr>
             </a:lvl7pPr>
-            <a:lvl8pPr lvl="7" marR="0" rtl="0" algn="l">
+            <a:lvl8pPr marR="0" lvl="7" algn="l" rtl="0">
               <a:spcBef>
                 <a:spcPts val="0"/>
               </a:spcBef>
@@ -669,7 +697,7 @@
               </a:spcAft>
               <a:buSzPts val="1400"/>
               <a:buNone/>
-              <a:defRPr b="1" i="0" sz="1800" u="none" cap="none" strike="noStrike">
+              <a:defRPr sz="1800" b="1" i="0" u="none" strike="noStrike" cap="none">
                 <a:solidFill>
                   <a:schemeClr val="dk1"/>
                 </a:solidFill>
@@ -679,7 +707,7 @@
                 <a:sym typeface="Tahoma"/>
               </a:defRPr>
             </a:lvl8pPr>
-            <a:lvl9pPr lvl="8" marR="0" rtl="0" algn="l">
+            <a:lvl9pPr marR="0" lvl="8" algn="l" rtl="0">
               <a:spcBef>
                 <a:spcPts val="0"/>
               </a:spcBef>
@@ -688,7 +716,7 @@
               </a:spcAft>
               <a:buSzPts val="1400"/>
               <a:buNone/>
-              <a:defRPr b="1" i="0" sz="1800" u="none" cap="none" strike="noStrike">
+              <a:defRPr sz="1800" b="1" i="0" u="none" strike="noStrike" cap="none">
                 <a:solidFill>
                   <a:schemeClr val="dk1"/>
                 </a:solidFill>
@@ -699,15 +727,19 @@
               </a:defRPr>
             </a:lvl9pPr>
           </a:lstStyle>
-          <a:p/>
+          <a:p>
+            <a:endParaRPr/>
+          </a:p>
         </p:txBody>
       </p:sp>
       <p:sp>
         <p:nvSpPr>
           <p:cNvPr id="5" name="Google Shape;5;n"/>
-          <p:cNvSpPr/>
+          <p:cNvSpPr>
+            <a:spLocks noGrp="1" noRot="1" noChangeAspect="1"/>
+          </p:cNvSpPr>
           <p:nvPr>
-            <p:ph idx="3" type="sldImg"/>
+            <p:ph type="sldImg" idx="3"/>
           </p:nvPr>
         </p:nvSpPr>
         <p:spPr>
@@ -716,9 +748,13 @@
             <a:ext cx="4570413" cy="3427413"/>
           </a:xfrm>
           <a:custGeom>
-            <a:rect b="b" l="l" r="r" t="t"/>
+            <a:avLst/>
+            <a:gdLst/>
+            <a:ahLst/>
+            <a:cxnLst/>
+            <a:rect l="l" t="t" r="r" b="b"/>
             <a:pathLst>
-              <a:path extrusionOk="0" h="120000" w="120000">
+              <a:path w="120000" h="120000" extrusionOk="0">
                 <a:moveTo>
                   <a:pt x="0" y="0"/>
                 </a:moveTo>
@@ -736,23 +772,25 @@
             </a:pathLst>
           </a:custGeom>
           <a:noFill/>
-          <a:ln cap="flat" cmpd="sng" w="9525">
+          <a:ln w="9525" cap="flat" cmpd="sng">
             <a:solidFill>
               <a:srgbClr val="000000"/>
             </a:solidFill>
             <a:prstDash val="solid"/>
             <a:miter lim="800000"/>
-            <a:headEnd len="sm" w="sm" type="none"/>
-            <a:tailEnd len="sm" w="sm" type="none"/>
+            <a:headEnd type="none" w="sm" len="sm"/>
+            <a:tailEnd type="none" w="sm" len="sm"/>
           </a:ln>
         </p:spPr>
       </p:sp>
       <p:sp>
         <p:nvSpPr>
           <p:cNvPr id="6" name="Google Shape;6;n"/>
-          <p:cNvSpPr txBox="1"/>
+          <p:cNvSpPr txBox="1">
+            <a:spLocks noGrp="1"/>
+          </p:cNvSpPr>
           <p:nvPr>
-            <p:ph idx="1" type="body"/>
+            <p:ph type="body" idx="1"/>
           </p:nvPr>
         </p:nvSpPr>
         <p:spPr>
@@ -769,11 +807,11 @@
           </a:ln>
         </p:spPr>
         <p:txBody>
-          <a:bodyPr anchorCtr="0" anchor="t" bIns="46725" lIns="93475" spcFirstLastPara="1" rIns="93475" wrap="square" tIns="46725">
+          <a:bodyPr spcFirstLastPara="1" wrap="square" lIns="93475" tIns="46725" rIns="93475" bIns="46725" anchor="t" anchorCtr="0">
             <a:noAutofit/>
           </a:bodyPr>
           <a:lstStyle>
-            <a:lvl1pPr indent="-228600" lvl="0" marL="457200" marR="0" rtl="0" algn="l">
+            <a:lvl1pPr marL="457200" marR="0" lvl="0" indent="-228600" algn="l" rtl="0">
               <a:spcBef>
                 <a:spcPts val="360"/>
               </a:spcBef>
@@ -782,7 +820,7 @@
               </a:spcAft>
               <a:buSzPts val="1400"/>
               <a:buNone/>
-              <a:defRPr b="0" i="0" sz="1200" u="none" cap="none" strike="noStrike">
+              <a:defRPr sz="1200" b="0" i="0" u="none" strike="noStrike" cap="none">
                 <a:solidFill>
                   <a:schemeClr val="dk1"/>
                 </a:solidFill>
@@ -792,7 +830,7 @@
                 <a:sym typeface="Gulim"/>
               </a:defRPr>
             </a:lvl1pPr>
-            <a:lvl2pPr indent="-228600" lvl="1" marL="914400" marR="0" rtl="0" algn="l">
+            <a:lvl2pPr marL="914400" marR="0" lvl="1" indent="-228600" algn="l" rtl="0">
               <a:spcBef>
                 <a:spcPts val="360"/>
               </a:spcBef>
@@ -801,7 +839,7 @@
               </a:spcAft>
               <a:buSzPts val="1400"/>
               <a:buNone/>
-              <a:defRPr b="0" i="0" sz="1200" u="none" cap="none" strike="noStrike">
+              <a:defRPr sz="1200" b="0" i="0" u="none" strike="noStrike" cap="none">
                 <a:solidFill>
                   <a:schemeClr val="dk1"/>
                 </a:solidFill>
@@ -811,7 +849,7 @@
                 <a:sym typeface="Gulim"/>
               </a:defRPr>
             </a:lvl2pPr>
-            <a:lvl3pPr indent="-228600" lvl="2" marL="1371600" marR="0" rtl="0" algn="l">
+            <a:lvl3pPr marL="1371600" marR="0" lvl="2" indent="-228600" algn="l" rtl="0">
               <a:spcBef>
                 <a:spcPts val="360"/>
               </a:spcBef>
@@ -820,7 +858,7 @@
               </a:spcAft>
               <a:buSzPts val="1400"/>
               <a:buNone/>
-              <a:defRPr b="0" i="0" sz="1200" u="none" cap="none" strike="noStrike">
+              <a:defRPr sz="1200" b="0" i="0" u="none" strike="noStrike" cap="none">
                 <a:solidFill>
                   <a:schemeClr val="dk1"/>
                 </a:solidFill>
@@ -830,7 +868,7 @@
                 <a:sym typeface="Gulim"/>
               </a:defRPr>
             </a:lvl3pPr>
-            <a:lvl4pPr indent="-228600" lvl="3" marL="1828800" marR="0" rtl="0" algn="l">
+            <a:lvl4pPr marL="1828800" marR="0" lvl="3" indent="-228600" algn="l" rtl="0">
               <a:spcBef>
                 <a:spcPts val="360"/>
               </a:spcBef>
@@ -839,7 +877,7 @@
               </a:spcAft>
               <a:buSzPts val="1400"/>
               <a:buNone/>
-              <a:defRPr b="0" i="0" sz="1200" u="none" cap="none" strike="noStrike">
+              <a:defRPr sz="1200" b="0" i="0" u="none" strike="noStrike" cap="none">
                 <a:solidFill>
                   <a:schemeClr val="dk1"/>
                 </a:solidFill>
@@ -849,7 +887,7 @@
                 <a:sym typeface="Gulim"/>
               </a:defRPr>
             </a:lvl4pPr>
-            <a:lvl5pPr indent="-228600" lvl="4" marL="2286000" marR="0" rtl="0" algn="l">
+            <a:lvl5pPr marL="2286000" marR="0" lvl="4" indent="-228600" algn="l" rtl="0">
               <a:spcBef>
                 <a:spcPts val="360"/>
               </a:spcBef>
@@ -858,7 +896,7 @@
               </a:spcAft>
               <a:buSzPts val="1400"/>
               <a:buNone/>
-              <a:defRPr b="0" i="0" sz="1200" u="none" cap="none" strike="noStrike">
+              <a:defRPr sz="1200" b="0" i="0" u="none" strike="noStrike" cap="none">
                 <a:solidFill>
                   <a:schemeClr val="dk1"/>
                 </a:solidFill>
@@ -868,7 +906,7 @@
                 <a:sym typeface="Gulim"/>
               </a:defRPr>
             </a:lvl5pPr>
-            <a:lvl6pPr indent="-228600" lvl="5" marL="2743200" marR="0" rtl="0" algn="l">
+            <a:lvl6pPr marL="2743200" marR="0" lvl="5" indent="-228600" algn="l" rtl="0">
               <a:spcBef>
                 <a:spcPts val="0"/>
               </a:spcBef>
@@ -877,7 +915,7 @@
               </a:spcAft>
               <a:buSzPts val="1400"/>
               <a:buNone/>
-              <a:defRPr b="0" i="0" sz="1200" u="none" cap="none" strike="noStrike">
+              <a:defRPr sz="1200" b="0" i="0" u="none" strike="noStrike" cap="none">
                 <a:solidFill>
                   <a:schemeClr val="dk1"/>
                 </a:solidFill>
@@ -887,7 +925,7 @@
                 <a:sym typeface="Malgun Gothic"/>
               </a:defRPr>
             </a:lvl6pPr>
-            <a:lvl7pPr indent="-228600" lvl="6" marL="3200400" marR="0" rtl="0" algn="l">
+            <a:lvl7pPr marL="3200400" marR="0" lvl="6" indent="-228600" algn="l" rtl="0">
               <a:spcBef>
                 <a:spcPts val="0"/>
               </a:spcBef>
@@ -896,7 +934,7 @@
               </a:spcAft>
               <a:buSzPts val="1400"/>
               <a:buNone/>
-              <a:defRPr b="0" i="0" sz="1200" u="none" cap="none" strike="noStrike">
+              <a:defRPr sz="1200" b="0" i="0" u="none" strike="noStrike" cap="none">
                 <a:solidFill>
                   <a:schemeClr val="dk1"/>
                 </a:solidFill>
@@ -906,7 +944,7 @@
                 <a:sym typeface="Malgun Gothic"/>
               </a:defRPr>
             </a:lvl7pPr>
-            <a:lvl8pPr indent="-228600" lvl="7" marL="3657600" marR="0" rtl="0" algn="l">
+            <a:lvl8pPr marL="3657600" marR="0" lvl="7" indent="-228600" algn="l" rtl="0">
               <a:spcBef>
                 <a:spcPts val="0"/>
               </a:spcBef>
@@ -915,7 +953,7 @@
               </a:spcAft>
               <a:buSzPts val="1400"/>
               <a:buNone/>
-              <a:defRPr b="0" i="0" sz="1200" u="none" cap="none" strike="noStrike">
+              <a:defRPr sz="1200" b="0" i="0" u="none" strike="noStrike" cap="none">
                 <a:solidFill>
                   <a:schemeClr val="dk1"/>
                 </a:solidFill>
@@ -925,7 +963,7 @@
                 <a:sym typeface="Malgun Gothic"/>
               </a:defRPr>
             </a:lvl8pPr>
-            <a:lvl9pPr indent="-228600" lvl="8" marL="4114800" marR="0" rtl="0" algn="l">
+            <a:lvl9pPr marL="4114800" marR="0" lvl="8" indent="-228600" algn="l" rtl="0">
               <a:spcBef>
                 <a:spcPts val="0"/>
               </a:spcBef>
@@ -934,7 +972,7 @@
               </a:spcAft>
               <a:buSzPts val="1400"/>
               <a:buNone/>
-              <a:defRPr b="0" i="0" sz="1200" u="none" cap="none" strike="noStrike">
+              <a:defRPr sz="1200" b="0" i="0" u="none" strike="noStrike" cap="none">
                 <a:solidFill>
                   <a:schemeClr val="dk1"/>
                 </a:solidFill>
@@ -945,15 +983,19 @@
               </a:defRPr>
             </a:lvl9pPr>
           </a:lstStyle>
-          <a:p/>
+          <a:p>
+            <a:endParaRPr/>
+          </a:p>
         </p:txBody>
       </p:sp>
       <p:sp>
         <p:nvSpPr>
           <p:cNvPr id="7" name="Google Shape;7;n"/>
-          <p:cNvSpPr txBox="1"/>
+          <p:cNvSpPr txBox="1">
+            <a:spLocks noGrp="1"/>
+          </p:cNvSpPr>
           <p:nvPr>
-            <p:ph idx="11" type="ftr"/>
+            <p:ph type="ftr" idx="11"/>
           </p:nvPr>
         </p:nvSpPr>
         <p:spPr>
@@ -970,11 +1012,11 @@
           </a:ln>
         </p:spPr>
         <p:txBody>
-          <a:bodyPr anchorCtr="0" anchor="b" bIns="46725" lIns="93475" spcFirstLastPara="1" rIns="93475" wrap="square" tIns="46725">
+          <a:bodyPr spcFirstLastPara="1" wrap="square" lIns="93475" tIns="46725" rIns="93475" bIns="46725" anchor="b" anchorCtr="0">
             <a:noAutofit/>
           </a:bodyPr>
           <a:lstStyle>
-            <a:lvl1pPr lvl="0" marR="0" rtl="0" algn="l">
+            <a:lvl1pPr marR="0" lvl="0" algn="l" rtl="0">
               <a:spcBef>
                 <a:spcPts val="0"/>
               </a:spcBef>
@@ -983,7 +1025,7 @@
               </a:spcAft>
               <a:buSzPts val="1400"/>
               <a:buNone/>
-              <a:defRPr b="0" i="0" sz="1200" u="none" cap="none" strike="noStrike">
+              <a:defRPr sz="1200" b="0" i="0" u="none" strike="noStrike" cap="none">
                 <a:solidFill>
                   <a:schemeClr val="dk1"/>
                 </a:solidFill>
@@ -993,7 +1035,7 @@
                 <a:sym typeface="Tahoma"/>
               </a:defRPr>
             </a:lvl1pPr>
-            <a:lvl2pPr lvl="1" marR="0" rtl="0" algn="l">
+            <a:lvl2pPr marR="0" lvl="1" algn="l" rtl="0">
               <a:spcBef>
                 <a:spcPts val="0"/>
               </a:spcBef>
@@ -1002,7 +1044,7 @@
               </a:spcAft>
               <a:buSzPts val="1400"/>
               <a:buNone/>
-              <a:defRPr b="1" i="0" sz="1800" u="none" cap="none" strike="noStrike">
+              <a:defRPr sz="1800" b="1" i="0" u="none" strike="noStrike" cap="none">
                 <a:solidFill>
                   <a:schemeClr val="dk1"/>
                 </a:solidFill>
@@ -1012,7 +1054,7 @@
                 <a:sym typeface="Tahoma"/>
               </a:defRPr>
             </a:lvl2pPr>
-            <a:lvl3pPr lvl="2" marR="0" rtl="0" algn="l">
+            <a:lvl3pPr marR="0" lvl="2" algn="l" rtl="0">
               <a:spcBef>
                 <a:spcPts val="0"/>
               </a:spcBef>
@@ -1021,7 +1063,7 @@
               </a:spcAft>
               <a:buSzPts val="1400"/>
               <a:buNone/>
-              <a:defRPr b="1" i="0" sz="1800" u="none" cap="none" strike="noStrike">
+              <a:defRPr sz="1800" b="1" i="0" u="none" strike="noStrike" cap="none">
                 <a:solidFill>
                   <a:schemeClr val="dk1"/>
                 </a:solidFill>
@@ -1031,7 +1073,7 @@
                 <a:sym typeface="Tahoma"/>
               </a:defRPr>
             </a:lvl3pPr>
-            <a:lvl4pPr lvl="3" marR="0" rtl="0" algn="l">
+            <a:lvl4pPr marR="0" lvl="3" algn="l" rtl="0">
               <a:spcBef>
                 <a:spcPts val="0"/>
               </a:spcBef>
@@ -1040,7 +1082,7 @@
               </a:spcAft>
               <a:buSzPts val="1400"/>
               <a:buNone/>
-              <a:defRPr b="1" i="0" sz="1800" u="none" cap="none" strike="noStrike">
+              <a:defRPr sz="1800" b="1" i="0" u="none" strike="noStrike" cap="none">
                 <a:solidFill>
                   <a:schemeClr val="dk1"/>
                 </a:solidFill>
@@ -1050,7 +1092,7 @@
                 <a:sym typeface="Tahoma"/>
               </a:defRPr>
             </a:lvl4pPr>
-            <a:lvl5pPr lvl="4" marR="0" rtl="0" algn="l">
+            <a:lvl5pPr marR="0" lvl="4" algn="l" rtl="0">
               <a:spcBef>
                 <a:spcPts val="0"/>
               </a:spcBef>
@@ -1059,7 +1101,7 @@
               </a:spcAft>
               <a:buSzPts val="1400"/>
               <a:buNone/>
-              <a:defRPr b="1" i="0" sz="1800" u="none" cap="none" strike="noStrike">
+              <a:defRPr sz="1800" b="1" i="0" u="none" strike="noStrike" cap="none">
                 <a:solidFill>
                   <a:schemeClr val="dk1"/>
                 </a:solidFill>
@@ -1069,7 +1111,7 @@
                 <a:sym typeface="Tahoma"/>
               </a:defRPr>
             </a:lvl5pPr>
-            <a:lvl6pPr lvl="5" marR="0" rtl="0" algn="l">
+            <a:lvl6pPr marR="0" lvl="5" algn="l" rtl="0">
               <a:spcBef>
                 <a:spcPts val="0"/>
               </a:spcBef>
@@ -1078,7 +1120,7 @@
               </a:spcAft>
               <a:buSzPts val="1400"/>
               <a:buNone/>
-              <a:defRPr b="1" i="0" sz="1800" u="none" cap="none" strike="noStrike">
+              <a:defRPr sz="1800" b="1" i="0" u="none" strike="noStrike" cap="none">
                 <a:solidFill>
                   <a:schemeClr val="dk1"/>
                 </a:solidFill>
@@ -1088,7 +1130,7 @@
                 <a:sym typeface="Tahoma"/>
               </a:defRPr>
             </a:lvl6pPr>
-            <a:lvl7pPr lvl="6" marR="0" rtl="0" algn="l">
+            <a:lvl7pPr marR="0" lvl="6" algn="l" rtl="0">
               <a:spcBef>
                 <a:spcPts val="0"/>
               </a:spcBef>
@@ -1097,7 +1139,7 @@
               </a:spcAft>
               <a:buSzPts val="1400"/>
               <a:buNone/>
-              <a:defRPr b="1" i="0" sz="1800" u="none" cap="none" strike="noStrike">
+              <a:defRPr sz="1800" b="1" i="0" u="none" strike="noStrike" cap="none">
                 <a:solidFill>
                   <a:schemeClr val="dk1"/>
                 </a:solidFill>
@@ -1107,7 +1149,7 @@
                 <a:sym typeface="Tahoma"/>
               </a:defRPr>
             </a:lvl7pPr>
-            <a:lvl8pPr lvl="7" marR="0" rtl="0" algn="l">
+            <a:lvl8pPr marR="0" lvl="7" algn="l" rtl="0">
               <a:spcBef>
                 <a:spcPts val="0"/>
               </a:spcBef>
@@ -1116,7 +1158,7 @@
               </a:spcAft>
               <a:buSzPts val="1400"/>
               <a:buNone/>
-              <a:defRPr b="1" i="0" sz="1800" u="none" cap="none" strike="noStrike">
+              <a:defRPr sz="1800" b="1" i="0" u="none" strike="noStrike" cap="none">
                 <a:solidFill>
                   <a:schemeClr val="dk1"/>
                 </a:solidFill>
@@ -1126,7 +1168,7 @@
                 <a:sym typeface="Tahoma"/>
               </a:defRPr>
             </a:lvl8pPr>
-            <a:lvl9pPr lvl="8" marR="0" rtl="0" algn="l">
+            <a:lvl9pPr marR="0" lvl="8" algn="l" rtl="0">
               <a:spcBef>
                 <a:spcPts val="0"/>
               </a:spcBef>
@@ -1135,7 +1177,7 @@
               </a:spcAft>
               <a:buSzPts val="1400"/>
               <a:buNone/>
-              <a:defRPr b="1" i="0" sz="1800" u="none" cap="none" strike="noStrike">
+              <a:defRPr sz="1800" b="1" i="0" u="none" strike="noStrike" cap="none">
                 <a:solidFill>
                   <a:schemeClr val="dk1"/>
                 </a:solidFill>
@@ -1146,15 +1188,19 @@
               </a:defRPr>
             </a:lvl9pPr>
           </a:lstStyle>
-          <a:p/>
+          <a:p>
+            <a:endParaRPr/>
+          </a:p>
         </p:txBody>
       </p:sp>
       <p:sp>
         <p:nvSpPr>
           <p:cNvPr id="8" name="Google Shape;8;n"/>
-          <p:cNvSpPr txBox="1"/>
+          <p:cNvSpPr txBox="1">
+            <a:spLocks noGrp="1"/>
+          </p:cNvSpPr>
           <p:nvPr>
-            <p:ph idx="12" type="sldNum"/>
+            <p:ph type="sldNum" idx="12"/>
           </p:nvPr>
         </p:nvSpPr>
         <p:spPr>
@@ -1171,12 +1217,12 @@
           </a:ln>
         </p:spPr>
         <p:txBody>
-          <a:bodyPr anchorCtr="0" anchor="b" bIns="46725" lIns="93475" spcFirstLastPara="1" rIns="93475" wrap="square" tIns="46725">
+          <a:bodyPr spcFirstLastPara="1" wrap="square" lIns="93475" tIns="46725" rIns="93475" bIns="46725" anchor="b" anchorCtr="0">
             <a:noAutofit/>
           </a:bodyPr>
           <a:lstStyle/>
           <a:p>
-            <a:pPr indent="0" lvl="0" marL="0" marR="0" rtl="0" algn="r">
+            <a:pPr marL="0" marR="0" lvl="0" indent="0" algn="r" rtl="0">
               <a:spcBef>
                 <a:spcPts val="0"/>
               </a:spcBef>
@@ -1186,7 +1232,7 @@
               <a:buNone/>
             </a:pPr>
             <a:fld id="{00000000-1234-1234-1234-123412341234}" type="slidenum">
-              <a:rPr b="0" i="0" lang="en-US" sz="1200" u="none" cap="none" strike="noStrike">
+              <a:rPr lang="en-US" sz="1200" b="0" i="0" u="none" strike="noStrike" cap="none">
                 <a:solidFill>
                   <a:schemeClr val="dk1"/>
                 </a:solidFill>
@@ -1197,7 +1243,7 @@
               </a:rPr>
               <a:t>‹#›</a:t>
             </a:fld>
-            <a:endParaRPr b="0" i="0" sz="1200" u="none" cap="none" strike="noStrike">
+            <a:endParaRPr sz="1200" b="0" i="0" u="none" strike="noStrike" cap="none">
               <a:solidFill>
                 <a:schemeClr val="dk1"/>
               </a:solidFill>
@@ -1211,9 +1257,9 @@
       </p:sp>
     </p:spTree>
   </p:cSld>
-  <p:clrMap accent1="accent1" accent2="accent2" accent3="accent3" accent4="accent4" accent5="accent5" accent6="accent6" bg1="lt1" bg2="dk2" tx1="dk1" tx2="lt2" folHlink="folHlink" hlink="hlink"/>
+  <p:clrMap bg1="lt1" tx1="dk1" bg2="dk2" tx2="lt2" accent1="accent1" accent2="accent2" accent3="accent3" accent4="accent4" accent5="accent5" accent6="accent6" hlink="hlink" folHlink="folHlink"/>
   <p:notesStyle>
-    <a:defPPr lvl="0" marR="0" rtl="0" algn="l">
+    <a:defPPr marR="0" lvl="0" algn="l" rtl="0">
       <a:lnSpc>
         <a:spcPct val="100000"/>
       </a:lnSpc>
@@ -1224,7 +1270,7 @@
         <a:spcPts val="0"/>
       </a:spcAft>
     </a:defPPr>
-    <a:lvl1pPr lvl="0" marR="0" rtl="0" algn="l">
+    <a:lvl1pPr marR="0" lvl="0" algn="l" rtl="0">
       <a:lnSpc>
         <a:spcPct val="100000"/>
       </a:lnSpc>
@@ -1238,7 +1284,7 @@
         <a:srgbClr val="000000"/>
       </a:buClr>
       <a:buFont typeface="Arial"/>
-      <a:defRPr b="0" i="0" sz="1400" u="none" cap="none" strike="noStrike">
+      <a:defRPr sz="1400" b="0" i="0" u="none" strike="noStrike" cap="none">
         <a:solidFill>
           <a:srgbClr val="000000"/>
         </a:solidFill>
@@ -1248,7 +1294,7 @@
         <a:sym typeface="Arial"/>
       </a:defRPr>
     </a:lvl1pPr>
-    <a:lvl2pPr lvl="1" marR="0" rtl="0" algn="l">
+    <a:lvl2pPr marR="0" lvl="1" algn="l" rtl="0">
       <a:lnSpc>
         <a:spcPct val="100000"/>
       </a:lnSpc>
@@ -1262,7 +1308,7 @@
         <a:srgbClr val="000000"/>
       </a:buClr>
       <a:buFont typeface="Arial"/>
-      <a:defRPr b="0" i="0" sz="1400" u="none" cap="none" strike="noStrike">
+      <a:defRPr sz="1400" b="0" i="0" u="none" strike="noStrike" cap="none">
         <a:solidFill>
           <a:srgbClr val="000000"/>
         </a:solidFill>
@@ -1272,7 +1318,7 @@
         <a:sym typeface="Arial"/>
       </a:defRPr>
     </a:lvl2pPr>
-    <a:lvl3pPr lvl="2" marR="0" rtl="0" algn="l">
+    <a:lvl3pPr marR="0" lvl="2" algn="l" rtl="0">
       <a:lnSpc>
         <a:spcPct val="100000"/>
       </a:lnSpc>
@@ -1286,7 +1332,7 @@
         <a:srgbClr val="000000"/>
       </a:buClr>
       <a:buFont typeface="Arial"/>
-      <a:defRPr b="0" i="0" sz="1400" u="none" cap="none" strike="noStrike">
+      <a:defRPr sz="1400" b="0" i="0" u="none" strike="noStrike" cap="none">
         <a:solidFill>
           <a:srgbClr val="000000"/>
         </a:solidFill>
@@ -1296,7 +1342,7 @@
         <a:sym typeface="Arial"/>
       </a:defRPr>
     </a:lvl3pPr>
-    <a:lvl4pPr lvl="3" marR="0" rtl="0" algn="l">
+    <a:lvl4pPr marR="0" lvl="3" algn="l" rtl="0">
       <a:lnSpc>
         <a:spcPct val="100000"/>
       </a:lnSpc>
@@ -1310,7 +1356,7 @@
         <a:srgbClr val="000000"/>
       </a:buClr>
       <a:buFont typeface="Arial"/>
-      <a:defRPr b="0" i="0" sz="1400" u="none" cap="none" strike="noStrike">
+      <a:defRPr sz="1400" b="0" i="0" u="none" strike="noStrike" cap="none">
         <a:solidFill>
           <a:srgbClr val="000000"/>
         </a:solidFill>
@@ -1320,7 +1366,7 @@
         <a:sym typeface="Arial"/>
       </a:defRPr>
     </a:lvl4pPr>
-    <a:lvl5pPr lvl="4" marR="0" rtl="0" algn="l">
+    <a:lvl5pPr marR="0" lvl="4" algn="l" rtl="0">
       <a:lnSpc>
         <a:spcPct val="100000"/>
       </a:lnSpc>
@@ -1334,7 +1380,7 @@
         <a:srgbClr val="000000"/>
       </a:buClr>
       <a:buFont typeface="Arial"/>
-      <a:defRPr b="0" i="0" sz="1400" u="none" cap="none" strike="noStrike">
+      <a:defRPr sz="1400" b="0" i="0" u="none" strike="noStrike" cap="none">
         <a:solidFill>
           <a:srgbClr val="000000"/>
         </a:solidFill>
@@ -1344,7 +1390,7 @@
         <a:sym typeface="Arial"/>
       </a:defRPr>
     </a:lvl5pPr>
-    <a:lvl6pPr lvl="5" marR="0" rtl="0" algn="l">
+    <a:lvl6pPr marR="0" lvl="5" algn="l" rtl="0">
       <a:lnSpc>
         <a:spcPct val="100000"/>
       </a:lnSpc>
@@ -1358,7 +1404,7 @@
         <a:srgbClr val="000000"/>
       </a:buClr>
       <a:buFont typeface="Arial"/>
-      <a:defRPr b="0" i="0" sz="1400" u="none" cap="none" strike="noStrike">
+      <a:defRPr sz="1400" b="0" i="0" u="none" strike="noStrike" cap="none">
         <a:solidFill>
           <a:srgbClr val="000000"/>
         </a:solidFill>
@@ -1368,7 +1414,7 @@
         <a:sym typeface="Arial"/>
       </a:defRPr>
     </a:lvl6pPr>
-    <a:lvl7pPr lvl="6" marR="0" rtl="0" algn="l">
+    <a:lvl7pPr marR="0" lvl="6" algn="l" rtl="0">
       <a:lnSpc>
         <a:spcPct val="100000"/>
       </a:lnSpc>
@@ -1382,7 +1428,7 @@
         <a:srgbClr val="000000"/>
       </a:buClr>
       <a:buFont typeface="Arial"/>
-      <a:defRPr b="0" i="0" sz="1400" u="none" cap="none" strike="noStrike">
+      <a:defRPr sz="1400" b="0" i="0" u="none" strike="noStrike" cap="none">
         <a:solidFill>
           <a:srgbClr val="000000"/>
         </a:solidFill>
@@ -1392,7 +1438,7 @@
         <a:sym typeface="Arial"/>
       </a:defRPr>
     </a:lvl7pPr>
-    <a:lvl8pPr lvl="7" marR="0" rtl="0" algn="l">
+    <a:lvl8pPr marR="0" lvl="7" algn="l" rtl="0">
       <a:lnSpc>
         <a:spcPct val="100000"/>
       </a:lnSpc>
@@ -1406,7 +1452,7 @@
         <a:srgbClr val="000000"/>
       </a:buClr>
       <a:buFont typeface="Arial"/>
-      <a:defRPr b="0" i="0" sz="1400" u="none" cap="none" strike="noStrike">
+      <a:defRPr sz="1400" b="0" i="0" u="none" strike="noStrike" cap="none">
         <a:solidFill>
           <a:srgbClr val="000000"/>
         </a:solidFill>
@@ -1416,7 +1462,7 @@
         <a:sym typeface="Arial"/>
       </a:defRPr>
     </a:lvl8pPr>
-    <a:lvl9pPr lvl="8" marR="0" rtl="0" algn="l">
+    <a:lvl9pPr marR="0" lvl="8" algn="l" rtl="0">
       <a:lnSpc>
         <a:spcPct val="100000"/>
       </a:lnSpc>
@@ -1430,7 +1476,7 @@
         <a:srgbClr val="000000"/>
       </a:buClr>
       <a:buFont typeface="Arial"/>
-      <a:defRPr b="0" i="0" sz="1400" u="none" cap="none" strike="noStrike">
+      <a:defRPr sz="1400" b="0" i="0" u="none" strike="noStrike" cap="none">
         <a:solidFill>
           <a:srgbClr val="000000"/>
         </a:solidFill>
@@ -1445,11 +1491,11 @@
 </file>
 
 <file path=ppt/notesSlides/notesSlide1.xml><?xml version="1.0" encoding="utf-8"?>
-<p:notes xmlns:a="http://schemas.openxmlformats.org/drawingml/2006/main" xmlns:r="http://schemas.openxmlformats.org/officeDocument/2006/relationships" xmlns:mc="http://schemas.openxmlformats.org/markup-compatibility/2006" xmlns:mv="urn:schemas-microsoft-com:mac:vml" xmlns:p="http://schemas.openxmlformats.org/presentationml/2006/main" xmlns:c="http://schemas.openxmlformats.org/drawingml/2006/chart" xmlns:dgm="http://schemas.openxmlformats.org/drawingml/2006/diagram" xmlns:o="urn:schemas-microsoft-com:office:office" xmlns:v="urn:schemas-microsoft-com:vml" xmlns:pvml="urn:schemas-microsoft-com:office:powerpoint" xmlns:com="http://schemas.openxmlformats.org/drawingml/2006/compatibility" xmlns:p14="http://schemas.microsoft.com/office/powerpoint/2010/main" xmlns:p15="http://schemas.microsoft.com/office/powerpoint/2012/main" xmlns:ahyp="http://schemas.microsoft.com/office/drawing/2018/hyperlinkcolor" showMasterPhAnim="0" showMasterSp="0">
+<p:notes xmlns:a="http://schemas.openxmlformats.org/drawingml/2006/main" xmlns:r="http://schemas.openxmlformats.org/officeDocument/2006/relationships" xmlns:p="http://schemas.openxmlformats.org/presentationml/2006/main" showMasterSp="0" showMasterPhAnim="0">
   <p:cSld>
     <p:spTree>
       <p:nvGrpSpPr>
-        <p:cNvPr id="31" name="Shape 31"/>
+        <p:cNvPr id="1" name="Shape 31"/>
         <p:cNvGrpSpPr/>
         <p:nvPr/>
       </p:nvGrpSpPr>
@@ -1464,9 +1510,11 @@
       <p:sp>
         <p:nvSpPr>
           <p:cNvPr id="32" name="Google Shape;32;p1:notes"/>
-          <p:cNvSpPr txBox="1"/>
+          <p:cNvSpPr txBox="1">
+            <a:spLocks noGrp="1"/>
+          </p:cNvSpPr>
           <p:nvPr>
-            <p:ph idx="12" type="sldNum"/>
+            <p:ph type="sldNum" idx="12"/>
           </p:nvPr>
         </p:nvSpPr>
         <p:spPr>
@@ -1483,12 +1531,12 @@
           </a:ln>
         </p:spPr>
         <p:txBody>
-          <a:bodyPr anchorCtr="0" anchor="b" bIns="46725" lIns="93475" spcFirstLastPara="1" rIns="93475" wrap="square" tIns="46725">
+          <a:bodyPr spcFirstLastPara="1" wrap="square" lIns="93475" tIns="46725" rIns="93475" bIns="46725" anchor="b" anchorCtr="0">
             <a:noAutofit/>
           </a:bodyPr>
           <a:lstStyle/>
           <a:p>
-            <a:pPr indent="0" lvl="0" marL="0" marR="0" rtl="0" algn="r">
+            <a:pPr marL="0" marR="0" lvl="0" indent="0" algn="r" rtl="0">
               <a:spcBef>
                 <a:spcPts val="0"/>
               </a:spcBef>
@@ -1498,7 +1546,7 @@
               <a:buNone/>
             </a:pPr>
             <a:fld id="{00000000-1234-1234-1234-123412341234}" type="slidenum">
-              <a:rPr b="0" i="0" lang="en-US" sz="1200" u="none" cap="none" strike="noStrike">
+              <a:rPr lang="en-US" sz="1200" b="0" i="0" u="none" strike="noStrike" cap="none">
                 <a:solidFill>
                   <a:schemeClr val="dk1"/>
                 </a:solidFill>
@@ -1507,9 +1555,9 @@
                 <a:cs typeface="Tahoma"/>
                 <a:sym typeface="Tahoma"/>
               </a:rPr>
-              <a:t>‹#›</a:t>
+              <a:t>1</a:t>
             </a:fld>
-            <a:endParaRPr b="0" i="0" sz="1200" u="none" cap="none" strike="noStrike">
+            <a:endParaRPr sz="1200" b="0" i="0" u="none" strike="noStrike" cap="none">
               <a:solidFill>
                 <a:schemeClr val="dk1"/>
               </a:solidFill>
@@ -1524,9 +1572,11 @@
       <p:sp>
         <p:nvSpPr>
           <p:cNvPr id="33" name="Google Shape;33;p1:notes"/>
-          <p:cNvSpPr/>
+          <p:cNvSpPr>
+            <a:spLocks noGrp="1" noRot="1" noChangeAspect="1"/>
+          </p:cNvSpPr>
           <p:nvPr>
-            <p:ph idx="2" type="sldImg"/>
+            <p:ph type="sldImg" idx="2"/>
           </p:nvPr>
         </p:nvSpPr>
         <p:spPr>
@@ -1535,9 +1585,13 @@
             <a:ext cx="4570413" cy="3427413"/>
           </a:xfrm>
           <a:custGeom>
-            <a:rect b="b" l="l" r="r" t="t"/>
+            <a:avLst/>
+            <a:gdLst/>
+            <a:ahLst/>
+            <a:cxnLst/>
+            <a:rect l="l" t="t" r="r" b="b"/>
             <a:pathLst>
-              <a:path extrusionOk="0" h="120000" w="120000">
+              <a:path w="120000" h="120000" extrusionOk="0">
                 <a:moveTo>
                   <a:pt x="0" y="0"/>
                 </a:moveTo>
@@ -1563,9 +1617,11 @@
       <p:sp>
         <p:nvSpPr>
           <p:cNvPr id="34" name="Google Shape;34;p1:notes"/>
-          <p:cNvSpPr txBox="1"/>
+          <p:cNvSpPr txBox="1">
+            <a:spLocks noGrp="1"/>
+          </p:cNvSpPr>
           <p:nvPr>
-            <p:ph idx="1" type="body"/>
+            <p:ph type="body" idx="1"/>
           </p:nvPr>
         </p:nvSpPr>
         <p:spPr>
@@ -1582,23 +1638,20 @@
           </a:ln>
         </p:spPr>
         <p:txBody>
-          <a:bodyPr anchorCtr="0" anchor="t" bIns="46725" lIns="93475" spcFirstLastPara="1" rIns="93475" wrap="square" tIns="46725">
+          <a:bodyPr spcFirstLastPara="1" wrap="square" lIns="93475" tIns="46725" rIns="93475" bIns="46725" anchor="t" anchorCtr="0">
             <a:noAutofit/>
           </a:bodyPr>
           <a:lstStyle/>
           <a:p>
-            <a:pPr indent="0" lvl="0" marL="0" rtl="0" algn="l">
-              <a:spcBef>
-                <a:spcPts val="0"/>
-              </a:spcBef>
-              <a:spcAft>
-                <a:spcPts val="0"/>
-              </a:spcAft>
-              <a:buNone/>
-            </a:pPr>
-            <a:r>
-              <a:t/>
-            </a:r>
+            <a:pPr marL="0" lvl="0" indent="0" algn="l" rtl="0">
+              <a:spcBef>
+                <a:spcPts val="0"/>
+              </a:spcBef>
+              <a:spcAft>
+                <a:spcPts val="0"/>
+              </a:spcAft>
+              <a:buNone/>
+            </a:pPr>
             <a:endParaRPr>
               <a:latin typeface="Gulim"/>
               <a:ea typeface="Gulim"/>
@@ -1617,11 +1670,11 @@
 </file>
 
 <file path=ppt/notesSlides/notesSlide10.xml><?xml version="1.0" encoding="utf-8"?>
-<p:notes xmlns:a="http://schemas.openxmlformats.org/drawingml/2006/main" xmlns:r="http://schemas.openxmlformats.org/officeDocument/2006/relationships" xmlns:mc="http://schemas.openxmlformats.org/markup-compatibility/2006" xmlns:mv="urn:schemas-microsoft-com:mac:vml" xmlns:p="http://schemas.openxmlformats.org/presentationml/2006/main" xmlns:c="http://schemas.openxmlformats.org/drawingml/2006/chart" xmlns:dgm="http://schemas.openxmlformats.org/drawingml/2006/diagram" xmlns:o="urn:schemas-microsoft-com:office:office" xmlns:v="urn:schemas-microsoft-com:vml" xmlns:pvml="urn:schemas-microsoft-com:office:powerpoint" xmlns:com="http://schemas.openxmlformats.org/drawingml/2006/compatibility" xmlns:p14="http://schemas.microsoft.com/office/powerpoint/2010/main" xmlns:p15="http://schemas.microsoft.com/office/powerpoint/2012/main" xmlns:ahyp="http://schemas.microsoft.com/office/drawing/2018/hyperlinkcolor" showMasterPhAnim="0" showMasterSp="0">
+<p:notes xmlns:a="http://schemas.openxmlformats.org/drawingml/2006/main" xmlns:r="http://schemas.openxmlformats.org/officeDocument/2006/relationships" xmlns:p="http://schemas.openxmlformats.org/presentationml/2006/main" showMasterSp="0" showMasterPhAnim="0">
   <p:cSld>
     <p:spTree>
       <p:nvGrpSpPr>
-        <p:cNvPr id="171" name="Shape 171"/>
+        <p:cNvPr id="1" name="Shape 171"/>
         <p:cNvGrpSpPr/>
         <p:nvPr/>
       </p:nvGrpSpPr>
@@ -1636,9 +1689,11 @@
       <p:sp>
         <p:nvSpPr>
           <p:cNvPr id="172" name="Google Shape;172;p3:notes"/>
-          <p:cNvSpPr txBox="1"/>
+          <p:cNvSpPr txBox="1">
+            <a:spLocks noGrp="1"/>
+          </p:cNvSpPr>
           <p:nvPr>
-            <p:ph idx="1" type="body"/>
+            <p:ph type="body" idx="1"/>
           </p:nvPr>
         </p:nvSpPr>
         <p:spPr>
@@ -1651,12 +1706,12 @@
           </a:prstGeom>
         </p:spPr>
         <p:txBody>
-          <a:bodyPr anchorCtr="0" anchor="t" bIns="46725" lIns="93475" spcFirstLastPara="1" rIns="93475" wrap="square" tIns="46725">
+          <a:bodyPr spcFirstLastPara="1" wrap="square" lIns="93475" tIns="46725" rIns="93475" bIns="46725" anchor="t" anchorCtr="0">
             <a:noAutofit/>
           </a:bodyPr>
           <a:lstStyle/>
           <a:p>
-            <a:pPr indent="0" lvl="0" marL="0" rtl="0" algn="l">
+            <a:pPr marL="0" lvl="0" indent="0" algn="l" rtl="0">
               <a:spcBef>
                 <a:spcPts val="360"/>
               </a:spcBef>
@@ -1665,9 +1720,6 @@
               </a:spcAft>
               <a:buNone/>
             </a:pPr>
-            <a:r>
-              <a:t/>
-            </a:r>
             <a:endParaRPr/>
           </a:p>
         </p:txBody>
@@ -1675,9 +1727,11 @@
       <p:sp>
         <p:nvSpPr>
           <p:cNvPr id="173" name="Google Shape;173;p3:notes"/>
-          <p:cNvSpPr/>
+          <p:cNvSpPr>
+            <a:spLocks noGrp="1" noRot="1" noChangeAspect="1"/>
+          </p:cNvSpPr>
           <p:nvPr>
-            <p:ph idx="2" type="sldImg"/>
+            <p:ph type="sldImg" idx="2"/>
           </p:nvPr>
         </p:nvSpPr>
         <p:spPr>
@@ -1686,9 +1740,13 @@
             <a:ext cx="4570413" cy="3427413"/>
           </a:xfrm>
           <a:custGeom>
-            <a:rect b="b" l="l" r="r" t="t"/>
+            <a:avLst/>
+            <a:gdLst/>
+            <a:ahLst/>
+            <a:cxnLst/>
+            <a:rect l="l" t="t" r="r" b="b"/>
             <a:pathLst>
-              <a:path extrusionOk="0" h="120000" w="120000">
+              <a:path w="120000" h="120000" extrusionOk="0">
                 <a:moveTo>
                   <a:pt x="0" y="0"/>
                 </a:moveTo>
@@ -1716,11 +1774,11 @@
 </file>
 
 <file path=ppt/notesSlides/notesSlide2.xml><?xml version="1.0" encoding="utf-8"?>
-<p:notes xmlns:a="http://schemas.openxmlformats.org/drawingml/2006/main" xmlns:r="http://schemas.openxmlformats.org/officeDocument/2006/relationships" xmlns:mc="http://schemas.openxmlformats.org/markup-compatibility/2006" xmlns:mv="urn:schemas-microsoft-com:mac:vml" xmlns:p="http://schemas.openxmlformats.org/presentationml/2006/main" xmlns:c="http://schemas.openxmlformats.org/drawingml/2006/chart" xmlns:dgm="http://schemas.openxmlformats.org/drawingml/2006/diagram" xmlns:o="urn:schemas-microsoft-com:office:office" xmlns:v="urn:schemas-microsoft-com:vml" xmlns:pvml="urn:schemas-microsoft-com:office:powerpoint" xmlns:com="http://schemas.openxmlformats.org/drawingml/2006/compatibility" xmlns:p14="http://schemas.microsoft.com/office/powerpoint/2010/main" xmlns:p15="http://schemas.microsoft.com/office/powerpoint/2012/main" xmlns:ahyp="http://schemas.microsoft.com/office/drawing/2018/hyperlinkcolor" showMasterPhAnim="0" showMasterSp="0">
+<p:notes xmlns:a="http://schemas.openxmlformats.org/drawingml/2006/main" xmlns:r="http://schemas.openxmlformats.org/officeDocument/2006/relationships" xmlns:p="http://schemas.openxmlformats.org/presentationml/2006/main" showMasterSp="0" showMasterPhAnim="0">
   <p:cSld>
     <p:spTree>
       <p:nvGrpSpPr>
-        <p:cNvPr id="38" name="Shape 38"/>
+        <p:cNvPr id="1" name="Shape 38"/>
         <p:cNvGrpSpPr/>
         <p:nvPr/>
       </p:nvGrpSpPr>
@@ -1735,9 +1793,11 @@
       <p:sp>
         <p:nvSpPr>
           <p:cNvPr id="39" name="Google Shape;39;p2:notes"/>
-          <p:cNvSpPr txBox="1"/>
+          <p:cNvSpPr txBox="1">
+            <a:spLocks noGrp="1"/>
+          </p:cNvSpPr>
           <p:nvPr>
-            <p:ph idx="1" type="body"/>
+            <p:ph type="body" idx="1"/>
           </p:nvPr>
         </p:nvSpPr>
         <p:spPr>
@@ -1750,12 +1810,12 @@
           </a:prstGeom>
         </p:spPr>
         <p:txBody>
-          <a:bodyPr anchorCtr="0" anchor="t" bIns="46725" lIns="93475" spcFirstLastPara="1" rIns="93475" wrap="square" tIns="46725">
+          <a:bodyPr spcFirstLastPara="1" wrap="square" lIns="93475" tIns="46725" rIns="93475" bIns="46725" anchor="t" anchorCtr="0">
             <a:noAutofit/>
           </a:bodyPr>
           <a:lstStyle/>
           <a:p>
-            <a:pPr indent="0" lvl="0" marL="0" rtl="0" algn="l">
+            <a:pPr marL="0" lvl="0" indent="0" algn="l" rtl="0">
               <a:spcBef>
                 <a:spcPts val="360"/>
               </a:spcBef>
@@ -1764,9 +1824,6 @@
               </a:spcAft>
               <a:buNone/>
             </a:pPr>
-            <a:r>
-              <a:t/>
-            </a:r>
             <a:endParaRPr/>
           </a:p>
         </p:txBody>
@@ -1774,9 +1831,11 @@
       <p:sp>
         <p:nvSpPr>
           <p:cNvPr id="40" name="Google Shape;40;p2:notes"/>
-          <p:cNvSpPr/>
+          <p:cNvSpPr>
+            <a:spLocks noGrp="1" noRot="1" noChangeAspect="1"/>
+          </p:cNvSpPr>
           <p:nvPr>
-            <p:ph idx="2" type="sldImg"/>
+            <p:ph type="sldImg" idx="2"/>
           </p:nvPr>
         </p:nvSpPr>
         <p:spPr>
@@ -1785,9 +1844,13 @@
             <a:ext cx="4570413" cy="3427413"/>
           </a:xfrm>
           <a:custGeom>
-            <a:rect b="b" l="l" r="r" t="t"/>
+            <a:avLst/>
+            <a:gdLst/>
+            <a:ahLst/>
+            <a:cxnLst/>
+            <a:rect l="l" t="t" r="r" b="b"/>
             <a:pathLst>
-              <a:path extrusionOk="0" h="120000" w="120000">
+              <a:path w="120000" h="120000" extrusionOk="0">
                 <a:moveTo>
                   <a:pt x="0" y="0"/>
                 </a:moveTo>
@@ -1815,11 +1878,11 @@
 </file>
 
 <file path=ppt/notesSlides/notesSlide3.xml><?xml version="1.0" encoding="utf-8"?>
-<p:notes xmlns:a="http://schemas.openxmlformats.org/drawingml/2006/main" xmlns:r="http://schemas.openxmlformats.org/officeDocument/2006/relationships" xmlns:mc="http://schemas.openxmlformats.org/markup-compatibility/2006" xmlns:mv="urn:schemas-microsoft-com:mac:vml" xmlns:p="http://schemas.openxmlformats.org/presentationml/2006/main" xmlns:c="http://schemas.openxmlformats.org/drawingml/2006/chart" xmlns:dgm="http://schemas.openxmlformats.org/drawingml/2006/diagram" xmlns:o="urn:schemas-microsoft-com:office:office" xmlns:v="urn:schemas-microsoft-com:vml" xmlns:pvml="urn:schemas-microsoft-com:office:powerpoint" xmlns:com="http://schemas.openxmlformats.org/drawingml/2006/compatibility" xmlns:p14="http://schemas.microsoft.com/office/powerpoint/2010/main" xmlns:p15="http://schemas.microsoft.com/office/powerpoint/2012/main" xmlns:ahyp="http://schemas.microsoft.com/office/drawing/2018/hyperlinkcolor" showMasterPhAnim="0" showMasterSp="0">
+<p:notes xmlns:a="http://schemas.openxmlformats.org/drawingml/2006/main" xmlns:r="http://schemas.openxmlformats.org/officeDocument/2006/relationships" xmlns:p="http://schemas.openxmlformats.org/presentationml/2006/main" showMasterSp="0" showMasterPhAnim="0">
   <p:cSld>
     <p:spTree>
       <p:nvGrpSpPr>
-        <p:cNvPr id="53" name="Shape 53"/>
+        <p:cNvPr id="1" name="Shape 53"/>
         <p:cNvGrpSpPr/>
         <p:nvPr/>
       </p:nvGrpSpPr>
@@ -1834,9 +1897,11 @@
       <p:sp>
         <p:nvSpPr>
           <p:cNvPr id="54" name="Google Shape;54;gb829dd4310_5_33:notes"/>
-          <p:cNvSpPr txBox="1"/>
+          <p:cNvSpPr txBox="1">
+            <a:spLocks noGrp="1"/>
+          </p:cNvSpPr>
           <p:nvPr>
-            <p:ph idx="1" type="body"/>
+            <p:ph type="body" idx="1"/>
           </p:nvPr>
         </p:nvSpPr>
         <p:spPr>
@@ -1849,12 +1914,12 @@
           </a:prstGeom>
         </p:spPr>
         <p:txBody>
-          <a:bodyPr anchorCtr="0" anchor="t" bIns="46725" lIns="93475" spcFirstLastPara="1" rIns="93475" wrap="square" tIns="46725">
+          <a:bodyPr spcFirstLastPara="1" wrap="square" lIns="93475" tIns="46725" rIns="93475" bIns="46725" anchor="t" anchorCtr="0">
             <a:noAutofit/>
           </a:bodyPr>
           <a:lstStyle/>
           <a:p>
-            <a:pPr indent="0" lvl="0" marL="0" rtl="0" algn="l">
+            <a:pPr marL="0" lvl="0" indent="0" algn="l" rtl="0">
               <a:spcBef>
                 <a:spcPts val="360"/>
               </a:spcBef>
@@ -1864,30 +1929,63 @@
               <a:buNone/>
             </a:pPr>
             <a:r>
-              <a:rPr lang="en-US"/>
-              <a:t>Throughput: time/ops</a:t>
+              <a:rPr lang="en-US" altLang="ko-KR" dirty="0" err="1"/>
+              <a:t>RocksDB</a:t>
             </a:r>
-            <a:endParaRPr/>
+            <a:r>
+              <a:rPr lang="en-US" altLang="ko-KR" dirty="0"/>
+              <a:t>: </a:t>
+            </a:r>
+            <a:r>
+              <a:rPr lang="ko-KR" altLang="en-US" dirty="0"/>
+              <a:t>임베디드 데이터베이스</a:t>
+            </a:r>
+          </a:p>
+          <a:p>
+            <a:pPr marL="0" lvl="0" indent="0" algn="l" rtl="0">
+              <a:spcBef>
+                <a:spcPts val="360"/>
+              </a:spcBef>
+              <a:spcAft>
+                <a:spcPts val="0"/>
+              </a:spcAft>
+              <a:buNone/>
+            </a:pPr>
+            <a:r>
+              <a:rPr lang="en-US" altLang="ko-KR" dirty="0"/>
+              <a:t>MongoDB: </a:t>
+            </a:r>
+            <a:r>
+              <a:rPr lang="ko-KR" altLang="en-US" dirty="0"/>
+              <a:t>분산처리 방식의 데이터베이스</a:t>
+            </a:r>
+            <a:endParaRPr dirty="0"/>
           </a:p>
         </p:txBody>
       </p:sp>
       <p:sp>
         <p:nvSpPr>
           <p:cNvPr id="55" name="Google Shape;55;gb829dd4310_5_33:notes"/>
-          <p:cNvSpPr/>
+          <p:cNvSpPr>
+            <a:spLocks noGrp="1" noRot="1" noChangeAspect="1"/>
+          </p:cNvSpPr>
           <p:nvPr>
-            <p:ph idx="2" type="sldImg"/>
+            <p:ph type="sldImg" idx="2"/>
           </p:nvPr>
         </p:nvSpPr>
         <p:spPr>
           <a:xfrm>
             <a:off x="1146175" y="685800"/>
-            <a:ext cx="4570500" cy="3427500"/>
+            <a:ext cx="4570413" cy="3427413"/>
           </a:xfrm>
           <a:custGeom>
-            <a:rect b="b" l="l" r="r" t="t"/>
+            <a:avLst/>
+            <a:gdLst/>
+            <a:ahLst/>
+            <a:cxnLst/>
+            <a:rect l="l" t="t" r="r" b="b"/>
             <a:pathLst>
-              <a:path extrusionOk="0" h="120000" w="120000">
+              <a:path w="120000" h="120000" extrusionOk="0">
                 <a:moveTo>
                   <a:pt x="0" y="0"/>
                 </a:moveTo>
@@ -1915,11 +2013,11 @@
 </file>
 
 <file path=ppt/notesSlides/notesSlide4.xml><?xml version="1.0" encoding="utf-8"?>
-<p:notes xmlns:a="http://schemas.openxmlformats.org/drawingml/2006/main" xmlns:r="http://schemas.openxmlformats.org/officeDocument/2006/relationships" xmlns:mc="http://schemas.openxmlformats.org/markup-compatibility/2006" xmlns:mv="urn:schemas-microsoft-com:mac:vml" xmlns:p="http://schemas.openxmlformats.org/presentationml/2006/main" xmlns:c="http://schemas.openxmlformats.org/drawingml/2006/chart" xmlns:dgm="http://schemas.openxmlformats.org/drawingml/2006/diagram" xmlns:o="urn:schemas-microsoft-com:office:office" xmlns:v="urn:schemas-microsoft-com:vml" xmlns:pvml="urn:schemas-microsoft-com:office:powerpoint" xmlns:com="http://schemas.openxmlformats.org/drawingml/2006/compatibility" xmlns:p14="http://schemas.microsoft.com/office/powerpoint/2010/main" xmlns:p15="http://schemas.microsoft.com/office/powerpoint/2012/main" xmlns:ahyp="http://schemas.microsoft.com/office/drawing/2018/hyperlinkcolor" showMasterPhAnim="0" showMasterSp="0">
+<p:notes xmlns:a="http://schemas.openxmlformats.org/drawingml/2006/main" xmlns:r="http://schemas.openxmlformats.org/officeDocument/2006/relationships" xmlns:p="http://schemas.openxmlformats.org/presentationml/2006/main" showMasterSp="0" showMasterPhAnim="0">
   <p:cSld>
     <p:spTree>
       <p:nvGrpSpPr>
-        <p:cNvPr id="63" name="Shape 63"/>
+        <p:cNvPr id="1" name="Shape 63"/>
         <p:cNvGrpSpPr/>
         <p:nvPr/>
       </p:nvGrpSpPr>
@@ -1934,9 +2032,11 @@
       <p:sp>
         <p:nvSpPr>
           <p:cNvPr id="64" name="Google Shape;64;ge4517dc542_0_0:notes"/>
-          <p:cNvSpPr txBox="1"/>
+          <p:cNvSpPr txBox="1">
+            <a:spLocks noGrp="1"/>
+          </p:cNvSpPr>
           <p:nvPr>
-            <p:ph idx="1" type="body"/>
+            <p:ph type="body" idx="1"/>
           </p:nvPr>
         </p:nvSpPr>
         <p:spPr>
@@ -1949,12 +2049,12 @@
           </a:prstGeom>
         </p:spPr>
         <p:txBody>
-          <a:bodyPr anchorCtr="0" anchor="t" bIns="46725" lIns="93475" spcFirstLastPara="1" rIns="93475" wrap="square" tIns="46725">
+          <a:bodyPr spcFirstLastPara="1" wrap="square" lIns="93475" tIns="46725" rIns="93475" bIns="46725" anchor="t" anchorCtr="0">
             <a:noAutofit/>
           </a:bodyPr>
           <a:lstStyle/>
           <a:p>
-            <a:pPr indent="0" lvl="0" marL="0" rtl="0" algn="l">
+            <a:pPr marL="0" lvl="0" indent="0" algn="l" rtl="0">
               <a:spcBef>
                 <a:spcPts val="360"/>
               </a:spcBef>
@@ -1963,9 +2063,6 @@
               </a:spcAft>
               <a:buNone/>
             </a:pPr>
-            <a:r>
-              <a:t/>
-            </a:r>
             <a:endParaRPr/>
           </a:p>
         </p:txBody>
@@ -1973,9 +2070,11 @@
       <p:sp>
         <p:nvSpPr>
           <p:cNvPr id="65" name="Google Shape;65;ge4517dc542_0_0:notes"/>
-          <p:cNvSpPr/>
+          <p:cNvSpPr>
+            <a:spLocks noGrp="1" noRot="1" noChangeAspect="1"/>
+          </p:cNvSpPr>
           <p:nvPr>
-            <p:ph idx="2" type="sldImg"/>
+            <p:ph type="sldImg" idx="2"/>
           </p:nvPr>
         </p:nvSpPr>
         <p:spPr>
@@ -1984,9 +2083,13 @@
             <a:ext cx="4570500" cy="3427500"/>
           </a:xfrm>
           <a:custGeom>
-            <a:rect b="b" l="l" r="r" t="t"/>
+            <a:avLst/>
+            <a:gdLst/>
+            <a:ahLst/>
+            <a:cxnLst/>
+            <a:rect l="l" t="t" r="r" b="b"/>
             <a:pathLst>
-              <a:path extrusionOk="0" h="120000" w="120000">
+              <a:path w="120000" h="120000" extrusionOk="0">
                 <a:moveTo>
                   <a:pt x="0" y="0"/>
                 </a:moveTo>
@@ -2014,11 +2117,11 @@
 </file>
 
 <file path=ppt/notesSlides/notesSlide5.xml><?xml version="1.0" encoding="utf-8"?>
-<p:notes xmlns:a="http://schemas.openxmlformats.org/drawingml/2006/main" xmlns:r="http://schemas.openxmlformats.org/officeDocument/2006/relationships" xmlns:mc="http://schemas.openxmlformats.org/markup-compatibility/2006" xmlns:mv="urn:schemas-microsoft-com:mac:vml" xmlns:p="http://schemas.openxmlformats.org/presentationml/2006/main" xmlns:c="http://schemas.openxmlformats.org/drawingml/2006/chart" xmlns:dgm="http://schemas.openxmlformats.org/drawingml/2006/diagram" xmlns:o="urn:schemas-microsoft-com:office:office" xmlns:v="urn:schemas-microsoft-com:vml" xmlns:pvml="urn:schemas-microsoft-com:office:powerpoint" xmlns:com="http://schemas.openxmlformats.org/drawingml/2006/compatibility" xmlns:p14="http://schemas.microsoft.com/office/powerpoint/2010/main" xmlns:p15="http://schemas.microsoft.com/office/powerpoint/2012/main" xmlns:ahyp="http://schemas.microsoft.com/office/drawing/2018/hyperlinkcolor" showMasterPhAnim="0" showMasterSp="0">
+<p:notes xmlns:a="http://schemas.openxmlformats.org/drawingml/2006/main" xmlns:r="http://schemas.openxmlformats.org/officeDocument/2006/relationships" xmlns:p="http://schemas.openxmlformats.org/presentationml/2006/main" showMasterSp="0" showMasterPhAnim="0">
   <p:cSld>
     <p:spTree>
       <p:nvGrpSpPr>
-        <p:cNvPr id="83" name="Shape 83"/>
+        <p:cNvPr id="1" name="Shape 83"/>
         <p:cNvGrpSpPr/>
         <p:nvPr/>
       </p:nvGrpSpPr>
@@ -2033,9 +2136,11 @@
       <p:sp>
         <p:nvSpPr>
           <p:cNvPr id="84" name="Google Shape;84;gb829dd4310_7_0:notes"/>
-          <p:cNvSpPr/>
+          <p:cNvSpPr>
+            <a:spLocks noGrp="1" noRot="1" noChangeAspect="1"/>
+          </p:cNvSpPr>
           <p:nvPr>
-            <p:ph idx="2" type="sldImg"/>
+            <p:ph type="sldImg" idx="2"/>
           </p:nvPr>
         </p:nvSpPr>
         <p:spPr>
@@ -2044,9 +2149,13 @@
             <a:ext cx="4570500" cy="3427500"/>
           </a:xfrm>
           <a:custGeom>
-            <a:rect b="b" l="l" r="r" t="t"/>
+            <a:avLst/>
+            <a:gdLst/>
+            <a:ahLst/>
+            <a:cxnLst/>
+            <a:rect l="l" t="t" r="r" b="b"/>
             <a:pathLst>
-              <a:path extrusionOk="0" h="120000" w="120000">
+              <a:path w="120000" h="120000" extrusionOk="0">
                 <a:moveTo>
                   <a:pt x="0" y="0"/>
                 </a:moveTo>
@@ -2068,9 +2177,11 @@
       <p:sp>
         <p:nvSpPr>
           <p:cNvPr id="85" name="Google Shape;85;gb829dd4310_7_0:notes"/>
-          <p:cNvSpPr txBox="1"/>
+          <p:cNvSpPr txBox="1">
+            <a:spLocks noGrp="1"/>
+          </p:cNvSpPr>
           <p:nvPr>
-            <p:ph idx="1" type="body"/>
+            <p:ph type="body" idx="1"/>
           </p:nvPr>
         </p:nvSpPr>
         <p:spPr>
@@ -2083,12 +2194,12 @@
           </a:prstGeom>
         </p:spPr>
         <p:txBody>
-          <a:bodyPr anchorCtr="0" anchor="t" bIns="46725" lIns="93475" spcFirstLastPara="1" rIns="93475" wrap="square" tIns="46725">
+          <a:bodyPr spcFirstLastPara="1" wrap="square" lIns="93475" tIns="46725" rIns="93475" bIns="46725" anchor="t" anchorCtr="0">
             <a:noAutofit/>
           </a:bodyPr>
           <a:lstStyle/>
           <a:p>
-            <a:pPr indent="0" lvl="0" marL="0" rtl="0" algn="l">
+            <a:pPr marL="0" lvl="0" indent="0" algn="l" rtl="0">
               <a:spcBef>
                 <a:spcPts val="360"/>
               </a:spcBef>
@@ -2097,9 +2208,6 @@
               </a:spcAft>
               <a:buNone/>
             </a:pPr>
-            <a:r>
-              <a:t/>
-            </a:r>
             <a:endParaRPr/>
           </a:p>
         </p:txBody>
@@ -2107,9 +2215,11 @@
       <p:sp>
         <p:nvSpPr>
           <p:cNvPr id="86" name="Google Shape;86;gb829dd4310_7_0:notes"/>
-          <p:cNvSpPr txBox="1"/>
+          <p:cNvSpPr txBox="1">
+            <a:spLocks noGrp="1"/>
+          </p:cNvSpPr>
           <p:nvPr>
-            <p:ph idx="12" type="sldNum"/>
+            <p:ph type="sldNum" idx="12"/>
           </p:nvPr>
         </p:nvSpPr>
         <p:spPr>
@@ -2122,12 +2232,12 @@
           </a:prstGeom>
         </p:spPr>
         <p:txBody>
-          <a:bodyPr anchorCtr="0" anchor="b" bIns="46725" lIns="93475" spcFirstLastPara="1" rIns="93475" wrap="square" tIns="46725">
+          <a:bodyPr spcFirstLastPara="1" wrap="square" lIns="93475" tIns="46725" rIns="93475" bIns="46725" anchor="b" anchorCtr="0">
             <a:noAutofit/>
           </a:bodyPr>
           <a:lstStyle/>
           <a:p>
-            <a:pPr indent="0" lvl="0" marL="0" rtl="0" algn="r">
+            <a:pPr marL="0" lvl="0" indent="0" algn="r" rtl="0">
               <a:spcBef>
                 <a:spcPts val="0"/>
               </a:spcBef>
@@ -2142,7 +2252,7 @@
             </a:pPr>
             <a:fld id="{00000000-1234-1234-1234-123412341234}" type="slidenum">
               <a:rPr lang="en-US"/>
-              <a:t>‹#›</a:t>
+              <a:t>5</a:t>
             </a:fld>
             <a:endParaRPr/>
           </a:p>
@@ -2157,11 +2267,11 @@
 </file>
 
 <file path=ppt/notesSlides/notesSlide6.xml><?xml version="1.0" encoding="utf-8"?>
-<p:notes xmlns:a="http://schemas.openxmlformats.org/drawingml/2006/main" xmlns:r="http://schemas.openxmlformats.org/officeDocument/2006/relationships" xmlns:mc="http://schemas.openxmlformats.org/markup-compatibility/2006" xmlns:mv="urn:schemas-microsoft-com:mac:vml" xmlns:p="http://schemas.openxmlformats.org/presentationml/2006/main" xmlns:c="http://schemas.openxmlformats.org/drawingml/2006/chart" xmlns:dgm="http://schemas.openxmlformats.org/drawingml/2006/diagram" xmlns:o="urn:schemas-microsoft-com:office:office" xmlns:v="urn:schemas-microsoft-com:vml" xmlns:pvml="urn:schemas-microsoft-com:office:powerpoint" xmlns:com="http://schemas.openxmlformats.org/drawingml/2006/compatibility" xmlns:p14="http://schemas.microsoft.com/office/powerpoint/2010/main" xmlns:p15="http://schemas.microsoft.com/office/powerpoint/2012/main" xmlns:ahyp="http://schemas.microsoft.com/office/drawing/2018/hyperlinkcolor" showMasterPhAnim="0" showMasterSp="0">
+<p:notes xmlns:a="http://schemas.openxmlformats.org/drawingml/2006/main" xmlns:r="http://schemas.openxmlformats.org/officeDocument/2006/relationships" xmlns:p="http://schemas.openxmlformats.org/presentationml/2006/main" showMasterSp="0" showMasterPhAnim="0">
   <p:cSld>
     <p:spTree>
       <p:nvGrpSpPr>
-        <p:cNvPr id="94" name="Shape 94"/>
+        <p:cNvPr id="1" name="Shape 94"/>
         <p:cNvGrpSpPr/>
         <p:nvPr/>
       </p:nvGrpSpPr>
@@ -2176,9 +2286,11 @@
       <p:sp>
         <p:nvSpPr>
           <p:cNvPr id="95" name="Google Shape;95;gb829dd4310_3_6:notes"/>
-          <p:cNvSpPr/>
+          <p:cNvSpPr>
+            <a:spLocks noGrp="1" noRot="1" noChangeAspect="1"/>
+          </p:cNvSpPr>
           <p:nvPr>
-            <p:ph idx="2" type="sldImg"/>
+            <p:ph type="sldImg" idx="2"/>
           </p:nvPr>
         </p:nvSpPr>
         <p:spPr>
@@ -2187,9 +2299,13 @@
             <a:ext cx="4570500" cy="3427500"/>
           </a:xfrm>
           <a:custGeom>
-            <a:rect b="b" l="l" r="r" t="t"/>
+            <a:avLst/>
+            <a:gdLst/>
+            <a:ahLst/>
+            <a:cxnLst/>
+            <a:rect l="l" t="t" r="r" b="b"/>
             <a:pathLst>
-              <a:path extrusionOk="0" h="120000" w="120000">
+              <a:path w="120000" h="120000" extrusionOk="0">
                 <a:moveTo>
                   <a:pt x="0" y="0"/>
                 </a:moveTo>
@@ -2211,9 +2327,11 @@
       <p:sp>
         <p:nvSpPr>
           <p:cNvPr id="96" name="Google Shape;96;gb829dd4310_3_6:notes"/>
-          <p:cNvSpPr txBox="1"/>
+          <p:cNvSpPr txBox="1">
+            <a:spLocks noGrp="1"/>
+          </p:cNvSpPr>
           <p:nvPr>
-            <p:ph idx="1" type="body"/>
+            <p:ph type="body" idx="1"/>
           </p:nvPr>
         </p:nvSpPr>
         <p:spPr>
@@ -2226,12 +2344,12 @@
           </a:prstGeom>
         </p:spPr>
         <p:txBody>
-          <a:bodyPr anchorCtr="0" anchor="t" bIns="46725" lIns="93475" spcFirstLastPara="1" rIns="93475" wrap="square" tIns="46725">
+          <a:bodyPr spcFirstLastPara="1" wrap="square" lIns="93475" tIns="46725" rIns="93475" bIns="46725" anchor="t" anchorCtr="0">
             <a:noAutofit/>
           </a:bodyPr>
           <a:lstStyle/>
           <a:p>
-            <a:pPr indent="0" lvl="0" marL="0" rtl="0" algn="l">
+            <a:pPr marL="0" lvl="0" indent="0" algn="l" rtl="0">
               <a:spcBef>
                 <a:spcPts val="360"/>
               </a:spcBef>
@@ -2240,9 +2358,6 @@
               </a:spcAft>
               <a:buNone/>
             </a:pPr>
-            <a:r>
-              <a:t/>
-            </a:r>
             <a:endParaRPr/>
           </a:p>
         </p:txBody>
@@ -2250,9 +2365,11 @@
       <p:sp>
         <p:nvSpPr>
           <p:cNvPr id="97" name="Google Shape;97;gb829dd4310_3_6:notes"/>
-          <p:cNvSpPr txBox="1"/>
+          <p:cNvSpPr txBox="1">
+            <a:spLocks noGrp="1"/>
+          </p:cNvSpPr>
           <p:nvPr>
-            <p:ph idx="12" type="sldNum"/>
+            <p:ph type="sldNum" idx="12"/>
           </p:nvPr>
         </p:nvSpPr>
         <p:spPr>
@@ -2265,12 +2382,12 @@
           </a:prstGeom>
         </p:spPr>
         <p:txBody>
-          <a:bodyPr anchorCtr="0" anchor="b" bIns="46725" lIns="93475" spcFirstLastPara="1" rIns="93475" wrap="square" tIns="46725">
+          <a:bodyPr spcFirstLastPara="1" wrap="square" lIns="93475" tIns="46725" rIns="93475" bIns="46725" anchor="b" anchorCtr="0">
             <a:noAutofit/>
           </a:bodyPr>
           <a:lstStyle/>
           <a:p>
-            <a:pPr indent="0" lvl="0" marL="0" rtl="0" algn="r">
+            <a:pPr marL="0" lvl="0" indent="0" algn="r" rtl="0">
               <a:spcBef>
                 <a:spcPts val="0"/>
               </a:spcBef>
@@ -2285,7 +2402,7 @@
             </a:pPr>
             <a:fld id="{00000000-1234-1234-1234-123412341234}" type="slidenum">
               <a:rPr lang="en-US"/>
-              <a:t>‹#›</a:t>
+              <a:t>6</a:t>
             </a:fld>
             <a:endParaRPr/>
           </a:p>
@@ -2300,11 +2417,11 @@
 </file>
 
 <file path=ppt/notesSlides/notesSlide7.xml><?xml version="1.0" encoding="utf-8"?>
-<p:notes xmlns:a="http://schemas.openxmlformats.org/drawingml/2006/main" xmlns:r="http://schemas.openxmlformats.org/officeDocument/2006/relationships" xmlns:mc="http://schemas.openxmlformats.org/markup-compatibility/2006" xmlns:mv="urn:schemas-microsoft-com:mac:vml" xmlns:p="http://schemas.openxmlformats.org/presentationml/2006/main" xmlns:c="http://schemas.openxmlformats.org/drawingml/2006/chart" xmlns:dgm="http://schemas.openxmlformats.org/drawingml/2006/diagram" xmlns:o="urn:schemas-microsoft-com:office:office" xmlns:v="urn:schemas-microsoft-com:vml" xmlns:pvml="urn:schemas-microsoft-com:office:powerpoint" xmlns:com="http://schemas.openxmlformats.org/drawingml/2006/compatibility" xmlns:p14="http://schemas.microsoft.com/office/powerpoint/2010/main" xmlns:p15="http://schemas.microsoft.com/office/powerpoint/2012/main" xmlns:ahyp="http://schemas.microsoft.com/office/drawing/2018/hyperlinkcolor" showMasterPhAnim="0" showMasterSp="0">
+<p:notes xmlns:a="http://schemas.openxmlformats.org/drawingml/2006/main" xmlns:r="http://schemas.openxmlformats.org/officeDocument/2006/relationships" xmlns:p="http://schemas.openxmlformats.org/presentationml/2006/main" showMasterSp="0" showMasterPhAnim="0">
   <p:cSld>
     <p:spTree>
       <p:nvGrpSpPr>
-        <p:cNvPr id="120" name="Shape 120"/>
+        <p:cNvPr id="1" name="Shape 120"/>
         <p:cNvGrpSpPr/>
         <p:nvPr/>
       </p:nvGrpSpPr>
@@ -2319,9 +2436,11 @@
       <p:sp>
         <p:nvSpPr>
           <p:cNvPr id="121" name="Google Shape;121;gb829dd4310_10_4:notes"/>
-          <p:cNvSpPr/>
+          <p:cNvSpPr>
+            <a:spLocks noGrp="1" noRot="1" noChangeAspect="1"/>
+          </p:cNvSpPr>
           <p:nvPr>
-            <p:ph idx="2" type="sldImg"/>
+            <p:ph type="sldImg" idx="2"/>
           </p:nvPr>
         </p:nvSpPr>
         <p:spPr>
@@ -2330,9 +2449,13 @@
             <a:ext cx="4570500" cy="3427500"/>
           </a:xfrm>
           <a:custGeom>
-            <a:rect b="b" l="l" r="r" t="t"/>
+            <a:avLst/>
+            <a:gdLst/>
+            <a:ahLst/>
+            <a:cxnLst/>
+            <a:rect l="l" t="t" r="r" b="b"/>
             <a:pathLst>
-              <a:path extrusionOk="0" h="120000" w="120000">
+              <a:path w="120000" h="120000" extrusionOk="0">
                 <a:moveTo>
                   <a:pt x="0" y="0"/>
                 </a:moveTo>
@@ -2354,9 +2477,11 @@
       <p:sp>
         <p:nvSpPr>
           <p:cNvPr id="122" name="Google Shape;122;gb829dd4310_10_4:notes"/>
-          <p:cNvSpPr txBox="1"/>
+          <p:cNvSpPr txBox="1">
+            <a:spLocks noGrp="1"/>
+          </p:cNvSpPr>
           <p:nvPr>
-            <p:ph idx="1" type="body"/>
+            <p:ph type="body" idx="1"/>
           </p:nvPr>
         </p:nvSpPr>
         <p:spPr>
@@ -2369,12 +2494,12 @@
           </a:prstGeom>
         </p:spPr>
         <p:txBody>
-          <a:bodyPr anchorCtr="0" anchor="t" bIns="46725" lIns="93475" spcFirstLastPara="1" rIns="93475" wrap="square" tIns="46725">
+          <a:bodyPr spcFirstLastPara="1" wrap="square" lIns="93475" tIns="46725" rIns="93475" bIns="46725" anchor="t" anchorCtr="0">
             <a:noAutofit/>
           </a:bodyPr>
           <a:lstStyle/>
           <a:p>
-            <a:pPr indent="0" lvl="0" marL="0" rtl="0" algn="l">
+            <a:pPr marL="0" lvl="0" indent="0" algn="l" rtl="0">
               <a:spcBef>
                 <a:spcPts val="360"/>
               </a:spcBef>
@@ -2383,9 +2508,6 @@
               </a:spcAft>
               <a:buNone/>
             </a:pPr>
-            <a:r>
-              <a:t/>
-            </a:r>
             <a:endParaRPr/>
           </a:p>
         </p:txBody>
@@ -2393,9 +2515,11 @@
       <p:sp>
         <p:nvSpPr>
           <p:cNvPr id="123" name="Google Shape;123;gb829dd4310_10_4:notes"/>
-          <p:cNvSpPr txBox="1"/>
+          <p:cNvSpPr txBox="1">
+            <a:spLocks noGrp="1"/>
+          </p:cNvSpPr>
           <p:nvPr>
-            <p:ph idx="12" type="sldNum"/>
+            <p:ph type="sldNum" idx="12"/>
           </p:nvPr>
         </p:nvSpPr>
         <p:spPr>
@@ -2408,12 +2532,12 @@
           </a:prstGeom>
         </p:spPr>
         <p:txBody>
-          <a:bodyPr anchorCtr="0" anchor="b" bIns="46725" lIns="93475" spcFirstLastPara="1" rIns="93475" wrap="square" tIns="46725">
+          <a:bodyPr spcFirstLastPara="1" wrap="square" lIns="93475" tIns="46725" rIns="93475" bIns="46725" anchor="b" anchorCtr="0">
             <a:noAutofit/>
           </a:bodyPr>
           <a:lstStyle/>
           <a:p>
-            <a:pPr indent="0" lvl="0" marL="0" rtl="0" algn="r">
+            <a:pPr marL="0" lvl="0" indent="0" algn="r" rtl="0">
               <a:spcBef>
                 <a:spcPts val="0"/>
               </a:spcBef>
@@ -2428,7 +2552,7 @@
             </a:pPr>
             <a:fld id="{00000000-1234-1234-1234-123412341234}" type="slidenum">
               <a:rPr lang="en-US"/>
-              <a:t>‹#›</a:t>
+              <a:t>7</a:t>
             </a:fld>
             <a:endParaRPr/>
           </a:p>
@@ -2443,11 +2567,11 @@
 </file>
 
 <file path=ppt/notesSlides/notesSlide8.xml><?xml version="1.0" encoding="utf-8"?>
-<p:notes xmlns:a="http://schemas.openxmlformats.org/drawingml/2006/main" xmlns:r="http://schemas.openxmlformats.org/officeDocument/2006/relationships" xmlns:mc="http://schemas.openxmlformats.org/markup-compatibility/2006" xmlns:mv="urn:schemas-microsoft-com:mac:vml" xmlns:p="http://schemas.openxmlformats.org/presentationml/2006/main" xmlns:c="http://schemas.openxmlformats.org/drawingml/2006/chart" xmlns:dgm="http://schemas.openxmlformats.org/drawingml/2006/diagram" xmlns:o="urn:schemas-microsoft-com:office:office" xmlns:v="urn:schemas-microsoft-com:vml" xmlns:pvml="urn:schemas-microsoft-com:office:powerpoint" xmlns:com="http://schemas.openxmlformats.org/drawingml/2006/compatibility" xmlns:p14="http://schemas.microsoft.com/office/powerpoint/2010/main" xmlns:p15="http://schemas.microsoft.com/office/powerpoint/2012/main" xmlns:ahyp="http://schemas.microsoft.com/office/drawing/2018/hyperlinkcolor" showMasterPhAnim="0" showMasterSp="0">
+<p:notes xmlns:a="http://schemas.openxmlformats.org/drawingml/2006/main" xmlns:r="http://schemas.openxmlformats.org/officeDocument/2006/relationships" xmlns:p="http://schemas.openxmlformats.org/presentationml/2006/main" showMasterSp="0" showMasterPhAnim="0">
   <p:cSld>
     <p:spTree>
       <p:nvGrpSpPr>
-        <p:cNvPr id="144" name="Shape 144"/>
+        <p:cNvPr id="1" name="Shape 144"/>
         <p:cNvGrpSpPr/>
         <p:nvPr/>
       </p:nvGrpSpPr>
@@ -2462,9 +2586,11 @@
       <p:sp>
         <p:nvSpPr>
           <p:cNvPr id="145" name="Google Shape;145;gb829dd4310_5_42:notes"/>
-          <p:cNvSpPr txBox="1"/>
+          <p:cNvSpPr txBox="1">
+            <a:spLocks noGrp="1"/>
+          </p:cNvSpPr>
           <p:nvPr>
-            <p:ph idx="1" type="body"/>
+            <p:ph type="body" idx="1"/>
           </p:nvPr>
         </p:nvSpPr>
         <p:spPr>
@@ -2477,12 +2603,12 @@
           </a:prstGeom>
         </p:spPr>
         <p:txBody>
-          <a:bodyPr anchorCtr="0" anchor="t" bIns="46725" lIns="93475" spcFirstLastPara="1" rIns="93475" wrap="square" tIns="46725">
+          <a:bodyPr spcFirstLastPara="1" wrap="square" lIns="93475" tIns="46725" rIns="93475" bIns="46725" anchor="t" anchorCtr="0">
             <a:noAutofit/>
           </a:bodyPr>
           <a:lstStyle/>
           <a:p>
-            <a:pPr indent="0" lvl="0" marL="0" rtl="0" algn="l">
+            <a:pPr marL="0" lvl="0" indent="0" algn="l" rtl="0">
               <a:spcBef>
                 <a:spcPts val="360"/>
               </a:spcBef>
@@ -2491,9 +2617,6 @@
               </a:spcAft>
               <a:buNone/>
             </a:pPr>
-            <a:r>
-              <a:t/>
-            </a:r>
             <a:endParaRPr/>
           </a:p>
         </p:txBody>
@@ -2501,9 +2624,11 @@
       <p:sp>
         <p:nvSpPr>
           <p:cNvPr id="146" name="Google Shape;146;gb829dd4310_5_42:notes"/>
-          <p:cNvSpPr/>
+          <p:cNvSpPr>
+            <a:spLocks noGrp="1" noRot="1" noChangeAspect="1"/>
+          </p:cNvSpPr>
           <p:nvPr>
-            <p:ph idx="2" type="sldImg"/>
+            <p:ph type="sldImg" idx="2"/>
           </p:nvPr>
         </p:nvSpPr>
         <p:spPr>
@@ -2512,9 +2637,13 @@
             <a:ext cx="4570500" cy="3427500"/>
           </a:xfrm>
           <a:custGeom>
-            <a:rect b="b" l="l" r="r" t="t"/>
+            <a:avLst/>
+            <a:gdLst/>
+            <a:ahLst/>
+            <a:cxnLst/>
+            <a:rect l="l" t="t" r="r" b="b"/>
             <a:pathLst>
-              <a:path extrusionOk="0" h="120000" w="120000">
+              <a:path w="120000" h="120000" extrusionOk="0">
                 <a:moveTo>
                   <a:pt x="0" y="0"/>
                 </a:moveTo>
@@ -2542,11 +2671,11 @@
 </file>
 
 <file path=ppt/notesSlides/notesSlide9.xml><?xml version="1.0" encoding="utf-8"?>
-<p:notes xmlns:a="http://schemas.openxmlformats.org/drawingml/2006/main" xmlns:r="http://schemas.openxmlformats.org/officeDocument/2006/relationships" xmlns:mc="http://schemas.openxmlformats.org/markup-compatibility/2006" xmlns:mv="urn:schemas-microsoft-com:mac:vml" xmlns:p="http://schemas.openxmlformats.org/presentationml/2006/main" xmlns:c="http://schemas.openxmlformats.org/drawingml/2006/chart" xmlns:dgm="http://schemas.openxmlformats.org/drawingml/2006/diagram" xmlns:o="urn:schemas-microsoft-com:office:office" xmlns:v="urn:schemas-microsoft-com:vml" xmlns:pvml="urn:schemas-microsoft-com:office:powerpoint" xmlns:com="http://schemas.openxmlformats.org/drawingml/2006/compatibility" xmlns:p14="http://schemas.microsoft.com/office/powerpoint/2010/main" xmlns:p15="http://schemas.microsoft.com/office/powerpoint/2012/main" xmlns:ahyp="http://schemas.microsoft.com/office/drawing/2018/hyperlinkcolor" showMasterPhAnim="0" showMasterSp="0">
+<p:notes xmlns:a="http://schemas.openxmlformats.org/drawingml/2006/main" xmlns:r="http://schemas.openxmlformats.org/officeDocument/2006/relationships" xmlns:p="http://schemas.openxmlformats.org/presentationml/2006/main" showMasterSp="0" showMasterPhAnim="0">
   <p:cSld>
     <p:spTree>
       <p:nvGrpSpPr>
-        <p:cNvPr id="160" name="Shape 160"/>
+        <p:cNvPr id="1" name="Shape 160"/>
         <p:cNvGrpSpPr/>
         <p:nvPr/>
       </p:nvGrpSpPr>
@@ -2561,9 +2690,11 @@
       <p:sp>
         <p:nvSpPr>
           <p:cNvPr id="161" name="Google Shape;161;gb829dd4310_5_79:notes"/>
-          <p:cNvSpPr txBox="1"/>
+          <p:cNvSpPr txBox="1">
+            <a:spLocks noGrp="1"/>
+          </p:cNvSpPr>
           <p:nvPr>
-            <p:ph idx="1" type="body"/>
+            <p:ph type="body" idx="1"/>
           </p:nvPr>
         </p:nvSpPr>
         <p:spPr>
@@ -2576,12 +2707,12 @@
           </a:prstGeom>
         </p:spPr>
         <p:txBody>
-          <a:bodyPr anchorCtr="0" anchor="t" bIns="46725" lIns="93475" spcFirstLastPara="1" rIns="93475" wrap="square" tIns="46725">
+          <a:bodyPr spcFirstLastPara="1" wrap="square" lIns="93475" tIns="46725" rIns="93475" bIns="46725" anchor="t" anchorCtr="0">
             <a:noAutofit/>
           </a:bodyPr>
           <a:lstStyle/>
           <a:p>
-            <a:pPr indent="0" lvl="0" marL="0" rtl="0" algn="l">
+            <a:pPr marL="0" lvl="0" indent="0" algn="l" rtl="0">
               <a:spcBef>
                 <a:spcPts val="360"/>
               </a:spcBef>
@@ -2590,9 +2721,6 @@
               </a:spcAft>
               <a:buNone/>
             </a:pPr>
-            <a:r>
-              <a:t/>
-            </a:r>
             <a:endParaRPr/>
           </a:p>
         </p:txBody>
@@ -2600,9 +2728,11 @@
       <p:sp>
         <p:nvSpPr>
           <p:cNvPr id="162" name="Google Shape;162;gb829dd4310_5_79:notes"/>
-          <p:cNvSpPr/>
+          <p:cNvSpPr>
+            <a:spLocks noGrp="1" noRot="1" noChangeAspect="1"/>
+          </p:cNvSpPr>
           <p:nvPr>
-            <p:ph idx="2" type="sldImg"/>
+            <p:ph type="sldImg" idx="2"/>
           </p:nvPr>
         </p:nvSpPr>
         <p:spPr>
@@ -2611,9 +2741,13 @@
             <a:ext cx="4570500" cy="3427500"/>
           </a:xfrm>
           <a:custGeom>
-            <a:rect b="b" l="l" r="r" t="t"/>
+            <a:avLst/>
+            <a:gdLst/>
+            <a:ahLst/>
+            <a:cxnLst/>
+            <a:rect l="l" t="t" r="r" b="b"/>
             <a:pathLst>
-              <a:path extrusionOk="0" h="120000" w="120000">
+              <a:path w="120000" h="120000" extrusionOk="0">
                 <a:moveTo>
                   <a:pt x="0" y="0"/>
                 </a:moveTo>
@@ -2641,11 +2775,11 @@
 </file>
 
 <file path=ppt/slideLayouts/slideLayout1.xml><?xml version="1.0" encoding="utf-8"?>
-<p:sldLayout xmlns:a="http://schemas.openxmlformats.org/drawingml/2006/main" xmlns:r="http://schemas.openxmlformats.org/officeDocument/2006/relationships" xmlns:mc="http://schemas.openxmlformats.org/markup-compatibility/2006" xmlns:mv="urn:schemas-microsoft-com:mac:vml" xmlns:p="http://schemas.openxmlformats.org/presentationml/2006/main" xmlns:c="http://schemas.openxmlformats.org/drawingml/2006/chart" xmlns:dgm="http://schemas.openxmlformats.org/drawingml/2006/diagram" xmlns:o="urn:schemas-microsoft-com:office:office" xmlns:v="urn:schemas-microsoft-com:vml" xmlns:pvml="urn:schemas-microsoft-com:office:powerpoint" xmlns:com="http://schemas.openxmlformats.org/drawingml/2006/compatibility" xmlns:p14="http://schemas.microsoft.com/office/powerpoint/2010/main" xmlns:p15="http://schemas.microsoft.com/office/powerpoint/2012/main" xmlns:ahyp="http://schemas.microsoft.com/office/drawing/2018/hyperlinkcolor" matchingName="제목 슬라이드" showMasterSp="0" type="title">
+<p:sldLayout xmlns:a="http://schemas.openxmlformats.org/drawingml/2006/main" xmlns:r="http://schemas.openxmlformats.org/officeDocument/2006/relationships" xmlns:p="http://schemas.openxmlformats.org/presentationml/2006/main" showMasterSp="0" matchingName="제목 슬라이드" type="title">
   <p:cSld name="TITLE">
     <p:spTree>
       <p:nvGrpSpPr>
-        <p:cNvPr id="17" name="Shape 17"/>
+        <p:cNvPr id="1" name="Shape 17"/>
         <p:cNvGrpSpPr/>
         <p:nvPr/>
       </p:nvGrpSpPr>
@@ -2687,24 +2821,21 @@
           </a:ln>
         </p:spPr>
         <p:txBody>
-          <a:bodyPr anchorCtr="0" anchor="ctr" bIns="45700" lIns="91425" spcFirstLastPara="1" rIns="91425" wrap="square" tIns="45700">
+          <a:bodyPr spcFirstLastPara="1" wrap="square" lIns="91425" tIns="45700" rIns="91425" bIns="45700" anchor="ctr" anchorCtr="0">
             <a:noAutofit/>
           </a:bodyPr>
           <a:lstStyle/>
           <a:p>
-            <a:pPr indent="0" lvl="0" marL="0" marR="0" rtl="0" algn="ctr">
-              <a:spcBef>
-                <a:spcPts val="0"/>
-              </a:spcBef>
-              <a:spcAft>
-                <a:spcPts val="0"/>
-              </a:spcAft>
-              <a:buNone/>
-            </a:pPr>
-            <a:r>
-              <a:t/>
-            </a:r>
-            <a:endParaRPr b="0" i="0" sz="2400" u="none" cap="none" strike="noStrike">
+            <a:pPr marL="0" marR="0" lvl="0" indent="0" algn="ctr" rtl="0">
+              <a:spcBef>
+                <a:spcPts val="0"/>
+              </a:spcBef>
+              <a:spcAft>
+                <a:spcPts val="0"/>
+              </a:spcAft>
+              <a:buNone/>
+            </a:pPr>
+            <a:endParaRPr sz="2400" b="0" i="0" u="none" strike="noStrike" cap="none">
               <a:solidFill>
                 <a:schemeClr val="dk1"/>
               </a:solidFill>
@@ -2746,24 +2877,21 @@
           </a:ln>
         </p:spPr>
         <p:txBody>
-          <a:bodyPr anchorCtr="0" anchor="ctr" bIns="45700" lIns="91425" spcFirstLastPara="1" rIns="91425" wrap="square" tIns="45700">
+          <a:bodyPr spcFirstLastPara="1" wrap="square" lIns="91425" tIns="45700" rIns="91425" bIns="45700" anchor="ctr" anchorCtr="0">
             <a:noAutofit/>
           </a:bodyPr>
           <a:lstStyle/>
           <a:p>
-            <a:pPr indent="0" lvl="0" marL="0" marR="0" rtl="0" algn="ctr">
-              <a:spcBef>
-                <a:spcPts val="0"/>
-              </a:spcBef>
-              <a:spcAft>
-                <a:spcPts val="0"/>
-              </a:spcAft>
-              <a:buNone/>
-            </a:pPr>
-            <a:r>
-              <a:t/>
-            </a:r>
-            <a:endParaRPr b="0" i="0" sz="2400" u="none" cap="none" strike="noStrike">
+            <a:pPr marL="0" marR="0" lvl="0" indent="0" algn="ctr" rtl="0">
+              <a:spcBef>
+                <a:spcPts val="0"/>
+              </a:spcBef>
+              <a:spcAft>
+                <a:spcPts val="0"/>
+              </a:spcAft>
+              <a:buNone/>
+            </a:pPr>
+            <a:endParaRPr sz="2400" b="0" i="0" u="none" strike="noStrike" cap="none">
               <a:solidFill>
                 <a:schemeClr val="dk1"/>
               </a:solidFill>
@@ -2785,7 +2913,7 @@
           <a:blip r:embed="rId2">
             <a:alphaModFix/>
           </a:blip>
-          <a:srcRect b="0" l="0" r="0" t="0"/>
+          <a:srcRect/>
           <a:stretch/>
         </p:blipFill>
         <p:spPr>
@@ -2812,7 +2940,7 @@
           <a:blip r:embed="rId3">
             <a:alphaModFix/>
           </a:blip>
-          <a:srcRect b="0" l="0" r="0" t="0"/>
+          <a:srcRect/>
           <a:stretch/>
         </p:blipFill>
         <p:spPr>
@@ -2832,7 +2960,9 @@
       <p:sp>
         <p:nvSpPr>
           <p:cNvPr id="22" name="Google Shape;22;p2"/>
-          <p:cNvSpPr txBox="1"/>
+          <p:cNvSpPr txBox="1">
+            <a:spLocks noGrp="1"/>
+          </p:cNvSpPr>
           <p:nvPr>
             <p:ph type="ctrTitle"/>
           </p:nvPr>
@@ -2851,7 +2981,7 @@
           </a:ln>
         </p:spPr>
         <p:txBody>
-          <a:bodyPr anchorCtr="0" anchor="t" bIns="45700" lIns="91425" spcFirstLastPara="1" rIns="91425" wrap="square" tIns="45700">
+          <a:bodyPr spcFirstLastPara="1" wrap="square" lIns="91425" tIns="45700" rIns="91425" bIns="45700" anchor="t" anchorCtr="0">
             <a:noAutofit/>
           </a:bodyPr>
           <a:lstStyle>
@@ -2955,15 +3085,19 @@
               <a:defRPr/>
             </a:lvl9pPr>
           </a:lstStyle>
-          <a:p/>
+          <a:p>
+            <a:endParaRPr/>
+          </a:p>
         </p:txBody>
       </p:sp>
       <p:sp>
         <p:nvSpPr>
           <p:cNvPr id="23" name="Google Shape;23;p2"/>
-          <p:cNvSpPr txBox="1"/>
+          <p:cNvSpPr txBox="1">
+            <a:spLocks noGrp="1"/>
+          </p:cNvSpPr>
           <p:nvPr>
-            <p:ph idx="1" type="subTitle"/>
+            <p:ph type="subTitle" idx="1"/>
           </p:nvPr>
         </p:nvSpPr>
         <p:spPr>
@@ -2980,7 +3114,7 @@
           </a:ln>
         </p:spPr>
         <p:txBody>
-          <a:bodyPr anchorCtr="0" anchor="t" bIns="45700" lIns="91425" spcFirstLastPara="1" rIns="91425" wrap="square" tIns="45700">
+          <a:bodyPr spcFirstLastPara="1" wrap="square" lIns="91425" tIns="45700" rIns="91425" bIns="45700" anchor="t" anchorCtr="0">
             <a:normAutofit/>
           </a:bodyPr>
           <a:lstStyle>
@@ -3085,7 +3219,9 @@
               <a:defRPr/>
             </a:lvl9pPr>
           </a:lstStyle>
-          <a:p/>
+          <a:p>
+            <a:endParaRPr/>
+          </a:p>
         </p:txBody>
       </p:sp>
     </p:spTree>
@@ -3097,11 +3233,11 @@
 </file>
 
 <file path=ppt/slideLayouts/slideLayout2.xml><?xml version="1.0" encoding="utf-8"?>
-<p:sldLayout xmlns:a="http://schemas.openxmlformats.org/drawingml/2006/main" xmlns:r="http://schemas.openxmlformats.org/officeDocument/2006/relationships" xmlns:mc="http://schemas.openxmlformats.org/markup-compatibility/2006" xmlns:mv="urn:schemas-microsoft-com:mac:vml" xmlns:p="http://schemas.openxmlformats.org/presentationml/2006/main" xmlns:c="http://schemas.openxmlformats.org/drawingml/2006/chart" xmlns:dgm="http://schemas.openxmlformats.org/drawingml/2006/diagram" xmlns:o="urn:schemas-microsoft-com:office:office" xmlns:v="urn:schemas-microsoft-com:vml" xmlns:pvml="urn:schemas-microsoft-com:office:powerpoint" xmlns:com="http://schemas.openxmlformats.org/drawingml/2006/compatibility" xmlns:p14="http://schemas.microsoft.com/office/powerpoint/2010/main" xmlns:p15="http://schemas.microsoft.com/office/powerpoint/2012/main" xmlns:ahyp="http://schemas.microsoft.com/office/drawing/2018/hyperlinkcolor" matchingName="제목, 텍스트 및 내용">
+<p:sldLayout xmlns:a="http://schemas.openxmlformats.org/drawingml/2006/main" xmlns:r="http://schemas.openxmlformats.org/officeDocument/2006/relationships" xmlns:p="http://schemas.openxmlformats.org/presentationml/2006/main" matchingName="제목, 텍스트 및 내용">
   <p:cSld name="제목, 텍스트 및 내용">
     <p:spTree>
       <p:nvGrpSpPr>
-        <p:cNvPr id="24" name="Shape 24"/>
+        <p:cNvPr id="1" name="Shape 24"/>
         <p:cNvGrpSpPr/>
         <p:nvPr/>
       </p:nvGrpSpPr>
@@ -3116,7 +3252,9 @@
       <p:sp>
         <p:nvSpPr>
           <p:cNvPr id="25" name="Google Shape;25;p3"/>
-          <p:cNvSpPr txBox="1"/>
+          <p:cNvSpPr txBox="1">
+            <a:spLocks noGrp="1"/>
+          </p:cNvSpPr>
           <p:nvPr>
             <p:ph type="title"/>
           </p:nvPr>
@@ -3135,7 +3273,7 @@
           </a:ln>
         </p:spPr>
         <p:txBody>
-          <a:bodyPr anchorCtr="0" anchor="t" bIns="45700" lIns="91425" spcFirstLastPara="1" rIns="91425" wrap="square" tIns="45700">
+          <a:bodyPr spcFirstLastPara="1" wrap="square" lIns="91425" tIns="45700" rIns="91425" bIns="45700" anchor="t" anchorCtr="0">
             <a:noAutofit/>
           </a:bodyPr>
           <a:lstStyle>
@@ -3239,15 +3377,19 @@
               <a:defRPr/>
             </a:lvl9pPr>
           </a:lstStyle>
-          <a:p/>
+          <a:p>
+            <a:endParaRPr/>
+          </a:p>
         </p:txBody>
       </p:sp>
       <p:sp>
         <p:nvSpPr>
           <p:cNvPr id="26" name="Google Shape;26;p3"/>
-          <p:cNvSpPr txBox="1"/>
+          <p:cNvSpPr txBox="1">
+            <a:spLocks noGrp="1"/>
+          </p:cNvSpPr>
           <p:nvPr>
-            <p:ph idx="1" type="body"/>
+            <p:ph type="body" idx="1"/>
           </p:nvPr>
         </p:nvSpPr>
         <p:spPr>
@@ -3264,11 +3406,11 @@
           </a:ln>
         </p:spPr>
         <p:txBody>
-          <a:bodyPr anchorCtr="0" anchor="t" bIns="45700" lIns="91425" spcFirstLastPara="1" rIns="91425" wrap="square" tIns="45700">
+          <a:bodyPr spcFirstLastPara="1" wrap="square" lIns="91425" tIns="45700" rIns="91425" bIns="45700" anchor="t" anchorCtr="0">
             <a:normAutofit/>
           </a:bodyPr>
           <a:lstStyle>
-            <a:lvl1pPr indent="-308610" lvl="0" marL="457200" algn="l">
+            <a:lvl1pPr marL="457200" lvl="0" indent="-308610" algn="l">
               <a:spcBef>
                 <a:spcPts val="360"/>
               </a:spcBef>
@@ -3279,7 +3421,7 @@
               <a:buChar char="•"/>
               <a:defRPr/>
             </a:lvl1pPr>
-            <a:lvl2pPr indent="-308610" lvl="1" marL="914400" algn="l">
+            <a:lvl2pPr marL="914400" lvl="1" indent="-308610" algn="l">
               <a:spcBef>
                 <a:spcPts val="360"/>
               </a:spcBef>
@@ -3290,7 +3432,7 @@
               <a:buChar char="✔"/>
               <a:defRPr/>
             </a:lvl2pPr>
-            <a:lvl3pPr indent="-342900" lvl="2" marL="1371600" algn="l">
+            <a:lvl3pPr marL="1371600" lvl="2" indent="-342900" algn="l">
               <a:spcBef>
                 <a:spcPts val="360"/>
               </a:spcBef>
@@ -3301,7 +3443,7 @@
               <a:buChar char="▪"/>
               <a:defRPr sz="1800"/>
             </a:lvl3pPr>
-            <a:lvl4pPr indent="-291464" lvl="3" marL="1828800" algn="l">
+            <a:lvl4pPr marL="1828800" lvl="3" indent="-291464" algn="l">
               <a:spcBef>
                 <a:spcPts val="360"/>
               </a:spcBef>
@@ -3312,7 +3454,7 @@
               <a:buChar char="•"/>
               <a:defRPr/>
             </a:lvl4pPr>
-            <a:lvl5pPr indent="-273050" lvl="4" marL="2286000" algn="l">
+            <a:lvl5pPr marL="2286000" lvl="4" indent="-273050" algn="l">
               <a:spcBef>
                 <a:spcPts val="280"/>
               </a:spcBef>
@@ -3323,7 +3465,7 @@
               <a:buChar char="■"/>
               <a:defRPr sz="1400"/>
             </a:lvl5pPr>
-            <a:lvl6pPr indent="-285750" lvl="5" marL="2743200" algn="l">
+            <a:lvl6pPr marL="2743200" lvl="5" indent="-285750" algn="l">
               <a:spcBef>
                 <a:spcPts val="360"/>
               </a:spcBef>
@@ -3334,7 +3476,7 @@
               <a:buChar char="■"/>
               <a:defRPr/>
             </a:lvl6pPr>
-            <a:lvl7pPr indent="-285750" lvl="6" marL="3200400" algn="l">
+            <a:lvl7pPr marL="3200400" lvl="6" indent="-285750" algn="l">
               <a:spcBef>
                 <a:spcPts val="360"/>
               </a:spcBef>
@@ -3345,7 +3487,7 @@
               <a:buChar char="■"/>
               <a:defRPr/>
             </a:lvl7pPr>
-            <a:lvl8pPr indent="-285750" lvl="7" marL="3657600" algn="l">
+            <a:lvl8pPr marL="3657600" lvl="7" indent="-285750" algn="l">
               <a:spcBef>
                 <a:spcPts val="360"/>
               </a:spcBef>
@@ -3356,7 +3498,7 @@
               <a:buChar char="■"/>
               <a:defRPr/>
             </a:lvl8pPr>
-            <a:lvl9pPr indent="-285750" lvl="8" marL="4114800" algn="l">
+            <a:lvl9pPr marL="4114800" lvl="8" indent="-285750" algn="l">
               <a:spcBef>
                 <a:spcPts val="360"/>
               </a:spcBef>
@@ -3368,7 +3510,9 @@
               <a:defRPr/>
             </a:lvl9pPr>
           </a:lstStyle>
-          <a:p/>
+          <a:p>
+            <a:endParaRPr/>
+          </a:p>
         </p:txBody>
       </p:sp>
     </p:spTree>
@@ -3380,11 +3524,11 @@
 </file>
 
 <file path=ppt/slideLayouts/slideLayout3.xml><?xml version="1.0" encoding="utf-8"?>
-<p:sldLayout xmlns:a="http://schemas.openxmlformats.org/drawingml/2006/main" xmlns:r="http://schemas.openxmlformats.org/officeDocument/2006/relationships" xmlns:mc="http://schemas.openxmlformats.org/markup-compatibility/2006" xmlns:mv="urn:schemas-microsoft-com:mac:vml" xmlns:p="http://schemas.openxmlformats.org/presentationml/2006/main" xmlns:c="http://schemas.openxmlformats.org/drawingml/2006/chart" xmlns:dgm="http://schemas.openxmlformats.org/drawingml/2006/diagram" xmlns:o="urn:schemas-microsoft-com:office:office" xmlns:v="urn:schemas-microsoft-com:vml" xmlns:pvml="urn:schemas-microsoft-com:office:powerpoint" xmlns:com="http://schemas.openxmlformats.org/drawingml/2006/compatibility" xmlns:p14="http://schemas.microsoft.com/office/powerpoint/2010/main" xmlns:p15="http://schemas.microsoft.com/office/powerpoint/2012/main" xmlns:ahyp="http://schemas.microsoft.com/office/drawing/2018/hyperlinkcolor" matchingName="제목 및 내용" type="obj">
+<p:sldLayout xmlns:a="http://schemas.openxmlformats.org/drawingml/2006/main" xmlns:r="http://schemas.openxmlformats.org/officeDocument/2006/relationships" xmlns:p="http://schemas.openxmlformats.org/presentationml/2006/main" matchingName="제목 및 내용" type="obj">
   <p:cSld name="OBJECT">
     <p:spTree>
       <p:nvGrpSpPr>
-        <p:cNvPr id="27" name="Shape 27"/>
+        <p:cNvPr id="1" name="Shape 27"/>
         <p:cNvGrpSpPr/>
         <p:nvPr/>
       </p:nvGrpSpPr>
@@ -3399,7 +3543,9 @@
       <p:sp>
         <p:nvSpPr>
           <p:cNvPr id="28" name="Google Shape;28;p4"/>
-          <p:cNvSpPr txBox="1"/>
+          <p:cNvSpPr txBox="1">
+            <a:spLocks noGrp="1"/>
+          </p:cNvSpPr>
           <p:nvPr>
             <p:ph type="title"/>
           </p:nvPr>
@@ -3418,7 +3564,7 @@
           </a:ln>
         </p:spPr>
         <p:txBody>
-          <a:bodyPr anchorCtr="0" anchor="t" bIns="45700" lIns="91425" spcFirstLastPara="1" rIns="91425" wrap="square" tIns="45700">
+          <a:bodyPr spcFirstLastPara="1" wrap="square" lIns="91425" tIns="45700" rIns="91425" bIns="45700" anchor="t" anchorCtr="0">
             <a:noAutofit/>
           </a:bodyPr>
           <a:lstStyle>
@@ -3522,15 +3668,19 @@
               <a:defRPr/>
             </a:lvl9pPr>
           </a:lstStyle>
-          <a:p/>
+          <a:p>
+            <a:endParaRPr/>
+          </a:p>
         </p:txBody>
       </p:sp>
       <p:sp>
         <p:nvSpPr>
           <p:cNvPr id="29" name="Google Shape;29;p4"/>
-          <p:cNvSpPr txBox="1"/>
+          <p:cNvSpPr txBox="1">
+            <a:spLocks noGrp="1"/>
+          </p:cNvSpPr>
           <p:nvPr>
-            <p:ph idx="1" type="body"/>
+            <p:ph type="body" idx="1"/>
           </p:nvPr>
         </p:nvSpPr>
         <p:spPr>
@@ -3547,11 +3697,11 @@
           </a:ln>
         </p:spPr>
         <p:txBody>
-          <a:bodyPr anchorCtr="0" anchor="t" bIns="45700" lIns="91425" spcFirstLastPara="1" rIns="91425" wrap="square" tIns="45700">
+          <a:bodyPr spcFirstLastPara="1" wrap="square" lIns="91425" tIns="45700" rIns="91425" bIns="45700" anchor="t" anchorCtr="0">
             <a:normAutofit/>
           </a:bodyPr>
           <a:lstStyle>
-            <a:lvl1pPr indent="-308610" lvl="0" marL="457200" algn="l">
+            <a:lvl1pPr marL="457200" lvl="0" indent="-308610" algn="l">
               <a:spcBef>
                 <a:spcPts val="360"/>
               </a:spcBef>
@@ -3562,7 +3712,7 @@
               <a:buChar char="•"/>
               <a:defRPr/>
             </a:lvl1pPr>
-            <a:lvl2pPr indent="-308610" lvl="1" marL="914400" algn="l">
+            <a:lvl2pPr marL="914400" lvl="1" indent="-308610" algn="l">
               <a:spcBef>
                 <a:spcPts val="360"/>
               </a:spcBef>
@@ -3573,7 +3723,7 @@
               <a:buChar char="✔"/>
               <a:defRPr/>
             </a:lvl2pPr>
-            <a:lvl3pPr indent="-342900" lvl="2" marL="1371600" algn="l">
+            <a:lvl3pPr marL="1371600" lvl="2" indent="-342900" algn="l">
               <a:spcBef>
                 <a:spcPts val="360"/>
               </a:spcBef>
@@ -3584,7 +3734,7 @@
               <a:buChar char="▪"/>
               <a:defRPr/>
             </a:lvl3pPr>
-            <a:lvl4pPr indent="-291464" lvl="3" marL="1828800" algn="l">
+            <a:lvl4pPr marL="1828800" lvl="3" indent="-291464" algn="l">
               <a:spcBef>
                 <a:spcPts val="360"/>
               </a:spcBef>
@@ -3595,7 +3745,7 @@
               <a:buChar char="•"/>
               <a:defRPr/>
             </a:lvl4pPr>
-            <a:lvl5pPr indent="-273050" lvl="4" marL="2286000" algn="l">
+            <a:lvl5pPr marL="2286000" lvl="4" indent="-273050" algn="l">
               <a:spcBef>
                 <a:spcPts val="280"/>
               </a:spcBef>
@@ -3606,7 +3756,7 @@
               <a:buChar char="■"/>
               <a:defRPr sz="1400"/>
             </a:lvl5pPr>
-            <a:lvl6pPr indent="-285750" lvl="5" marL="2743200" algn="l">
+            <a:lvl6pPr marL="2743200" lvl="5" indent="-285750" algn="l">
               <a:spcBef>
                 <a:spcPts val="360"/>
               </a:spcBef>
@@ -3617,7 +3767,7 @@
               <a:buChar char="■"/>
               <a:defRPr/>
             </a:lvl6pPr>
-            <a:lvl7pPr indent="-285750" lvl="6" marL="3200400" algn="l">
+            <a:lvl7pPr marL="3200400" lvl="6" indent="-285750" algn="l">
               <a:spcBef>
                 <a:spcPts val="360"/>
               </a:spcBef>
@@ -3628,7 +3778,7 @@
               <a:buChar char="■"/>
               <a:defRPr/>
             </a:lvl7pPr>
-            <a:lvl8pPr indent="-285750" lvl="7" marL="3657600" algn="l">
+            <a:lvl8pPr marL="3657600" lvl="7" indent="-285750" algn="l">
               <a:spcBef>
                 <a:spcPts val="360"/>
               </a:spcBef>
@@ -3639,7 +3789,7 @@
               <a:buChar char="■"/>
               <a:defRPr/>
             </a:lvl8pPr>
-            <a:lvl9pPr indent="-285750" lvl="8" marL="4114800" algn="l">
+            <a:lvl9pPr marL="4114800" lvl="8" indent="-285750" algn="l">
               <a:spcBef>
                 <a:spcPts val="360"/>
               </a:spcBef>
@@ -3651,15 +3801,19 @@
               <a:defRPr/>
             </a:lvl9pPr>
           </a:lstStyle>
-          <a:p/>
+          <a:p>
+            <a:endParaRPr/>
+          </a:p>
         </p:txBody>
       </p:sp>
       <p:sp>
         <p:nvSpPr>
           <p:cNvPr id="30" name="Google Shape;30;p4"/>
-          <p:cNvSpPr txBox="1"/>
+          <p:cNvSpPr txBox="1">
+            <a:spLocks noGrp="1"/>
+          </p:cNvSpPr>
           <p:nvPr>
-            <p:ph idx="12" type="sldNum"/>
+            <p:ph type="sldNum" idx="12"/>
           </p:nvPr>
         </p:nvSpPr>
         <p:spPr>
@@ -3676,19 +3830,19 @@
           </a:ln>
         </p:spPr>
         <p:txBody>
-          <a:bodyPr anchorCtr="0" anchor="ctr" bIns="45700" lIns="91425" spcFirstLastPara="1" rIns="91425" wrap="square" tIns="45700">
+          <a:bodyPr spcFirstLastPara="1" wrap="square" lIns="91425" tIns="45700" rIns="91425" bIns="45700" anchor="ctr" anchorCtr="0">
             <a:noAutofit/>
           </a:bodyPr>
           <a:lstStyle>
-            <a:lvl1pPr indent="0" lvl="0" marL="0" marR="0" algn="ctr">
-              <a:spcBef>
-                <a:spcPts val="0"/>
-              </a:spcBef>
-              <a:spcAft>
-                <a:spcPts val="0"/>
-              </a:spcAft>
-              <a:buNone/>
-              <a:defRPr b="1" i="0" sz="1100" u="none" cap="none" strike="noStrike">
+            <a:lvl1pPr marL="0" marR="0" lvl="0" indent="0" algn="ctr">
+              <a:spcBef>
+                <a:spcPts val="0"/>
+              </a:spcBef>
+              <a:spcAft>
+                <a:spcPts val="0"/>
+              </a:spcAft>
+              <a:buNone/>
+              <a:defRPr sz="1100" b="1" i="0" u="none" strike="noStrike" cap="none">
                 <a:solidFill>
                   <a:schemeClr val="dk1"/>
                 </a:solidFill>
@@ -3698,15 +3852,15 @@
                 <a:sym typeface="Tahoma"/>
               </a:defRPr>
             </a:lvl1pPr>
-            <a:lvl2pPr indent="0" lvl="1" marL="0" marR="0" algn="ctr">
-              <a:spcBef>
-                <a:spcPts val="0"/>
-              </a:spcBef>
-              <a:spcAft>
-                <a:spcPts val="0"/>
-              </a:spcAft>
-              <a:buNone/>
-              <a:defRPr b="1" i="0" sz="1100" u="none" cap="none" strike="noStrike">
+            <a:lvl2pPr marL="0" marR="0" lvl="1" indent="0" algn="ctr">
+              <a:spcBef>
+                <a:spcPts val="0"/>
+              </a:spcBef>
+              <a:spcAft>
+                <a:spcPts val="0"/>
+              </a:spcAft>
+              <a:buNone/>
+              <a:defRPr sz="1100" b="1" i="0" u="none" strike="noStrike" cap="none">
                 <a:solidFill>
                   <a:schemeClr val="dk1"/>
                 </a:solidFill>
@@ -3716,15 +3870,15 @@
                 <a:sym typeface="Tahoma"/>
               </a:defRPr>
             </a:lvl2pPr>
-            <a:lvl3pPr indent="0" lvl="2" marL="0" marR="0" algn="ctr">
-              <a:spcBef>
-                <a:spcPts val="0"/>
-              </a:spcBef>
-              <a:spcAft>
-                <a:spcPts val="0"/>
-              </a:spcAft>
-              <a:buNone/>
-              <a:defRPr b="1" i="0" sz="1100" u="none" cap="none" strike="noStrike">
+            <a:lvl3pPr marL="0" marR="0" lvl="2" indent="0" algn="ctr">
+              <a:spcBef>
+                <a:spcPts val="0"/>
+              </a:spcBef>
+              <a:spcAft>
+                <a:spcPts val="0"/>
+              </a:spcAft>
+              <a:buNone/>
+              <a:defRPr sz="1100" b="1" i="0" u="none" strike="noStrike" cap="none">
                 <a:solidFill>
                   <a:schemeClr val="dk1"/>
                 </a:solidFill>
@@ -3734,15 +3888,15 @@
                 <a:sym typeface="Tahoma"/>
               </a:defRPr>
             </a:lvl3pPr>
-            <a:lvl4pPr indent="0" lvl="3" marL="0" marR="0" algn="ctr">
-              <a:spcBef>
-                <a:spcPts val="0"/>
-              </a:spcBef>
-              <a:spcAft>
-                <a:spcPts val="0"/>
-              </a:spcAft>
-              <a:buNone/>
-              <a:defRPr b="1" i="0" sz="1100" u="none" cap="none" strike="noStrike">
+            <a:lvl4pPr marL="0" marR="0" lvl="3" indent="0" algn="ctr">
+              <a:spcBef>
+                <a:spcPts val="0"/>
+              </a:spcBef>
+              <a:spcAft>
+                <a:spcPts val="0"/>
+              </a:spcAft>
+              <a:buNone/>
+              <a:defRPr sz="1100" b="1" i="0" u="none" strike="noStrike" cap="none">
                 <a:solidFill>
                   <a:schemeClr val="dk1"/>
                 </a:solidFill>
@@ -3752,15 +3906,15 @@
                 <a:sym typeface="Tahoma"/>
               </a:defRPr>
             </a:lvl4pPr>
-            <a:lvl5pPr indent="0" lvl="4" marL="0" marR="0" algn="ctr">
-              <a:spcBef>
-                <a:spcPts val="0"/>
-              </a:spcBef>
-              <a:spcAft>
-                <a:spcPts val="0"/>
-              </a:spcAft>
-              <a:buNone/>
-              <a:defRPr b="1" i="0" sz="1100" u="none" cap="none" strike="noStrike">
+            <a:lvl5pPr marL="0" marR="0" lvl="4" indent="0" algn="ctr">
+              <a:spcBef>
+                <a:spcPts val="0"/>
+              </a:spcBef>
+              <a:spcAft>
+                <a:spcPts val="0"/>
+              </a:spcAft>
+              <a:buNone/>
+              <a:defRPr sz="1100" b="1" i="0" u="none" strike="noStrike" cap="none">
                 <a:solidFill>
                   <a:schemeClr val="dk1"/>
                 </a:solidFill>
@@ -3770,15 +3924,15 @@
                 <a:sym typeface="Tahoma"/>
               </a:defRPr>
             </a:lvl5pPr>
-            <a:lvl6pPr indent="0" lvl="5" marL="0" marR="0" algn="ctr">
-              <a:spcBef>
-                <a:spcPts val="0"/>
-              </a:spcBef>
-              <a:spcAft>
-                <a:spcPts val="0"/>
-              </a:spcAft>
-              <a:buNone/>
-              <a:defRPr b="1" i="0" sz="1100" u="none" cap="none" strike="noStrike">
+            <a:lvl6pPr marL="0" marR="0" lvl="5" indent="0" algn="ctr">
+              <a:spcBef>
+                <a:spcPts val="0"/>
+              </a:spcBef>
+              <a:spcAft>
+                <a:spcPts val="0"/>
+              </a:spcAft>
+              <a:buNone/>
+              <a:defRPr sz="1100" b="1" i="0" u="none" strike="noStrike" cap="none">
                 <a:solidFill>
                   <a:schemeClr val="dk1"/>
                 </a:solidFill>
@@ -3788,15 +3942,15 @@
                 <a:sym typeface="Tahoma"/>
               </a:defRPr>
             </a:lvl6pPr>
-            <a:lvl7pPr indent="0" lvl="6" marL="0" marR="0" algn="ctr">
-              <a:spcBef>
-                <a:spcPts val="0"/>
-              </a:spcBef>
-              <a:spcAft>
-                <a:spcPts val="0"/>
-              </a:spcAft>
-              <a:buNone/>
-              <a:defRPr b="1" i="0" sz="1100" u="none" cap="none" strike="noStrike">
+            <a:lvl7pPr marL="0" marR="0" lvl="6" indent="0" algn="ctr">
+              <a:spcBef>
+                <a:spcPts val="0"/>
+              </a:spcBef>
+              <a:spcAft>
+                <a:spcPts val="0"/>
+              </a:spcAft>
+              <a:buNone/>
+              <a:defRPr sz="1100" b="1" i="0" u="none" strike="noStrike" cap="none">
                 <a:solidFill>
                   <a:schemeClr val="dk1"/>
                 </a:solidFill>
@@ -3806,15 +3960,15 @@
                 <a:sym typeface="Tahoma"/>
               </a:defRPr>
             </a:lvl7pPr>
-            <a:lvl8pPr indent="0" lvl="7" marL="0" marR="0" algn="ctr">
-              <a:spcBef>
-                <a:spcPts val="0"/>
-              </a:spcBef>
-              <a:spcAft>
-                <a:spcPts val="0"/>
-              </a:spcAft>
-              <a:buNone/>
-              <a:defRPr b="1" i="0" sz="1100" u="none" cap="none" strike="noStrike">
+            <a:lvl8pPr marL="0" marR="0" lvl="7" indent="0" algn="ctr">
+              <a:spcBef>
+                <a:spcPts val="0"/>
+              </a:spcBef>
+              <a:spcAft>
+                <a:spcPts val="0"/>
+              </a:spcAft>
+              <a:buNone/>
+              <a:defRPr sz="1100" b="1" i="0" u="none" strike="noStrike" cap="none">
                 <a:solidFill>
                   <a:schemeClr val="dk1"/>
                 </a:solidFill>
@@ -3824,15 +3978,15 @@
                 <a:sym typeface="Tahoma"/>
               </a:defRPr>
             </a:lvl8pPr>
-            <a:lvl9pPr indent="0" lvl="8" marL="0" marR="0" algn="ctr">
-              <a:spcBef>
-                <a:spcPts val="0"/>
-              </a:spcBef>
-              <a:spcAft>
-                <a:spcPts val="0"/>
-              </a:spcAft>
-              <a:buNone/>
-              <a:defRPr b="1" i="0" sz="1100" u="none" cap="none" strike="noStrike">
+            <a:lvl9pPr marL="0" marR="0" lvl="8" indent="0" algn="ctr">
+              <a:spcBef>
+                <a:spcPts val="0"/>
+              </a:spcBef>
+              <a:spcAft>
+                <a:spcPts val="0"/>
+              </a:spcAft>
+              <a:buNone/>
+              <a:defRPr sz="1100" b="1" i="0" u="none" strike="noStrike" cap="none">
                 <a:solidFill>
                   <a:schemeClr val="dk1"/>
                 </a:solidFill>
@@ -3844,7 +3998,7 @@
             </a:lvl9pPr>
           </a:lstStyle>
           <a:p>
-            <a:pPr indent="0" lvl="0" marL="0" rtl="0" algn="ctr">
+            <a:pPr marL="0" lvl="0" indent="0" algn="ctr" rtl="0">
               <a:spcBef>
                 <a:spcPts val="0"/>
               </a:spcBef>
@@ -3870,18 +4024,19 @@
 </file>
 
 <file path=ppt/slideMasters/slideMaster1.xml><?xml version="1.0" encoding="utf-8"?>
-<p:sldMaster xmlns:a="http://schemas.openxmlformats.org/drawingml/2006/main" xmlns:r="http://schemas.openxmlformats.org/officeDocument/2006/relationships" xmlns:mc="http://schemas.openxmlformats.org/markup-compatibility/2006" xmlns:mv="urn:schemas-microsoft-com:mac:vml" xmlns:p="http://schemas.openxmlformats.org/presentationml/2006/main" xmlns:c="http://schemas.openxmlformats.org/drawingml/2006/chart" xmlns:dgm="http://schemas.openxmlformats.org/drawingml/2006/diagram" xmlns:o="urn:schemas-microsoft-com:office:office" xmlns:v="urn:schemas-microsoft-com:vml" xmlns:pvml="urn:schemas-microsoft-com:office:powerpoint" xmlns:com="http://schemas.openxmlformats.org/drawingml/2006/compatibility" xmlns:p14="http://schemas.microsoft.com/office/powerpoint/2010/main" xmlns:p15="http://schemas.microsoft.com/office/powerpoint/2012/main" xmlns:ahyp="http://schemas.microsoft.com/office/drawing/2018/hyperlinkcolor">
+<p:sldMaster xmlns:a="http://schemas.openxmlformats.org/drawingml/2006/main" xmlns:r="http://schemas.openxmlformats.org/officeDocument/2006/relationships" xmlns:p="http://schemas.openxmlformats.org/presentationml/2006/main">
   <p:cSld>
     <p:bg>
       <p:bgPr>
         <a:solidFill>
           <a:schemeClr val="lt1"/>
         </a:solidFill>
+        <a:effectLst/>
       </p:bgPr>
     </p:bg>
     <p:spTree>
       <p:nvGrpSpPr>
-        <p:cNvPr id="9" name="Shape 9"/>
+        <p:cNvPr id="1" name="Shape 9"/>
         <p:cNvGrpSpPr/>
         <p:nvPr/>
       </p:nvGrpSpPr>
@@ -3896,7 +4051,9 @@
       <p:sp>
         <p:nvSpPr>
           <p:cNvPr id="10" name="Google Shape;10;p1"/>
-          <p:cNvSpPr txBox="1"/>
+          <p:cNvSpPr txBox="1">
+            <a:spLocks noGrp="1"/>
+          </p:cNvSpPr>
           <p:nvPr>
             <p:ph type="title"/>
           </p:nvPr>
@@ -3915,11 +4072,11 @@
           </a:ln>
         </p:spPr>
         <p:txBody>
-          <a:bodyPr anchorCtr="0" anchor="t" bIns="45700" lIns="91425" spcFirstLastPara="1" rIns="91425" wrap="square" tIns="45700">
+          <a:bodyPr spcFirstLastPara="1" wrap="square" lIns="91425" tIns="45700" rIns="91425" bIns="45700" anchor="t" anchorCtr="0">
             <a:noAutofit/>
           </a:bodyPr>
           <a:lstStyle>
-            <a:lvl1pPr lvl="0" marR="0" rtl="0" algn="ctr">
+            <a:lvl1pPr marR="0" lvl="0" algn="ctr" rtl="0">
               <a:spcBef>
                 <a:spcPts val="0"/>
               </a:spcBef>
@@ -3928,7 +4085,7 @@
               </a:spcAft>
               <a:buSzPts val="1400"/>
               <a:buNone/>
-              <a:defRPr b="0" i="0" sz="2800" u="none" cap="none" strike="noStrike">
+              <a:defRPr sz="2800" b="0" i="0" u="none" strike="noStrike" cap="none">
                 <a:solidFill>
                   <a:schemeClr val="hlink"/>
                 </a:solidFill>
@@ -3938,7 +4095,7 @@
                 <a:sym typeface="Arial"/>
               </a:defRPr>
             </a:lvl1pPr>
-            <a:lvl2pPr lvl="1" marR="0" rtl="0" algn="ctr">
+            <a:lvl2pPr marR="0" lvl="1" algn="ctr" rtl="0">
               <a:spcBef>
                 <a:spcPts val="0"/>
               </a:spcBef>
@@ -3947,7 +4104,7 @@
               </a:spcAft>
               <a:buSzPts val="1400"/>
               <a:buNone/>
-              <a:defRPr b="0" i="0" sz="2800" u="none" cap="none" strike="noStrike">
+              <a:defRPr sz="2800" b="0" i="0" u="none" strike="noStrike" cap="none">
                 <a:solidFill>
                   <a:schemeClr val="hlink"/>
                 </a:solidFill>
@@ -3957,7 +4114,7 @@
                 <a:sym typeface="Arial"/>
               </a:defRPr>
             </a:lvl2pPr>
-            <a:lvl3pPr lvl="2" marR="0" rtl="0" algn="ctr">
+            <a:lvl3pPr marR="0" lvl="2" algn="ctr" rtl="0">
               <a:spcBef>
                 <a:spcPts val="0"/>
               </a:spcBef>
@@ -3966,7 +4123,7 @@
               </a:spcAft>
               <a:buSzPts val="1400"/>
               <a:buNone/>
-              <a:defRPr b="0" i="0" sz="2800" u="none" cap="none" strike="noStrike">
+              <a:defRPr sz="2800" b="0" i="0" u="none" strike="noStrike" cap="none">
                 <a:solidFill>
                   <a:schemeClr val="hlink"/>
                 </a:solidFill>
@@ -3976,7 +4133,7 @@
                 <a:sym typeface="Arial"/>
               </a:defRPr>
             </a:lvl3pPr>
-            <a:lvl4pPr lvl="3" marR="0" rtl="0" algn="ctr">
+            <a:lvl4pPr marR="0" lvl="3" algn="ctr" rtl="0">
               <a:spcBef>
                 <a:spcPts val="0"/>
               </a:spcBef>
@@ -3985,7 +4142,7 @@
               </a:spcAft>
               <a:buSzPts val="1400"/>
               <a:buNone/>
-              <a:defRPr b="0" i="0" sz="2800" u="none" cap="none" strike="noStrike">
+              <a:defRPr sz="2800" b="0" i="0" u="none" strike="noStrike" cap="none">
                 <a:solidFill>
                   <a:schemeClr val="hlink"/>
                 </a:solidFill>
@@ -3995,7 +4152,7 @@
                 <a:sym typeface="Arial"/>
               </a:defRPr>
             </a:lvl4pPr>
-            <a:lvl5pPr lvl="4" marR="0" rtl="0" algn="ctr">
+            <a:lvl5pPr marR="0" lvl="4" algn="ctr" rtl="0">
               <a:spcBef>
                 <a:spcPts val="0"/>
               </a:spcBef>
@@ -4004,7 +4161,7 @@
               </a:spcAft>
               <a:buSzPts val="1400"/>
               <a:buNone/>
-              <a:defRPr b="0" i="0" sz="2800" u="none" cap="none" strike="noStrike">
+              <a:defRPr sz="2800" b="0" i="0" u="none" strike="noStrike" cap="none">
                 <a:solidFill>
                   <a:schemeClr val="hlink"/>
                 </a:solidFill>
@@ -4014,7 +4171,7 @@
                 <a:sym typeface="Arial"/>
               </a:defRPr>
             </a:lvl5pPr>
-            <a:lvl6pPr lvl="5" marR="0" rtl="0" algn="ctr">
+            <a:lvl6pPr marR="0" lvl="5" algn="ctr" rtl="0">
               <a:spcBef>
                 <a:spcPts val="0"/>
               </a:spcBef>
@@ -4023,7 +4180,7 @@
               </a:spcAft>
               <a:buSzPts val="1400"/>
               <a:buNone/>
-              <a:defRPr b="0" i="0" sz="2800" u="none" cap="none" strike="noStrike">
+              <a:defRPr sz="2800" b="0" i="0" u="none" strike="noStrike" cap="none">
                 <a:solidFill>
                   <a:schemeClr val="hlink"/>
                 </a:solidFill>
@@ -4033,7 +4190,7 @@
                 <a:sym typeface="Arial"/>
               </a:defRPr>
             </a:lvl6pPr>
-            <a:lvl7pPr lvl="6" marR="0" rtl="0" algn="ctr">
+            <a:lvl7pPr marR="0" lvl="6" algn="ctr" rtl="0">
               <a:spcBef>
                 <a:spcPts val="0"/>
               </a:spcBef>
@@ -4042,7 +4199,7 @@
               </a:spcAft>
               <a:buSzPts val="1400"/>
               <a:buNone/>
-              <a:defRPr b="0" i="0" sz="2800" u="none" cap="none" strike="noStrike">
+              <a:defRPr sz="2800" b="0" i="0" u="none" strike="noStrike" cap="none">
                 <a:solidFill>
                   <a:schemeClr val="hlink"/>
                 </a:solidFill>
@@ -4052,7 +4209,7 @@
                 <a:sym typeface="Arial"/>
               </a:defRPr>
             </a:lvl7pPr>
-            <a:lvl8pPr lvl="7" marR="0" rtl="0" algn="ctr">
+            <a:lvl8pPr marR="0" lvl="7" algn="ctr" rtl="0">
               <a:spcBef>
                 <a:spcPts val="0"/>
               </a:spcBef>
@@ -4061,7 +4218,7 @@
               </a:spcAft>
               <a:buSzPts val="1400"/>
               <a:buNone/>
-              <a:defRPr b="0" i="0" sz="2800" u="none" cap="none" strike="noStrike">
+              <a:defRPr sz="2800" b="0" i="0" u="none" strike="noStrike" cap="none">
                 <a:solidFill>
                   <a:schemeClr val="hlink"/>
                 </a:solidFill>
@@ -4071,7 +4228,7 @@
                 <a:sym typeface="Arial"/>
               </a:defRPr>
             </a:lvl8pPr>
-            <a:lvl9pPr lvl="8" marR="0" rtl="0" algn="ctr">
+            <a:lvl9pPr marR="0" lvl="8" algn="ctr" rtl="0">
               <a:spcBef>
                 <a:spcPts val="0"/>
               </a:spcBef>
@@ -4080,7 +4237,7 @@
               </a:spcAft>
               <a:buSzPts val="1400"/>
               <a:buNone/>
-              <a:defRPr b="0" i="0" sz="2800" u="none" cap="none" strike="noStrike">
+              <a:defRPr sz="2800" b="0" i="0" u="none" strike="noStrike" cap="none">
                 <a:solidFill>
                   <a:schemeClr val="hlink"/>
                 </a:solidFill>
@@ -4091,15 +4248,19 @@
               </a:defRPr>
             </a:lvl9pPr>
           </a:lstStyle>
-          <a:p/>
+          <a:p>
+            <a:endParaRPr/>
+          </a:p>
         </p:txBody>
       </p:sp>
       <p:sp>
         <p:nvSpPr>
           <p:cNvPr id="11" name="Google Shape;11;p1"/>
-          <p:cNvSpPr txBox="1"/>
+          <p:cNvSpPr txBox="1">
+            <a:spLocks noGrp="1"/>
+          </p:cNvSpPr>
           <p:nvPr>
-            <p:ph idx="1" type="body"/>
+            <p:ph type="body" idx="1"/>
           </p:nvPr>
         </p:nvSpPr>
         <p:spPr>
@@ -4116,11 +4277,11 @@
           </a:ln>
         </p:spPr>
         <p:txBody>
-          <a:bodyPr anchorCtr="0" anchor="t" bIns="45700" lIns="91425" spcFirstLastPara="1" rIns="91425" wrap="square" tIns="45700">
+          <a:bodyPr spcFirstLastPara="1" wrap="square" lIns="91425" tIns="45700" rIns="91425" bIns="45700" anchor="t" anchorCtr="0">
             <a:normAutofit/>
           </a:bodyPr>
           <a:lstStyle>
-            <a:lvl1pPr indent="-335280" lvl="0" marL="457200" marR="0" rtl="0" algn="l">
+            <a:lvl1pPr marL="457200" marR="0" lvl="0" indent="-335280" algn="l" rtl="0">
               <a:spcBef>
                 <a:spcPts val="480"/>
               </a:spcBef>
@@ -4133,7 +4294,7 @@
               <a:buSzPts val="1680"/>
               <a:buFont typeface="Noto Sans Symbols"/>
               <a:buChar char="•"/>
-              <a:defRPr b="0" i="0" sz="2400" u="none" cap="none" strike="noStrike">
+              <a:defRPr sz="2400" b="0" i="0" u="none" strike="noStrike" cap="none">
                 <a:solidFill>
                   <a:schemeClr val="dk1"/>
                 </a:solidFill>
@@ -4143,7 +4304,7 @@
                 <a:sym typeface="Arial"/>
               </a:defRPr>
             </a:lvl1pPr>
-            <a:lvl2pPr indent="-317500" lvl="1" marL="914400" marR="0" rtl="0" algn="l">
+            <a:lvl2pPr marL="914400" marR="0" lvl="1" indent="-317500" algn="l" rtl="0">
               <a:spcBef>
                 <a:spcPts val="400"/>
               </a:spcBef>
@@ -4156,7 +4317,7 @@
               <a:buSzPts val="1400"/>
               <a:buFont typeface="Noto Sans Symbols"/>
               <a:buChar char="✔"/>
-              <a:defRPr b="0" i="0" sz="2000" u="none" cap="none" strike="noStrike">
+              <a:defRPr sz="2000" b="0" i="0" u="none" strike="noStrike" cap="none">
                 <a:solidFill>
                   <a:schemeClr val="dk1"/>
                 </a:solidFill>
@@ -4166,7 +4327,7 @@
                 <a:sym typeface="Arial"/>
               </a:defRPr>
             </a:lvl2pPr>
-            <a:lvl3pPr indent="-342900" lvl="2" marL="1371600" marR="0" rtl="0" algn="l">
+            <a:lvl3pPr marL="1371600" marR="0" lvl="2" indent="-342900" algn="l" rtl="0">
               <a:spcBef>
                 <a:spcPts val="360"/>
               </a:spcBef>
@@ -4179,7 +4340,7 @@
               <a:buSzPts val="1800"/>
               <a:buFont typeface="Noto Sans Symbols"/>
               <a:buChar char="▪"/>
-              <a:defRPr b="0" i="0" sz="1800" u="none" cap="none" strike="noStrike">
+              <a:defRPr sz="1800" b="0" i="0" u="none" strike="noStrike" cap="none">
                 <a:solidFill>
                   <a:schemeClr val="dk1"/>
                 </a:solidFill>
@@ -4189,7 +4350,7 @@
                 <a:sym typeface="Arial"/>
               </a:defRPr>
             </a:lvl3pPr>
-            <a:lvl4pPr indent="-284480" lvl="3" marL="1828800" marR="0" rtl="0" algn="l">
+            <a:lvl4pPr marL="1828800" marR="0" lvl="3" indent="-284480" algn="l" rtl="0">
               <a:spcBef>
                 <a:spcPts val="320"/>
               </a:spcBef>
@@ -4202,7 +4363,7 @@
               <a:buSzPts val="880"/>
               <a:buFont typeface="Arial"/>
               <a:buChar char="•"/>
-              <a:defRPr b="0" i="0" sz="1600" u="none" cap="none" strike="noStrike">
+              <a:defRPr sz="1600" b="0" i="0" u="none" strike="noStrike" cap="none">
                 <a:solidFill>
                   <a:schemeClr val="dk1"/>
                 </a:solidFill>
@@ -4212,7 +4373,7 @@
                 <a:sym typeface="Arial"/>
               </a:defRPr>
             </a:lvl4pPr>
-            <a:lvl5pPr indent="-292100" lvl="4" marL="2286000" marR="0" rtl="0" algn="l">
+            <a:lvl5pPr marL="2286000" marR="0" lvl="4" indent="-292100" algn="l" rtl="0">
               <a:spcBef>
                 <a:spcPts val="400"/>
               </a:spcBef>
@@ -4225,7 +4386,7 @@
               <a:buSzPts val="1000"/>
               <a:buFont typeface="Noto Sans Symbols"/>
               <a:buChar char="■"/>
-              <a:defRPr b="0" i="0" sz="2000" u="none" cap="none" strike="noStrike">
+              <a:defRPr sz="2000" b="0" i="0" u="none" strike="noStrike" cap="none">
                 <a:solidFill>
                   <a:schemeClr val="dk1"/>
                 </a:solidFill>
@@ -4235,7 +4396,7 @@
                 <a:sym typeface="Arial"/>
               </a:defRPr>
             </a:lvl5pPr>
-            <a:lvl6pPr indent="-292100" lvl="5" marL="2743200" marR="0" rtl="0" algn="l">
+            <a:lvl6pPr marL="2743200" marR="0" lvl="5" indent="-292100" algn="l" rtl="0">
               <a:spcBef>
                 <a:spcPts val="400"/>
               </a:spcBef>
@@ -4248,7 +4409,7 @@
               <a:buSzPts val="1000"/>
               <a:buFont typeface="Noto Sans Symbols"/>
               <a:buChar char="■"/>
-              <a:defRPr b="0" i="0" sz="2000" u="none" cap="none" strike="noStrike">
+              <a:defRPr sz="2000" b="0" i="0" u="none" strike="noStrike" cap="none">
                 <a:solidFill>
                   <a:schemeClr val="dk1"/>
                 </a:solidFill>
@@ -4258,7 +4419,7 @@
                 <a:sym typeface="Arial"/>
               </a:defRPr>
             </a:lvl6pPr>
-            <a:lvl7pPr indent="-292100" lvl="6" marL="3200400" marR="0" rtl="0" algn="l">
+            <a:lvl7pPr marL="3200400" marR="0" lvl="6" indent="-292100" algn="l" rtl="0">
               <a:spcBef>
                 <a:spcPts val="400"/>
               </a:spcBef>
@@ -4271,7 +4432,7 @@
               <a:buSzPts val="1000"/>
               <a:buFont typeface="Noto Sans Symbols"/>
               <a:buChar char="■"/>
-              <a:defRPr b="0" i="0" sz="2000" u="none" cap="none" strike="noStrike">
+              <a:defRPr sz="2000" b="0" i="0" u="none" strike="noStrike" cap="none">
                 <a:solidFill>
                   <a:schemeClr val="dk1"/>
                 </a:solidFill>
@@ -4281,7 +4442,7 @@
                 <a:sym typeface="Arial"/>
               </a:defRPr>
             </a:lvl7pPr>
-            <a:lvl8pPr indent="-292100" lvl="7" marL="3657600" marR="0" rtl="0" algn="l">
+            <a:lvl8pPr marL="3657600" marR="0" lvl="7" indent="-292100" algn="l" rtl="0">
               <a:spcBef>
                 <a:spcPts val="400"/>
               </a:spcBef>
@@ -4294,7 +4455,7 @@
               <a:buSzPts val="1000"/>
               <a:buFont typeface="Noto Sans Symbols"/>
               <a:buChar char="■"/>
-              <a:defRPr b="0" i="0" sz="2000" u="none" cap="none" strike="noStrike">
+              <a:defRPr sz="2000" b="0" i="0" u="none" strike="noStrike" cap="none">
                 <a:solidFill>
                   <a:schemeClr val="dk1"/>
                 </a:solidFill>
@@ -4304,7 +4465,7 @@
                 <a:sym typeface="Arial"/>
               </a:defRPr>
             </a:lvl8pPr>
-            <a:lvl9pPr indent="-292100" lvl="8" marL="4114800" marR="0" rtl="0" algn="l">
+            <a:lvl9pPr marL="4114800" marR="0" lvl="8" indent="-292100" algn="l" rtl="0">
               <a:spcBef>
                 <a:spcPts val="400"/>
               </a:spcBef>
@@ -4317,7 +4478,7 @@
               <a:buSzPts val="1000"/>
               <a:buFont typeface="Noto Sans Symbols"/>
               <a:buChar char="■"/>
-              <a:defRPr b="0" i="0" sz="2000" u="none" cap="none" strike="noStrike">
+              <a:defRPr sz="2000" b="0" i="0" u="none" strike="noStrike" cap="none">
                 <a:solidFill>
                   <a:schemeClr val="dk1"/>
                 </a:solidFill>
@@ -4328,7 +4489,9 @@
               </a:defRPr>
             </a:lvl9pPr>
           </a:lstStyle>
-          <a:p/>
+          <a:p>
+            <a:endParaRPr/>
+          </a:p>
         </p:txBody>
       </p:sp>
       <p:cxnSp>
@@ -4346,14 +4509,14 @@
             <a:avLst/>
           </a:prstGeom>
           <a:noFill/>
-          <a:ln cap="flat" cmpd="sng" w="38100">
+          <a:ln w="38100" cap="flat" cmpd="sng">
             <a:solidFill>
               <a:srgbClr val="BE9A00"/>
             </a:solidFill>
             <a:prstDash val="solid"/>
             <a:miter lim="800000"/>
-            <a:headEnd len="med" w="med" type="none"/>
-            <a:tailEnd len="med" w="med" type="none"/>
+            <a:headEnd type="none" w="med" len="med"/>
+            <a:tailEnd type="none" w="med" len="med"/>
           </a:ln>
         </p:spPr>
       </p:cxnSp>
@@ -4387,24 +4550,21 @@
           </a:ln>
         </p:spPr>
         <p:txBody>
-          <a:bodyPr anchorCtr="0" anchor="ctr" bIns="45700" lIns="91425" spcFirstLastPara="1" rIns="91425" wrap="square" tIns="45700">
+          <a:bodyPr spcFirstLastPara="1" wrap="square" lIns="91425" tIns="45700" rIns="91425" bIns="45700" anchor="ctr" anchorCtr="0">
             <a:noAutofit/>
           </a:bodyPr>
           <a:lstStyle/>
           <a:p>
-            <a:pPr indent="0" lvl="0" marL="0" marR="0" rtl="0" algn="ctr">
-              <a:spcBef>
-                <a:spcPts val="0"/>
-              </a:spcBef>
-              <a:spcAft>
-                <a:spcPts val="0"/>
-              </a:spcAft>
-              <a:buNone/>
-            </a:pPr>
-            <a:r>
-              <a:t/>
-            </a:r>
-            <a:endParaRPr b="0" i="0" sz="2400" u="none" cap="none" strike="noStrike">
+            <a:pPr marL="0" marR="0" lvl="0" indent="0" algn="ctr" rtl="0">
+              <a:spcBef>
+                <a:spcPts val="0"/>
+              </a:spcBef>
+              <a:spcAft>
+                <a:spcPts val="0"/>
+              </a:spcAft>
+              <a:buNone/>
+            </a:pPr>
+            <a:endParaRPr sz="2400" b="0" i="0" u="none" strike="noStrike" cap="none">
               <a:solidFill>
                 <a:schemeClr val="dk1"/>
               </a:solidFill>
@@ -4419,9 +4579,11 @@
       <p:sp>
         <p:nvSpPr>
           <p:cNvPr id="14" name="Google Shape;14;p1"/>
-          <p:cNvSpPr txBox="1"/>
+          <p:cNvSpPr txBox="1">
+            <a:spLocks noGrp="1"/>
+          </p:cNvSpPr>
           <p:nvPr>
-            <p:ph idx="12" type="sldNum"/>
+            <p:ph type="sldNum" idx="12"/>
           </p:nvPr>
         </p:nvSpPr>
         <p:spPr>
@@ -4438,19 +4600,19 @@
           </a:ln>
         </p:spPr>
         <p:txBody>
-          <a:bodyPr anchorCtr="0" anchor="ctr" bIns="45700" lIns="91425" spcFirstLastPara="1" rIns="91425" wrap="square" tIns="45700">
+          <a:bodyPr spcFirstLastPara="1" wrap="square" lIns="91425" tIns="45700" rIns="91425" bIns="45700" anchor="ctr" anchorCtr="0">
             <a:noAutofit/>
           </a:bodyPr>
           <a:lstStyle>
-            <a:lvl1pPr indent="0" lvl="0" marL="0" marR="0" rtl="0" algn="ctr">
-              <a:spcBef>
-                <a:spcPts val="0"/>
-              </a:spcBef>
-              <a:spcAft>
-                <a:spcPts val="0"/>
-              </a:spcAft>
-              <a:buNone/>
-              <a:defRPr b="1" i="0" sz="1100" u="none" cap="none" strike="noStrike">
+            <a:lvl1pPr marL="0" marR="0" lvl="0" indent="0" algn="ctr" rtl="0">
+              <a:spcBef>
+                <a:spcPts val="0"/>
+              </a:spcBef>
+              <a:spcAft>
+                <a:spcPts val="0"/>
+              </a:spcAft>
+              <a:buNone/>
+              <a:defRPr sz="1100" b="1" i="0" u="none" strike="noStrike" cap="none">
                 <a:solidFill>
                   <a:schemeClr val="dk1"/>
                 </a:solidFill>
@@ -4460,15 +4622,15 @@
                 <a:sym typeface="Tahoma"/>
               </a:defRPr>
             </a:lvl1pPr>
-            <a:lvl2pPr indent="0" lvl="1" marL="0" marR="0" rtl="0" algn="ctr">
-              <a:spcBef>
-                <a:spcPts val="0"/>
-              </a:spcBef>
-              <a:spcAft>
-                <a:spcPts val="0"/>
-              </a:spcAft>
-              <a:buNone/>
-              <a:defRPr b="1" i="0" sz="1100" u="none" cap="none" strike="noStrike">
+            <a:lvl2pPr marL="0" marR="0" lvl="1" indent="0" algn="ctr" rtl="0">
+              <a:spcBef>
+                <a:spcPts val="0"/>
+              </a:spcBef>
+              <a:spcAft>
+                <a:spcPts val="0"/>
+              </a:spcAft>
+              <a:buNone/>
+              <a:defRPr sz="1100" b="1" i="0" u="none" strike="noStrike" cap="none">
                 <a:solidFill>
                   <a:schemeClr val="dk1"/>
                 </a:solidFill>
@@ -4478,15 +4640,15 @@
                 <a:sym typeface="Tahoma"/>
               </a:defRPr>
             </a:lvl2pPr>
-            <a:lvl3pPr indent="0" lvl="2" marL="0" marR="0" rtl="0" algn="ctr">
-              <a:spcBef>
-                <a:spcPts val="0"/>
-              </a:spcBef>
-              <a:spcAft>
-                <a:spcPts val="0"/>
-              </a:spcAft>
-              <a:buNone/>
-              <a:defRPr b="1" i="0" sz="1100" u="none" cap="none" strike="noStrike">
+            <a:lvl3pPr marL="0" marR="0" lvl="2" indent="0" algn="ctr" rtl="0">
+              <a:spcBef>
+                <a:spcPts val="0"/>
+              </a:spcBef>
+              <a:spcAft>
+                <a:spcPts val="0"/>
+              </a:spcAft>
+              <a:buNone/>
+              <a:defRPr sz="1100" b="1" i="0" u="none" strike="noStrike" cap="none">
                 <a:solidFill>
                   <a:schemeClr val="dk1"/>
                 </a:solidFill>
@@ -4496,15 +4658,15 @@
                 <a:sym typeface="Tahoma"/>
               </a:defRPr>
             </a:lvl3pPr>
-            <a:lvl4pPr indent="0" lvl="3" marL="0" marR="0" rtl="0" algn="ctr">
-              <a:spcBef>
-                <a:spcPts val="0"/>
-              </a:spcBef>
-              <a:spcAft>
-                <a:spcPts val="0"/>
-              </a:spcAft>
-              <a:buNone/>
-              <a:defRPr b="1" i="0" sz="1100" u="none" cap="none" strike="noStrike">
+            <a:lvl4pPr marL="0" marR="0" lvl="3" indent="0" algn="ctr" rtl="0">
+              <a:spcBef>
+                <a:spcPts val="0"/>
+              </a:spcBef>
+              <a:spcAft>
+                <a:spcPts val="0"/>
+              </a:spcAft>
+              <a:buNone/>
+              <a:defRPr sz="1100" b="1" i="0" u="none" strike="noStrike" cap="none">
                 <a:solidFill>
                   <a:schemeClr val="dk1"/>
                 </a:solidFill>
@@ -4514,15 +4676,15 @@
                 <a:sym typeface="Tahoma"/>
               </a:defRPr>
             </a:lvl4pPr>
-            <a:lvl5pPr indent="0" lvl="4" marL="0" marR="0" rtl="0" algn="ctr">
-              <a:spcBef>
-                <a:spcPts val="0"/>
-              </a:spcBef>
-              <a:spcAft>
-                <a:spcPts val="0"/>
-              </a:spcAft>
-              <a:buNone/>
-              <a:defRPr b="1" i="0" sz="1100" u="none" cap="none" strike="noStrike">
+            <a:lvl5pPr marL="0" marR="0" lvl="4" indent="0" algn="ctr" rtl="0">
+              <a:spcBef>
+                <a:spcPts val="0"/>
+              </a:spcBef>
+              <a:spcAft>
+                <a:spcPts val="0"/>
+              </a:spcAft>
+              <a:buNone/>
+              <a:defRPr sz="1100" b="1" i="0" u="none" strike="noStrike" cap="none">
                 <a:solidFill>
                   <a:schemeClr val="dk1"/>
                 </a:solidFill>
@@ -4532,15 +4694,15 @@
                 <a:sym typeface="Tahoma"/>
               </a:defRPr>
             </a:lvl5pPr>
-            <a:lvl6pPr indent="0" lvl="5" marL="0" marR="0" rtl="0" algn="ctr">
-              <a:spcBef>
-                <a:spcPts val="0"/>
-              </a:spcBef>
-              <a:spcAft>
-                <a:spcPts val="0"/>
-              </a:spcAft>
-              <a:buNone/>
-              <a:defRPr b="1" i="0" sz="1100" u="none" cap="none" strike="noStrike">
+            <a:lvl6pPr marL="0" marR="0" lvl="5" indent="0" algn="ctr" rtl="0">
+              <a:spcBef>
+                <a:spcPts val="0"/>
+              </a:spcBef>
+              <a:spcAft>
+                <a:spcPts val="0"/>
+              </a:spcAft>
+              <a:buNone/>
+              <a:defRPr sz="1100" b="1" i="0" u="none" strike="noStrike" cap="none">
                 <a:solidFill>
                   <a:schemeClr val="dk1"/>
                 </a:solidFill>
@@ -4550,15 +4712,15 @@
                 <a:sym typeface="Tahoma"/>
               </a:defRPr>
             </a:lvl6pPr>
-            <a:lvl7pPr indent="0" lvl="6" marL="0" marR="0" rtl="0" algn="ctr">
-              <a:spcBef>
-                <a:spcPts val="0"/>
-              </a:spcBef>
-              <a:spcAft>
-                <a:spcPts val="0"/>
-              </a:spcAft>
-              <a:buNone/>
-              <a:defRPr b="1" i="0" sz="1100" u="none" cap="none" strike="noStrike">
+            <a:lvl7pPr marL="0" marR="0" lvl="6" indent="0" algn="ctr" rtl="0">
+              <a:spcBef>
+                <a:spcPts val="0"/>
+              </a:spcBef>
+              <a:spcAft>
+                <a:spcPts val="0"/>
+              </a:spcAft>
+              <a:buNone/>
+              <a:defRPr sz="1100" b="1" i="0" u="none" strike="noStrike" cap="none">
                 <a:solidFill>
                   <a:schemeClr val="dk1"/>
                 </a:solidFill>
@@ -4568,15 +4730,15 @@
                 <a:sym typeface="Tahoma"/>
               </a:defRPr>
             </a:lvl7pPr>
-            <a:lvl8pPr indent="0" lvl="7" marL="0" marR="0" rtl="0" algn="ctr">
-              <a:spcBef>
-                <a:spcPts val="0"/>
-              </a:spcBef>
-              <a:spcAft>
-                <a:spcPts val="0"/>
-              </a:spcAft>
-              <a:buNone/>
-              <a:defRPr b="1" i="0" sz="1100" u="none" cap="none" strike="noStrike">
+            <a:lvl8pPr marL="0" marR="0" lvl="7" indent="0" algn="ctr" rtl="0">
+              <a:spcBef>
+                <a:spcPts val="0"/>
+              </a:spcBef>
+              <a:spcAft>
+                <a:spcPts val="0"/>
+              </a:spcAft>
+              <a:buNone/>
+              <a:defRPr sz="1100" b="1" i="0" u="none" strike="noStrike" cap="none">
                 <a:solidFill>
                   <a:schemeClr val="dk1"/>
                 </a:solidFill>
@@ -4586,15 +4748,15 @@
                 <a:sym typeface="Tahoma"/>
               </a:defRPr>
             </a:lvl8pPr>
-            <a:lvl9pPr indent="0" lvl="8" marL="0" marR="0" rtl="0" algn="ctr">
-              <a:spcBef>
-                <a:spcPts val="0"/>
-              </a:spcBef>
-              <a:spcAft>
-                <a:spcPts val="0"/>
-              </a:spcAft>
-              <a:buNone/>
-              <a:defRPr b="1" i="0" sz="1100" u="none" cap="none" strike="noStrike">
+            <a:lvl9pPr marL="0" marR="0" lvl="8" indent="0" algn="ctr" rtl="0">
+              <a:spcBef>
+                <a:spcPts val="0"/>
+              </a:spcBef>
+              <a:spcAft>
+                <a:spcPts val="0"/>
+              </a:spcAft>
+              <a:buNone/>
+              <a:defRPr sz="1100" b="1" i="0" u="none" strike="noStrike" cap="none">
                 <a:solidFill>
                   <a:schemeClr val="dk1"/>
                 </a:solidFill>
@@ -4606,7 +4768,7 @@
             </a:lvl9pPr>
           </a:lstStyle>
           <a:p>
-            <a:pPr indent="0" lvl="0" marL="0" rtl="0" algn="ctr">
+            <a:pPr marL="0" lvl="0" indent="0" algn="ctr" rtl="0">
               <a:spcBef>
                 <a:spcPts val="0"/>
               </a:spcBef>
@@ -4630,10 +4792,10 @@
           <p:nvPr/>
         </p:nvPicPr>
         <p:blipFill rotWithShape="1">
-          <a:blip r:embed="rId1">
+          <a:blip r:embed="rId5">
             <a:alphaModFix/>
           </a:blip>
-          <a:srcRect b="0" l="0" r="0" t="0"/>
+          <a:srcRect/>
           <a:stretch/>
         </p:blipFill>
         <p:spPr>
@@ -4657,10 +4819,10 @@
           <p:nvPr/>
         </p:nvPicPr>
         <p:blipFill rotWithShape="1">
-          <a:blip r:embed="rId2">
+          <a:blip r:embed="rId6">
             <a:alphaModFix/>
           </a:blip>
-          <a:srcRect b="0" l="0" r="0" t="0"/>
+          <a:srcRect/>
           <a:stretch/>
         </p:blipFill>
         <p:spPr>
@@ -4679,16 +4841,16 @@
       </p:pic>
     </p:spTree>
   </p:cSld>
-  <p:clrMap accent1="accent1" accent2="accent2" accent3="accent3" accent4="accent4" accent5="accent5" accent6="accent6" bg1="lt1" bg2="dk2" tx1="dk1" tx2="lt2" folHlink="folHlink" hlink="hlink"/>
+  <p:clrMap bg1="lt1" tx1="dk1" bg2="dk2" tx2="lt2" accent1="accent1" accent2="accent2" accent3="accent3" accent4="accent4" accent5="accent5" accent6="accent6" hlink="hlink" folHlink="folHlink"/>
   <p:sldLayoutIdLst>
-    <p:sldLayoutId id="2147483648" r:id="rId3"/>
-    <p:sldLayoutId id="2147483649" r:id="rId4"/>
-    <p:sldLayoutId id="2147483650" r:id="rId5"/>
+    <p:sldLayoutId id="2147483648" r:id="rId1"/>
+    <p:sldLayoutId id="2147483649" r:id="rId2"/>
+    <p:sldLayoutId id="2147483650" r:id="rId3"/>
   </p:sldLayoutIdLst>
-  <p:hf dt="0" ftr="0" hdr="0"/>
+  <p:hf hdr="0" ftr="0" dt="0"/>
   <p:txStyles>
     <p:titleStyle>
-      <a:defPPr lvl="0" marR="0" rtl="0" algn="l">
+      <a:defPPr marR="0" lvl="0" algn="l" rtl="0">
         <a:lnSpc>
           <a:spcPct val="100000"/>
         </a:lnSpc>
@@ -4699,7 +4861,7 @@
           <a:spcPts val="0"/>
         </a:spcAft>
       </a:defPPr>
-      <a:lvl1pPr lvl="0" marR="0" rtl="0" algn="l">
+      <a:lvl1pPr marR="0" lvl="0" algn="l" rtl="0">
         <a:lnSpc>
           <a:spcPct val="100000"/>
         </a:lnSpc>
@@ -4713,7 +4875,7 @@
           <a:srgbClr val="000000"/>
         </a:buClr>
         <a:buFont typeface="Arial"/>
-        <a:defRPr b="0" i="0" sz="1400" u="none" cap="none" strike="noStrike">
+        <a:defRPr sz="1400" b="0" i="0" u="none" strike="noStrike" cap="none">
           <a:solidFill>
             <a:srgbClr val="000000"/>
           </a:solidFill>
@@ -4723,7 +4885,7 @@
           <a:sym typeface="Arial"/>
         </a:defRPr>
       </a:lvl1pPr>
-      <a:lvl2pPr lvl="1" marR="0" rtl="0" algn="l">
+      <a:lvl2pPr marR="0" lvl="1" algn="l" rtl="0">
         <a:lnSpc>
           <a:spcPct val="100000"/>
         </a:lnSpc>
@@ -4737,7 +4899,7 @@
           <a:srgbClr val="000000"/>
         </a:buClr>
         <a:buFont typeface="Arial"/>
-        <a:defRPr b="0" i="0" sz="1400" u="none" cap="none" strike="noStrike">
+        <a:defRPr sz="1400" b="0" i="0" u="none" strike="noStrike" cap="none">
           <a:solidFill>
             <a:srgbClr val="000000"/>
           </a:solidFill>
@@ -4747,7 +4909,7 @@
           <a:sym typeface="Arial"/>
         </a:defRPr>
       </a:lvl2pPr>
-      <a:lvl3pPr lvl="2" marR="0" rtl="0" algn="l">
+      <a:lvl3pPr marR="0" lvl="2" algn="l" rtl="0">
         <a:lnSpc>
           <a:spcPct val="100000"/>
         </a:lnSpc>
@@ -4761,7 +4923,7 @@
           <a:srgbClr val="000000"/>
         </a:buClr>
         <a:buFont typeface="Arial"/>
-        <a:defRPr b="0" i="0" sz="1400" u="none" cap="none" strike="noStrike">
+        <a:defRPr sz="1400" b="0" i="0" u="none" strike="noStrike" cap="none">
           <a:solidFill>
             <a:srgbClr val="000000"/>
           </a:solidFill>
@@ -4771,7 +4933,7 @@
           <a:sym typeface="Arial"/>
         </a:defRPr>
       </a:lvl3pPr>
-      <a:lvl4pPr lvl="3" marR="0" rtl="0" algn="l">
+      <a:lvl4pPr marR="0" lvl="3" algn="l" rtl="0">
         <a:lnSpc>
           <a:spcPct val="100000"/>
         </a:lnSpc>
@@ -4785,7 +4947,7 @@
           <a:srgbClr val="000000"/>
         </a:buClr>
         <a:buFont typeface="Arial"/>
-        <a:defRPr b="0" i="0" sz="1400" u="none" cap="none" strike="noStrike">
+        <a:defRPr sz="1400" b="0" i="0" u="none" strike="noStrike" cap="none">
           <a:solidFill>
             <a:srgbClr val="000000"/>
           </a:solidFill>
@@ -4795,7 +4957,7 @@
           <a:sym typeface="Arial"/>
         </a:defRPr>
       </a:lvl4pPr>
-      <a:lvl5pPr lvl="4" marR="0" rtl="0" algn="l">
+      <a:lvl5pPr marR="0" lvl="4" algn="l" rtl="0">
         <a:lnSpc>
           <a:spcPct val="100000"/>
         </a:lnSpc>
@@ -4809,7 +4971,7 @@
           <a:srgbClr val="000000"/>
         </a:buClr>
         <a:buFont typeface="Arial"/>
-        <a:defRPr b="0" i="0" sz="1400" u="none" cap="none" strike="noStrike">
+        <a:defRPr sz="1400" b="0" i="0" u="none" strike="noStrike" cap="none">
           <a:solidFill>
             <a:srgbClr val="000000"/>
           </a:solidFill>
@@ -4819,7 +4981,7 @@
           <a:sym typeface="Arial"/>
         </a:defRPr>
       </a:lvl5pPr>
-      <a:lvl6pPr lvl="5" marR="0" rtl="0" algn="l">
+      <a:lvl6pPr marR="0" lvl="5" algn="l" rtl="0">
         <a:lnSpc>
           <a:spcPct val="100000"/>
         </a:lnSpc>
@@ -4833,7 +4995,7 @@
           <a:srgbClr val="000000"/>
         </a:buClr>
         <a:buFont typeface="Arial"/>
-        <a:defRPr b="0" i="0" sz="1400" u="none" cap="none" strike="noStrike">
+        <a:defRPr sz="1400" b="0" i="0" u="none" strike="noStrike" cap="none">
           <a:solidFill>
             <a:srgbClr val="000000"/>
           </a:solidFill>
@@ -4843,7 +5005,7 @@
           <a:sym typeface="Arial"/>
         </a:defRPr>
       </a:lvl6pPr>
-      <a:lvl7pPr lvl="6" marR="0" rtl="0" algn="l">
+      <a:lvl7pPr marR="0" lvl="6" algn="l" rtl="0">
         <a:lnSpc>
           <a:spcPct val="100000"/>
         </a:lnSpc>
@@ -4857,7 +5019,7 @@
           <a:srgbClr val="000000"/>
         </a:buClr>
         <a:buFont typeface="Arial"/>
-        <a:defRPr b="0" i="0" sz="1400" u="none" cap="none" strike="noStrike">
+        <a:defRPr sz="1400" b="0" i="0" u="none" strike="noStrike" cap="none">
           <a:solidFill>
             <a:srgbClr val="000000"/>
           </a:solidFill>
@@ -4867,7 +5029,7 @@
           <a:sym typeface="Arial"/>
         </a:defRPr>
       </a:lvl7pPr>
-      <a:lvl8pPr lvl="7" marR="0" rtl="0" algn="l">
+      <a:lvl8pPr marR="0" lvl="7" algn="l" rtl="0">
         <a:lnSpc>
           <a:spcPct val="100000"/>
         </a:lnSpc>
@@ -4881,7 +5043,7 @@
           <a:srgbClr val="000000"/>
         </a:buClr>
         <a:buFont typeface="Arial"/>
-        <a:defRPr b="0" i="0" sz="1400" u="none" cap="none" strike="noStrike">
+        <a:defRPr sz="1400" b="0" i="0" u="none" strike="noStrike" cap="none">
           <a:solidFill>
             <a:srgbClr val="000000"/>
           </a:solidFill>
@@ -4891,7 +5053,7 @@
           <a:sym typeface="Arial"/>
         </a:defRPr>
       </a:lvl8pPr>
-      <a:lvl9pPr lvl="8" marR="0" rtl="0" algn="l">
+      <a:lvl9pPr marR="0" lvl="8" algn="l" rtl="0">
         <a:lnSpc>
           <a:spcPct val="100000"/>
         </a:lnSpc>
@@ -4905,7 +5067,7 @@
           <a:srgbClr val="000000"/>
         </a:buClr>
         <a:buFont typeface="Arial"/>
-        <a:defRPr b="0" i="0" sz="1400" u="none" cap="none" strike="noStrike">
+        <a:defRPr sz="1400" b="0" i="0" u="none" strike="noStrike" cap="none">
           <a:solidFill>
             <a:srgbClr val="000000"/>
           </a:solidFill>
@@ -4917,7 +5079,7 @@
       </a:lvl9pPr>
     </p:titleStyle>
     <p:bodyStyle>
-      <a:defPPr lvl="0" marR="0" rtl="0" algn="l">
+      <a:defPPr marR="0" lvl="0" algn="l" rtl="0">
         <a:lnSpc>
           <a:spcPct val="100000"/>
         </a:lnSpc>
@@ -4928,7 +5090,7 @@
           <a:spcPts val="0"/>
         </a:spcAft>
       </a:defPPr>
-      <a:lvl1pPr lvl="0" marR="0" rtl="0" algn="l">
+      <a:lvl1pPr marR="0" lvl="0" algn="l" rtl="0">
         <a:lnSpc>
           <a:spcPct val="100000"/>
         </a:lnSpc>
@@ -4942,7 +5104,7 @@
           <a:srgbClr val="000000"/>
         </a:buClr>
         <a:buFont typeface="Arial"/>
-        <a:defRPr b="0" i="0" sz="1400" u="none" cap="none" strike="noStrike">
+        <a:defRPr sz="1400" b="0" i="0" u="none" strike="noStrike" cap="none">
           <a:solidFill>
             <a:srgbClr val="000000"/>
           </a:solidFill>
@@ -4952,7 +5114,7 @@
           <a:sym typeface="Arial"/>
         </a:defRPr>
       </a:lvl1pPr>
-      <a:lvl2pPr lvl="1" marR="0" rtl="0" algn="l">
+      <a:lvl2pPr marR="0" lvl="1" algn="l" rtl="0">
         <a:lnSpc>
           <a:spcPct val="100000"/>
         </a:lnSpc>
@@ -4966,7 +5128,7 @@
           <a:srgbClr val="000000"/>
         </a:buClr>
         <a:buFont typeface="Arial"/>
-        <a:defRPr b="0" i="0" sz="1400" u="none" cap="none" strike="noStrike">
+        <a:defRPr sz="1400" b="0" i="0" u="none" strike="noStrike" cap="none">
           <a:solidFill>
             <a:srgbClr val="000000"/>
           </a:solidFill>
@@ -4976,7 +5138,7 @@
           <a:sym typeface="Arial"/>
         </a:defRPr>
       </a:lvl2pPr>
-      <a:lvl3pPr lvl="2" marR="0" rtl="0" algn="l">
+      <a:lvl3pPr marR="0" lvl="2" algn="l" rtl="0">
         <a:lnSpc>
           <a:spcPct val="100000"/>
         </a:lnSpc>
@@ -4990,7 +5152,7 @@
           <a:srgbClr val="000000"/>
         </a:buClr>
         <a:buFont typeface="Arial"/>
-        <a:defRPr b="0" i="0" sz="1400" u="none" cap="none" strike="noStrike">
+        <a:defRPr sz="1400" b="0" i="0" u="none" strike="noStrike" cap="none">
           <a:solidFill>
             <a:srgbClr val="000000"/>
           </a:solidFill>
@@ -5000,7 +5162,7 @@
           <a:sym typeface="Arial"/>
         </a:defRPr>
       </a:lvl3pPr>
-      <a:lvl4pPr lvl="3" marR="0" rtl="0" algn="l">
+      <a:lvl4pPr marR="0" lvl="3" algn="l" rtl="0">
         <a:lnSpc>
           <a:spcPct val="100000"/>
         </a:lnSpc>
@@ -5014,7 +5176,7 @@
           <a:srgbClr val="000000"/>
         </a:buClr>
         <a:buFont typeface="Arial"/>
-        <a:defRPr b="0" i="0" sz="1400" u="none" cap="none" strike="noStrike">
+        <a:defRPr sz="1400" b="0" i="0" u="none" strike="noStrike" cap="none">
           <a:solidFill>
             <a:srgbClr val="000000"/>
           </a:solidFill>
@@ -5024,7 +5186,7 @@
           <a:sym typeface="Arial"/>
         </a:defRPr>
       </a:lvl4pPr>
-      <a:lvl5pPr lvl="4" marR="0" rtl="0" algn="l">
+      <a:lvl5pPr marR="0" lvl="4" algn="l" rtl="0">
         <a:lnSpc>
           <a:spcPct val="100000"/>
         </a:lnSpc>
@@ -5038,7 +5200,7 @@
           <a:srgbClr val="000000"/>
         </a:buClr>
         <a:buFont typeface="Arial"/>
-        <a:defRPr b="0" i="0" sz="1400" u="none" cap="none" strike="noStrike">
+        <a:defRPr sz="1400" b="0" i="0" u="none" strike="noStrike" cap="none">
           <a:solidFill>
             <a:srgbClr val="000000"/>
           </a:solidFill>
@@ -5048,7 +5210,7 @@
           <a:sym typeface="Arial"/>
         </a:defRPr>
       </a:lvl5pPr>
-      <a:lvl6pPr lvl="5" marR="0" rtl="0" algn="l">
+      <a:lvl6pPr marR="0" lvl="5" algn="l" rtl="0">
         <a:lnSpc>
           <a:spcPct val="100000"/>
         </a:lnSpc>
@@ -5062,7 +5224,7 @@
           <a:srgbClr val="000000"/>
         </a:buClr>
         <a:buFont typeface="Arial"/>
-        <a:defRPr b="0" i="0" sz="1400" u="none" cap="none" strike="noStrike">
+        <a:defRPr sz="1400" b="0" i="0" u="none" strike="noStrike" cap="none">
           <a:solidFill>
             <a:srgbClr val="000000"/>
           </a:solidFill>
@@ -5072,7 +5234,7 @@
           <a:sym typeface="Arial"/>
         </a:defRPr>
       </a:lvl6pPr>
-      <a:lvl7pPr lvl="6" marR="0" rtl="0" algn="l">
+      <a:lvl7pPr marR="0" lvl="6" algn="l" rtl="0">
         <a:lnSpc>
           <a:spcPct val="100000"/>
         </a:lnSpc>
@@ -5086,7 +5248,7 @@
           <a:srgbClr val="000000"/>
         </a:buClr>
         <a:buFont typeface="Arial"/>
-        <a:defRPr b="0" i="0" sz="1400" u="none" cap="none" strike="noStrike">
+        <a:defRPr sz="1400" b="0" i="0" u="none" strike="noStrike" cap="none">
           <a:solidFill>
             <a:srgbClr val="000000"/>
           </a:solidFill>
@@ -5096,7 +5258,7 @@
           <a:sym typeface="Arial"/>
         </a:defRPr>
       </a:lvl7pPr>
-      <a:lvl8pPr lvl="7" marR="0" rtl="0" algn="l">
+      <a:lvl8pPr marR="0" lvl="7" algn="l" rtl="0">
         <a:lnSpc>
           <a:spcPct val="100000"/>
         </a:lnSpc>
@@ -5110,7 +5272,7 @@
           <a:srgbClr val="000000"/>
         </a:buClr>
         <a:buFont typeface="Arial"/>
-        <a:defRPr b="0" i="0" sz="1400" u="none" cap="none" strike="noStrike">
+        <a:defRPr sz="1400" b="0" i="0" u="none" strike="noStrike" cap="none">
           <a:solidFill>
             <a:srgbClr val="000000"/>
           </a:solidFill>
@@ -5120,7 +5282,7 @@
           <a:sym typeface="Arial"/>
         </a:defRPr>
       </a:lvl8pPr>
-      <a:lvl9pPr lvl="8" marR="0" rtl="0" algn="l">
+      <a:lvl9pPr marR="0" lvl="8" algn="l" rtl="0">
         <a:lnSpc>
           <a:spcPct val="100000"/>
         </a:lnSpc>
@@ -5134,7 +5296,7 @@
           <a:srgbClr val="000000"/>
         </a:buClr>
         <a:buFont typeface="Arial"/>
-        <a:defRPr b="0" i="0" sz="1400" u="none" cap="none" strike="noStrike">
+        <a:defRPr sz="1400" b="0" i="0" u="none" strike="noStrike" cap="none">
           <a:solidFill>
             <a:srgbClr val="000000"/>
           </a:solidFill>
@@ -5146,7 +5308,7 @@
       </a:lvl9pPr>
     </p:bodyStyle>
     <p:otherStyle>
-      <a:defPPr lvl="0" marR="0" rtl="0" algn="l">
+      <a:defPPr marR="0" lvl="0" algn="l" rtl="0">
         <a:lnSpc>
           <a:spcPct val="100000"/>
         </a:lnSpc>
@@ -5157,7 +5319,7 @@
           <a:spcPts val="0"/>
         </a:spcAft>
       </a:defPPr>
-      <a:lvl1pPr lvl="0" marR="0" rtl="0" algn="l">
+      <a:lvl1pPr marR="0" lvl="0" algn="l" rtl="0">
         <a:lnSpc>
           <a:spcPct val="100000"/>
         </a:lnSpc>
@@ -5171,7 +5333,7 @@
           <a:srgbClr val="000000"/>
         </a:buClr>
         <a:buFont typeface="Arial"/>
-        <a:defRPr b="0" i="0" sz="1400" u="none" cap="none" strike="noStrike">
+        <a:defRPr sz="1400" b="0" i="0" u="none" strike="noStrike" cap="none">
           <a:solidFill>
             <a:srgbClr val="000000"/>
           </a:solidFill>
@@ -5181,7 +5343,7 @@
           <a:sym typeface="Arial"/>
         </a:defRPr>
       </a:lvl1pPr>
-      <a:lvl2pPr lvl="1" marR="0" rtl="0" algn="l">
+      <a:lvl2pPr marR="0" lvl="1" algn="l" rtl="0">
         <a:lnSpc>
           <a:spcPct val="100000"/>
         </a:lnSpc>
@@ -5195,7 +5357,7 @@
           <a:srgbClr val="000000"/>
         </a:buClr>
         <a:buFont typeface="Arial"/>
-        <a:defRPr b="0" i="0" sz="1400" u="none" cap="none" strike="noStrike">
+        <a:defRPr sz="1400" b="0" i="0" u="none" strike="noStrike" cap="none">
           <a:solidFill>
             <a:srgbClr val="000000"/>
           </a:solidFill>
@@ -5205,7 +5367,7 @@
           <a:sym typeface="Arial"/>
         </a:defRPr>
       </a:lvl2pPr>
-      <a:lvl3pPr lvl="2" marR="0" rtl="0" algn="l">
+      <a:lvl3pPr marR="0" lvl="2" algn="l" rtl="0">
         <a:lnSpc>
           <a:spcPct val="100000"/>
         </a:lnSpc>
@@ -5219,7 +5381,7 @@
           <a:srgbClr val="000000"/>
         </a:buClr>
         <a:buFont typeface="Arial"/>
-        <a:defRPr b="0" i="0" sz="1400" u="none" cap="none" strike="noStrike">
+        <a:defRPr sz="1400" b="0" i="0" u="none" strike="noStrike" cap="none">
           <a:solidFill>
             <a:srgbClr val="000000"/>
           </a:solidFill>
@@ -5229,7 +5391,7 @@
           <a:sym typeface="Arial"/>
         </a:defRPr>
       </a:lvl3pPr>
-      <a:lvl4pPr lvl="3" marR="0" rtl="0" algn="l">
+      <a:lvl4pPr marR="0" lvl="3" algn="l" rtl="0">
         <a:lnSpc>
           <a:spcPct val="100000"/>
         </a:lnSpc>
@@ -5243,7 +5405,7 @@
           <a:srgbClr val="000000"/>
         </a:buClr>
         <a:buFont typeface="Arial"/>
-        <a:defRPr b="0" i="0" sz="1400" u="none" cap="none" strike="noStrike">
+        <a:defRPr sz="1400" b="0" i="0" u="none" strike="noStrike" cap="none">
           <a:solidFill>
             <a:srgbClr val="000000"/>
           </a:solidFill>
@@ -5253,7 +5415,7 @@
           <a:sym typeface="Arial"/>
         </a:defRPr>
       </a:lvl4pPr>
-      <a:lvl5pPr lvl="4" marR="0" rtl="0" algn="l">
+      <a:lvl5pPr marR="0" lvl="4" algn="l" rtl="0">
         <a:lnSpc>
           <a:spcPct val="100000"/>
         </a:lnSpc>
@@ -5267,7 +5429,7 @@
           <a:srgbClr val="000000"/>
         </a:buClr>
         <a:buFont typeface="Arial"/>
-        <a:defRPr b="0" i="0" sz="1400" u="none" cap="none" strike="noStrike">
+        <a:defRPr sz="1400" b="0" i="0" u="none" strike="noStrike" cap="none">
           <a:solidFill>
             <a:srgbClr val="000000"/>
           </a:solidFill>
@@ -5277,7 +5439,7 @@
           <a:sym typeface="Arial"/>
         </a:defRPr>
       </a:lvl5pPr>
-      <a:lvl6pPr lvl="5" marR="0" rtl="0" algn="l">
+      <a:lvl6pPr marR="0" lvl="5" algn="l" rtl="0">
         <a:lnSpc>
           <a:spcPct val="100000"/>
         </a:lnSpc>
@@ -5291,7 +5453,7 @@
           <a:srgbClr val="000000"/>
         </a:buClr>
         <a:buFont typeface="Arial"/>
-        <a:defRPr b="0" i="0" sz="1400" u="none" cap="none" strike="noStrike">
+        <a:defRPr sz="1400" b="0" i="0" u="none" strike="noStrike" cap="none">
           <a:solidFill>
             <a:srgbClr val="000000"/>
           </a:solidFill>
@@ -5301,7 +5463,7 @@
           <a:sym typeface="Arial"/>
         </a:defRPr>
       </a:lvl6pPr>
-      <a:lvl7pPr lvl="6" marR="0" rtl="0" algn="l">
+      <a:lvl7pPr marR="0" lvl="6" algn="l" rtl="0">
         <a:lnSpc>
           <a:spcPct val="100000"/>
         </a:lnSpc>
@@ -5315,7 +5477,7 @@
           <a:srgbClr val="000000"/>
         </a:buClr>
         <a:buFont typeface="Arial"/>
-        <a:defRPr b="0" i="0" sz="1400" u="none" cap="none" strike="noStrike">
+        <a:defRPr sz="1400" b="0" i="0" u="none" strike="noStrike" cap="none">
           <a:solidFill>
             <a:srgbClr val="000000"/>
           </a:solidFill>
@@ -5325,7 +5487,7 @@
           <a:sym typeface="Arial"/>
         </a:defRPr>
       </a:lvl7pPr>
-      <a:lvl8pPr lvl="7" marR="0" rtl="0" algn="l">
+      <a:lvl8pPr marR="0" lvl="7" algn="l" rtl="0">
         <a:lnSpc>
           <a:spcPct val="100000"/>
         </a:lnSpc>
@@ -5339,7 +5501,7 @@
           <a:srgbClr val="000000"/>
         </a:buClr>
         <a:buFont typeface="Arial"/>
-        <a:defRPr b="0" i="0" sz="1400" u="none" cap="none" strike="noStrike">
+        <a:defRPr sz="1400" b="0" i="0" u="none" strike="noStrike" cap="none">
           <a:solidFill>
             <a:srgbClr val="000000"/>
           </a:solidFill>
@@ -5349,7 +5511,7 @@
           <a:sym typeface="Arial"/>
         </a:defRPr>
       </a:lvl8pPr>
-      <a:lvl9pPr lvl="8" marR="0" rtl="0" algn="l">
+      <a:lvl9pPr marR="0" lvl="8" algn="l" rtl="0">
         <a:lnSpc>
           <a:spcPct val="100000"/>
         </a:lnSpc>
@@ -5363,7 +5525,7 @@
           <a:srgbClr val="000000"/>
         </a:buClr>
         <a:buFont typeface="Arial"/>
-        <a:defRPr b="0" i="0" sz="1400" u="none" cap="none" strike="noStrike">
+        <a:defRPr sz="1400" b="0" i="0" u="none" strike="noStrike" cap="none">
           <a:solidFill>
             <a:srgbClr val="000000"/>
           </a:solidFill>
@@ -5379,11 +5541,11 @@
 </file>
 
 <file path=ppt/slides/slide1.xml><?xml version="1.0" encoding="utf-8"?>
-<p:sld xmlns:a="http://schemas.openxmlformats.org/drawingml/2006/main" xmlns:r="http://schemas.openxmlformats.org/officeDocument/2006/relationships" xmlns:mc="http://schemas.openxmlformats.org/markup-compatibility/2006" xmlns:mv="urn:schemas-microsoft-com:mac:vml" xmlns:p="http://schemas.openxmlformats.org/presentationml/2006/main" xmlns:c="http://schemas.openxmlformats.org/drawingml/2006/chart" xmlns:dgm="http://schemas.openxmlformats.org/drawingml/2006/diagram" xmlns:o="urn:schemas-microsoft-com:office:office" xmlns:v="urn:schemas-microsoft-com:vml" xmlns:pvml="urn:schemas-microsoft-com:office:powerpoint" xmlns:com="http://schemas.openxmlformats.org/drawingml/2006/compatibility" xmlns:p14="http://schemas.microsoft.com/office/powerpoint/2010/main" xmlns:p15="http://schemas.microsoft.com/office/powerpoint/2012/main" xmlns:ahyp="http://schemas.microsoft.com/office/drawing/2018/hyperlinkcolor">
+<p:sld xmlns:a="http://schemas.openxmlformats.org/drawingml/2006/main" xmlns:r="http://schemas.openxmlformats.org/officeDocument/2006/relationships" xmlns:p="http://schemas.openxmlformats.org/presentationml/2006/main">
   <p:cSld>
     <p:spTree>
       <p:nvGrpSpPr>
-        <p:cNvPr id="35" name="Shape 35"/>
+        <p:cNvPr id="1" name="Shape 35"/>
         <p:cNvGrpSpPr/>
         <p:nvPr/>
       </p:nvGrpSpPr>
@@ -5398,7 +5560,9 @@
       <p:sp>
         <p:nvSpPr>
           <p:cNvPr id="36" name="Google Shape;36;p5"/>
-          <p:cNvSpPr txBox="1"/>
+          <p:cNvSpPr txBox="1">
+            <a:spLocks noGrp="1"/>
+          </p:cNvSpPr>
           <p:nvPr>
             <p:ph type="ctrTitle"/>
           </p:nvPr>
@@ -5417,12 +5581,12 @@
           </a:ln>
         </p:spPr>
         <p:txBody>
-          <a:bodyPr anchorCtr="0" anchor="t" bIns="45700" lIns="91425" spcFirstLastPara="1" rIns="91425" wrap="square" tIns="45700">
+          <a:bodyPr spcFirstLastPara="1" wrap="square" lIns="91425" tIns="45700" rIns="91425" bIns="45700" anchor="t" anchorCtr="0">
             <a:noAutofit/>
           </a:bodyPr>
           <a:lstStyle/>
           <a:p>
-            <a:pPr indent="0" lvl="0" marL="0" rtl="0" algn="ctr">
+            <a:pPr marL="0" lvl="0" indent="0" algn="ctr" rtl="0">
               <a:spcBef>
                 <a:spcPts val="0"/>
               </a:spcBef>
@@ -5432,7 +5596,7 @@
               <a:buNone/>
             </a:pPr>
             <a:r>
-              <a:rPr b="1" lang="en-US" sz="4400"/>
+              <a:rPr lang="en-US" sz="4400" b="1"/>
               <a:t>RocksDB Festival</a:t>
             </a:r>
             <a:endParaRPr b="1"/>
@@ -5459,12 +5623,12 @@
           </a:ln>
         </p:spPr>
         <p:txBody>
-          <a:bodyPr anchorCtr="0" anchor="t" bIns="45700" lIns="91425" spcFirstLastPara="1" rIns="91425" wrap="square" tIns="45700">
+          <a:bodyPr spcFirstLastPara="1" wrap="square" lIns="91425" tIns="45700" rIns="91425" bIns="45700" anchor="t" anchorCtr="0">
             <a:spAutoFit/>
           </a:bodyPr>
           <a:lstStyle/>
           <a:p>
-            <a:pPr indent="0" lvl="0" marL="0" marR="0" rtl="0" algn="ctr">
+            <a:pPr marL="0" marR="0" lvl="0" indent="0" algn="ctr" rtl="0">
               <a:spcBef>
                 <a:spcPts val="0"/>
               </a:spcBef>
@@ -5479,7 +5643,7 @@
               <a:buNone/>
             </a:pPr>
             <a:r>
-              <a:rPr b="0" i="0" lang="en-US" sz="2000" u="none" cap="none" strike="noStrike">
+              <a:rPr lang="en-US" sz="2000" b="0" i="0" u="none" strike="noStrike" cap="none">
                 <a:solidFill>
                   <a:schemeClr val="dk1"/>
                 </a:solidFill>
@@ -5493,7 +5657,7 @@
             <a:endParaRPr/>
           </a:p>
           <a:p>
-            <a:pPr indent="0" lvl="0" marL="0" marR="0" rtl="0" algn="ctr">
+            <a:pPr marL="0" marR="0" lvl="0" indent="0" algn="ctr" rtl="0">
               <a:spcBef>
                 <a:spcPts val="0"/>
               </a:spcBef>
@@ -5507,10 +5671,7 @@
               <a:buFont typeface="Noto Sans Symbols"/>
               <a:buNone/>
             </a:pPr>
-            <a:r>
-              <a:t/>
-            </a:r>
-            <a:endParaRPr b="0" i="0" sz="2000" u="none" cap="none" strike="noStrike">
+            <a:endParaRPr sz="2000" b="0" i="0" u="none" strike="noStrike" cap="none">
               <a:solidFill>
                 <a:schemeClr val="dk1"/>
               </a:solidFill>
@@ -5521,7 +5682,7 @@
             </a:endParaRPr>
           </a:p>
           <a:p>
-            <a:pPr indent="0" lvl="0" marL="0" marR="0" rtl="0" algn="ctr">
+            <a:pPr marL="0" marR="0" lvl="0" indent="0" algn="ctr" rtl="0">
               <a:spcBef>
                 <a:spcPts val="0"/>
               </a:spcBef>
@@ -5535,10 +5696,7 @@
               <a:buFont typeface="Noto Sans Symbols"/>
               <a:buNone/>
             </a:pPr>
-            <a:r>
-              <a:t/>
-            </a:r>
-            <a:endParaRPr b="0" i="0" sz="1800" u="none" cap="none" strike="noStrike">
+            <a:endParaRPr sz="1800" b="0" i="0" u="none" strike="noStrike" cap="none">
               <a:solidFill>
                 <a:schemeClr val="dk1"/>
               </a:solidFill>
@@ -5549,7 +5707,7 @@
             </a:endParaRPr>
           </a:p>
           <a:p>
-            <a:pPr indent="0" lvl="0" marL="0" marR="0" rtl="0" algn="ctr">
+            <a:pPr marL="0" marR="0" lvl="0" indent="0" algn="ctr" rtl="0">
               <a:spcBef>
                 <a:spcPts val="0"/>
               </a:spcBef>
@@ -5564,7 +5722,7 @@
               <a:buNone/>
             </a:pPr>
             <a:r>
-              <a:rPr b="0" i="0" lang="en-US" sz="1800" u="none" cap="none" strike="noStrike">
+              <a:rPr lang="en-US" sz="1800" b="0" i="0" u="none" strike="noStrike" cap="none">
                 <a:solidFill>
                   <a:schemeClr val="dk1"/>
                 </a:solidFill>
@@ -5575,7 +5733,7 @@
               </a:rPr>
               <a:t>July 19, 2021</a:t>
             </a:r>
-            <a:endParaRPr b="0" i="0" sz="1800" u="none" cap="none" strike="noStrike">
+            <a:endParaRPr sz="1800" b="0" i="0" u="none" strike="noStrike" cap="none">
               <a:solidFill>
                 <a:schemeClr val="dk1"/>
               </a:solidFill>
@@ -5586,7 +5744,7 @@
             </a:endParaRPr>
           </a:p>
           <a:p>
-            <a:pPr indent="0" lvl="0" marL="0" marR="0" rtl="0" algn="ctr">
+            <a:pPr marL="0" marR="0" lvl="0" indent="0" algn="ctr" rtl="0">
               <a:spcBef>
                 <a:spcPts val="0"/>
               </a:spcBef>
@@ -5601,21 +5759,21 @@
               <a:buNone/>
             </a:pPr>
             <a:r>
-              <a:rPr i="0" lang="en-US" sz="1800" u="none" cap="none" strike="noStrike">
+              <a:rPr lang="en-US" sz="1800" i="0" u="none" strike="noStrike" cap="none">
                 <a:solidFill>
                   <a:schemeClr val="dk1"/>
                 </a:solidFill>
               </a:rPr>
               <a:t>강정현, 김산, 허진</a:t>
             </a:r>
-            <a:endParaRPr i="0" sz="1800" u="none" cap="none" strike="noStrike">
+            <a:endParaRPr sz="1800" i="0" u="none" strike="noStrike" cap="none">
               <a:solidFill>
                 <a:schemeClr val="dk1"/>
               </a:solidFill>
             </a:endParaRPr>
           </a:p>
           <a:p>
-            <a:pPr indent="0" lvl="0" marL="0" marR="0" rtl="0" algn="ctr">
+            <a:pPr marL="0" marR="0" lvl="0" indent="0" algn="ctr" rtl="0">
               <a:spcBef>
                 <a:spcPts val="0"/>
               </a:spcBef>
@@ -5630,7 +5788,7 @@
               <a:buNone/>
             </a:pPr>
             <a:r>
-              <a:rPr b="0" i="0" lang="en-US" sz="1800" cap="none" strike="noStrike">
+              <a:rPr lang="en-US" sz="1800" b="0" i="0" strike="noStrike" cap="none">
                 <a:solidFill>
                   <a:schemeClr val="hlink"/>
                 </a:solidFill>
@@ -5646,7 +5804,7 @@
               <a:t>rilac1@naver.com</a:t>
             </a:r>
             <a:r>
-              <a:rPr b="0" i="0" lang="en-US" sz="1800" cap="none" strike="noStrike">
+              <a:rPr lang="en-US" sz="1800" b="0" i="0" strike="noStrike" cap="none">
                 <a:solidFill>
                   <a:schemeClr val="dk1"/>
                 </a:solidFill>
@@ -5658,7 +5816,7 @@
               <a:t>, </a:t>
             </a:r>
             <a:r>
-              <a:rPr b="0" i="0" lang="en-US" sz="1800" cap="none" strike="noStrike">
+              <a:rPr lang="en-US" sz="1800" b="0" i="0" strike="noStrike" cap="none">
                 <a:solidFill>
                   <a:schemeClr val="hlink"/>
                 </a:solidFill>
@@ -5674,7 +5832,7 @@
               <a:t>waterfog9580@gmail.com</a:t>
             </a:r>
             <a:r>
-              <a:rPr b="0" i="0" lang="en-US" sz="1800" cap="none" strike="noStrike">
+              <a:rPr lang="en-US" sz="1800" b="0" i="0" strike="noStrike" cap="none">
                 <a:solidFill>
                   <a:schemeClr val="dk1"/>
                 </a:solidFill>
@@ -5698,7 +5856,7 @@
               <a:t>jinh2352@gmail.com</a:t>
             </a:r>
             <a:r>
-              <a:rPr b="0" i="0" lang="en-US" sz="1800" cap="none" strike="noStrike">
+              <a:rPr lang="en-US" sz="1800" b="0" i="0" strike="noStrike" cap="none">
                 <a:solidFill>
                   <a:schemeClr val="dk1"/>
                 </a:solidFill>
@@ -5710,7 +5868,7 @@
               <a:t> </a:t>
             </a:r>
             <a:r>
-              <a:rPr b="0" i="0" lang="en-US" sz="1800" u="none" cap="none" strike="noStrike">
+              <a:rPr lang="en-US" sz="1800" b="0" i="0" u="none" strike="noStrike" cap="none">
                 <a:solidFill>
                   <a:schemeClr val="dk1"/>
                 </a:solidFill>
@@ -5728,7 +5886,7 @@
             </a:endParaRPr>
           </a:p>
           <a:p>
-            <a:pPr indent="0" lvl="0" marL="0" marR="0" rtl="0" algn="ctr">
+            <a:pPr marL="0" marR="0" lvl="0" indent="0" algn="ctr" rtl="0">
               <a:spcBef>
                 <a:spcPts val="0"/>
               </a:spcBef>
@@ -5751,7 +5909,7 @@
               <a:t>Team: JSJ</a:t>
             </a:r>
             <a:r>
-              <a:rPr b="0" i="0" lang="en-US" sz="1800" u="none" cap="none" strike="noStrike">
+              <a:rPr lang="en-US" sz="1800" b="0" i="0" u="none" strike="noStrike" cap="none">
                 <a:solidFill>
                   <a:schemeClr val="dk1"/>
                 </a:solidFill>
@@ -5775,11 +5933,11 @@
 </file>
 
 <file path=ppt/slides/slide10.xml><?xml version="1.0" encoding="utf-8"?>
-<p:sld xmlns:a="http://schemas.openxmlformats.org/drawingml/2006/main" xmlns:r="http://schemas.openxmlformats.org/officeDocument/2006/relationships" xmlns:mc="http://schemas.openxmlformats.org/markup-compatibility/2006" xmlns:mv="urn:schemas-microsoft-com:mac:vml" xmlns:p="http://schemas.openxmlformats.org/presentationml/2006/main" xmlns:c="http://schemas.openxmlformats.org/drawingml/2006/chart" xmlns:dgm="http://schemas.openxmlformats.org/drawingml/2006/diagram" xmlns:o="urn:schemas-microsoft-com:office:office" xmlns:v="urn:schemas-microsoft-com:vml" xmlns:pvml="urn:schemas-microsoft-com:office:powerpoint" xmlns:com="http://schemas.openxmlformats.org/drawingml/2006/compatibility" xmlns:p14="http://schemas.microsoft.com/office/powerpoint/2010/main" xmlns:p15="http://schemas.microsoft.com/office/powerpoint/2012/main" xmlns:ahyp="http://schemas.microsoft.com/office/drawing/2018/hyperlinkcolor">
+<p:sld xmlns:a="http://schemas.openxmlformats.org/drawingml/2006/main" xmlns:r="http://schemas.openxmlformats.org/officeDocument/2006/relationships" xmlns:p="http://schemas.openxmlformats.org/presentationml/2006/main">
   <p:cSld>
     <p:spTree>
       <p:nvGrpSpPr>
-        <p:cNvPr id="174" name="Shape 174"/>
+        <p:cNvPr id="1" name="Shape 174"/>
         <p:cNvGrpSpPr/>
         <p:nvPr/>
       </p:nvGrpSpPr>
@@ -5794,7 +5952,9 @@
       <p:sp>
         <p:nvSpPr>
           <p:cNvPr id="175" name="Google Shape;175;p14"/>
-          <p:cNvSpPr txBox="1"/>
+          <p:cNvSpPr txBox="1">
+            <a:spLocks noGrp="1"/>
+          </p:cNvSpPr>
           <p:nvPr>
             <p:ph type="title"/>
           </p:nvPr>
@@ -5813,12 +5973,12 @@
           </a:ln>
         </p:spPr>
         <p:txBody>
-          <a:bodyPr anchorCtr="0" anchor="t" bIns="45700" lIns="91425" spcFirstLastPara="1" rIns="91425" wrap="square" tIns="45700">
+          <a:bodyPr spcFirstLastPara="1" wrap="square" lIns="91425" tIns="45700" rIns="91425" bIns="45700" anchor="t" anchorCtr="0">
             <a:noAutofit/>
           </a:bodyPr>
           <a:lstStyle/>
           <a:p>
-            <a:pPr indent="0" lvl="0" marL="0" rtl="0" algn="ctr">
+            <a:pPr marL="0" lvl="0" indent="0" algn="ctr" rtl="0">
               <a:spcBef>
                 <a:spcPts val="0"/>
               </a:spcBef>
@@ -5838,9 +5998,11 @@
       <p:sp>
         <p:nvSpPr>
           <p:cNvPr id="176" name="Google Shape;176;p14"/>
-          <p:cNvSpPr txBox="1"/>
+          <p:cNvSpPr txBox="1">
+            <a:spLocks noGrp="1"/>
+          </p:cNvSpPr>
           <p:nvPr>
-            <p:ph idx="1" type="body"/>
+            <p:ph type="body" idx="1"/>
           </p:nvPr>
         </p:nvSpPr>
         <p:spPr>
@@ -5857,12 +6019,12 @@
           </a:ln>
         </p:spPr>
         <p:txBody>
-          <a:bodyPr anchorCtr="0" anchor="t" bIns="45700" lIns="91425" spcFirstLastPara="1" rIns="91425" wrap="square" tIns="45700">
+          <a:bodyPr spcFirstLastPara="1" wrap="square" lIns="91425" tIns="45700" rIns="91425" bIns="45700" anchor="t" anchorCtr="0">
             <a:normAutofit/>
           </a:bodyPr>
           <a:lstStyle/>
           <a:p>
-            <a:pPr indent="-236220" lvl="0" marL="342900" rtl="0" algn="l">
+            <a:pPr marL="342900" lvl="0" indent="-236220" algn="l" rtl="0">
               <a:spcBef>
                 <a:spcPts val="0"/>
               </a:spcBef>
@@ -5872,9 +6034,6 @@
               <a:buSzPts val="1680"/>
               <a:buNone/>
             </a:pPr>
-            <a:r>
-              <a:t/>
-            </a:r>
             <a:endParaRPr/>
           </a:p>
         </p:txBody>
@@ -5889,7 +6048,7 @@
           <a:blip r:embed="rId3">
             <a:alphaModFix/>
           </a:blip>
-          <a:srcRect b="0" l="0" r="0" t="0"/>
+          <a:srcRect/>
           <a:stretch/>
         </p:blipFill>
         <p:spPr>
@@ -5915,11 +6074,11 @@
 </file>
 
 <file path=ppt/slides/slide2.xml><?xml version="1.0" encoding="utf-8"?>
-<p:sld xmlns:a="http://schemas.openxmlformats.org/drawingml/2006/main" xmlns:r="http://schemas.openxmlformats.org/officeDocument/2006/relationships" xmlns:mc="http://schemas.openxmlformats.org/markup-compatibility/2006" xmlns:mv="urn:schemas-microsoft-com:mac:vml" xmlns:p="http://schemas.openxmlformats.org/presentationml/2006/main" xmlns:c="http://schemas.openxmlformats.org/drawingml/2006/chart" xmlns:dgm="http://schemas.openxmlformats.org/drawingml/2006/diagram" xmlns:o="urn:schemas-microsoft-com:office:office" xmlns:v="urn:schemas-microsoft-com:vml" xmlns:pvml="urn:schemas-microsoft-com:office:powerpoint" xmlns:com="http://schemas.openxmlformats.org/drawingml/2006/compatibility" xmlns:p14="http://schemas.microsoft.com/office/powerpoint/2010/main" xmlns:p15="http://schemas.microsoft.com/office/powerpoint/2012/main" xmlns:ahyp="http://schemas.microsoft.com/office/drawing/2018/hyperlinkcolor">
+<p:sld xmlns:a="http://schemas.openxmlformats.org/drawingml/2006/main" xmlns:r="http://schemas.openxmlformats.org/officeDocument/2006/relationships" xmlns:p="http://schemas.openxmlformats.org/presentationml/2006/main">
   <p:cSld>
     <p:spTree>
       <p:nvGrpSpPr>
-        <p:cNvPr id="41" name="Shape 41"/>
+        <p:cNvPr id="1" name="Shape 41"/>
         <p:cNvGrpSpPr/>
         <p:nvPr/>
       </p:nvGrpSpPr>
@@ -5934,7 +6093,9 @@
       <p:sp>
         <p:nvSpPr>
           <p:cNvPr id="42" name="Google Shape;42;p6"/>
-          <p:cNvSpPr txBox="1"/>
+          <p:cNvSpPr txBox="1">
+            <a:spLocks noGrp="1"/>
+          </p:cNvSpPr>
           <p:nvPr>
             <p:ph type="title"/>
           </p:nvPr>
@@ -5953,12 +6114,12 @@
           </a:ln>
         </p:spPr>
         <p:txBody>
-          <a:bodyPr anchorCtr="0" anchor="t" bIns="45700" lIns="91425" spcFirstLastPara="1" rIns="91425" wrap="square" tIns="45700">
+          <a:bodyPr spcFirstLastPara="1" wrap="square" lIns="91425" tIns="45700" rIns="91425" bIns="45700" anchor="t" anchorCtr="0">
             <a:noAutofit/>
           </a:bodyPr>
           <a:lstStyle/>
           <a:p>
-            <a:pPr indent="0" lvl="0" marL="0" rtl="0" algn="ctr">
+            <a:pPr marL="0" lvl="0" indent="0" algn="ctr" rtl="0">
               <a:spcBef>
                 <a:spcPts val="0"/>
               </a:spcBef>
@@ -5978,9 +6139,11 @@
       <p:sp>
         <p:nvSpPr>
           <p:cNvPr id="43" name="Google Shape;43;p6"/>
-          <p:cNvSpPr txBox="1"/>
+          <p:cNvSpPr txBox="1">
+            <a:spLocks noGrp="1"/>
+          </p:cNvSpPr>
           <p:nvPr>
-            <p:ph idx="1" type="body"/>
+            <p:ph type="body" idx="1"/>
           </p:nvPr>
         </p:nvSpPr>
         <p:spPr>
@@ -5997,12 +6160,12 @@
           </a:ln>
         </p:spPr>
         <p:txBody>
-          <a:bodyPr anchorCtr="0" anchor="t" bIns="45700" lIns="91425" spcFirstLastPara="1" rIns="91425" wrap="square" tIns="45700">
+          <a:bodyPr spcFirstLastPara="1" wrap="square" lIns="91425" tIns="45700" rIns="91425" bIns="45700" anchor="t" anchorCtr="0">
             <a:normAutofit/>
           </a:bodyPr>
           <a:lstStyle/>
           <a:p>
-            <a:pPr indent="-342900" lvl="0" marL="342900" rtl="0" algn="l">
+            <a:pPr marL="342900" lvl="0" indent="-342900" algn="l" rtl="0">
               <a:spcBef>
                 <a:spcPts val="0"/>
               </a:spcBef>
@@ -6019,7 +6182,7 @@
             <a:endParaRPr/>
           </a:p>
           <a:p>
-            <a:pPr indent="-285750" lvl="1" marL="742950" rtl="0" algn="l">
+            <a:pPr marL="742950" lvl="1" indent="-285750" algn="l" rtl="0">
               <a:spcBef>
                 <a:spcPts val="400"/>
               </a:spcBef>
@@ -6036,7 +6199,7 @@
             <a:endParaRPr/>
           </a:p>
           <a:p>
-            <a:pPr indent="0" lvl="0" marL="1143000" rtl="0" algn="l">
+            <a:pPr marL="1143000" lvl="0" indent="0" algn="l" rtl="0">
               <a:spcBef>
                 <a:spcPts val="400"/>
               </a:spcBef>
@@ -6072,7 +6235,7 @@
             <a:endParaRPr/>
           </a:p>
           <a:p>
-            <a:pPr indent="0" lvl="0" marL="0" rtl="0" algn="l">
+            <a:pPr marL="0" lvl="0" indent="0" algn="l" rtl="0">
               <a:spcBef>
                 <a:spcPts val="400"/>
               </a:spcBef>
@@ -6087,7 +6250,7 @@
             <a:endParaRPr/>
           </a:p>
           <a:p>
-            <a:pPr indent="0" lvl="0" marL="1143000" rtl="0" algn="l">
+            <a:pPr marL="1143000" lvl="0" indent="0" algn="l" rtl="0">
               <a:spcBef>
                 <a:spcPts val="400"/>
               </a:spcBef>
@@ -6096,9 +6259,6 @@
               </a:spcAft>
               <a:buNone/>
             </a:pPr>
-            <a:r>
-              <a:t/>
-            </a:r>
             <a:endParaRPr/>
           </a:p>
         </p:txBody>
@@ -6123,12 +6283,12 @@
           </a:ln>
         </p:spPr>
         <p:txBody>
-          <a:bodyPr anchorCtr="0" anchor="t" bIns="45700" lIns="91425" spcFirstLastPara="1" rIns="91425" wrap="square" tIns="45700">
+          <a:bodyPr spcFirstLastPara="1" wrap="square" lIns="91425" tIns="45700" rIns="91425" bIns="45700" anchor="t" anchorCtr="0">
             <a:noAutofit/>
           </a:bodyPr>
           <a:lstStyle/>
           <a:p>
-            <a:pPr indent="0" lvl="0" marL="0" marR="0" rtl="0" algn="ctr">
+            <a:pPr marL="0" marR="0" lvl="0" indent="0" algn="ctr" rtl="0">
               <a:spcBef>
                 <a:spcPts val="0"/>
               </a:spcBef>
@@ -6143,7 +6303,7 @@
               <a:buNone/>
             </a:pPr>
             <a:fld id="{00000000-1234-1234-1234-123412341234}" type="slidenum">
-              <a:rPr b="1" i="0" lang="en-US" sz="1100" u="none" cap="none" strike="noStrike">
+              <a:rPr lang="en-US" sz="1100" b="1" i="0" u="none" strike="noStrike" cap="none">
                 <a:solidFill>
                   <a:schemeClr val="dk1"/>
                 </a:solidFill>
@@ -6152,9 +6312,9 @@
                 <a:cs typeface="Tahoma"/>
                 <a:sym typeface="Tahoma"/>
               </a:rPr>
-              <a:t>‹#›</a:t>
+              <a:t>2</a:t>
             </a:fld>
-            <a:endParaRPr b="1" i="0" sz="1100" u="none" cap="none" strike="noStrike">
+            <a:endParaRPr sz="1100" b="1" i="0" u="none" strike="noStrike" cap="none">
               <a:solidFill>
                 <a:schemeClr val="dk1"/>
               </a:solidFill>
@@ -6186,12 +6346,12 @@
           </a:ln>
         </p:spPr>
         <p:txBody>
-          <a:bodyPr anchorCtr="0" anchor="t" bIns="91425" lIns="91425" spcFirstLastPara="1" rIns="91425" wrap="square" tIns="91425">
+          <a:bodyPr spcFirstLastPara="1" wrap="square" lIns="91425" tIns="91425" rIns="91425" bIns="91425" anchor="t" anchorCtr="0">
             <a:spAutoFit/>
           </a:bodyPr>
           <a:lstStyle/>
           <a:p>
-            <a:pPr indent="0" lvl="0" marL="0" rtl="0" algn="l">
+            <a:pPr marL="0" lvl="0" indent="0" algn="l" rtl="0">
               <a:spcBef>
                 <a:spcPts val="0"/>
               </a:spcBef>
@@ -6201,10 +6361,10 @@
               <a:buNone/>
             </a:pPr>
             <a:r>
-              <a:rPr b="1" lang="en-US" sz="1800"/>
+              <a:rPr lang="en-US" sz="1800" b="1"/>
               <a:t>Rocks DB</a:t>
             </a:r>
-            <a:endParaRPr b="1" sz="1800"/>
+            <a:endParaRPr sz="1800" b="1"/>
           </a:p>
         </p:txBody>
       </p:sp>
@@ -6228,12 +6388,12 @@
           </a:ln>
         </p:spPr>
         <p:txBody>
-          <a:bodyPr anchorCtr="0" anchor="t" bIns="91425" lIns="91425" spcFirstLastPara="1" rIns="91425" wrap="square" tIns="91425">
+          <a:bodyPr spcFirstLastPara="1" wrap="square" lIns="91425" tIns="91425" rIns="91425" bIns="91425" anchor="t" anchorCtr="0">
             <a:spAutoFit/>
           </a:bodyPr>
           <a:lstStyle/>
           <a:p>
-            <a:pPr indent="0" lvl="0" marL="0" rtl="0" algn="l">
+            <a:pPr marL="0" lvl="0" indent="0" algn="l" rtl="0">
               <a:spcBef>
                 <a:spcPts val="0"/>
               </a:spcBef>
@@ -6243,14 +6403,10 @@
               <a:buNone/>
             </a:pPr>
             <a:r>
-              <a:rPr b="1" lang="en-US" sz="1800"/>
-              <a:t>Mongo</a:t>
+              <a:rPr lang="en-US" sz="1800" b="1"/>
+              <a:t>Mongo DB</a:t>
             </a:r>
-            <a:r>
-              <a:rPr b="1" lang="en-US" sz="1800"/>
-              <a:t> DB</a:t>
-            </a:r>
-            <a:endParaRPr b="1" sz="1800"/>
+            <a:endParaRPr sz="1800" b="1"/>
           </a:p>
         </p:txBody>
       </p:sp>
@@ -6271,34 +6427,31 @@
           <a:solidFill>
             <a:srgbClr val="CFE2F3"/>
           </a:solidFill>
-          <a:ln cap="flat" cmpd="sng" w="9525">
+          <a:ln w="9525" cap="flat" cmpd="sng">
             <a:solidFill>
               <a:srgbClr val="4A86E8"/>
             </a:solidFill>
             <a:prstDash val="solid"/>
             <a:round/>
-            <a:headEnd len="sm" w="sm" type="none"/>
-            <a:tailEnd len="sm" w="sm" type="none"/>
+            <a:headEnd type="none" w="sm" len="sm"/>
+            <a:tailEnd type="none" w="sm" len="sm"/>
           </a:ln>
         </p:spPr>
         <p:txBody>
-          <a:bodyPr anchorCtr="0" anchor="ctr" bIns="91425" lIns="91425" spcFirstLastPara="1" rIns="91425" wrap="square" tIns="91425">
+          <a:bodyPr spcFirstLastPara="1" wrap="square" lIns="91425" tIns="91425" rIns="91425" bIns="91425" anchor="ctr" anchorCtr="0">
             <a:noAutofit/>
           </a:bodyPr>
           <a:lstStyle/>
           <a:p>
-            <a:pPr indent="0" lvl="0" marL="0" rtl="0" algn="l">
-              <a:spcBef>
-                <a:spcPts val="0"/>
-              </a:spcBef>
-              <a:spcAft>
-                <a:spcPts val="0"/>
-              </a:spcAft>
-              <a:buNone/>
-            </a:pPr>
-            <a:r>
-              <a:t/>
-            </a:r>
+            <a:pPr marL="0" lvl="0" indent="0" algn="l" rtl="0">
+              <a:spcBef>
+                <a:spcPts val="0"/>
+              </a:spcBef>
+              <a:spcAft>
+                <a:spcPts val="0"/>
+              </a:spcAft>
+              <a:buNone/>
+            </a:pPr>
             <a:endParaRPr/>
           </a:p>
         </p:txBody>
@@ -6351,12 +6504,12 @@
           </a:ln>
         </p:spPr>
         <p:txBody>
-          <a:bodyPr anchorCtr="0" anchor="t" bIns="91425" lIns="91425" spcFirstLastPara="1" rIns="91425" wrap="square" tIns="91425">
+          <a:bodyPr spcFirstLastPara="1" wrap="square" lIns="91425" tIns="91425" rIns="91425" bIns="91425" anchor="t" anchorCtr="0">
             <a:spAutoFit/>
           </a:bodyPr>
           <a:lstStyle/>
           <a:p>
-            <a:pPr indent="0" lvl="0" marL="0" rtl="0" algn="ctr">
+            <a:pPr marL="0" lvl="0" indent="0" algn="ctr" rtl="0">
               <a:spcBef>
                 <a:spcPts val="0"/>
               </a:spcBef>
@@ -6372,7 +6525,7 @@
             <a:endParaRPr sz="1800"/>
           </a:p>
           <a:p>
-            <a:pPr indent="0" lvl="0" marL="0" rtl="0" algn="ctr">
+            <a:pPr marL="0" lvl="0" indent="0" algn="ctr" rtl="0">
               <a:spcBef>
                 <a:spcPts val="0"/>
               </a:spcBef>
@@ -6388,7 +6541,7 @@
             <a:endParaRPr sz="1800"/>
           </a:p>
           <a:p>
-            <a:pPr indent="0" lvl="0" marL="0" rtl="0" algn="ctr">
+            <a:pPr marL="0" lvl="0" indent="0" algn="ctr" rtl="0">
               <a:spcBef>
                 <a:spcPts val="0"/>
               </a:spcBef>
@@ -6434,34 +6587,31 @@
           <a:solidFill>
             <a:srgbClr val="D9EAD3"/>
           </a:solidFill>
-          <a:ln cap="flat" cmpd="sng" w="9525">
+          <a:ln w="9525" cap="flat" cmpd="sng">
             <a:solidFill>
               <a:srgbClr val="93C47D"/>
             </a:solidFill>
             <a:prstDash val="solid"/>
             <a:round/>
-            <a:headEnd len="sm" w="sm" type="none"/>
-            <a:tailEnd len="sm" w="sm" type="none"/>
+            <a:headEnd type="none" w="sm" len="sm"/>
+            <a:tailEnd type="none" w="sm" len="sm"/>
           </a:ln>
         </p:spPr>
         <p:txBody>
-          <a:bodyPr anchorCtr="0" anchor="ctr" bIns="91425" lIns="91425" spcFirstLastPara="1" rIns="91425" wrap="square" tIns="91425">
+          <a:bodyPr spcFirstLastPara="1" wrap="square" lIns="91425" tIns="91425" rIns="91425" bIns="91425" anchor="ctr" anchorCtr="0">
             <a:noAutofit/>
           </a:bodyPr>
           <a:lstStyle/>
           <a:p>
-            <a:pPr indent="0" lvl="0" marL="0" rtl="0" algn="l">
-              <a:spcBef>
-                <a:spcPts val="0"/>
-              </a:spcBef>
-              <a:spcAft>
-                <a:spcPts val="0"/>
-              </a:spcAft>
-              <a:buNone/>
-            </a:pPr>
-            <a:r>
-              <a:t/>
-            </a:r>
+            <a:pPr marL="0" lvl="0" indent="0" algn="l" rtl="0">
+              <a:spcBef>
+                <a:spcPts val="0"/>
+              </a:spcBef>
+              <a:spcAft>
+                <a:spcPts val="0"/>
+              </a:spcAft>
+              <a:buNone/>
+            </a:pPr>
             <a:endParaRPr/>
           </a:p>
         </p:txBody>
@@ -6514,12 +6664,12 @@
           </a:ln>
         </p:spPr>
         <p:txBody>
-          <a:bodyPr anchorCtr="0" anchor="t" bIns="91425" lIns="91425" spcFirstLastPara="1" rIns="91425" wrap="square" tIns="91425">
+          <a:bodyPr spcFirstLastPara="1" wrap="square" lIns="91425" tIns="91425" rIns="91425" bIns="91425" anchor="t" anchorCtr="0">
             <a:spAutoFit/>
           </a:bodyPr>
           <a:lstStyle/>
           <a:p>
-            <a:pPr indent="0" lvl="0" marL="0" rtl="0" algn="ctr">
+            <a:pPr marL="0" lvl="0" indent="0" algn="ctr" rtl="0">
               <a:spcBef>
                 <a:spcPts val="0"/>
               </a:spcBef>
@@ -6535,7 +6685,7 @@
             <a:endParaRPr sz="1800"/>
           </a:p>
           <a:p>
-            <a:pPr indent="0" lvl="0" marL="0" rtl="0" algn="ctr">
+            <a:pPr marL="0" lvl="0" indent="0" algn="ctr" rtl="0">
               <a:spcBef>
                 <a:spcPts val="0"/>
               </a:spcBef>
@@ -6551,7 +6701,7 @@
             <a:endParaRPr sz="1800"/>
           </a:p>
           <a:p>
-            <a:pPr indent="0" lvl="0" marL="0" rtl="0" algn="ctr">
+            <a:pPr marL="0" lvl="0" indent="0" algn="ctr" rtl="0">
               <a:spcBef>
                 <a:spcPts val="0"/>
               </a:spcBef>
@@ -6589,11 +6739,11 @@
 </file>
 
 <file path=ppt/slides/slide3.xml><?xml version="1.0" encoding="utf-8"?>
-<p:sld xmlns:a="http://schemas.openxmlformats.org/drawingml/2006/main" xmlns:r="http://schemas.openxmlformats.org/officeDocument/2006/relationships" xmlns:mc="http://schemas.openxmlformats.org/markup-compatibility/2006" xmlns:mv="urn:schemas-microsoft-com:mac:vml" xmlns:p="http://schemas.openxmlformats.org/presentationml/2006/main" xmlns:c="http://schemas.openxmlformats.org/drawingml/2006/chart" xmlns:dgm="http://schemas.openxmlformats.org/drawingml/2006/diagram" xmlns:o="urn:schemas-microsoft-com:office:office" xmlns:v="urn:schemas-microsoft-com:vml" xmlns:pvml="urn:schemas-microsoft-com:office:powerpoint" xmlns:com="http://schemas.openxmlformats.org/drawingml/2006/compatibility" xmlns:p14="http://schemas.microsoft.com/office/powerpoint/2010/main" xmlns:p15="http://schemas.microsoft.com/office/powerpoint/2012/main" xmlns:ahyp="http://schemas.microsoft.com/office/drawing/2018/hyperlinkcolor">
+<p:sld xmlns:a="http://schemas.openxmlformats.org/drawingml/2006/main" xmlns:r="http://schemas.openxmlformats.org/officeDocument/2006/relationships" xmlns:p="http://schemas.openxmlformats.org/presentationml/2006/main">
   <p:cSld>
     <p:spTree>
       <p:nvGrpSpPr>
-        <p:cNvPr id="56" name="Shape 56"/>
+        <p:cNvPr id="1" name="Shape 56"/>
         <p:cNvGrpSpPr/>
         <p:nvPr/>
       </p:nvGrpSpPr>
@@ -6608,9 +6758,11 @@
       <p:sp>
         <p:nvSpPr>
           <p:cNvPr id="57" name="Google Shape;57;p7"/>
-          <p:cNvSpPr txBox="1"/>
+          <p:cNvSpPr txBox="1">
+            <a:spLocks noGrp="1"/>
+          </p:cNvSpPr>
           <p:nvPr>
-            <p:ph idx="1" type="body"/>
+            <p:ph type="body" idx="1"/>
           </p:nvPr>
         </p:nvSpPr>
         <p:spPr>
@@ -6627,12 +6779,12 @@
           </a:ln>
         </p:spPr>
         <p:txBody>
-          <a:bodyPr anchorCtr="0" anchor="t" bIns="45700" lIns="91425" spcFirstLastPara="1" rIns="91425" wrap="square" tIns="45700">
+          <a:bodyPr spcFirstLastPara="1" wrap="square" lIns="91425" tIns="45700" rIns="91425" bIns="45700" anchor="t" anchorCtr="0">
             <a:normAutofit/>
           </a:bodyPr>
           <a:lstStyle/>
           <a:p>
-            <a:pPr indent="-342900" lvl="0" marL="342900" rtl="0" algn="l">
+            <a:pPr marL="342900" lvl="0" indent="-342900" algn="l" rtl="0">
               <a:spcBef>
                 <a:spcPts val="0"/>
               </a:spcBef>
@@ -6649,7 +6801,7 @@
             <a:endParaRPr/>
           </a:p>
           <a:p>
-            <a:pPr indent="-285750" lvl="1" marL="742950" rtl="0" algn="l">
+            <a:pPr marL="742950" lvl="1" indent="-285750" algn="l" rtl="0">
               <a:spcBef>
                 <a:spcPts val="400"/>
               </a:spcBef>
@@ -6693,7 +6845,7 @@
             <a:endParaRPr/>
           </a:p>
           <a:p>
-            <a:pPr indent="0" lvl="0" marL="0" rtl="0" algn="l">
+            <a:pPr marL="0" lvl="0" indent="0" algn="l" rtl="0">
               <a:spcBef>
                 <a:spcPts val="400"/>
               </a:spcBef>
@@ -6702,13 +6854,10 @@
               </a:spcAft>
               <a:buNone/>
             </a:pPr>
-            <a:r>
-              <a:t/>
-            </a:r>
             <a:endParaRPr/>
           </a:p>
           <a:p>
-            <a:pPr indent="0" lvl="0" marL="1143000" rtl="0" algn="l">
+            <a:pPr marL="1143000" lvl="0" indent="0" algn="l" rtl="0">
               <a:spcBef>
                 <a:spcPts val="400"/>
               </a:spcBef>
@@ -6717,9 +6866,6 @@
               </a:spcAft>
               <a:buNone/>
             </a:pPr>
-            <a:r>
-              <a:t/>
-            </a:r>
             <a:endParaRPr/>
           </a:p>
         </p:txBody>
@@ -6727,7 +6873,9 @@
       <p:sp>
         <p:nvSpPr>
           <p:cNvPr id="58" name="Google Shape;58;p7"/>
-          <p:cNvSpPr txBox="1"/>
+          <p:cNvSpPr txBox="1">
+            <a:spLocks noGrp="1"/>
+          </p:cNvSpPr>
           <p:nvPr>
             <p:ph type="title"/>
           </p:nvPr>
@@ -6746,12 +6894,12 @@
           </a:ln>
         </p:spPr>
         <p:txBody>
-          <a:bodyPr anchorCtr="0" anchor="t" bIns="45700" lIns="91425" spcFirstLastPara="1" rIns="91425" wrap="square" tIns="45700">
+          <a:bodyPr spcFirstLastPara="1" wrap="square" lIns="91425" tIns="45700" rIns="91425" bIns="45700" anchor="t" anchorCtr="0">
             <a:noAutofit/>
           </a:bodyPr>
           <a:lstStyle/>
           <a:p>
-            <a:pPr indent="0" lvl="0" marL="0" rtl="0" algn="ctr">
+            <a:pPr marL="0" lvl="0" indent="0" algn="ctr" rtl="0">
               <a:spcBef>
                 <a:spcPts val="0"/>
               </a:spcBef>
@@ -6788,12 +6936,12 @@
           </a:ln>
         </p:spPr>
         <p:txBody>
-          <a:bodyPr anchorCtr="0" anchor="t" bIns="45700" lIns="91425" spcFirstLastPara="1" rIns="91425" wrap="square" tIns="45700">
+          <a:bodyPr spcFirstLastPara="1" wrap="square" lIns="91425" tIns="45700" rIns="91425" bIns="45700" anchor="t" anchorCtr="0">
             <a:noAutofit/>
           </a:bodyPr>
           <a:lstStyle/>
           <a:p>
-            <a:pPr indent="0" lvl="0" marL="0" marR="0" rtl="0" algn="ctr">
+            <a:pPr marL="0" marR="0" lvl="0" indent="0" algn="ctr" rtl="0">
               <a:spcBef>
                 <a:spcPts val="0"/>
               </a:spcBef>
@@ -6808,7 +6956,7 @@
               <a:buNone/>
             </a:pPr>
             <a:fld id="{00000000-1234-1234-1234-123412341234}" type="slidenum">
-              <a:rPr b="1" i="0" lang="en-US" sz="1100" u="none" cap="none" strike="noStrike">
+              <a:rPr lang="en-US" sz="1100" b="1" i="0" u="none" strike="noStrike" cap="none">
                 <a:solidFill>
                   <a:schemeClr val="dk1"/>
                 </a:solidFill>
@@ -6817,9 +6965,9 @@
                 <a:cs typeface="Tahoma"/>
                 <a:sym typeface="Tahoma"/>
               </a:rPr>
-              <a:t>‹#›</a:t>
+              <a:t>3</a:t>
             </a:fld>
-            <a:endParaRPr b="1" i="0" sz="1100" u="none" cap="none" strike="noStrike">
+            <a:endParaRPr sz="1100" b="1" i="0" u="none" strike="noStrike" cap="none">
               <a:solidFill>
                 <a:schemeClr val="dk1"/>
               </a:solidFill>
@@ -6907,12 +7055,12 @@
           </a:ln>
         </p:spPr>
         <p:txBody>
-          <a:bodyPr anchorCtr="0" anchor="t" bIns="91425" lIns="91425" spcFirstLastPara="1" rIns="91425" wrap="square" tIns="91425">
+          <a:bodyPr spcFirstLastPara="1" wrap="square" lIns="91425" tIns="91425" rIns="91425" bIns="91425" anchor="t" anchorCtr="0">
             <a:spAutoFit/>
           </a:bodyPr>
           <a:lstStyle/>
           <a:p>
-            <a:pPr indent="0" lvl="0" marL="0" rtl="0" algn="l">
+            <a:pPr marL="0" lvl="0" indent="0" algn="l" rtl="0">
               <a:spcBef>
                 <a:spcPts val="0"/>
               </a:spcBef>
@@ -6928,7 +7076,7 @@
             <a:endParaRPr/>
           </a:p>
           <a:p>
-            <a:pPr indent="0" lvl="0" marL="0" rtl="0" algn="l">
+            <a:pPr marL="0" lvl="0" indent="0" algn="l" rtl="0">
               <a:spcBef>
                 <a:spcPts val="0"/>
               </a:spcBef>
@@ -6944,7 +7092,7 @@
             <a:endParaRPr/>
           </a:p>
           <a:p>
-            <a:pPr indent="0" lvl="0" marL="0" rtl="0" algn="l">
+            <a:pPr marL="0" lvl="0" indent="0" algn="l" rtl="0">
               <a:spcBef>
                 <a:spcPts val="0"/>
               </a:spcBef>
@@ -6960,7 +7108,7 @@
             <a:endParaRPr/>
           </a:p>
           <a:p>
-            <a:pPr indent="0" lvl="0" marL="0" rtl="0" algn="l">
+            <a:pPr marL="0" lvl="0" indent="0" algn="l" rtl="0">
               <a:spcBef>
                 <a:spcPts val="0"/>
               </a:spcBef>
@@ -6986,11 +7134,11 @@
 </file>
 
 <file path=ppt/slides/slide4.xml><?xml version="1.0" encoding="utf-8"?>
-<p:sld xmlns:a="http://schemas.openxmlformats.org/drawingml/2006/main" xmlns:r="http://schemas.openxmlformats.org/officeDocument/2006/relationships" xmlns:mc="http://schemas.openxmlformats.org/markup-compatibility/2006" xmlns:mv="urn:schemas-microsoft-com:mac:vml" xmlns:p="http://schemas.openxmlformats.org/presentationml/2006/main" xmlns:c="http://schemas.openxmlformats.org/drawingml/2006/chart" xmlns:dgm="http://schemas.openxmlformats.org/drawingml/2006/diagram" xmlns:o="urn:schemas-microsoft-com:office:office" xmlns:v="urn:schemas-microsoft-com:vml" xmlns:pvml="urn:schemas-microsoft-com:office:powerpoint" xmlns:com="http://schemas.openxmlformats.org/drawingml/2006/compatibility" xmlns:p14="http://schemas.microsoft.com/office/powerpoint/2010/main" xmlns:p15="http://schemas.microsoft.com/office/powerpoint/2012/main" xmlns:ahyp="http://schemas.microsoft.com/office/drawing/2018/hyperlinkcolor">
+<p:sld xmlns:a="http://schemas.openxmlformats.org/drawingml/2006/main" xmlns:r="http://schemas.openxmlformats.org/officeDocument/2006/relationships" xmlns:p="http://schemas.openxmlformats.org/presentationml/2006/main">
   <p:cSld>
     <p:spTree>
       <p:nvGrpSpPr>
-        <p:cNvPr id="66" name="Shape 66"/>
+        <p:cNvPr id="1" name="Shape 66"/>
         <p:cNvGrpSpPr/>
         <p:nvPr/>
       </p:nvGrpSpPr>
@@ -7005,9 +7153,11 @@
       <p:sp>
         <p:nvSpPr>
           <p:cNvPr id="67" name="Google Shape;67;p8"/>
-          <p:cNvSpPr txBox="1"/>
+          <p:cNvSpPr txBox="1">
+            <a:spLocks noGrp="1"/>
+          </p:cNvSpPr>
           <p:nvPr>
-            <p:ph idx="1" type="body"/>
+            <p:ph type="body" idx="1"/>
           </p:nvPr>
         </p:nvSpPr>
         <p:spPr>
@@ -7024,12 +7174,12 @@
           </a:ln>
         </p:spPr>
         <p:txBody>
-          <a:bodyPr anchorCtr="0" anchor="t" bIns="45700" lIns="91425" spcFirstLastPara="1" rIns="91425" wrap="square" tIns="45700">
+          <a:bodyPr spcFirstLastPara="1" wrap="square" lIns="91425" tIns="45700" rIns="91425" bIns="45700" anchor="t" anchorCtr="0">
             <a:normAutofit/>
           </a:bodyPr>
           <a:lstStyle/>
           <a:p>
-            <a:pPr indent="-342900" lvl="0" marL="342900" rtl="0" algn="l">
+            <a:pPr marL="342900" lvl="0" indent="-342900" algn="l" rtl="0">
               <a:spcBef>
                 <a:spcPts val="0"/>
               </a:spcBef>
@@ -7046,7 +7196,7 @@
             <a:endParaRPr/>
           </a:p>
           <a:p>
-            <a:pPr indent="0" lvl="0" marL="0" rtl="0" algn="l">
+            <a:pPr marL="0" lvl="0" indent="0" algn="l" rtl="0">
               <a:spcBef>
                 <a:spcPts val="400"/>
               </a:spcBef>
@@ -7085,7 +7235,7 @@
             <a:endParaRPr/>
           </a:p>
           <a:p>
-            <a:pPr indent="0" lvl="0" marL="0" rtl="0" algn="l">
+            <a:pPr marL="0" lvl="0" indent="0" algn="l" rtl="0">
               <a:spcBef>
                 <a:spcPts val="400"/>
               </a:spcBef>
@@ -7094,13 +7244,10 @@
               </a:spcAft>
               <a:buNone/>
             </a:pPr>
-            <a:r>
-              <a:t/>
-            </a:r>
             <a:endParaRPr/>
           </a:p>
           <a:p>
-            <a:pPr indent="0" lvl="0" marL="1143000" rtl="0" algn="l">
+            <a:pPr marL="1143000" lvl="0" indent="0" algn="l" rtl="0">
               <a:spcBef>
                 <a:spcPts val="400"/>
               </a:spcBef>
@@ -7109,9 +7256,6 @@
               </a:spcAft>
               <a:buNone/>
             </a:pPr>
-            <a:r>
-              <a:t/>
-            </a:r>
             <a:endParaRPr/>
           </a:p>
         </p:txBody>
@@ -7119,7 +7263,9 @@
       <p:sp>
         <p:nvSpPr>
           <p:cNvPr id="68" name="Google Shape;68;p8"/>
-          <p:cNvSpPr txBox="1"/>
+          <p:cNvSpPr txBox="1">
+            <a:spLocks noGrp="1"/>
+          </p:cNvSpPr>
           <p:nvPr>
             <p:ph type="title"/>
           </p:nvPr>
@@ -7138,12 +7284,12 @@
           </a:ln>
         </p:spPr>
         <p:txBody>
-          <a:bodyPr anchorCtr="0" anchor="t" bIns="45700" lIns="91425" spcFirstLastPara="1" rIns="91425" wrap="square" tIns="45700">
+          <a:bodyPr spcFirstLastPara="1" wrap="square" lIns="91425" tIns="45700" rIns="91425" bIns="45700" anchor="t" anchorCtr="0">
             <a:noAutofit/>
           </a:bodyPr>
           <a:lstStyle/>
           <a:p>
-            <a:pPr indent="0" lvl="0" marL="0" rtl="0" algn="ctr">
+            <a:pPr marL="0" lvl="0" indent="0" algn="ctr" rtl="0">
               <a:spcBef>
                 <a:spcPts val="0"/>
               </a:spcBef>
@@ -7180,12 +7326,12 @@
           </a:ln>
         </p:spPr>
         <p:txBody>
-          <a:bodyPr anchorCtr="0" anchor="t" bIns="45700" lIns="91425" spcFirstLastPara="1" rIns="91425" wrap="square" tIns="45700">
+          <a:bodyPr spcFirstLastPara="1" wrap="square" lIns="91425" tIns="45700" rIns="91425" bIns="45700" anchor="t" anchorCtr="0">
             <a:noAutofit/>
           </a:bodyPr>
           <a:lstStyle/>
           <a:p>
-            <a:pPr indent="0" lvl="0" marL="0" marR="0" rtl="0" algn="ctr">
+            <a:pPr marL="0" marR="0" lvl="0" indent="0" algn="ctr" rtl="0">
               <a:spcBef>
                 <a:spcPts val="0"/>
               </a:spcBef>
@@ -7200,7 +7346,7 @@
               <a:buNone/>
             </a:pPr>
             <a:fld id="{00000000-1234-1234-1234-123412341234}" type="slidenum">
-              <a:rPr b="1" i="0" lang="en-US" sz="1100" u="none" cap="none" strike="noStrike">
+              <a:rPr lang="en-US" sz="1100" b="1" i="0" u="none" strike="noStrike" cap="none">
                 <a:solidFill>
                   <a:schemeClr val="dk1"/>
                 </a:solidFill>
@@ -7209,9 +7355,9 @@
                 <a:cs typeface="Tahoma"/>
                 <a:sym typeface="Tahoma"/>
               </a:rPr>
-              <a:t>‹#›</a:t>
+              <a:t>4</a:t>
             </a:fld>
-            <a:endParaRPr b="1" i="0" sz="1100" u="none" cap="none" strike="noStrike">
+            <a:endParaRPr sz="1100" b="1" i="0" u="none" strike="noStrike" cap="none">
               <a:solidFill>
                 <a:schemeClr val="dk1"/>
               </a:solidFill>
@@ -7325,14 +7471,14 @@
             <a:avLst/>
           </a:prstGeom>
           <a:noFill/>
-          <a:ln cap="flat" cmpd="sng" w="9525">
+          <a:ln w="9525" cap="flat" cmpd="sng">
             <a:solidFill>
               <a:schemeClr val="dk2"/>
             </a:solidFill>
             <a:prstDash val="solid"/>
             <a:round/>
-            <a:headEnd len="med" w="med" type="none"/>
-            <a:tailEnd len="med" w="med" type="triangle"/>
+            <a:headEnd type="none" w="med" len="med"/>
+            <a:tailEnd type="triangle" w="med" len="med"/>
           </a:ln>
         </p:spPr>
       </p:cxnSp>
@@ -7353,14 +7499,14 @@
             <a:avLst/>
           </a:prstGeom>
           <a:noFill/>
-          <a:ln cap="flat" cmpd="sng" w="9525">
+          <a:ln w="9525" cap="flat" cmpd="sng">
             <a:solidFill>
               <a:schemeClr val="dk2"/>
             </a:solidFill>
             <a:prstDash val="solid"/>
             <a:round/>
-            <a:headEnd len="med" w="med" type="none"/>
-            <a:tailEnd len="med" w="med" type="triangle"/>
+            <a:headEnd type="none" w="med" len="med"/>
+            <a:tailEnd type="triangle" w="med" len="med"/>
           </a:ln>
         </p:spPr>
       </p:cxnSp>
@@ -7496,12 +7642,12 @@
           </a:ln>
         </p:spPr>
         <p:txBody>
-          <a:bodyPr anchorCtr="0" anchor="t" bIns="91425" lIns="91425" spcFirstLastPara="1" rIns="91425" wrap="square" tIns="91425">
+          <a:bodyPr spcFirstLastPara="1" wrap="square" lIns="91425" tIns="91425" rIns="91425" bIns="91425" anchor="t" anchorCtr="0">
             <a:spAutoFit/>
           </a:bodyPr>
           <a:lstStyle/>
           <a:p>
-            <a:pPr indent="0" lvl="0" marL="0" rtl="0" algn="l">
+            <a:pPr marL="0" lvl="0" indent="0" algn="l" rtl="0">
               <a:spcBef>
                 <a:spcPts val="0"/>
               </a:spcBef>
@@ -7511,10 +7657,10 @@
               <a:buNone/>
             </a:pPr>
             <a:r>
-              <a:rPr b="1" lang="en-US" sz="1700"/>
+              <a:rPr lang="en-US" sz="1700" b="1"/>
               <a:t>Mongo / Rocks</a:t>
             </a:r>
-            <a:endParaRPr b="1" sz="1700"/>
+            <a:endParaRPr sz="1700" b="1"/>
           </a:p>
         </p:txBody>
       </p:sp>
@@ -7538,12 +7684,12 @@
           </a:ln>
         </p:spPr>
         <p:txBody>
-          <a:bodyPr anchorCtr="0" anchor="t" bIns="91425" lIns="91425" spcFirstLastPara="1" rIns="91425" wrap="square" tIns="91425">
+          <a:bodyPr spcFirstLastPara="1" wrap="square" lIns="91425" tIns="91425" rIns="91425" bIns="91425" anchor="t" anchorCtr="0">
             <a:spAutoFit/>
           </a:bodyPr>
           <a:lstStyle/>
           <a:p>
-            <a:pPr indent="0" lvl="0" marL="0" rtl="0" algn="l">
+            <a:pPr marL="0" lvl="0" indent="0" algn="l" rtl="0">
               <a:spcBef>
                 <a:spcPts val="0"/>
               </a:spcBef>
@@ -7553,10 +7699,10 @@
               <a:buNone/>
             </a:pPr>
             <a:r>
-              <a:rPr b="1" lang="en-US" sz="1600"/>
+              <a:rPr lang="en-US" sz="1600" b="1"/>
               <a:t>PUT</a:t>
             </a:r>
-            <a:endParaRPr b="1" sz="1600"/>
+            <a:endParaRPr sz="1600" b="1"/>
           </a:p>
         </p:txBody>
       </p:sp>
@@ -7580,12 +7726,12 @@
           </a:ln>
         </p:spPr>
         <p:txBody>
-          <a:bodyPr anchorCtr="0" anchor="t" bIns="91425" lIns="91425" spcFirstLastPara="1" rIns="91425" wrap="square" tIns="91425">
+          <a:bodyPr spcFirstLastPara="1" wrap="square" lIns="91425" tIns="91425" rIns="91425" bIns="91425" anchor="t" anchorCtr="0">
             <a:spAutoFit/>
           </a:bodyPr>
           <a:lstStyle/>
           <a:p>
-            <a:pPr indent="0" lvl="0" marL="0" rtl="0" algn="l">
+            <a:pPr marL="0" lvl="0" indent="0" algn="l" rtl="0">
               <a:spcBef>
                 <a:spcPts val="0"/>
               </a:spcBef>
@@ -7595,10 +7741,10 @@
               <a:buNone/>
             </a:pPr>
             <a:r>
-              <a:rPr b="1" lang="en-US" sz="1600"/>
+              <a:rPr lang="en-US" sz="1600" b="1"/>
               <a:t>GET</a:t>
             </a:r>
-            <a:endParaRPr b="1" sz="1600"/>
+            <a:endParaRPr sz="1600" b="1"/>
           </a:p>
         </p:txBody>
       </p:sp>
@@ -7622,12 +7768,12 @@
           </a:ln>
         </p:spPr>
         <p:txBody>
-          <a:bodyPr anchorCtr="0" anchor="t" bIns="91425" lIns="91425" spcFirstLastPara="1" rIns="91425" wrap="square" tIns="91425">
+          <a:bodyPr spcFirstLastPara="1" wrap="square" lIns="91425" tIns="91425" rIns="91425" bIns="91425" anchor="t" anchorCtr="0">
             <a:spAutoFit/>
           </a:bodyPr>
           <a:lstStyle/>
           <a:p>
-            <a:pPr indent="0" lvl="0" marL="0" rtl="0" algn="l">
+            <a:pPr marL="0" lvl="0" indent="0" algn="l" rtl="0">
               <a:spcBef>
                 <a:spcPts val="0"/>
               </a:spcBef>
@@ -7653,11 +7799,11 @@
 </file>
 
 <file path=ppt/slides/slide5.xml><?xml version="1.0" encoding="utf-8"?>
-<p:sld xmlns:a="http://schemas.openxmlformats.org/drawingml/2006/main" xmlns:r="http://schemas.openxmlformats.org/officeDocument/2006/relationships" xmlns:mc="http://schemas.openxmlformats.org/markup-compatibility/2006" xmlns:mv="urn:schemas-microsoft-com:mac:vml" xmlns:p="http://schemas.openxmlformats.org/presentationml/2006/main" xmlns:c="http://schemas.openxmlformats.org/drawingml/2006/chart" xmlns:dgm="http://schemas.openxmlformats.org/drawingml/2006/diagram" xmlns:o="urn:schemas-microsoft-com:office:office" xmlns:v="urn:schemas-microsoft-com:vml" xmlns:pvml="urn:schemas-microsoft-com:office:powerpoint" xmlns:com="http://schemas.openxmlformats.org/drawingml/2006/compatibility" xmlns:p14="http://schemas.microsoft.com/office/powerpoint/2010/main" xmlns:p15="http://schemas.microsoft.com/office/powerpoint/2012/main" xmlns:ahyp="http://schemas.microsoft.com/office/drawing/2018/hyperlinkcolor">
+<p:sld xmlns:a="http://schemas.openxmlformats.org/drawingml/2006/main" xmlns:r="http://schemas.openxmlformats.org/officeDocument/2006/relationships" xmlns:p="http://schemas.openxmlformats.org/presentationml/2006/main">
   <p:cSld>
     <p:spTree>
       <p:nvGrpSpPr>
-        <p:cNvPr id="87" name="Shape 87"/>
+        <p:cNvPr id="1" name="Shape 87"/>
         <p:cNvGrpSpPr/>
         <p:nvPr/>
       </p:nvGrpSpPr>
@@ -7672,7 +7818,9 @@
       <p:sp>
         <p:nvSpPr>
           <p:cNvPr id="88" name="Google Shape;88;p9"/>
-          <p:cNvSpPr txBox="1"/>
+          <p:cNvSpPr txBox="1">
+            <a:spLocks noGrp="1"/>
+          </p:cNvSpPr>
           <p:nvPr>
             <p:ph type="title"/>
           </p:nvPr>
@@ -7687,12 +7835,12 @@
           </a:prstGeom>
         </p:spPr>
         <p:txBody>
-          <a:bodyPr anchorCtr="0" anchor="t" bIns="45700" lIns="91425" spcFirstLastPara="1" rIns="91425" wrap="square" tIns="45700">
+          <a:bodyPr spcFirstLastPara="1" wrap="square" lIns="91425" tIns="45700" rIns="91425" bIns="45700" anchor="t" anchorCtr="0">
             <a:noAutofit/>
           </a:bodyPr>
           <a:lstStyle/>
           <a:p>
-            <a:pPr indent="0" lvl="0" marL="0" rtl="0" algn="ctr">
+            <a:pPr marL="0" lvl="0" indent="0" algn="ctr" rtl="0">
               <a:spcBef>
                 <a:spcPts val="0"/>
               </a:spcBef>
@@ -7712,18 +7860,15 @@
             <a:endParaRPr/>
           </a:p>
           <a:p>
-            <a:pPr indent="0" lvl="0" marL="0" rtl="0" algn="ctr">
-              <a:spcBef>
-                <a:spcPts val="0"/>
-              </a:spcBef>
-              <a:spcAft>
-                <a:spcPts val="0"/>
-              </a:spcAft>
-              <a:buNone/>
-            </a:pPr>
-            <a:r>
-              <a:t/>
-            </a:r>
+            <a:pPr marL="0" lvl="0" indent="0" algn="ctr" rtl="0">
+              <a:spcBef>
+                <a:spcPts val="0"/>
+              </a:spcBef>
+              <a:spcAft>
+                <a:spcPts val="0"/>
+              </a:spcAft>
+              <a:buNone/>
+            </a:pPr>
             <a:endParaRPr/>
           </a:p>
         </p:txBody>
@@ -7748,12 +7893,12 @@
           </a:ln>
         </p:spPr>
         <p:txBody>
-          <a:bodyPr anchorCtr="0" anchor="t" bIns="91425" lIns="91425" spcFirstLastPara="1" rIns="91425" wrap="square" tIns="91425">
+          <a:bodyPr spcFirstLastPara="1" wrap="square" lIns="91425" tIns="91425" rIns="91425" bIns="91425" anchor="t" anchorCtr="0">
             <a:spAutoFit/>
           </a:bodyPr>
           <a:lstStyle/>
           <a:p>
-            <a:pPr indent="0" lvl="0" marL="0" rtl="0" algn="l">
+            <a:pPr marL="0" lvl="0" indent="0" algn="l" rtl="0">
               <a:spcBef>
                 <a:spcPts val="0"/>
               </a:spcBef>
@@ -7763,25 +7908,22 @@
               <a:buNone/>
             </a:pPr>
             <a:r>
-              <a:rPr b="1" lang="en-US" sz="2000"/>
+              <a:rPr lang="en-US" sz="2000" b="1"/>
               <a:t>RocksDB API only supports std::string types.</a:t>
             </a:r>
-            <a:endParaRPr b="1" sz="2000"/>
-          </a:p>
-          <a:p>
-            <a:pPr indent="0" lvl="0" marL="0" rtl="0" algn="l">
-              <a:spcBef>
-                <a:spcPts val="0"/>
-              </a:spcBef>
-              <a:spcAft>
-                <a:spcPts val="0"/>
-              </a:spcAft>
-              <a:buNone/>
-            </a:pPr>
-            <a:r>
-              <a:t/>
-            </a:r>
-            <a:endParaRPr b="1" sz="2000">
+            <a:endParaRPr sz="2000" b="1"/>
+          </a:p>
+          <a:p>
+            <a:pPr marL="0" lvl="0" indent="0" algn="l" rtl="0">
+              <a:spcBef>
+                <a:spcPts val="0"/>
+              </a:spcBef>
+              <a:spcAft>
+                <a:spcPts val="0"/>
+              </a:spcAft>
+              <a:buNone/>
+            </a:pPr>
+            <a:endParaRPr sz="2000" b="1">
               <a:solidFill>
                 <a:srgbClr val="FF0000"/>
               </a:solidFill>
@@ -7809,23 +7951,20 @@
           </a:ln>
         </p:spPr>
         <p:txBody>
-          <a:bodyPr anchorCtr="0" anchor="t" bIns="91425" lIns="91425" spcFirstLastPara="1" rIns="91425" wrap="square" tIns="91425">
+          <a:bodyPr spcFirstLastPara="1" wrap="square" lIns="91425" tIns="91425" rIns="91425" bIns="91425" anchor="t" anchorCtr="0">
             <a:spAutoFit/>
           </a:bodyPr>
           <a:lstStyle/>
           <a:p>
-            <a:pPr indent="0" lvl="0" marL="0" rtl="0" algn="l">
-              <a:spcBef>
-                <a:spcPts val="0"/>
-              </a:spcBef>
-              <a:spcAft>
-                <a:spcPts val="0"/>
-              </a:spcAft>
-              <a:buNone/>
-            </a:pPr>
-            <a:r>
-              <a:t/>
-            </a:r>
+            <a:pPr marL="0" lvl="0" indent="0" algn="l" rtl="0">
+              <a:spcBef>
+                <a:spcPts val="0"/>
+              </a:spcBef>
+              <a:spcAft>
+                <a:spcPts val="0"/>
+              </a:spcAft>
+              <a:buNone/>
+            </a:pPr>
             <a:endParaRPr/>
           </a:p>
         </p:txBody>
@@ -7878,12 +8017,12 @@
           </a:ln>
         </p:spPr>
         <p:txBody>
-          <a:bodyPr anchorCtr="0" anchor="t" bIns="91425" lIns="91425" spcFirstLastPara="1" rIns="91425" wrap="square" tIns="91425">
+          <a:bodyPr spcFirstLastPara="1" wrap="square" lIns="91425" tIns="91425" rIns="91425" bIns="91425" anchor="t" anchorCtr="0">
             <a:spAutoFit/>
           </a:bodyPr>
           <a:lstStyle/>
           <a:p>
-            <a:pPr indent="0" lvl="0" marL="0" rtl="0" algn="l">
+            <a:pPr marL="0" lvl="0" indent="0" algn="l" rtl="0">
               <a:spcBef>
                 <a:spcPts val="0"/>
               </a:spcBef>
@@ -7893,21 +8032,21 @@
               <a:buNone/>
             </a:pPr>
             <a:r>
-              <a:rPr b="1" lang="en-US" sz="1600">
+              <a:rPr lang="en-US" sz="1600" b="1">
                 <a:solidFill>
                   <a:srgbClr val="0000FF"/>
                 </a:solidFill>
               </a:rPr>
               <a:t>Need to  pack </a:t>
             </a:r>
-            <a:endParaRPr b="1" sz="1600">
+            <a:endParaRPr sz="1600" b="1">
               <a:solidFill>
                 <a:srgbClr val="0000FF"/>
               </a:solidFill>
             </a:endParaRPr>
           </a:p>
           <a:p>
-            <a:pPr indent="0" lvl="0" marL="0" rtl="0" algn="l">
+            <a:pPr marL="0" lvl="0" indent="0" algn="l" rtl="0">
               <a:spcBef>
                 <a:spcPts val="0"/>
               </a:spcBef>
@@ -7917,14 +8056,14 @@
               <a:buNone/>
             </a:pPr>
             <a:r>
-              <a:rPr b="1" lang="en-US" sz="1600">
+              <a:rPr lang="en-US" sz="1600" b="1">
                 <a:solidFill>
                   <a:srgbClr val="0000FF"/>
                 </a:solidFill>
               </a:rPr>
               <a:t>input string(binary)</a:t>
             </a:r>
-            <a:endParaRPr b="1" sz="1600">
+            <a:endParaRPr sz="1600" b="1">
               <a:solidFill>
                 <a:srgbClr val="0000FF"/>
               </a:solidFill>
@@ -7935,9 +8074,11 @@
       <p:sp>
         <p:nvSpPr>
           <p:cNvPr id="93" name="Google Shape;93;p9"/>
-          <p:cNvSpPr txBox="1"/>
+          <p:cNvSpPr txBox="1">
+            <a:spLocks noGrp="1"/>
+          </p:cNvSpPr>
           <p:nvPr>
-            <p:ph idx="1" type="body"/>
+            <p:ph type="body" idx="1"/>
           </p:nvPr>
         </p:nvSpPr>
         <p:spPr>
@@ -7954,12 +8095,12 @@
           </a:ln>
         </p:spPr>
         <p:txBody>
-          <a:bodyPr anchorCtr="0" anchor="t" bIns="45700" lIns="91425" spcFirstLastPara="1" rIns="91425" wrap="square" tIns="45700">
+          <a:bodyPr spcFirstLastPara="1" wrap="square" lIns="91425" tIns="45700" rIns="91425" bIns="45700" anchor="t" anchorCtr="0">
             <a:normAutofit fontScale="62500" lnSpcReduction="20000"/>
           </a:bodyPr>
           <a:lstStyle/>
           <a:p>
-            <a:pPr indent="-380002" lvl="0" marL="342900" rtl="0" algn="l">
+            <a:pPr marL="342900" lvl="0" indent="-380002" algn="l" rtl="0">
               <a:spcBef>
                 <a:spcPts val="0"/>
               </a:spcBef>
@@ -8003,7 +8144,7 @@
             <a:endParaRPr/>
           </a:p>
           <a:p>
-            <a:pPr indent="0" lvl="0" marL="0" rtl="0" algn="l">
+            <a:pPr marL="0" lvl="0" indent="0" algn="l" rtl="0">
               <a:spcBef>
                 <a:spcPts val="400"/>
               </a:spcBef>
@@ -8012,13 +8153,10 @@
               </a:spcAft>
               <a:buNone/>
             </a:pPr>
-            <a:r>
-              <a:t/>
-            </a:r>
             <a:endParaRPr/>
           </a:p>
           <a:p>
-            <a:pPr indent="0" lvl="0" marL="1143000" rtl="0" algn="l">
+            <a:pPr marL="1143000" lvl="0" indent="0" algn="l" rtl="0">
               <a:spcBef>
                 <a:spcPts val="400"/>
               </a:spcBef>
@@ -8027,9 +8165,6 @@
               </a:spcAft>
               <a:buNone/>
             </a:pPr>
-            <a:r>
-              <a:t/>
-            </a:r>
             <a:endParaRPr/>
           </a:p>
         </p:txBody>
@@ -8043,11 +8178,11 @@
 </file>
 
 <file path=ppt/slides/slide6.xml><?xml version="1.0" encoding="utf-8"?>
-<p:sld xmlns:a="http://schemas.openxmlformats.org/drawingml/2006/main" xmlns:r="http://schemas.openxmlformats.org/officeDocument/2006/relationships" xmlns:mc="http://schemas.openxmlformats.org/markup-compatibility/2006" xmlns:mv="urn:schemas-microsoft-com:mac:vml" xmlns:p="http://schemas.openxmlformats.org/presentationml/2006/main" xmlns:c="http://schemas.openxmlformats.org/drawingml/2006/chart" xmlns:dgm="http://schemas.openxmlformats.org/drawingml/2006/diagram" xmlns:o="urn:schemas-microsoft-com:office:office" xmlns:v="urn:schemas-microsoft-com:vml" xmlns:pvml="urn:schemas-microsoft-com:office:powerpoint" xmlns:com="http://schemas.openxmlformats.org/drawingml/2006/compatibility" xmlns:p14="http://schemas.microsoft.com/office/powerpoint/2010/main" xmlns:p15="http://schemas.microsoft.com/office/powerpoint/2012/main" xmlns:ahyp="http://schemas.microsoft.com/office/drawing/2018/hyperlinkcolor">
+<p:sld xmlns:a="http://schemas.openxmlformats.org/drawingml/2006/main" xmlns:r="http://schemas.openxmlformats.org/officeDocument/2006/relationships" xmlns:p="http://schemas.openxmlformats.org/presentationml/2006/main">
   <p:cSld>
     <p:spTree>
       <p:nvGrpSpPr>
-        <p:cNvPr id="98" name="Shape 98"/>
+        <p:cNvPr id="1" name="Shape 98"/>
         <p:cNvGrpSpPr/>
         <p:nvPr/>
       </p:nvGrpSpPr>
@@ -8090,7 +8225,9 @@
       <p:sp>
         <p:nvSpPr>
           <p:cNvPr id="100" name="Google Shape;100;p10"/>
-          <p:cNvSpPr txBox="1"/>
+          <p:cNvSpPr txBox="1">
+            <a:spLocks noGrp="1"/>
+          </p:cNvSpPr>
           <p:nvPr>
             <p:ph type="title"/>
           </p:nvPr>
@@ -8105,12 +8242,12 @@
           </a:prstGeom>
         </p:spPr>
         <p:txBody>
-          <a:bodyPr anchorCtr="0" anchor="t" bIns="45700" lIns="91425" spcFirstLastPara="1" rIns="91425" wrap="square" tIns="45700">
+          <a:bodyPr spcFirstLastPara="1" wrap="square" lIns="91425" tIns="45700" rIns="91425" bIns="45700" anchor="t" anchorCtr="0">
             <a:noAutofit/>
           </a:bodyPr>
           <a:lstStyle/>
           <a:p>
-            <a:pPr indent="0" lvl="0" marL="0" rtl="0" algn="ctr">
+            <a:pPr marL="0" lvl="0" indent="0" algn="ctr" rtl="0">
               <a:spcBef>
                 <a:spcPts val="0"/>
               </a:spcBef>
@@ -8130,7 +8267,7 @@
             <a:endParaRPr/>
           </a:p>
           <a:p>
-            <a:pPr indent="0" lvl="0" marL="0" rtl="0" algn="ctr">
+            <a:pPr marL="0" lvl="0" indent="0" algn="ctr" rtl="0">
               <a:spcBef>
                 <a:spcPts val="0"/>
               </a:spcBef>
@@ -8144,24 +8281,18 @@
               <a:buFont typeface="Arial"/>
               <a:buNone/>
             </a:pPr>
-            <a:r>
-              <a:t/>
-            </a:r>
             <a:endParaRPr/>
           </a:p>
           <a:p>
-            <a:pPr indent="0" lvl="0" marL="0" rtl="0" algn="ctr">
-              <a:spcBef>
-                <a:spcPts val="0"/>
-              </a:spcBef>
-              <a:spcAft>
-                <a:spcPts val="0"/>
-              </a:spcAft>
-              <a:buNone/>
-            </a:pPr>
-            <a:r>
-              <a:t/>
-            </a:r>
+            <a:pPr marL="0" lvl="0" indent="0" algn="ctr" rtl="0">
+              <a:spcBef>
+                <a:spcPts val="0"/>
+              </a:spcBef>
+              <a:spcAft>
+                <a:spcPts val="0"/>
+              </a:spcAft>
+              <a:buNone/>
+            </a:pPr>
             <a:endParaRPr/>
           </a:p>
         </p:txBody>
@@ -8211,23 +8342,23 @@
           <a:solidFill>
             <a:schemeClr val="lt1"/>
           </a:solidFill>
-          <a:ln cap="flat" cmpd="sng" w="9525">
+          <a:ln w="9525" cap="flat" cmpd="sng">
             <a:solidFill>
               <a:schemeClr val="dk2"/>
             </a:solidFill>
             <a:prstDash val="solid"/>
             <a:round/>
-            <a:headEnd len="sm" w="sm" type="none"/>
-            <a:tailEnd len="sm" w="sm" type="none"/>
+            <a:headEnd type="none" w="sm" len="sm"/>
+            <a:tailEnd type="none" w="sm" len="sm"/>
           </a:ln>
         </p:spPr>
         <p:txBody>
-          <a:bodyPr anchorCtr="0" anchor="ctr" bIns="91425" lIns="91425" spcFirstLastPara="1" rIns="91425" wrap="square" tIns="91425">
+          <a:bodyPr spcFirstLastPara="1" wrap="square" lIns="91425" tIns="91425" rIns="91425" bIns="91425" anchor="ctr" anchorCtr="0">
             <a:noAutofit/>
           </a:bodyPr>
           <a:lstStyle/>
           <a:p>
-            <a:pPr indent="0" lvl="0" marL="0" rtl="0" algn="l">
+            <a:pPr marL="0" lvl="0" indent="0" algn="l" rtl="0">
               <a:spcBef>
                 <a:spcPts val="0"/>
               </a:spcBef>
@@ -8269,23 +8400,23 @@
           <a:solidFill>
             <a:schemeClr val="lt1"/>
           </a:solidFill>
-          <a:ln cap="flat" cmpd="sng" w="9525">
+          <a:ln w="9525" cap="flat" cmpd="sng">
             <a:solidFill>
               <a:schemeClr val="dk2"/>
             </a:solidFill>
             <a:prstDash val="solid"/>
             <a:round/>
-            <a:headEnd len="sm" w="sm" type="none"/>
-            <a:tailEnd len="sm" w="sm" type="none"/>
+            <a:headEnd type="none" w="sm" len="sm"/>
+            <a:tailEnd type="none" w="sm" len="sm"/>
           </a:ln>
         </p:spPr>
         <p:txBody>
-          <a:bodyPr anchorCtr="0" anchor="ctr" bIns="91425" lIns="91425" spcFirstLastPara="1" rIns="91425" wrap="square" tIns="91425">
+          <a:bodyPr spcFirstLastPara="1" wrap="square" lIns="91425" tIns="91425" rIns="91425" bIns="91425" anchor="ctr" anchorCtr="0">
             <a:noAutofit/>
           </a:bodyPr>
           <a:lstStyle/>
           <a:p>
-            <a:pPr indent="0" lvl="0" marL="0" rtl="0" algn="l">
+            <a:pPr marL="0" lvl="0" indent="0" algn="l" rtl="0">
               <a:spcBef>
                 <a:spcPts val="0"/>
               </a:spcBef>
@@ -8327,23 +8458,23 @@
           <a:solidFill>
             <a:schemeClr val="lt1"/>
           </a:solidFill>
-          <a:ln cap="flat" cmpd="sng" w="9525">
+          <a:ln w="9525" cap="flat" cmpd="sng">
             <a:solidFill>
               <a:schemeClr val="dk2"/>
             </a:solidFill>
             <a:prstDash val="solid"/>
             <a:round/>
-            <a:headEnd len="sm" w="sm" type="none"/>
-            <a:tailEnd len="sm" w="sm" type="none"/>
+            <a:headEnd type="none" w="sm" len="sm"/>
+            <a:tailEnd type="none" w="sm" len="sm"/>
           </a:ln>
         </p:spPr>
         <p:txBody>
-          <a:bodyPr anchorCtr="0" anchor="ctr" bIns="91425" lIns="91425" spcFirstLastPara="1" rIns="91425" wrap="square" tIns="91425">
+          <a:bodyPr spcFirstLastPara="1" wrap="square" lIns="91425" tIns="91425" rIns="91425" bIns="91425" anchor="ctr" anchorCtr="0">
             <a:noAutofit/>
           </a:bodyPr>
           <a:lstStyle/>
           <a:p>
-            <a:pPr indent="0" lvl="0" marL="0" rtl="0" algn="l">
+            <a:pPr marL="0" lvl="0" indent="0" algn="l" rtl="0">
               <a:spcBef>
                 <a:spcPts val="0"/>
               </a:spcBef>
@@ -8385,23 +8516,23 @@
           <a:solidFill>
             <a:schemeClr val="lt1"/>
           </a:solidFill>
-          <a:ln cap="flat" cmpd="sng" w="9525">
+          <a:ln w="9525" cap="flat" cmpd="sng">
             <a:solidFill>
               <a:schemeClr val="dk2"/>
             </a:solidFill>
             <a:prstDash val="solid"/>
             <a:round/>
-            <a:headEnd len="sm" w="sm" type="none"/>
-            <a:tailEnd len="sm" w="sm" type="none"/>
+            <a:headEnd type="none" w="sm" len="sm"/>
+            <a:tailEnd type="none" w="sm" len="sm"/>
           </a:ln>
         </p:spPr>
         <p:txBody>
-          <a:bodyPr anchorCtr="0" anchor="ctr" bIns="91425" lIns="91425" spcFirstLastPara="1" rIns="91425" wrap="square" tIns="91425">
+          <a:bodyPr spcFirstLastPara="1" wrap="square" lIns="91425" tIns="91425" rIns="91425" bIns="91425" anchor="ctr" anchorCtr="0">
             <a:noAutofit/>
           </a:bodyPr>
           <a:lstStyle/>
           <a:p>
-            <a:pPr indent="0" lvl="0" marL="0" rtl="0" algn="l">
+            <a:pPr marL="0" lvl="0" indent="0" algn="l" rtl="0">
               <a:spcBef>
                 <a:spcPts val="0"/>
               </a:spcBef>
@@ -8443,23 +8574,23 @@
           <a:solidFill>
             <a:schemeClr val="lt1"/>
           </a:solidFill>
-          <a:ln cap="flat" cmpd="sng" w="9525">
+          <a:ln w="9525" cap="flat" cmpd="sng">
             <a:solidFill>
               <a:schemeClr val="dk2"/>
             </a:solidFill>
             <a:prstDash val="solid"/>
             <a:round/>
-            <a:headEnd len="sm" w="sm" type="none"/>
-            <a:tailEnd len="sm" w="sm" type="none"/>
+            <a:headEnd type="none" w="sm" len="sm"/>
+            <a:tailEnd type="none" w="sm" len="sm"/>
           </a:ln>
         </p:spPr>
         <p:txBody>
-          <a:bodyPr anchorCtr="0" anchor="ctr" bIns="91425" lIns="91425" spcFirstLastPara="1" rIns="91425" wrap="square" tIns="91425">
+          <a:bodyPr spcFirstLastPara="1" wrap="square" lIns="91425" tIns="91425" rIns="91425" bIns="91425" anchor="ctr" anchorCtr="0">
             <a:noAutofit/>
           </a:bodyPr>
           <a:lstStyle/>
           <a:p>
-            <a:pPr indent="0" lvl="0" marL="0" rtl="0" algn="l">
+            <a:pPr marL="0" lvl="0" indent="0" algn="l" rtl="0">
               <a:spcBef>
                 <a:spcPts val="0"/>
               </a:spcBef>
@@ -8501,23 +8632,23 @@
           <a:solidFill>
             <a:schemeClr val="lt1"/>
           </a:solidFill>
-          <a:ln cap="flat" cmpd="sng" w="9525">
+          <a:ln w="9525" cap="flat" cmpd="sng">
             <a:solidFill>
               <a:schemeClr val="dk2"/>
             </a:solidFill>
             <a:prstDash val="solid"/>
             <a:round/>
-            <a:headEnd len="sm" w="sm" type="none"/>
-            <a:tailEnd len="sm" w="sm" type="none"/>
+            <a:headEnd type="none" w="sm" len="sm"/>
+            <a:tailEnd type="none" w="sm" len="sm"/>
           </a:ln>
         </p:spPr>
         <p:txBody>
-          <a:bodyPr anchorCtr="0" anchor="ctr" bIns="91425" lIns="91425" spcFirstLastPara="1" rIns="91425" wrap="square" tIns="91425">
+          <a:bodyPr spcFirstLastPara="1" wrap="square" lIns="91425" tIns="91425" rIns="91425" bIns="91425" anchor="ctr" anchorCtr="0">
             <a:noAutofit/>
           </a:bodyPr>
           <a:lstStyle/>
           <a:p>
-            <a:pPr indent="0" lvl="0" marL="0" rtl="0" algn="l">
+            <a:pPr marL="0" lvl="0" indent="0" algn="l" rtl="0">
               <a:spcBef>
                 <a:spcPts val="0"/>
               </a:spcBef>
@@ -8559,23 +8690,23 @@
           <a:solidFill>
             <a:schemeClr val="lt1"/>
           </a:solidFill>
-          <a:ln cap="flat" cmpd="sng" w="9525">
+          <a:ln w="9525" cap="flat" cmpd="sng">
             <a:solidFill>
               <a:schemeClr val="dk2"/>
             </a:solidFill>
             <a:prstDash val="solid"/>
             <a:round/>
-            <a:headEnd len="sm" w="sm" type="none"/>
-            <a:tailEnd len="sm" w="sm" type="none"/>
+            <a:headEnd type="none" w="sm" len="sm"/>
+            <a:tailEnd type="none" w="sm" len="sm"/>
           </a:ln>
         </p:spPr>
         <p:txBody>
-          <a:bodyPr anchorCtr="0" anchor="ctr" bIns="91425" lIns="91425" spcFirstLastPara="1" rIns="91425" wrap="square" tIns="91425">
+          <a:bodyPr spcFirstLastPara="1" wrap="square" lIns="91425" tIns="91425" rIns="91425" bIns="91425" anchor="ctr" anchorCtr="0">
             <a:noAutofit/>
           </a:bodyPr>
           <a:lstStyle/>
           <a:p>
-            <a:pPr indent="0" lvl="0" marL="0" rtl="0" algn="l">
+            <a:pPr marL="0" lvl="0" indent="0" algn="l" rtl="0">
               <a:spcBef>
                 <a:spcPts val="0"/>
               </a:spcBef>
@@ -8617,23 +8748,23 @@
           <a:solidFill>
             <a:schemeClr val="lt1"/>
           </a:solidFill>
-          <a:ln cap="flat" cmpd="sng" w="9525">
+          <a:ln w="9525" cap="flat" cmpd="sng">
             <a:solidFill>
               <a:schemeClr val="dk2"/>
             </a:solidFill>
             <a:prstDash val="solid"/>
             <a:round/>
-            <a:headEnd len="sm" w="sm" type="none"/>
-            <a:tailEnd len="sm" w="sm" type="none"/>
+            <a:headEnd type="none" w="sm" len="sm"/>
+            <a:tailEnd type="none" w="sm" len="sm"/>
           </a:ln>
         </p:spPr>
         <p:txBody>
-          <a:bodyPr anchorCtr="0" anchor="ctr" bIns="91425" lIns="91425" spcFirstLastPara="1" rIns="91425" wrap="square" tIns="91425">
+          <a:bodyPr spcFirstLastPara="1" wrap="square" lIns="91425" tIns="91425" rIns="91425" bIns="91425" anchor="ctr" anchorCtr="0">
             <a:noAutofit/>
           </a:bodyPr>
           <a:lstStyle/>
           <a:p>
-            <a:pPr indent="0" lvl="0" marL="0" rtl="0" algn="l">
+            <a:pPr marL="0" lvl="0" indent="0" algn="l" rtl="0">
               <a:spcBef>
                 <a:spcPts val="0"/>
               </a:spcBef>
@@ -8675,34 +8806,31 @@
           <a:solidFill>
             <a:schemeClr val="lt2"/>
           </a:solidFill>
-          <a:ln cap="flat" cmpd="sng" w="9525">
+          <a:ln w="9525" cap="flat" cmpd="sng">
             <a:solidFill>
               <a:schemeClr val="dk2"/>
             </a:solidFill>
             <a:prstDash val="solid"/>
             <a:round/>
-            <a:headEnd len="sm" w="sm" type="none"/>
-            <a:tailEnd len="sm" w="sm" type="none"/>
+            <a:headEnd type="none" w="sm" len="sm"/>
+            <a:tailEnd type="none" w="sm" len="sm"/>
           </a:ln>
         </p:spPr>
         <p:txBody>
-          <a:bodyPr anchorCtr="0" anchor="ctr" bIns="91425" lIns="91425" spcFirstLastPara="1" rIns="91425" wrap="square" tIns="91425">
+          <a:bodyPr spcFirstLastPara="1" wrap="square" lIns="91425" tIns="91425" rIns="91425" bIns="91425" anchor="ctr" anchorCtr="0">
             <a:noAutofit/>
           </a:bodyPr>
           <a:lstStyle/>
           <a:p>
-            <a:pPr indent="0" lvl="0" marL="0" rtl="0" algn="l">
-              <a:spcBef>
-                <a:spcPts val="0"/>
-              </a:spcBef>
-              <a:spcAft>
-                <a:spcPts val="0"/>
-              </a:spcAft>
-              <a:buNone/>
-            </a:pPr>
-            <a:r>
-              <a:t/>
-            </a:r>
+            <a:pPr marL="0" lvl="0" indent="0" algn="l" rtl="0">
+              <a:spcBef>
+                <a:spcPts val="0"/>
+              </a:spcBef>
+              <a:spcAft>
+                <a:spcPts val="0"/>
+              </a:spcAft>
+              <a:buNone/>
+            </a:pPr>
             <a:endParaRPr/>
           </a:p>
         </p:txBody>
@@ -8724,34 +8852,31 @@
           <a:solidFill>
             <a:schemeClr val="lt2"/>
           </a:solidFill>
-          <a:ln cap="flat" cmpd="sng" w="9525">
+          <a:ln w="9525" cap="flat" cmpd="sng">
             <a:solidFill>
               <a:schemeClr val="dk2"/>
             </a:solidFill>
             <a:prstDash val="solid"/>
             <a:round/>
-            <a:headEnd len="sm" w="sm" type="none"/>
-            <a:tailEnd len="sm" w="sm" type="none"/>
+            <a:headEnd type="none" w="sm" len="sm"/>
+            <a:tailEnd type="none" w="sm" len="sm"/>
           </a:ln>
         </p:spPr>
         <p:txBody>
-          <a:bodyPr anchorCtr="0" anchor="ctr" bIns="91425" lIns="91425" spcFirstLastPara="1" rIns="91425" wrap="square" tIns="91425">
+          <a:bodyPr spcFirstLastPara="1" wrap="square" lIns="91425" tIns="91425" rIns="91425" bIns="91425" anchor="ctr" anchorCtr="0">
             <a:noAutofit/>
           </a:bodyPr>
           <a:lstStyle/>
           <a:p>
-            <a:pPr indent="0" lvl="0" marL="0" rtl="0" algn="l">
-              <a:spcBef>
-                <a:spcPts val="0"/>
-              </a:spcBef>
-              <a:spcAft>
-                <a:spcPts val="0"/>
-              </a:spcAft>
-              <a:buNone/>
-            </a:pPr>
-            <a:r>
-              <a:t/>
-            </a:r>
+            <a:pPr marL="0" lvl="0" indent="0" algn="l" rtl="0">
+              <a:spcBef>
+                <a:spcPts val="0"/>
+              </a:spcBef>
+              <a:spcAft>
+                <a:spcPts val="0"/>
+              </a:spcAft>
+              <a:buNone/>
+            </a:pPr>
             <a:endParaRPr/>
           </a:p>
         </p:txBody>
@@ -8773,34 +8898,31 @@
           <a:solidFill>
             <a:schemeClr val="lt2"/>
           </a:solidFill>
-          <a:ln cap="flat" cmpd="sng" w="9525">
+          <a:ln w="9525" cap="flat" cmpd="sng">
             <a:solidFill>
               <a:schemeClr val="dk2"/>
             </a:solidFill>
             <a:prstDash val="solid"/>
             <a:round/>
-            <a:headEnd len="sm" w="sm" type="none"/>
-            <a:tailEnd len="sm" w="sm" type="none"/>
+            <a:headEnd type="none" w="sm" len="sm"/>
+            <a:tailEnd type="none" w="sm" len="sm"/>
           </a:ln>
         </p:spPr>
         <p:txBody>
-          <a:bodyPr anchorCtr="0" anchor="ctr" bIns="91425" lIns="91425" spcFirstLastPara="1" rIns="91425" wrap="square" tIns="91425">
+          <a:bodyPr spcFirstLastPara="1" wrap="square" lIns="91425" tIns="91425" rIns="91425" bIns="91425" anchor="ctr" anchorCtr="0">
             <a:noAutofit/>
           </a:bodyPr>
           <a:lstStyle/>
           <a:p>
-            <a:pPr indent="0" lvl="0" marL="0" rtl="0" algn="l">
-              <a:spcBef>
-                <a:spcPts val="0"/>
-              </a:spcBef>
-              <a:spcAft>
-                <a:spcPts val="0"/>
-              </a:spcAft>
-              <a:buNone/>
-            </a:pPr>
-            <a:r>
-              <a:t/>
-            </a:r>
+            <a:pPr marL="0" lvl="0" indent="0" algn="l" rtl="0">
+              <a:spcBef>
+                <a:spcPts val="0"/>
+              </a:spcBef>
+              <a:spcAft>
+                <a:spcPts val="0"/>
+              </a:spcAft>
+              <a:buNone/>
+            </a:pPr>
             <a:endParaRPr/>
           </a:p>
         </p:txBody>
@@ -8822,34 +8944,31 @@
           <a:solidFill>
             <a:schemeClr val="lt2"/>
           </a:solidFill>
-          <a:ln cap="flat" cmpd="sng" w="9525">
+          <a:ln w="9525" cap="flat" cmpd="sng">
             <a:solidFill>
               <a:schemeClr val="dk2"/>
             </a:solidFill>
             <a:prstDash val="solid"/>
             <a:round/>
-            <a:headEnd len="sm" w="sm" type="none"/>
-            <a:tailEnd len="sm" w="sm" type="none"/>
+            <a:headEnd type="none" w="sm" len="sm"/>
+            <a:tailEnd type="none" w="sm" len="sm"/>
           </a:ln>
         </p:spPr>
         <p:txBody>
-          <a:bodyPr anchorCtr="0" anchor="ctr" bIns="91425" lIns="91425" spcFirstLastPara="1" rIns="91425" wrap="square" tIns="91425">
+          <a:bodyPr spcFirstLastPara="1" wrap="square" lIns="91425" tIns="91425" rIns="91425" bIns="91425" anchor="ctr" anchorCtr="0">
             <a:noAutofit/>
           </a:bodyPr>
           <a:lstStyle/>
           <a:p>
-            <a:pPr indent="0" lvl="0" marL="0" rtl="0" algn="l">
-              <a:spcBef>
-                <a:spcPts val="0"/>
-              </a:spcBef>
-              <a:spcAft>
-                <a:spcPts val="0"/>
-              </a:spcAft>
-              <a:buNone/>
-            </a:pPr>
-            <a:r>
-              <a:t/>
-            </a:r>
+            <a:pPr marL="0" lvl="0" indent="0" algn="l" rtl="0">
+              <a:spcBef>
+                <a:spcPts val="0"/>
+              </a:spcBef>
+              <a:spcAft>
+                <a:spcPts val="0"/>
+              </a:spcAft>
+              <a:buNone/>
+            </a:pPr>
             <a:endParaRPr/>
           </a:p>
         </p:txBody>
@@ -8897,14 +9016,14 @@
             <a:avLst/>
           </a:prstGeom>
           <a:noFill/>
-          <a:ln cap="flat" cmpd="sng" w="9525">
+          <a:ln w="9525" cap="flat" cmpd="sng">
             <a:solidFill>
               <a:schemeClr val="dk2"/>
             </a:solidFill>
             <a:prstDash val="solid"/>
             <a:round/>
-            <a:headEnd len="med" w="med" type="none"/>
-            <a:tailEnd len="med" w="med" type="none"/>
+            <a:headEnd type="none" w="med" len="med"/>
+            <a:tailEnd type="none" w="med" len="med"/>
           </a:ln>
         </p:spPr>
       </p:cxnSp>
@@ -8925,14 +9044,14 @@
             <a:avLst/>
           </a:prstGeom>
           <a:noFill/>
-          <a:ln cap="flat" cmpd="sng" w="9525">
+          <a:ln w="9525" cap="flat" cmpd="sng">
             <a:solidFill>
               <a:schemeClr val="dk2"/>
             </a:solidFill>
             <a:prstDash val="solid"/>
             <a:round/>
-            <a:headEnd len="med" w="med" type="none"/>
-            <a:tailEnd len="med" w="med" type="triangle"/>
+            <a:headEnd type="none" w="med" len="med"/>
+            <a:tailEnd type="triangle" w="med" len="med"/>
           </a:ln>
         </p:spPr>
       </p:cxnSp>
@@ -8953,14 +9072,14 @@
             <a:avLst/>
           </a:prstGeom>
           <a:noFill/>
-          <a:ln cap="flat" cmpd="sng" w="9525">
+          <a:ln w="9525" cap="flat" cmpd="sng">
             <a:solidFill>
               <a:schemeClr val="dk2"/>
             </a:solidFill>
             <a:prstDash val="solid"/>
             <a:round/>
-            <a:headEnd len="med" w="med" type="none"/>
-            <a:tailEnd len="med" w="med" type="triangle"/>
+            <a:headEnd type="none" w="med" len="med"/>
+            <a:tailEnd type="triangle" w="med" len="med"/>
           </a:ln>
         </p:spPr>
       </p:cxnSp>
@@ -8981,14 +9100,14 @@
             <a:avLst/>
           </a:prstGeom>
           <a:noFill/>
-          <a:ln cap="flat" cmpd="sng" w="9525">
+          <a:ln w="9525" cap="flat" cmpd="sng">
             <a:solidFill>
               <a:schemeClr val="dk2"/>
             </a:solidFill>
             <a:prstDash val="solid"/>
             <a:round/>
-            <a:headEnd len="med" w="med" type="none"/>
-            <a:tailEnd len="med" w="med" type="triangle"/>
+            <a:headEnd type="none" w="med" len="med"/>
+            <a:tailEnd type="triangle" w="med" len="med"/>
           </a:ln>
         </p:spPr>
       </p:cxnSp>
@@ -9009,14 +9128,14 @@
             <a:avLst/>
           </a:prstGeom>
           <a:noFill/>
-          <a:ln cap="flat" cmpd="sng" w="9525">
+          <a:ln w="9525" cap="flat" cmpd="sng">
             <a:solidFill>
               <a:schemeClr val="dk2"/>
             </a:solidFill>
             <a:prstDash val="solid"/>
             <a:round/>
-            <a:headEnd len="med" w="med" type="none"/>
-            <a:tailEnd len="med" w="med" type="triangle"/>
+            <a:headEnd type="none" w="med" len="med"/>
+            <a:tailEnd type="triangle" w="med" len="med"/>
           </a:ln>
         </p:spPr>
       </p:cxnSp>
@@ -9029,11 +9148,11 @@
 </file>
 
 <file path=ppt/slides/slide7.xml><?xml version="1.0" encoding="utf-8"?>
-<p:sld xmlns:a="http://schemas.openxmlformats.org/drawingml/2006/main" xmlns:r="http://schemas.openxmlformats.org/officeDocument/2006/relationships" xmlns:mc="http://schemas.openxmlformats.org/markup-compatibility/2006" xmlns:mv="urn:schemas-microsoft-com:mac:vml" xmlns:p="http://schemas.openxmlformats.org/presentationml/2006/main" xmlns:c="http://schemas.openxmlformats.org/drawingml/2006/chart" xmlns:dgm="http://schemas.openxmlformats.org/drawingml/2006/diagram" xmlns:o="urn:schemas-microsoft-com:office:office" xmlns:v="urn:schemas-microsoft-com:vml" xmlns:pvml="urn:schemas-microsoft-com:office:powerpoint" xmlns:com="http://schemas.openxmlformats.org/drawingml/2006/compatibility" xmlns:p14="http://schemas.microsoft.com/office/powerpoint/2010/main" xmlns:p15="http://schemas.microsoft.com/office/powerpoint/2012/main" xmlns:ahyp="http://schemas.microsoft.com/office/drawing/2018/hyperlinkcolor">
+<p:sld xmlns:a="http://schemas.openxmlformats.org/drawingml/2006/main" xmlns:r="http://schemas.openxmlformats.org/officeDocument/2006/relationships" xmlns:p="http://schemas.openxmlformats.org/presentationml/2006/main">
   <p:cSld>
     <p:spTree>
       <p:nvGrpSpPr>
-        <p:cNvPr id="124" name="Shape 124"/>
+        <p:cNvPr id="1" name="Shape 124"/>
         <p:cNvGrpSpPr/>
         <p:nvPr/>
       </p:nvGrpSpPr>
@@ -9048,7 +9167,9 @@
       <p:sp>
         <p:nvSpPr>
           <p:cNvPr id="125" name="Google Shape;125;p11"/>
-          <p:cNvSpPr txBox="1"/>
+          <p:cNvSpPr txBox="1">
+            <a:spLocks noGrp="1"/>
+          </p:cNvSpPr>
           <p:nvPr>
             <p:ph type="title"/>
           </p:nvPr>
@@ -9063,12 +9184,12 @@
           </a:prstGeom>
         </p:spPr>
         <p:txBody>
-          <a:bodyPr anchorCtr="0" anchor="t" bIns="45700" lIns="91425" spcFirstLastPara="1" rIns="91425" wrap="square" tIns="45700">
+          <a:bodyPr spcFirstLastPara="1" wrap="square" lIns="91425" tIns="45700" rIns="91425" bIns="45700" anchor="t" anchorCtr="0">
             <a:noAutofit/>
           </a:bodyPr>
           <a:lstStyle/>
           <a:p>
-            <a:pPr indent="0" lvl="0" marL="0" rtl="0" algn="ctr">
+            <a:pPr marL="0" lvl="0" indent="0" algn="ctr" rtl="0">
               <a:spcBef>
                 <a:spcPts val="0"/>
               </a:spcBef>
@@ -9088,7 +9209,7 @@
             <a:endParaRPr/>
           </a:p>
           <a:p>
-            <a:pPr indent="0" lvl="0" marL="0" rtl="0" algn="ctr">
+            <a:pPr marL="0" lvl="0" indent="0" algn="ctr" rtl="0">
               <a:spcBef>
                 <a:spcPts val="0"/>
               </a:spcBef>
@@ -9102,24 +9223,18 @@
               <a:buFont typeface="Arial"/>
               <a:buNone/>
             </a:pPr>
-            <a:r>
-              <a:t/>
-            </a:r>
             <a:endParaRPr/>
           </a:p>
           <a:p>
-            <a:pPr indent="0" lvl="0" marL="0" rtl="0" algn="ctr">
-              <a:spcBef>
-                <a:spcPts val="0"/>
-              </a:spcBef>
-              <a:spcAft>
-                <a:spcPts val="0"/>
-              </a:spcAft>
-              <a:buNone/>
-            </a:pPr>
-            <a:r>
-              <a:t/>
-            </a:r>
+            <a:pPr marL="0" lvl="0" indent="0" algn="ctr" rtl="0">
+              <a:spcBef>
+                <a:spcPts val="0"/>
+              </a:spcBef>
+              <a:spcAft>
+                <a:spcPts val="0"/>
+              </a:spcAft>
+              <a:buNone/>
+            </a:pPr>
             <a:endParaRPr/>
           </a:p>
         </p:txBody>
@@ -9169,23 +9284,23 @@
           <a:solidFill>
             <a:schemeClr val="lt1"/>
           </a:solidFill>
-          <a:ln cap="flat" cmpd="sng" w="9525">
+          <a:ln w="9525" cap="flat" cmpd="sng">
             <a:solidFill>
               <a:schemeClr val="dk2"/>
             </a:solidFill>
             <a:prstDash val="solid"/>
             <a:round/>
-            <a:headEnd len="sm" w="sm" type="none"/>
-            <a:tailEnd len="sm" w="sm" type="none"/>
+            <a:headEnd type="none" w="sm" len="sm"/>
+            <a:tailEnd type="none" w="sm" len="sm"/>
           </a:ln>
         </p:spPr>
         <p:txBody>
-          <a:bodyPr anchorCtr="0" anchor="ctr" bIns="91425" lIns="91425" spcFirstLastPara="1" rIns="91425" wrap="square" tIns="91425">
+          <a:bodyPr spcFirstLastPara="1" wrap="square" lIns="91425" tIns="91425" rIns="91425" bIns="91425" anchor="ctr" anchorCtr="0">
             <a:noAutofit/>
           </a:bodyPr>
           <a:lstStyle/>
           <a:p>
-            <a:pPr indent="0" lvl="0" marL="0" rtl="0" algn="l">
+            <a:pPr marL="0" lvl="0" indent="0" algn="l" rtl="0">
               <a:spcBef>
                 <a:spcPts val="0"/>
               </a:spcBef>
@@ -9227,23 +9342,23 @@
           <a:solidFill>
             <a:schemeClr val="lt1"/>
           </a:solidFill>
-          <a:ln cap="flat" cmpd="sng" w="9525">
+          <a:ln w="9525" cap="flat" cmpd="sng">
             <a:solidFill>
               <a:schemeClr val="dk2"/>
             </a:solidFill>
             <a:prstDash val="solid"/>
             <a:round/>
-            <a:headEnd len="sm" w="sm" type="none"/>
-            <a:tailEnd len="sm" w="sm" type="none"/>
+            <a:headEnd type="none" w="sm" len="sm"/>
+            <a:tailEnd type="none" w="sm" len="sm"/>
           </a:ln>
         </p:spPr>
         <p:txBody>
-          <a:bodyPr anchorCtr="0" anchor="ctr" bIns="91425" lIns="91425" spcFirstLastPara="1" rIns="91425" wrap="square" tIns="91425">
+          <a:bodyPr spcFirstLastPara="1" wrap="square" lIns="91425" tIns="91425" rIns="91425" bIns="91425" anchor="ctr" anchorCtr="0">
             <a:noAutofit/>
           </a:bodyPr>
           <a:lstStyle/>
           <a:p>
-            <a:pPr indent="0" lvl="0" marL="0" rtl="0" algn="l">
+            <a:pPr marL="0" lvl="0" indent="0" algn="l" rtl="0">
               <a:spcBef>
                 <a:spcPts val="0"/>
               </a:spcBef>
@@ -9285,23 +9400,23 @@
           <a:solidFill>
             <a:schemeClr val="lt1"/>
           </a:solidFill>
-          <a:ln cap="flat" cmpd="sng" w="9525">
+          <a:ln w="9525" cap="flat" cmpd="sng">
             <a:solidFill>
               <a:schemeClr val="dk2"/>
             </a:solidFill>
             <a:prstDash val="solid"/>
             <a:round/>
-            <a:headEnd len="sm" w="sm" type="none"/>
-            <a:tailEnd len="sm" w="sm" type="none"/>
+            <a:headEnd type="none" w="sm" len="sm"/>
+            <a:tailEnd type="none" w="sm" len="sm"/>
           </a:ln>
         </p:spPr>
         <p:txBody>
-          <a:bodyPr anchorCtr="0" anchor="ctr" bIns="91425" lIns="91425" spcFirstLastPara="1" rIns="91425" wrap="square" tIns="91425">
+          <a:bodyPr spcFirstLastPara="1" wrap="square" lIns="91425" tIns="91425" rIns="91425" bIns="91425" anchor="ctr" anchorCtr="0">
             <a:noAutofit/>
           </a:bodyPr>
           <a:lstStyle/>
           <a:p>
-            <a:pPr indent="0" lvl="0" marL="0" rtl="0" algn="l">
+            <a:pPr marL="0" lvl="0" indent="0" algn="l" rtl="0">
               <a:spcBef>
                 <a:spcPts val="0"/>
               </a:spcBef>
@@ -9343,23 +9458,23 @@
           <a:solidFill>
             <a:schemeClr val="lt1"/>
           </a:solidFill>
-          <a:ln cap="flat" cmpd="sng" w="9525">
+          <a:ln w="9525" cap="flat" cmpd="sng">
             <a:solidFill>
               <a:schemeClr val="dk2"/>
             </a:solidFill>
             <a:prstDash val="solid"/>
             <a:round/>
-            <a:headEnd len="sm" w="sm" type="none"/>
-            <a:tailEnd len="sm" w="sm" type="none"/>
+            <a:headEnd type="none" w="sm" len="sm"/>
+            <a:tailEnd type="none" w="sm" len="sm"/>
           </a:ln>
         </p:spPr>
         <p:txBody>
-          <a:bodyPr anchorCtr="0" anchor="ctr" bIns="91425" lIns="91425" spcFirstLastPara="1" rIns="91425" wrap="square" tIns="91425">
+          <a:bodyPr spcFirstLastPara="1" wrap="square" lIns="91425" tIns="91425" rIns="91425" bIns="91425" anchor="ctr" anchorCtr="0">
             <a:noAutofit/>
           </a:bodyPr>
           <a:lstStyle/>
           <a:p>
-            <a:pPr indent="0" lvl="0" marL="0" rtl="0" algn="l">
+            <a:pPr marL="0" lvl="0" indent="0" algn="l" rtl="0">
               <a:spcBef>
                 <a:spcPts val="0"/>
               </a:spcBef>
@@ -9401,23 +9516,23 @@
           <a:solidFill>
             <a:schemeClr val="lt1"/>
           </a:solidFill>
-          <a:ln cap="flat" cmpd="sng" w="9525">
+          <a:ln w="9525" cap="flat" cmpd="sng">
             <a:solidFill>
               <a:schemeClr val="dk2"/>
             </a:solidFill>
             <a:prstDash val="solid"/>
             <a:round/>
-            <a:headEnd len="sm" w="sm" type="none"/>
-            <a:tailEnd len="sm" w="sm" type="none"/>
+            <a:headEnd type="none" w="sm" len="sm"/>
+            <a:tailEnd type="none" w="sm" len="sm"/>
           </a:ln>
         </p:spPr>
         <p:txBody>
-          <a:bodyPr anchorCtr="0" anchor="ctr" bIns="91425" lIns="91425" spcFirstLastPara="1" rIns="91425" wrap="square" tIns="91425">
+          <a:bodyPr spcFirstLastPara="1" wrap="square" lIns="91425" tIns="91425" rIns="91425" bIns="91425" anchor="ctr" anchorCtr="0">
             <a:noAutofit/>
           </a:bodyPr>
           <a:lstStyle/>
           <a:p>
-            <a:pPr indent="0" lvl="0" marL="0" rtl="0" algn="l">
+            <a:pPr marL="0" lvl="0" indent="0" algn="l" rtl="0">
               <a:spcBef>
                 <a:spcPts val="0"/>
               </a:spcBef>
@@ -9459,23 +9574,23 @@
           <a:solidFill>
             <a:schemeClr val="lt1"/>
           </a:solidFill>
-          <a:ln cap="flat" cmpd="sng" w="9525">
+          <a:ln w="9525" cap="flat" cmpd="sng">
             <a:solidFill>
               <a:schemeClr val="dk2"/>
             </a:solidFill>
             <a:prstDash val="solid"/>
             <a:round/>
-            <a:headEnd len="sm" w="sm" type="none"/>
-            <a:tailEnd len="sm" w="sm" type="none"/>
+            <a:headEnd type="none" w="sm" len="sm"/>
+            <a:tailEnd type="none" w="sm" len="sm"/>
           </a:ln>
         </p:spPr>
         <p:txBody>
-          <a:bodyPr anchorCtr="0" anchor="ctr" bIns="91425" lIns="91425" spcFirstLastPara="1" rIns="91425" wrap="square" tIns="91425">
+          <a:bodyPr spcFirstLastPara="1" wrap="square" lIns="91425" tIns="91425" rIns="91425" bIns="91425" anchor="ctr" anchorCtr="0">
             <a:noAutofit/>
           </a:bodyPr>
           <a:lstStyle/>
           <a:p>
-            <a:pPr indent="0" lvl="0" marL="0" rtl="0" algn="l">
+            <a:pPr marL="0" lvl="0" indent="0" algn="l" rtl="0">
               <a:spcBef>
                 <a:spcPts val="0"/>
               </a:spcBef>
@@ -9517,23 +9632,23 @@
           <a:solidFill>
             <a:schemeClr val="lt1"/>
           </a:solidFill>
-          <a:ln cap="flat" cmpd="sng" w="9525">
+          <a:ln w="9525" cap="flat" cmpd="sng">
             <a:solidFill>
               <a:schemeClr val="dk2"/>
             </a:solidFill>
             <a:prstDash val="solid"/>
             <a:round/>
-            <a:headEnd len="sm" w="sm" type="none"/>
-            <a:tailEnd len="sm" w="sm" type="none"/>
+            <a:headEnd type="none" w="sm" len="sm"/>
+            <a:tailEnd type="none" w="sm" len="sm"/>
           </a:ln>
         </p:spPr>
         <p:txBody>
-          <a:bodyPr anchorCtr="0" anchor="ctr" bIns="91425" lIns="91425" spcFirstLastPara="1" rIns="91425" wrap="square" tIns="91425">
+          <a:bodyPr spcFirstLastPara="1" wrap="square" lIns="91425" tIns="91425" rIns="91425" bIns="91425" anchor="ctr" anchorCtr="0">
             <a:noAutofit/>
           </a:bodyPr>
           <a:lstStyle/>
           <a:p>
-            <a:pPr indent="0" lvl="0" marL="0" rtl="0" algn="l">
+            <a:pPr marL="0" lvl="0" indent="0" algn="l" rtl="0">
               <a:spcBef>
                 <a:spcPts val="0"/>
               </a:spcBef>
@@ -9575,23 +9690,23 @@
           <a:solidFill>
             <a:schemeClr val="lt1"/>
           </a:solidFill>
-          <a:ln cap="flat" cmpd="sng" w="9525">
+          <a:ln w="9525" cap="flat" cmpd="sng">
             <a:solidFill>
               <a:schemeClr val="dk2"/>
             </a:solidFill>
             <a:prstDash val="solid"/>
             <a:round/>
-            <a:headEnd len="sm" w="sm" type="none"/>
-            <a:tailEnd len="sm" w="sm" type="none"/>
+            <a:headEnd type="none" w="sm" len="sm"/>
+            <a:tailEnd type="none" w="sm" len="sm"/>
           </a:ln>
         </p:spPr>
         <p:txBody>
-          <a:bodyPr anchorCtr="0" anchor="ctr" bIns="91425" lIns="91425" spcFirstLastPara="1" rIns="91425" wrap="square" tIns="91425">
+          <a:bodyPr spcFirstLastPara="1" wrap="square" lIns="91425" tIns="91425" rIns="91425" bIns="91425" anchor="ctr" anchorCtr="0">
             <a:noAutofit/>
           </a:bodyPr>
           <a:lstStyle/>
           <a:p>
-            <a:pPr indent="0" lvl="0" marL="0" rtl="0" algn="l">
+            <a:pPr marL="0" lvl="0" indent="0" algn="l" rtl="0">
               <a:spcBef>
                 <a:spcPts val="0"/>
               </a:spcBef>
@@ -9633,34 +9748,31 @@
           <a:solidFill>
             <a:schemeClr val="lt2"/>
           </a:solidFill>
-          <a:ln cap="flat" cmpd="sng" w="9525">
+          <a:ln w="9525" cap="flat" cmpd="sng">
             <a:solidFill>
               <a:schemeClr val="dk2"/>
             </a:solidFill>
             <a:prstDash val="solid"/>
             <a:round/>
-            <a:headEnd len="sm" w="sm" type="none"/>
-            <a:tailEnd len="sm" w="sm" type="none"/>
+            <a:headEnd type="none" w="sm" len="sm"/>
+            <a:tailEnd type="none" w="sm" len="sm"/>
           </a:ln>
         </p:spPr>
         <p:txBody>
-          <a:bodyPr anchorCtr="0" anchor="ctr" bIns="91425" lIns="91425" spcFirstLastPara="1" rIns="91425" wrap="square" tIns="91425">
+          <a:bodyPr spcFirstLastPara="1" wrap="square" lIns="91425" tIns="91425" rIns="91425" bIns="91425" anchor="ctr" anchorCtr="0">
             <a:noAutofit/>
           </a:bodyPr>
           <a:lstStyle/>
           <a:p>
-            <a:pPr indent="0" lvl="0" marL="0" rtl="0" algn="l">
-              <a:spcBef>
-                <a:spcPts val="0"/>
-              </a:spcBef>
-              <a:spcAft>
-                <a:spcPts val="0"/>
-              </a:spcAft>
-              <a:buNone/>
-            </a:pPr>
-            <a:r>
-              <a:t/>
-            </a:r>
+            <a:pPr marL="0" lvl="0" indent="0" algn="l" rtl="0">
+              <a:spcBef>
+                <a:spcPts val="0"/>
+              </a:spcBef>
+              <a:spcAft>
+                <a:spcPts val="0"/>
+              </a:spcAft>
+              <a:buNone/>
+            </a:pPr>
             <a:endParaRPr/>
           </a:p>
         </p:txBody>
@@ -9682,34 +9794,31 @@
           <a:solidFill>
             <a:schemeClr val="lt2"/>
           </a:solidFill>
-          <a:ln cap="flat" cmpd="sng" w="9525">
+          <a:ln w="9525" cap="flat" cmpd="sng">
             <a:solidFill>
               <a:schemeClr val="dk2"/>
             </a:solidFill>
             <a:prstDash val="solid"/>
             <a:round/>
-            <a:headEnd len="sm" w="sm" type="none"/>
-            <a:tailEnd len="sm" w="sm" type="none"/>
+            <a:headEnd type="none" w="sm" len="sm"/>
+            <a:tailEnd type="none" w="sm" len="sm"/>
           </a:ln>
         </p:spPr>
         <p:txBody>
-          <a:bodyPr anchorCtr="0" anchor="ctr" bIns="91425" lIns="91425" spcFirstLastPara="1" rIns="91425" wrap="square" tIns="91425">
+          <a:bodyPr spcFirstLastPara="1" wrap="square" lIns="91425" tIns="91425" rIns="91425" bIns="91425" anchor="ctr" anchorCtr="0">
             <a:noAutofit/>
           </a:bodyPr>
           <a:lstStyle/>
           <a:p>
-            <a:pPr indent="0" lvl="0" marL="0" rtl="0" algn="l">
-              <a:spcBef>
-                <a:spcPts val="0"/>
-              </a:spcBef>
-              <a:spcAft>
-                <a:spcPts val="0"/>
-              </a:spcAft>
-              <a:buNone/>
-            </a:pPr>
-            <a:r>
-              <a:t/>
-            </a:r>
+            <a:pPr marL="0" lvl="0" indent="0" algn="l" rtl="0">
+              <a:spcBef>
+                <a:spcPts val="0"/>
+              </a:spcBef>
+              <a:spcAft>
+                <a:spcPts val="0"/>
+              </a:spcAft>
+              <a:buNone/>
+            </a:pPr>
             <a:endParaRPr/>
           </a:p>
         </p:txBody>
@@ -9731,34 +9840,31 @@
           <a:solidFill>
             <a:schemeClr val="lt2"/>
           </a:solidFill>
-          <a:ln cap="flat" cmpd="sng" w="9525">
+          <a:ln w="9525" cap="flat" cmpd="sng">
             <a:solidFill>
               <a:schemeClr val="dk2"/>
             </a:solidFill>
             <a:prstDash val="solid"/>
             <a:round/>
-            <a:headEnd len="sm" w="sm" type="none"/>
-            <a:tailEnd len="sm" w="sm" type="none"/>
+            <a:headEnd type="none" w="sm" len="sm"/>
+            <a:tailEnd type="none" w="sm" len="sm"/>
           </a:ln>
         </p:spPr>
         <p:txBody>
-          <a:bodyPr anchorCtr="0" anchor="ctr" bIns="91425" lIns="91425" spcFirstLastPara="1" rIns="91425" wrap="square" tIns="91425">
+          <a:bodyPr spcFirstLastPara="1" wrap="square" lIns="91425" tIns="91425" rIns="91425" bIns="91425" anchor="ctr" anchorCtr="0">
             <a:noAutofit/>
           </a:bodyPr>
           <a:lstStyle/>
           <a:p>
-            <a:pPr indent="0" lvl="0" marL="0" rtl="0" algn="l">
-              <a:spcBef>
-                <a:spcPts val="0"/>
-              </a:spcBef>
-              <a:spcAft>
-                <a:spcPts val="0"/>
-              </a:spcAft>
-              <a:buNone/>
-            </a:pPr>
-            <a:r>
-              <a:t/>
-            </a:r>
+            <a:pPr marL="0" lvl="0" indent="0" algn="l" rtl="0">
+              <a:spcBef>
+                <a:spcPts val="0"/>
+              </a:spcBef>
+              <a:spcAft>
+                <a:spcPts val="0"/>
+              </a:spcAft>
+              <a:buNone/>
+            </a:pPr>
             <a:endParaRPr/>
           </a:p>
         </p:txBody>
@@ -9780,34 +9886,31 @@
           <a:solidFill>
             <a:schemeClr val="lt2"/>
           </a:solidFill>
-          <a:ln cap="flat" cmpd="sng" w="9525">
+          <a:ln w="9525" cap="flat" cmpd="sng">
             <a:solidFill>
               <a:schemeClr val="dk2"/>
             </a:solidFill>
             <a:prstDash val="solid"/>
             <a:round/>
-            <a:headEnd len="sm" w="sm" type="none"/>
-            <a:tailEnd len="sm" w="sm" type="none"/>
+            <a:headEnd type="none" w="sm" len="sm"/>
+            <a:tailEnd type="none" w="sm" len="sm"/>
           </a:ln>
         </p:spPr>
         <p:txBody>
-          <a:bodyPr anchorCtr="0" anchor="ctr" bIns="91425" lIns="91425" spcFirstLastPara="1" rIns="91425" wrap="square" tIns="91425">
+          <a:bodyPr spcFirstLastPara="1" wrap="square" lIns="91425" tIns="91425" rIns="91425" bIns="91425" anchor="ctr" anchorCtr="0">
             <a:noAutofit/>
           </a:bodyPr>
           <a:lstStyle/>
           <a:p>
-            <a:pPr indent="0" lvl="0" marL="0" rtl="0" algn="l">
-              <a:spcBef>
-                <a:spcPts val="0"/>
-              </a:spcBef>
-              <a:spcAft>
-                <a:spcPts val="0"/>
-              </a:spcAft>
-              <a:buNone/>
-            </a:pPr>
-            <a:r>
-              <a:t/>
-            </a:r>
+            <a:pPr marL="0" lvl="0" indent="0" algn="l" rtl="0">
+              <a:spcBef>
+                <a:spcPts val="0"/>
+              </a:spcBef>
+              <a:spcAft>
+                <a:spcPts val="0"/>
+              </a:spcAft>
+              <a:buNone/>
+            </a:pPr>
             <a:endParaRPr/>
           </a:p>
         </p:txBody>
@@ -9858,14 +9961,14 @@
             <a:avLst/>
           </a:prstGeom>
           <a:noFill/>
-          <a:ln cap="flat" cmpd="sng" w="9525">
+          <a:ln w="9525" cap="flat" cmpd="sng">
             <a:solidFill>
               <a:schemeClr val="dk2"/>
             </a:solidFill>
             <a:prstDash val="solid"/>
             <a:round/>
-            <a:headEnd len="med" w="med" type="none"/>
-            <a:tailEnd len="med" w="med" type="triangle"/>
+            <a:headEnd type="none" w="med" len="med"/>
+            <a:tailEnd type="triangle" w="med" len="med"/>
           </a:ln>
         </p:spPr>
       </p:cxnSp>
@@ -9887,14 +9990,14 @@
             <a:avLst/>
           </a:prstGeom>
           <a:noFill/>
-          <a:ln cap="flat" cmpd="sng" w="9525">
+          <a:ln w="9525" cap="flat" cmpd="sng">
             <a:solidFill>
               <a:schemeClr val="dk2"/>
             </a:solidFill>
             <a:prstDash val="solid"/>
             <a:round/>
-            <a:headEnd len="med" w="med" type="none"/>
-            <a:tailEnd len="med" w="med" type="triangle"/>
+            <a:headEnd type="none" w="med" len="med"/>
+            <a:tailEnd type="triangle" w="med" len="med"/>
           </a:ln>
         </p:spPr>
       </p:cxnSp>
@@ -9916,14 +10019,14 @@
             <a:avLst/>
           </a:prstGeom>
           <a:noFill/>
-          <a:ln cap="flat" cmpd="sng" w="9525">
+          <a:ln w="9525" cap="flat" cmpd="sng">
             <a:solidFill>
               <a:schemeClr val="dk2"/>
             </a:solidFill>
             <a:prstDash val="solid"/>
             <a:round/>
-            <a:headEnd len="med" w="med" type="none"/>
-            <a:tailEnd len="med" w="med" type="triangle"/>
+            <a:headEnd type="none" w="med" len="med"/>
+            <a:tailEnd type="triangle" w="med" len="med"/>
           </a:ln>
         </p:spPr>
       </p:cxnSp>
@@ -9945,14 +10048,14 @@
             <a:avLst/>
           </a:prstGeom>
           <a:noFill/>
-          <a:ln cap="flat" cmpd="sng" w="9525">
+          <a:ln w="9525" cap="flat" cmpd="sng">
             <a:solidFill>
               <a:schemeClr val="dk2"/>
             </a:solidFill>
             <a:prstDash val="solid"/>
             <a:round/>
-            <a:headEnd len="med" w="med" type="none"/>
-            <a:tailEnd len="med" w="med" type="triangle"/>
+            <a:headEnd type="none" w="med" len="med"/>
+            <a:tailEnd type="triangle" w="med" len="med"/>
           </a:ln>
         </p:spPr>
       </p:cxnSp>
@@ -9965,11 +10068,11 @@
 </file>
 
 <file path=ppt/slides/slide8.xml><?xml version="1.0" encoding="utf-8"?>
-<p:sld xmlns:a="http://schemas.openxmlformats.org/drawingml/2006/main" xmlns:r="http://schemas.openxmlformats.org/officeDocument/2006/relationships" xmlns:mc="http://schemas.openxmlformats.org/markup-compatibility/2006" xmlns:mv="urn:schemas-microsoft-com:mac:vml" xmlns:p="http://schemas.openxmlformats.org/presentationml/2006/main" xmlns:c="http://schemas.openxmlformats.org/drawingml/2006/chart" xmlns:dgm="http://schemas.openxmlformats.org/drawingml/2006/diagram" xmlns:o="urn:schemas-microsoft-com:office:office" xmlns:v="urn:schemas-microsoft-com:vml" xmlns:pvml="urn:schemas-microsoft-com:office:powerpoint" xmlns:com="http://schemas.openxmlformats.org/drawingml/2006/compatibility" xmlns:p14="http://schemas.microsoft.com/office/powerpoint/2010/main" xmlns:p15="http://schemas.microsoft.com/office/powerpoint/2012/main" xmlns:ahyp="http://schemas.microsoft.com/office/drawing/2018/hyperlinkcolor">
+<p:sld xmlns:a="http://schemas.openxmlformats.org/drawingml/2006/main" xmlns:r="http://schemas.openxmlformats.org/officeDocument/2006/relationships" xmlns:p="http://schemas.openxmlformats.org/presentationml/2006/main">
   <p:cSld>
     <p:spTree>
       <p:nvGrpSpPr>
-        <p:cNvPr id="147" name="Shape 147"/>
+        <p:cNvPr id="1" name="Shape 147"/>
         <p:cNvGrpSpPr/>
         <p:nvPr/>
       </p:nvGrpSpPr>
@@ -9984,9 +10087,11 @@
       <p:sp>
         <p:nvSpPr>
           <p:cNvPr id="148" name="Google Shape;148;p12"/>
-          <p:cNvSpPr txBox="1"/>
+          <p:cNvSpPr txBox="1">
+            <a:spLocks noGrp="1"/>
+          </p:cNvSpPr>
           <p:nvPr>
-            <p:ph idx="1" type="body"/>
+            <p:ph type="body" idx="1"/>
           </p:nvPr>
         </p:nvSpPr>
         <p:spPr>
@@ -10003,12 +10108,12 @@
           </a:ln>
         </p:spPr>
         <p:txBody>
-          <a:bodyPr anchorCtr="0" anchor="t" bIns="45700" lIns="91425" spcFirstLastPara="1" rIns="91425" wrap="square" tIns="45700">
+          <a:bodyPr spcFirstLastPara="1" wrap="square" lIns="91425" tIns="45700" rIns="91425" bIns="45700" anchor="t" anchorCtr="0">
             <a:normAutofit/>
           </a:bodyPr>
           <a:lstStyle/>
           <a:p>
-            <a:pPr indent="-342900" lvl="0" marL="342900" rtl="0" algn="l">
+            <a:pPr marL="342900" lvl="0" indent="-342900" algn="l" rtl="0">
               <a:spcBef>
                 <a:spcPts val="0"/>
               </a:spcBef>
@@ -10025,7 +10130,7 @@
             <a:endParaRPr/>
           </a:p>
           <a:p>
-            <a:pPr indent="-285750" lvl="1" marL="742950" rtl="0" algn="l">
+            <a:pPr marL="742950" lvl="1" indent="-285750" algn="l" rtl="0">
               <a:spcBef>
                 <a:spcPts val="400"/>
               </a:spcBef>
@@ -10069,7 +10174,7 @@
             <a:endParaRPr/>
           </a:p>
           <a:p>
-            <a:pPr indent="0" lvl="0" marL="0" rtl="0" algn="l">
+            <a:pPr marL="0" lvl="0" indent="0" algn="l" rtl="0">
               <a:spcBef>
                 <a:spcPts val="400"/>
               </a:spcBef>
@@ -10078,13 +10183,10 @@
               </a:spcAft>
               <a:buNone/>
             </a:pPr>
-            <a:r>
-              <a:t/>
-            </a:r>
             <a:endParaRPr/>
           </a:p>
           <a:p>
-            <a:pPr indent="0" lvl="0" marL="1143000" rtl="0" algn="l">
+            <a:pPr marL="1143000" lvl="0" indent="0" algn="l" rtl="0">
               <a:spcBef>
                 <a:spcPts val="400"/>
               </a:spcBef>
@@ -10093,9 +10195,6 @@
               </a:spcAft>
               <a:buNone/>
             </a:pPr>
-            <a:r>
-              <a:t/>
-            </a:r>
             <a:endParaRPr/>
           </a:p>
         </p:txBody>
@@ -10103,7 +10202,9 @@
       <p:sp>
         <p:nvSpPr>
           <p:cNvPr id="149" name="Google Shape;149;p12"/>
-          <p:cNvSpPr txBox="1"/>
+          <p:cNvSpPr txBox="1">
+            <a:spLocks noGrp="1"/>
+          </p:cNvSpPr>
           <p:nvPr>
             <p:ph type="title"/>
           </p:nvPr>
@@ -10122,12 +10223,12 @@
           </a:ln>
         </p:spPr>
         <p:txBody>
-          <a:bodyPr anchorCtr="0" anchor="t" bIns="45700" lIns="91425" spcFirstLastPara="1" rIns="91425" wrap="square" tIns="45700">
+          <a:bodyPr spcFirstLastPara="1" wrap="square" lIns="91425" tIns="45700" rIns="91425" bIns="45700" anchor="t" anchorCtr="0">
             <a:noAutofit/>
           </a:bodyPr>
           <a:lstStyle/>
           <a:p>
-            <a:pPr indent="0" lvl="0" marL="0" rtl="0" algn="ctr">
+            <a:pPr marL="0" lvl="0" indent="0" algn="ctr" rtl="0">
               <a:spcBef>
                 <a:spcPts val="0"/>
               </a:spcBef>
@@ -10164,12 +10265,12 @@
           </a:ln>
         </p:spPr>
         <p:txBody>
-          <a:bodyPr anchorCtr="0" anchor="t" bIns="45700" lIns="91425" spcFirstLastPara="1" rIns="91425" wrap="square" tIns="45700">
+          <a:bodyPr spcFirstLastPara="1" wrap="square" lIns="91425" tIns="45700" rIns="91425" bIns="45700" anchor="t" anchorCtr="0">
             <a:noAutofit/>
           </a:bodyPr>
           <a:lstStyle/>
           <a:p>
-            <a:pPr indent="0" lvl="0" marL="0" marR="0" rtl="0" algn="ctr">
+            <a:pPr marL="0" marR="0" lvl="0" indent="0" algn="ctr" rtl="0">
               <a:spcBef>
                 <a:spcPts val="0"/>
               </a:spcBef>
@@ -10184,7 +10285,7 @@
               <a:buNone/>
             </a:pPr>
             <a:fld id="{00000000-1234-1234-1234-123412341234}" type="slidenum">
-              <a:rPr b="1" i="0" lang="en-US" sz="1100" u="none" cap="none" strike="noStrike">
+              <a:rPr lang="en-US" sz="1100" b="1" i="0" u="none" strike="noStrike" cap="none">
                 <a:solidFill>
                   <a:schemeClr val="dk1"/>
                 </a:solidFill>
@@ -10193,9 +10294,9 @@
                 <a:cs typeface="Tahoma"/>
                 <a:sym typeface="Tahoma"/>
               </a:rPr>
-              <a:t>‹#›</a:t>
+              <a:t>8</a:t>
             </a:fld>
-            <a:endParaRPr b="1" i="0" sz="1100" u="none" cap="none" strike="noStrike">
+            <a:endParaRPr sz="1100" b="1" i="0" u="none" strike="noStrike" cap="none">
               <a:solidFill>
                 <a:schemeClr val="dk1"/>
               </a:solidFill>
@@ -10262,7 +10363,7 @@
             <a:noFill/>
           </a:ln>
           <a:effectLst>
-            <a:outerShdw blurRad="57150" rotWithShape="0" algn="bl" dir="5400000" dist="19050">
+            <a:outerShdw blurRad="57150" dist="19050" dir="5400000" algn="bl" rotWithShape="0">
               <a:srgbClr val="000000">
                 <a:alpha val="50000"/>
               </a:srgbClr>
@@ -10297,7 +10398,7 @@
             <a:noFill/>
           </a:ln>
           <a:effectLst>
-            <a:outerShdw blurRad="57150" rotWithShape="0" algn="bl" dir="5400000" dist="19050">
+            <a:outerShdw blurRad="57150" dist="19050" dir="5400000" algn="bl" rotWithShape="0">
               <a:srgbClr val="000000">
                 <a:alpha val="50000"/>
               </a:srgbClr>
@@ -10332,7 +10433,7 @@
             <a:noFill/>
           </a:ln>
           <a:effectLst>
-            <a:outerShdw blurRad="57150" rotWithShape="0" algn="bl" dir="5400000" dist="19050">
+            <a:outerShdw blurRad="57150" dist="19050" dir="5400000" algn="bl" rotWithShape="0">
               <a:srgbClr val="000000">
                 <a:alpha val="50000"/>
               </a:srgbClr>
@@ -10367,7 +10468,7 @@
             <a:noFill/>
           </a:ln>
           <a:effectLst>
-            <a:outerShdw blurRad="57150" rotWithShape="0" algn="bl" dir="5400000" dist="19050">
+            <a:outerShdw blurRad="57150" dist="19050" dir="5400000" algn="bl" rotWithShape="0">
               <a:srgbClr val="000000">
                 <a:alpha val="50000"/>
               </a:srgbClr>
@@ -10392,14 +10493,14 @@
             <a:avLst/>
           </a:prstGeom>
           <a:noFill/>
-          <a:ln cap="flat" cmpd="sng" w="9525">
+          <a:ln w="9525" cap="flat" cmpd="sng">
             <a:solidFill>
               <a:schemeClr val="dk2"/>
             </a:solidFill>
             <a:prstDash val="solid"/>
             <a:round/>
-            <a:headEnd len="med" w="med" type="none"/>
-            <a:tailEnd len="med" w="med" type="triangle"/>
+            <a:headEnd type="none" w="med" len="med"/>
+            <a:tailEnd type="triangle" w="med" len="med"/>
           </a:ln>
         </p:spPr>
       </p:cxnSp>
@@ -10420,14 +10521,14 @@
             <a:avLst/>
           </a:prstGeom>
           <a:noFill/>
-          <a:ln cap="flat" cmpd="sng" w="9525">
+          <a:ln w="9525" cap="flat" cmpd="sng">
             <a:solidFill>
               <a:schemeClr val="dk2"/>
             </a:solidFill>
             <a:prstDash val="solid"/>
             <a:round/>
-            <a:headEnd len="med" w="med" type="none"/>
-            <a:tailEnd len="med" w="med" type="triangle"/>
+            <a:headEnd type="none" w="med" len="med"/>
+            <a:tailEnd type="triangle" w="med" len="med"/>
           </a:ln>
         </p:spPr>
       </p:cxnSp>
@@ -10448,14 +10549,14 @@
             <a:avLst/>
           </a:prstGeom>
           <a:noFill/>
-          <a:ln cap="flat" cmpd="sng" w="9525">
+          <a:ln w="9525" cap="flat" cmpd="sng">
             <a:solidFill>
               <a:schemeClr val="dk2"/>
             </a:solidFill>
             <a:prstDash val="solid"/>
             <a:round/>
-            <a:headEnd len="med" w="med" type="none"/>
-            <a:tailEnd len="med" w="med" type="triangle"/>
+            <a:headEnd type="none" w="med" len="med"/>
+            <a:tailEnd type="triangle" w="med" len="med"/>
           </a:ln>
         </p:spPr>
       </p:cxnSp>
@@ -10496,11 +10597,11 @@
 </file>
 
 <file path=ppt/slides/slide9.xml><?xml version="1.0" encoding="utf-8"?>
-<p:sld xmlns:a="http://schemas.openxmlformats.org/drawingml/2006/main" xmlns:r="http://schemas.openxmlformats.org/officeDocument/2006/relationships" xmlns:mc="http://schemas.openxmlformats.org/markup-compatibility/2006" xmlns:mv="urn:schemas-microsoft-com:mac:vml" xmlns:p="http://schemas.openxmlformats.org/presentationml/2006/main" xmlns:c="http://schemas.openxmlformats.org/drawingml/2006/chart" xmlns:dgm="http://schemas.openxmlformats.org/drawingml/2006/diagram" xmlns:o="urn:schemas-microsoft-com:office:office" xmlns:v="urn:schemas-microsoft-com:vml" xmlns:pvml="urn:schemas-microsoft-com:office:powerpoint" xmlns:com="http://schemas.openxmlformats.org/drawingml/2006/compatibility" xmlns:p14="http://schemas.microsoft.com/office/powerpoint/2010/main" xmlns:p15="http://schemas.microsoft.com/office/powerpoint/2012/main" xmlns:ahyp="http://schemas.microsoft.com/office/drawing/2018/hyperlinkcolor">
+<p:sld xmlns:a="http://schemas.openxmlformats.org/drawingml/2006/main" xmlns:r="http://schemas.openxmlformats.org/officeDocument/2006/relationships" xmlns:p="http://schemas.openxmlformats.org/presentationml/2006/main">
   <p:cSld>
     <p:spTree>
       <p:nvGrpSpPr>
-        <p:cNvPr id="163" name="Shape 163"/>
+        <p:cNvPr id="1" name="Shape 163"/>
         <p:cNvGrpSpPr/>
         <p:nvPr/>
       </p:nvGrpSpPr>
@@ -10515,9 +10616,11 @@
       <p:sp>
         <p:nvSpPr>
           <p:cNvPr id="164" name="Google Shape;164;p13"/>
-          <p:cNvSpPr txBox="1"/>
+          <p:cNvSpPr txBox="1">
+            <a:spLocks noGrp="1"/>
+          </p:cNvSpPr>
           <p:nvPr>
-            <p:ph idx="1" type="body"/>
+            <p:ph type="body" idx="1"/>
           </p:nvPr>
         </p:nvSpPr>
         <p:spPr>
@@ -10534,12 +10637,12 @@
           </a:ln>
         </p:spPr>
         <p:txBody>
-          <a:bodyPr anchorCtr="0" anchor="t" bIns="45700" lIns="91425" spcFirstLastPara="1" rIns="91425" wrap="square" tIns="45700">
+          <a:bodyPr spcFirstLastPara="1" wrap="square" lIns="91425" tIns="45700" rIns="91425" bIns="45700" anchor="t" anchorCtr="0">
             <a:normAutofit/>
           </a:bodyPr>
           <a:lstStyle/>
           <a:p>
-            <a:pPr indent="-342900" lvl="0" marL="342900" rtl="0" algn="l">
+            <a:pPr marL="342900" lvl="0" indent="-342900" algn="l" rtl="0">
               <a:spcBef>
                 <a:spcPts val="0"/>
               </a:spcBef>
@@ -10556,7 +10659,7 @@
             <a:endParaRPr/>
           </a:p>
           <a:p>
-            <a:pPr indent="-285750" lvl="1" marL="742950" rtl="0" algn="l">
+            <a:pPr marL="742950" lvl="1" indent="-285750" algn="l" rtl="0">
               <a:spcBef>
                 <a:spcPts val="400"/>
               </a:spcBef>
@@ -10600,7 +10703,7 @@
             <a:endParaRPr/>
           </a:p>
           <a:p>
-            <a:pPr indent="0" lvl="0" marL="0" rtl="0" algn="l">
+            <a:pPr marL="0" lvl="0" indent="0" algn="l" rtl="0">
               <a:spcBef>
                 <a:spcPts val="400"/>
               </a:spcBef>
@@ -10609,13 +10712,10 @@
               </a:spcAft>
               <a:buNone/>
             </a:pPr>
-            <a:r>
-              <a:t/>
-            </a:r>
             <a:endParaRPr/>
           </a:p>
           <a:p>
-            <a:pPr indent="0" lvl="0" marL="1143000" rtl="0" algn="l">
+            <a:pPr marL="1143000" lvl="0" indent="0" algn="l" rtl="0">
               <a:spcBef>
                 <a:spcPts val="400"/>
               </a:spcBef>
@@ -10624,9 +10724,6 @@
               </a:spcAft>
               <a:buNone/>
             </a:pPr>
-            <a:r>
-              <a:t/>
-            </a:r>
             <a:endParaRPr/>
           </a:p>
         </p:txBody>
@@ -10634,7 +10731,9 @@
       <p:sp>
         <p:nvSpPr>
           <p:cNvPr id="165" name="Google Shape;165;p13"/>
-          <p:cNvSpPr txBox="1"/>
+          <p:cNvSpPr txBox="1">
+            <a:spLocks noGrp="1"/>
+          </p:cNvSpPr>
           <p:nvPr>
             <p:ph type="title"/>
           </p:nvPr>
@@ -10653,12 +10752,12 @@
           </a:ln>
         </p:spPr>
         <p:txBody>
-          <a:bodyPr anchorCtr="0" anchor="t" bIns="45700" lIns="91425" spcFirstLastPara="1" rIns="91425" wrap="square" tIns="45700">
+          <a:bodyPr spcFirstLastPara="1" wrap="square" lIns="91425" tIns="45700" rIns="91425" bIns="45700" anchor="t" anchorCtr="0">
             <a:noAutofit/>
           </a:bodyPr>
           <a:lstStyle/>
           <a:p>
-            <a:pPr indent="0" lvl="0" marL="0" rtl="0" algn="ctr">
+            <a:pPr marL="0" lvl="0" indent="0" algn="ctr" rtl="0">
               <a:spcBef>
                 <a:spcPts val="0"/>
               </a:spcBef>
@@ -10695,12 +10794,12 @@
           </a:ln>
         </p:spPr>
         <p:txBody>
-          <a:bodyPr anchorCtr="0" anchor="t" bIns="45700" lIns="91425" spcFirstLastPara="1" rIns="91425" wrap="square" tIns="45700">
+          <a:bodyPr spcFirstLastPara="1" wrap="square" lIns="91425" tIns="45700" rIns="91425" bIns="45700" anchor="t" anchorCtr="0">
             <a:noAutofit/>
           </a:bodyPr>
           <a:lstStyle/>
           <a:p>
-            <a:pPr indent="0" lvl="0" marL="0" marR="0" rtl="0" algn="ctr">
+            <a:pPr marL="0" marR="0" lvl="0" indent="0" algn="ctr" rtl="0">
               <a:spcBef>
                 <a:spcPts val="0"/>
               </a:spcBef>
@@ -10715,7 +10814,7 @@
               <a:buNone/>
             </a:pPr>
             <a:fld id="{00000000-1234-1234-1234-123412341234}" type="slidenum">
-              <a:rPr b="1" i="0" lang="en-US" sz="1100" u="none" cap="none" strike="noStrike">
+              <a:rPr lang="en-US" sz="1100" b="1" i="0" u="none" strike="noStrike" cap="none">
                 <a:solidFill>
                   <a:schemeClr val="dk1"/>
                 </a:solidFill>
@@ -10724,9 +10823,9 @@
                 <a:cs typeface="Tahoma"/>
                 <a:sym typeface="Tahoma"/>
               </a:rPr>
-              <a:t>‹#›</a:t>
+              <a:t>9</a:t>
             </a:fld>
-            <a:endParaRPr b="1" i="0" sz="1100" u="none" cap="none" strike="noStrike">
+            <a:endParaRPr sz="1100" b="1" i="0" u="none" strike="noStrike" cap="none">
               <a:solidFill>
                 <a:schemeClr val="dk1"/>
               </a:solidFill>
@@ -10809,14 +10908,14 @@
             <a:avLst/>
           </a:prstGeom>
           <a:noFill/>
-          <a:ln cap="flat" cmpd="sng" w="9525">
+          <a:ln w="9525" cap="flat" cmpd="sng">
             <a:solidFill>
               <a:schemeClr val="dk2"/>
             </a:solidFill>
             <a:prstDash val="solid"/>
             <a:round/>
-            <a:headEnd len="med" w="med" type="none"/>
-            <a:tailEnd len="med" w="med" type="triangle"/>
+            <a:headEnd type="none" w="med" len="med"/>
+            <a:tailEnd type="triangle" w="med" len="med"/>
           </a:ln>
         </p:spPr>
       </p:cxnSp>
@@ -10840,12 +10939,12 @@
           </a:ln>
         </p:spPr>
         <p:txBody>
-          <a:bodyPr anchorCtr="0" anchor="t" bIns="91425" lIns="91425" spcFirstLastPara="1" rIns="91425" wrap="square" tIns="91425">
+          <a:bodyPr spcFirstLastPara="1" wrap="square" lIns="91425" tIns="91425" rIns="91425" bIns="91425" anchor="t" anchorCtr="0">
             <a:spAutoFit/>
           </a:bodyPr>
           <a:lstStyle/>
           <a:p>
-            <a:pPr indent="0" lvl="0" marL="0" rtl="0" algn="l">
+            <a:pPr marL="0" lvl="0" indent="0" algn="l" rtl="0">
               <a:spcBef>
                 <a:spcPts val="0"/>
               </a:spcBef>
@@ -10871,7 +10970,7 @@
 </file>
 
 <file path=ppt/theme/theme1.xml><?xml version="1.0" encoding="utf-8"?>
-<a:theme xmlns:a="http://schemas.openxmlformats.org/drawingml/2006/main" xmlns:r="http://schemas.openxmlformats.org/officeDocument/2006/relationships" name="파일캐쉬서식">
+<a:theme xmlns:a="http://schemas.openxmlformats.org/drawingml/2006/main" name="파일캐쉬서식">
   <a:themeElements>
     <a:clrScheme name="파일캐쉬서식 2">
       <a:dk1>
@@ -11146,11 +11245,13 @@
       </a:bgFillStyleLst>
     </a:fmtScheme>
   </a:themeElements>
+  <a:objectDefaults/>
+  <a:extraClrSchemeLst/>
 </a:theme>
 </file>
 
 <file path=ppt/theme/theme2.xml><?xml version="1.0" encoding="utf-8"?>
-<a:theme xmlns:a="http://schemas.openxmlformats.org/drawingml/2006/main" xmlns:r="http://schemas.openxmlformats.org/officeDocument/2006/relationships" name="Office 테마">
+<a:theme xmlns:a="http://schemas.openxmlformats.org/drawingml/2006/main" name="Office 테마">
   <a:themeElements>
     <a:clrScheme name="">
       <a:dk1>
@@ -11425,5 +11526,7 @@
       </a:bgFillStyleLst>
     </a:fmtScheme>
   </a:themeElements>
+  <a:objectDefaults/>
+  <a:extraClrSchemeLst/>
 </a:theme>
 </file>